--- a/FW/Phuc/WEEK3_wifi login_mqtt info/TEMPLATE SLITE Wifi login.pptx
+++ b/FW/Phuc/WEEK3_wifi login_mqtt info/TEMPLATE SLITE Wifi login.pptx
@@ -242,7 +242,7 @@
           <a:p>
             <a:fld id="{BE921E71-55FB-4F70-BA64-7E87629B9540}" type="datetimeFigureOut">
               <a:rPr lang="en-US" smtClean="0"/>
-              <a:t>8/3/2020</a:t>
+              <a:t>8/4/2020</a:t>
             </a:fld>
             <a:endParaRPr lang="en-US"/>
           </a:p>
@@ -3300,7 +3300,7 @@
           <a:p>
             <a:fld id="{6D9FEF56-C5D4-4D87-B961-211842A8ECEA}" type="datetime1">
               <a:rPr lang="en-US" smtClean="0"/>
-              <a:t>8/3/2020</a:t>
+              <a:t>8/4/2020</a:t>
             </a:fld>
             <a:endParaRPr lang="en-US"/>
           </a:p>
@@ -5070,10 +5070,6 @@
               </a:rPr>
               <a:t>Lấy giá trị mặc định của ssid và password của access point</a:t>
             </a:r>
-            <a:endParaRPr lang="en-US" sz="2400" dirty="0" smtClean="0">
-              <a:latin typeface="Times New Roman" panose="02020603050405020304" pitchFamily="18" charset="0"/>
-              <a:cs typeface="Times New Roman" panose="02020603050405020304" pitchFamily="18" charset="0"/>
-            </a:endParaRPr>
           </a:p>
         </p:txBody>
       </p:sp>
@@ -6818,10 +6814,6 @@
               </a:rPr>
               <a:t>Đóng mode wifi station</a:t>
             </a:r>
-            <a:endParaRPr lang="en-US" sz="2400" dirty="0" smtClean="0">
-              <a:latin typeface="Times New Roman" panose="02020603050405020304" pitchFamily="18" charset="0"/>
-              <a:cs typeface="Times New Roman" panose="02020603050405020304" pitchFamily="18" charset="0"/>
-            </a:endParaRPr>
           </a:p>
           <a:p>
             <a:pPr marL="342900" indent="-342900">
@@ -10943,26 +10935,7 @@
                 <a:latin typeface="Times New Roman" panose="02020603050405020304" pitchFamily="18" charset="0"/>
                 <a:cs typeface="Times New Roman" panose="02020603050405020304" pitchFamily="18" charset="0"/>
               </a:rPr>
-              <a:t>PART </a:t>
-            </a:r>
-            <a:r>
-              <a:rPr lang="en-US" sz="6000" b="1" dirty="0">
-                <a:ln w="22225">
-                  <a:solidFill>
-                    <a:schemeClr val="accent2"/>
-                  </a:solidFill>
-                  <a:prstDash val="solid"/>
-                </a:ln>
-                <a:solidFill>
-                  <a:schemeClr val="accent2">
-                    <a:lumMod val="40000"/>
-                    <a:lumOff val="60000"/>
-                  </a:schemeClr>
-                </a:solidFill>
-                <a:latin typeface="Times New Roman" panose="02020603050405020304" pitchFamily="18" charset="0"/>
-                <a:cs typeface="Times New Roman" panose="02020603050405020304" pitchFamily="18" charset="0"/>
-              </a:rPr>
-              <a:t>3</a:t>
+              <a:t>PART 3</a:t>
             </a:r>
             <a:r>
               <a:rPr lang="en-US" sz="6000" b="1" dirty="0" smtClean="0">
@@ -10983,22 +10956,6 @@
               </a:rPr>
               <a:t>:</a:t>
             </a:r>
-            <a:endParaRPr lang="en-US" sz="6000" b="1" dirty="0" smtClean="0">
-              <a:ln w="22225">
-                <a:solidFill>
-                  <a:schemeClr val="accent2"/>
-                </a:solidFill>
-                <a:prstDash val="solid"/>
-              </a:ln>
-              <a:solidFill>
-                <a:schemeClr val="accent2">
-                  <a:lumMod val="40000"/>
-                  <a:lumOff val="60000"/>
-                </a:schemeClr>
-              </a:solidFill>
-              <a:latin typeface="Times New Roman" panose="02020603050405020304" pitchFamily="18" charset="0"/>
-              <a:cs typeface="Times New Roman" panose="02020603050405020304" pitchFamily="18" charset="0"/>
-            </a:endParaRPr>
           </a:p>
           <a:p>
             <a:pPr algn="ctr"/>
@@ -11021,22 +10978,6 @@
               </a:rPr>
               <a:t>SET MQTT &amp; PRINT</a:t>
             </a:r>
-            <a:endParaRPr lang="en-US" sz="6000" b="1" dirty="0" smtClean="0">
-              <a:ln w="22225">
-                <a:solidFill>
-                  <a:schemeClr val="accent2"/>
-                </a:solidFill>
-                <a:prstDash val="solid"/>
-              </a:ln>
-              <a:solidFill>
-                <a:schemeClr val="accent2">
-                  <a:lumMod val="40000"/>
-                  <a:lumOff val="60000"/>
-                </a:schemeClr>
-              </a:solidFill>
-              <a:latin typeface="Times New Roman" panose="02020603050405020304" pitchFamily="18" charset="0"/>
-              <a:cs typeface="Times New Roman" panose="02020603050405020304" pitchFamily="18" charset="0"/>
-            </a:endParaRPr>
           </a:p>
         </p:txBody>
       </p:sp>
@@ -11213,20 +11154,6 @@
               </a:rPr>
               <a:t>3.1.1 GIAO DIỆN</a:t>
             </a:r>
-            <a:endParaRPr lang="en-US" sz="2400" b="1" dirty="0" smtClean="0">
-              <a:solidFill>
-                <a:srgbClr val="1B8FAD"/>
-              </a:solidFill>
-              <a:effectLst>
-                <a:outerShdw blurRad="38100" dist="38100" dir="2700000" algn="tl">
-                  <a:srgbClr val="000000">
-                    <a:alpha val="43137"/>
-                  </a:srgbClr>
-                </a:outerShdw>
-              </a:effectLst>
-              <a:latin typeface="Times New Roman" panose="02020603050405020304" pitchFamily="18" charset="0"/>
-              <a:cs typeface="Times New Roman" panose="02020603050405020304" pitchFamily="18" charset="0"/>
-            </a:endParaRPr>
           </a:p>
         </p:txBody>
       </p:sp>
@@ -11246,7 +11173,7 @@
         </p:blipFill>
         <p:spPr>
           <a:xfrm>
-            <a:off x="3832269" y="1753349"/>
+            <a:off x="6080685" y="1753349"/>
             <a:ext cx="2925700" cy="5113305"/>
           </a:xfrm>
           <a:prstGeom prst="rect">
@@ -11270,7 +11197,7 @@
         </p:blipFill>
         <p:spPr>
           <a:xfrm>
-            <a:off x="6891200" y="1753349"/>
+            <a:off x="8911588" y="1753349"/>
             <a:ext cx="3390900" cy="3933825"/>
           </a:xfrm>
           <a:prstGeom prst="rect">
@@ -11278,6 +11205,45 @@
           </a:prstGeom>
         </p:spPr>
       </p:pic>
+      <p:sp>
+        <p:nvSpPr>
+          <p:cNvPr id="7" name="Rectangle 6"/>
+          <p:cNvSpPr/>
+          <p:nvPr/>
+        </p:nvSpPr>
+        <p:spPr>
+          <a:xfrm>
+            <a:off x="1623331" y="1738858"/>
+            <a:ext cx="4594589" cy="1200329"/>
+          </a:xfrm>
+          <a:prstGeom prst="rect">
+            <a:avLst/>
+          </a:prstGeom>
+        </p:spPr>
+        <p:txBody>
+          <a:bodyPr wrap="square">
+            <a:spAutoFit/>
+          </a:bodyPr>
+          <a:lstStyle/>
+          <a:p>
+            <a:pPr marL="342900" indent="-342900">
+              <a:buFont typeface="Arial" panose="020B0604020202020204" pitchFamily="34" charset="0"/>
+              <a:buChar char="•"/>
+            </a:pPr>
+            <a:r>
+              <a:rPr lang="en-US" sz="2400" smtClean="0">
+                <a:latin typeface="Times New Roman" panose="02020603050405020304" pitchFamily="18" charset="0"/>
+                <a:cs typeface="Times New Roman" panose="02020603050405020304" pitchFamily="18" charset="0"/>
+              </a:rPr>
+              <a:t>Lưu ý conf wifi và MQTT trong access point trước khi xử lý các task khác như websever,...</a:t>
+            </a:r>
+            <a:endParaRPr lang="en-US" sz="2400" dirty="0">
+              <a:latin typeface="Times New Roman" panose="02020603050405020304" pitchFamily="18" charset="0"/>
+              <a:cs typeface="Times New Roman" panose="02020603050405020304" pitchFamily="18" charset="0"/>
+            </a:endParaRPr>
+          </a:p>
+        </p:txBody>
+      </p:sp>
     </p:spTree>
     <p:extLst>
       <p:ext uri="{BB962C8B-B14F-4D97-AF65-F5344CB8AC3E}">
@@ -11451,20 +11417,6 @@
               </a:rPr>
               <a:t>3.1.2 DEFAULT</a:t>
             </a:r>
-            <a:endParaRPr lang="en-US" sz="2400" b="1" dirty="0" smtClean="0">
-              <a:solidFill>
-                <a:srgbClr val="1B8FAD"/>
-              </a:solidFill>
-              <a:effectLst>
-                <a:outerShdw blurRad="38100" dist="38100" dir="2700000" algn="tl">
-                  <a:srgbClr val="000000">
-                    <a:alpha val="43137"/>
-                  </a:srgbClr>
-                </a:outerShdw>
-              </a:effectLst>
-              <a:latin typeface="Times New Roman" panose="02020603050405020304" pitchFamily="18" charset="0"/>
-              <a:cs typeface="Times New Roman" panose="02020603050405020304" pitchFamily="18" charset="0"/>
-            </a:endParaRPr>
           </a:p>
         </p:txBody>
       </p:sp>
@@ -11907,20 +11859,6 @@
               </a:rPr>
               <a:t>3.1.3 CALL FILE</a:t>
             </a:r>
-            <a:endParaRPr lang="en-US" sz="2400" b="1" dirty="0" smtClean="0">
-              <a:solidFill>
-                <a:srgbClr val="1B8FAD"/>
-              </a:solidFill>
-              <a:effectLst>
-                <a:outerShdw blurRad="38100" dist="38100" dir="2700000" algn="tl">
-                  <a:srgbClr val="000000">
-                    <a:alpha val="43137"/>
-                  </a:srgbClr>
-                </a:outerShdw>
-              </a:effectLst>
-              <a:latin typeface="Times New Roman" panose="02020603050405020304" pitchFamily="18" charset="0"/>
-              <a:cs typeface="Times New Roman" panose="02020603050405020304" pitchFamily="18" charset="0"/>
-            </a:endParaRPr>
           </a:p>
         </p:txBody>
       </p:sp>
@@ -12212,20 +12150,6 @@
               </a:rPr>
               <a:t>3.1.4 GET DATA</a:t>
             </a:r>
-            <a:endParaRPr lang="en-US" sz="2400" b="1" dirty="0" smtClean="0">
-              <a:solidFill>
-                <a:srgbClr val="1B8FAD"/>
-              </a:solidFill>
-              <a:effectLst>
-                <a:outerShdw blurRad="38100" dist="38100" dir="2700000" algn="tl">
-                  <a:srgbClr val="000000">
-                    <a:alpha val="43137"/>
-                  </a:srgbClr>
-                </a:outerShdw>
-              </a:effectLst>
-              <a:latin typeface="Times New Roman" panose="02020603050405020304" pitchFamily="18" charset="0"/>
-              <a:cs typeface="Times New Roman" panose="02020603050405020304" pitchFamily="18" charset="0"/>
-            </a:endParaRPr>
           </a:p>
         </p:txBody>
       </p:sp>
@@ -12474,20 +12398,6 @@
               </a:rPr>
               <a:t>3.1.5 PARAMETER</a:t>
             </a:r>
-            <a:endParaRPr lang="en-US" sz="2400" b="1" dirty="0" smtClean="0">
-              <a:solidFill>
-                <a:srgbClr val="1B8FAD"/>
-              </a:solidFill>
-              <a:effectLst>
-                <a:outerShdw blurRad="38100" dist="38100" dir="2700000" algn="tl">
-                  <a:srgbClr val="000000">
-                    <a:alpha val="43137"/>
-                  </a:srgbClr>
-                </a:outerShdw>
-              </a:effectLst>
-              <a:latin typeface="Times New Roman" panose="02020603050405020304" pitchFamily="18" charset="0"/>
-              <a:cs typeface="Times New Roman" panose="02020603050405020304" pitchFamily="18" charset="0"/>
-            </a:endParaRPr>
           </a:p>
         </p:txBody>
       </p:sp>
@@ -12762,20 +12672,6 @@
               </a:rPr>
               <a:t>3.1.6 GET UPDATE &amp; SAVE</a:t>
             </a:r>
-            <a:endParaRPr lang="en-US" sz="2400" b="1" dirty="0" smtClean="0">
-              <a:solidFill>
-                <a:srgbClr val="1B8FAD"/>
-              </a:solidFill>
-              <a:effectLst>
-                <a:outerShdw blurRad="38100" dist="38100" dir="2700000" algn="tl">
-                  <a:srgbClr val="000000">
-                    <a:alpha val="43137"/>
-                  </a:srgbClr>
-                </a:outerShdw>
-              </a:effectLst>
-              <a:latin typeface="Times New Roman" panose="02020603050405020304" pitchFamily="18" charset="0"/>
-              <a:cs typeface="Times New Roman" panose="02020603050405020304" pitchFamily="18" charset="0"/>
-            </a:endParaRPr>
           </a:p>
         </p:txBody>
       </p:sp>
@@ -13037,20 +12933,6 @@
               </a:rPr>
               <a:t>3.1.7 CLOSE FILE </a:t>
             </a:r>
-            <a:endParaRPr lang="en-US" sz="2400" b="1" dirty="0" smtClean="0">
-              <a:solidFill>
-                <a:srgbClr val="1B8FAD"/>
-              </a:solidFill>
-              <a:effectLst>
-                <a:outerShdw blurRad="38100" dist="38100" dir="2700000" algn="tl">
-                  <a:srgbClr val="000000">
-                    <a:alpha val="43137"/>
-                  </a:srgbClr>
-                </a:outerShdw>
-              </a:effectLst>
-              <a:latin typeface="Times New Roman" panose="02020603050405020304" pitchFamily="18" charset="0"/>
-              <a:cs typeface="Times New Roman" panose="02020603050405020304" pitchFamily="18" charset="0"/>
-            </a:endParaRPr>
           </a:p>
         </p:txBody>
       </p:sp>

--- a/FW/Phuc/WEEK3_wifi login_mqtt info/TEMPLATE SLITE Wifi login.pptx
+++ b/FW/Phuc/WEEK3_wifi login_mqtt info/TEMPLATE SLITE Wifi login.pptx
@@ -242,7 +242,7 @@
           <a:p>
             <a:fld id="{BE921E71-55FB-4F70-BA64-7E87629B9540}" type="datetimeFigureOut">
               <a:rPr lang="en-US" smtClean="0"/>
-              <a:t>8/4/2020</a:t>
+              <a:t>8/23/2020</a:t>
             </a:fld>
             <a:endParaRPr lang="en-US"/>
           </a:p>
@@ -306,38 +306,37 @@
           <a:p>
             <a:pPr lvl="0"/>
             <a:r>
-              <a:rPr lang="en-US" smtClean="0"/>
+              <a:rPr lang="en-US"/>
               <a:t>Edit Master text styles</a:t>
             </a:r>
           </a:p>
           <a:p>
             <a:pPr lvl="1"/>
             <a:r>
-              <a:rPr lang="en-US" smtClean="0"/>
+              <a:rPr lang="en-US"/>
               <a:t>Second level</a:t>
             </a:r>
           </a:p>
           <a:p>
             <a:pPr lvl="2"/>
             <a:r>
-              <a:rPr lang="en-US" smtClean="0"/>
+              <a:rPr lang="en-US"/>
               <a:t>Third level</a:t>
             </a:r>
           </a:p>
           <a:p>
             <a:pPr lvl="3"/>
             <a:r>
-              <a:rPr lang="en-US" smtClean="0"/>
+              <a:rPr lang="en-US"/>
               <a:t>Fourth level</a:t>
             </a:r>
           </a:p>
           <a:p>
             <a:pPr lvl="4"/>
             <a:r>
-              <a:rPr lang="en-US" smtClean="0"/>
+              <a:rPr lang="en-US"/>
               <a:t>Fifth level</a:t>
             </a:r>
-            <a:endParaRPr lang="en-US"/>
           </a:p>
         </p:txBody>
       </p:sp>
@@ -581,13 +580,6 @@
   <p:clrMapOvr>
     <a:masterClrMapping/>
   </p:clrMapOvr>
-  <p:timing>
-    <p:tnLst>
-      <p:par>
-        <p:cTn id="1" dur="indefinite" restart="never" nodeType="tmRoot"/>
-      </p:par>
-    </p:tnLst>
-  </p:timing>
 </p:sldLayout>
 </file>
 
@@ -696,17 +688,16 @@
           </a:lstStyle>
           <a:p>
             <a:r>
-              <a:rPr lang="en-US" dirty="0" smtClean="0"/>
+              <a:rPr lang="en-US" dirty="0"/>
               <a:t>Headline here</a:t>
             </a:r>
             <a:br>
-              <a:rPr lang="en-US" dirty="0" smtClean="0"/>
+              <a:rPr lang="en-US" dirty="0"/>
             </a:br>
             <a:r>
-              <a:rPr lang="en-US" dirty="0" smtClean="0"/>
+              <a:rPr lang="en-US" dirty="0"/>
               <a:t>Content</a:t>
             </a:r>
-            <a:endParaRPr lang="en-US" dirty="0"/>
           </a:p>
         </p:txBody>
       </p:sp>
@@ -739,7 +730,7 @@
           </a:lstStyle>
           <a:p>
             <a:r>
-              <a:rPr lang="en-US" smtClean="0"/>
+              <a:rPr lang="en-US"/>
               <a:t>www.indruino.com</a:t>
             </a:r>
             <a:endParaRPr lang="en-US" dirty="0"/>
@@ -810,16 +801,15 @@
           </a:lstStyle>
           <a:p>
             <a:r>
-              <a:rPr lang="en-US" dirty="0" smtClean="0"/>
+              <a:rPr lang="en-US" dirty="0"/>
               <a:t>Subhead here</a:t>
             </a:r>
           </a:p>
           <a:p>
             <a:r>
-              <a:rPr lang="en-US" dirty="0" smtClean="0"/>
+              <a:rPr lang="en-US" dirty="0"/>
               <a:t>Content</a:t>
             </a:r>
-            <a:endParaRPr lang="en-US" dirty="0"/>
           </a:p>
         </p:txBody>
       </p:sp>
@@ -1040,7 +1030,7 @@
           </a:lstStyle>
           <a:p>
             <a:r>
-              <a:rPr lang="en-US" dirty="0" err="1" smtClean="0">
+              <a:rPr lang="en-US" dirty="0" err="1">
                 <a:solidFill>
                   <a:schemeClr val="bg1"/>
                 </a:solidFill>
@@ -1048,7 +1038,7 @@
               <a:t>Diễn</a:t>
             </a:r>
             <a:r>
-              <a:rPr lang="en-US" dirty="0" smtClean="0">
+              <a:rPr lang="en-US" dirty="0">
                 <a:solidFill>
                   <a:schemeClr val="bg1"/>
                 </a:solidFill>
@@ -1056,7 +1046,7 @@
               <a:t> </a:t>
             </a:r>
             <a:r>
-              <a:rPr lang="en-US" dirty="0" err="1" smtClean="0">
+              <a:rPr lang="en-US" dirty="0" err="1">
                 <a:solidFill>
                   <a:schemeClr val="bg1"/>
                 </a:solidFill>
@@ -1064,7 +1054,7 @@
               <a:t>giả</a:t>
             </a:r>
             <a:r>
-              <a:rPr lang="en-US" dirty="0" smtClean="0">
+              <a:rPr lang="en-US" dirty="0">
                 <a:solidFill>
                   <a:schemeClr val="bg1"/>
                 </a:solidFill>
@@ -1072,14 +1062,14 @@
               <a:t>: </a:t>
             </a:r>
             <a:r>
-              <a:rPr lang="en-US" dirty="0" err="1" smtClean="0">
+              <a:rPr lang="en-US" dirty="0" err="1">
                 <a:solidFill>
                   <a:schemeClr val="bg1"/>
                 </a:solidFill>
               </a:rPr>
               <a:t>Indruino</a:t>
             </a:r>
-            <a:endParaRPr lang="en-US" dirty="0" smtClean="0">
+            <a:endParaRPr lang="en-US" dirty="0">
               <a:solidFill>
                 <a:schemeClr val="bg1"/>
               </a:solidFill>
@@ -1087,7 +1077,7 @@
           </a:p>
           <a:p>
             <a:r>
-              <a:rPr lang="en-US" dirty="0" err="1" smtClean="0">
+              <a:rPr lang="en-US" dirty="0" err="1">
                 <a:solidFill>
                   <a:schemeClr val="bg1"/>
                 </a:solidFill>
@@ -1095,7 +1085,7 @@
               <a:t>Bộ</a:t>
             </a:r>
             <a:r>
-              <a:rPr lang="en-US" dirty="0" smtClean="0">
+              <a:rPr lang="en-US" dirty="0">
                 <a:solidFill>
                   <a:schemeClr val="bg1"/>
                 </a:solidFill>
@@ -1103,7 +1093,7 @@
               <a:t> </a:t>
             </a:r>
             <a:r>
-              <a:rPr lang="en-US" dirty="0" err="1" smtClean="0">
+              <a:rPr lang="en-US" dirty="0" err="1">
                 <a:solidFill>
                   <a:schemeClr val="bg1"/>
                 </a:solidFill>
@@ -1111,7 +1101,7 @@
               <a:t>phận</a:t>
             </a:r>
             <a:r>
-              <a:rPr lang="en-US" dirty="0" smtClean="0">
+              <a:rPr lang="en-US" dirty="0">
                 <a:solidFill>
                   <a:schemeClr val="bg1"/>
                 </a:solidFill>
@@ -1119,7 +1109,7 @@
               <a:t>: </a:t>
             </a:r>
             <a:r>
-              <a:rPr lang="en-US" dirty="0" err="1" smtClean="0">
+              <a:rPr lang="en-US" dirty="0" err="1">
                 <a:solidFill>
                   <a:schemeClr val="bg1"/>
                 </a:solidFill>
@@ -1187,13 +1177,6 @@
   <p:clrMapOvr>
     <a:masterClrMapping/>
   </p:clrMapOvr>
-  <p:timing>
-    <p:tnLst>
-      <p:par>
-        <p:cTn id="1" dur="indefinite" restart="never" nodeType="tmRoot"/>
-      </p:par>
-    </p:tnLst>
-  </p:timing>
 </p:sldLayout>
 </file>
 
@@ -1241,10 +1224,9 @@
           </a:lstStyle>
           <a:p>
             <a:r>
-              <a:rPr lang="en-US" dirty="0" smtClean="0"/>
+              <a:rPr lang="en-US" dirty="0"/>
               <a:t>Title here</a:t>
             </a:r>
-            <a:endParaRPr lang="en-US" dirty="0"/>
           </a:p>
         </p:txBody>
       </p:sp>
@@ -1308,7 +1290,7 @@
           </a:lstStyle>
           <a:p>
             <a:r>
-              <a:rPr lang="en-US" dirty="0" smtClean="0"/>
+              <a:rPr lang="en-US" dirty="0"/>
               <a:t>Subtitle here</a:t>
             </a:r>
           </a:p>
@@ -1601,7 +1583,7 @@
           <a:p>
             <a:pPr lvl="0"/>
             <a:r>
-              <a:rPr lang="en-US" dirty="0" smtClean="0"/>
+              <a:rPr lang="en-US" dirty="0"/>
               <a:t>Content Here</a:t>
             </a:r>
           </a:p>
@@ -1617,13 +1599,6 @@
   <p:clrMapOvr>
     <a:masterClrMapping/>
   </p:clrMapOvr>
-  <p:timing>
-    <p:tnLst>
-      <p:par>
-        <p:cTn id="1" dur="indefinite" restart="never" nodeType="tmRoot"/>
-      </p:par>
-    </p:tnLst>
-  </p:timing>
 </p:sldLayout>
 </file>
 
@@ -1671,10 +1646,9 @@
           </a:lstStyle>
           <a:p>
             <a:r>
-              <a:rPr lang="en-US" dirty="0" smtClean="0"/>
+              <a:rPr lang="en-US" dirty="0"/>
               <a:t>Title here</a:t>
             </a:r>
-            <a:endParaRPr lang="en-US" dirty="0"/>
           </a:p>
         </p:txBody>
       </p:sp>
@@ -1738,7 +1712,7 @@
           </a:lstStyle>
           <a:p>
             <a:r>
-              <a:rPr lang="en-US" dirty="0" smtClean="0"/>
+              <a:rPr lang="en-US" dirty="0"/>
               <a:t>Subtitle here</a:t>
             </a:r>
           </a:p>
@@ -1970,7 +1944,7 @@
           <a:p>
             <a:pPr lvl="0"/>
             <a:r>
-              <a:rPr lang="en-US" dirty="0" smtClean="0"/>
+              <a:rPr lang="en-US" dirty="0"/>
               <a:t>Content Here</a:t>
             </a:r>
           </a:p>
@@ -2035,7 +2009,7 @@
           <a:p>
             <a:pPr lvl="0"/>
             <a:r>
-              <a:rPr lang="en-US" dirty="0" smtClean="0"/>
+              <a:rPr lang="en-US" dirty="0"/>
               <a:t>Content Here</a:t>
             </a:r>
           </a:p>
@@ -2100,7 +2074,7 @@
           <a:p>
             <a:pPr lvl="0"/>
             <a:r>
-              <a:rPr lang="en-US" dirty="0" smtClean="0"/>
+              <a:rPr lang="en-US" dirty="0"/>
               <a:t>Content Here</a:t>
             </a:r>
           </a:p>
@@ -2116,13 +2090,6 @@
   <p:clrMapOvr>
     <a:masterClrMapping/>
   </p:clrMapOvr>
-  <p:timing>
-    <p:tnLst>
-      <p:par>
-        <p:cTn id="1" dur="indefinite" restart="never" nodeType="tmRoot"/>
-      </p:par>
-    </p:tnLst>
-  </p:timing>
 </p:sldLayout>
 </file>
 
@@ -2292,10 +2259,9 @@
           </a:lstStyle>
           <a:p>
             <a:r>
-              <a:rPr lang="en-US" dirty="0" smtClean="0"/>
+              <a:rPr lang="en-US" dirty="0"/>
               <a:t>Title here</a:t>
             </a:r>
-            <a:endParaRPr lang="en-US" dirty="0"/>
           </a:p>
         </p:txBody>
       </p:sp>
@@ -2359,7 +2325,7 @@
           </a:lstStyle>
           <a:p>
             <a:r>
-              <a:rPr lang="en-US" dirty="0" smtClean="0"/>
+              <a:rPr lang="en-US" dirty="0"/>
               <a:t>Subtitle here</a:t>
             </a:r>
           </a:p>
@@ -2591,7 +2557,7 @@
           <a:p>
             <a:pPr lvl="0"/>
             <a:r>
-              <a:rPr lang="en-US" dirty="0" smtClean="0"/>
+              <a:rPr lang="en-US" dirty="0"/>
               <a:t>Content Here</a:t>
             </a:r>
           </a:p>
@@ -2607,13 +2573,6 @@
   <p:clrMapOvr>
     <a:masterClrMapping/>
   </p:clrMapOvr>
-  <p:timing>
-    <p:tnLst>
-      <p:par>
-        <p:cTn id="1" dur="indefinite" restart="never" nodeType="tmRoot"/>
-      </p:par>
-    </p:tnLst>
-  </p:timing>
 </p:sldLayout>
 </file>
 
@@ -2725,10 +2684,9 @@
           </a:lstStyle>
           <a:p>
             <a:r>
-              <a:rPr lang="en-US" dirty="0" smtClean="0"/>
+              <a:rPr lang="en-US" dirty="0"/>
               <a:t>Thanks you !</a:t>
             </a:r>
-            <a:endParaRPr lang="en-US" dirty="0"/>
           </a:p>
         </p:txBody>
       </p:sp>
@@ -2761,7 +2719,7 @@
           </a:lstStyle>
           <a:p>
             <a:r>
-              <a:rPr lang="en-US" smtClean="0"/>
+              <a:rPr lang="en-US"/>
               <a:t>www.indruino.com</a:t>
             </a:r>
             <a:endParaRPr lang="en-US" dirty="0"/>
@@ -2985,7 +2943,7 @@
           </a:lstStyle>
           <a:p>
             <a:r>
-              <a:rPr lang="en-US" dirty="0" err="1" smtClean="0">
+              <a:rPr lang="en-US" dirty="0" err="1">
                 <a:solidFill>
                   <a:schemeClr val="bg1"/>
                 </a:solidFill>
@@ -2993,7 +2951,7 @@
               <a:t>Diễn</a:t>
             </a:r>
             <a:r>
-              <a:rPr lang="en-US" dirty="0" smtClean="0">
+              <a:rPr lang="en-US" dirty="0">
                 <a:solidFill>
                   <a:schemeClr val="bg1"/>
                 </a:solidFill>
@@ -3001,7 +2959,7 @@
               <a:t> </a:t>
             </a:r>
             <a:r>
-              <a:rPr lang="en-US" dirty="0" err="1" smtClean="0">
+              <a:rPr lang="en-US" dirty="0" err="1">
                 <a:solidFill>
                   <a:schemeClr val="bg1"/>
                 </a:solidFill>
@@ -3009,7 +2967,7 @@
               <a:t>giả</a:t>
             </a:r>
             <a:r>
-              <a:rPr lang="en-US" dirty="0" smtClean="0">
+              <a:rPr lang="en-US" dirty="0">
                 <a:solidFill>
                   <a:schemeClr val="bg1"/>
                 </a:solidFill>
@@ -3017,14 +2975,14 @@
               <a:t>: </a:t>
             </a:r>
             <a:r>
-              <a:rPr lang="en-US" dirty="0" err="1" smtClean="0">
+              <a:rPr lang="en-US" dirty="0" err="1">
                 <a:solidFill>
                   <a:schemeClr val="bg1"/>
                 </a:solidFill>
               </a:rPr>
               <a:t>Indruino</a:t>
             </a:r>
-            <a:endParaRPr lang="en-US" dirty="0" smtClean="0">
+            <a:endParaRPr lang="en-US" dirty="0">
               <a:solidFill>
                 <a:schemeClr val="bg1"/>
               </a:solidFill>
@@ -3032,7 +2990,7 @@
           </a:p>
           <a:p>
             <a:r>
-              <a:rPr lang="en-US" dirty="0" err="1" smtClean="0">
+              <a:rPr lang="en-US" dirty="0" err="1">
                 <a:solidFill>
                   <a:schemeClr val="bg1"/>
                 </a:solidFill>
@@ -3040,7 +2998,7 @@
               <a:t>Bộ</a:t>
             </a:r>
             <a:r>
-              <a:rPr lang="en-US" dirty="0" smtClean="0">
+              <a:rPr lang="en-US" dirty="0">
                 <a:solidFill>
                   <a:schemeClr val="bg1"/>
                 </a:solidFill>
@@ -3048,7 +3006,7 @@
               <a:t> </a:t>
             </a:r>
             <a:r>
-              <a:rPr lang="en-US" dirty="0" err="1" smtClean="0">
+              <a:rPr lang="en-US" dirty="0" err="1">
                 <a:solidFill>
                   <a:schemeClr val="bg1"/>
                 </a:solidFill>
@@ -3056,7 +3014,7 @@
               <a:t>phận</a:t>
             </a:r>
             <a:r>
-              <a:rPr lang="en-US" dirty="0" smtClean="0">
+              <a:rPr lang="en-US" dirty="0">
                 <a:solidFill>
                   <a:schemeClr val="bg1"/>
                 </a:solidFill>
@@ -3064,7 +3022,7 @@
               <a:t>: </a:t>
             </a:r>
             <a:r>
-              <a:rPr lang="en-US" dirty="0" err="1" smtClean="0">
+              <a:rPr lang="en-US" dirty="0" err="1">
                 <a:solidFill>
                   <a:schemeClr val="bg1"/>
                 </a:solidFill>
@@ -3132,13 +3090,6 @@
   <p:clrMapOvr>
     <a:masterClrMapping/>
   </p:clrMapOvr>
-  <p:timing>
-    <p:tnLst>
-      <p:par>
-        <p:cTn id="1" dur="indefinite" restart="never" nodeType="tmRoot"/>
-      </p:par>
-    </p:tnLst>
-  </p:timing>
 </p:sldLayout>
 </file>
 
@@ -3193,10 +3144,9 @@
           <a:lstStyle/>
           <a:p>
             <a:r>
-              <a:rPr lang="en-US" smtClean="0"/>
+              <a:rPr lang="en-US"/>
               <a:t>Click to edit Master title style</a:t>
             </a:r>
-            <a:endParaRPr lang="en-US"/>
           </a:p>
         </p:txBody>
       </p:sp>
@@ -3227,38 +3177,37 @@
           <a:p>
             <a:pPr lvl="0"/>
             <a:r>
-              <a:rPr lang="en-US" smtClean="0"/>
+              <a:rPr lang="en-US"/>
               <a:t>Edit Master text styles</a:t>
             </a:r>
           </a:p>
           <a:p>
             <a:pPr lvl="1"/>
             <a:r>
-              <a:rPr lang="en-US" smtClean="0"/>
+              <a:rPr lang="en-US"/>
               <a:t>Second level</a:t>
             </a:r>
           </a:p>
           <a:p>
             <a:pPr lvl="2"/>
             <a:r>
-              <a:rPr lang="en-US" smtClean="0"/>
+              <a:rPr lang="en-US"/>
               <a:t>Third level</a:t>
             </a:r>
           </a:p>
           <a:p>
             <a:pPr lvl="3"/>
             <a:r>
-              <a:rPr lang="en-US" smtClean="0"/>
+              <a:rPr lang="en-US"/>
               <a:t>Fourth level</a:t>
             </a:r>
           </a:p>
           <a:p>
             <a:pPr lvl="4"/>
             <a:r>
-              <a:rPr lang="en-US" smtClean="0"/>
+              <a:rPr lang="en-US"/>
               <a:t>Fifth level</a:t>
             </a:r>
-            <a:endParaRPr lang="en-US"/>
           </a:p>
         </p:txBody>
       </p:sp>
@@ -3300,7 +3249,7 @@
           <a:p>
             <a:fld id="{6D9FEF56-C5D4-4D87-B961-211842A8ECEA}" type="datetime1">
               <a:rPr lang="en-US" smtClean="0"/>
-              <a:t>8/4/2020</a:t>
+              <a:t>8/23/2020</a:t>
             </a:fld>
             <a:endParaRPr lang="en-US"/>
           </a:p>
@@ -3343,7 +3292,7 @@
           </a:lstStyle>
           <a:p>
             <a:r>
-              <a:rPr lang="en-US" smtClean="0"/>
+              <a:rPr lang="en-US"/>
               <a:t>www.indruino.com</a:t>
             </a:r>
             <a:endParaRPr lang="en-US" dirty="0"/>
@@ -3411,13 +3360,6 @@
     <p:sldLayoutId id="2147483680" r:id="rId5"/>
     <p:sldLayoutId id="2147483663" r:id="rId6"/>
   </p:sldLayoutIdLst>
-  <p:timing>
-    <p:tnLst>
-      <p:par>
-        <p:cTn id="1" dur="indefinite" restart="never" nodeType="tmRoot"/>
-      </p:par>
-    </p:tnLst>
-  </p:timing>
   <p:hf sldNum="0" hdr="0" dt="0"/>
   <p:txStyles>
     <p:titleStyle>
@@ -3729,13 +3671,6 @@
   <p:clrMapOvr>
     <a:masterClrMapping/>
   </p:clrMapOvr>
-  <p:timing>
-    <p:tnLst>
-      <p:par>
-        <p:cTn id="1" dur="indefinite" restart="never" nodeType="tmRoot"/>
-      </p:par>
-    </p:tnLst>
-  </p:timing>
 </p:sld>
 </file>
 
@@ -3768,8 +3703,8 @@
         </p:nvSpPr>
         <p:spPr>
           <a:xfrm>
-            <a:off x="1971675" y="571487"/>
-            <a:ext cx="8781250" cy="590931"/>
+            <a:off x="1971675" y="613037"/>
+            <a:ext cx="7358105" cy="507831"/>
           </a:xfrm>
           <a:prstGeom prst="rect">
             <a:avLst/>
@@ -3783,7 +3718,7 @@
           <a:lstStyle/>
           <a:p>
             <a:r>
-              <a:rPr lang="en-US" sz="3600" b="1" dirty="0" smtClean="0">
+              <a:rPr lang="en-US" sz="3000" b="1" dirty="0">
                 <a:solidFill>
                   <a:srgbClr val="FF0000"/>
                 </a:solidFill>
@@ -3794,25 +3729,11 @@
                     </a:srgbClr>
                   </a:outerShdw>
                 </a:effectLst>
-                <a:latin typeface="Times New Roman" panose="02020603050405020304" pitchFamily="18" charset="0"/>
+                <a:latin typeface="Segoe UI Black" panose="020B0A02040204020203" pitchFamily="34" charset="0"/>
                 <a:cs typeface="Times New Roman" panose="02020603050405020304" pitchFamily="18" charset="0"/>
               </a:rPr>
               <a:t>1.3 WIFI MANAGER (EXAMPLE BASIC)</a:t>
             </a:r>
-            <a:endParaRPr lang="en-US" sz="3600" b="1" dirty="0">
-              <a:solidFill>
-                <a:srgbClr val="FF0000"/>
-              </a:solidFill>
-              <a:effectLst>
-                <a:outerShdw blurRad="38100" dist="38100" dir="2700000" algn="tl">
-                  <a:srgbClr val="000000">
-                    <a:alpha val="43137"/>
-                  </a:srgbClr>
-                </a:outerShdw>
-              </a:effectLst>
-              <a:latin typeface="Times New Roman" panose="02020603050405020304" pitchFamily="18" charset="0"/>
-              <a:cs typeface="Times New Roman" panose="02020603050405020304" pitchFamily="18" charset="0"/>
-            </a:endParaRPr>
           </a:p>
         </p:txBody>
       </p:sp>
@@ -3826,8 +3747,8 @@
         </p:nvSpPr>
         <p:spPr>
           <a:xfrm>
-            <a:off x="2451966" y="1162418"/>
-            <a:ext cx="2426498" cy="424732"/>
+            <a:off x="2451966" y="1120869"/>
+            <a:ext cx="3446777" cy="507831"/>
           </a:xfrm>
           <a:prstGeom prst="rect">
             <a:avLst/>
@@ -3859,7 +3780,7 @@
           </a:lstStyle>
           <a:p>
             <a:r>
-              <a:rPr lang="en-US" sz="2400" b="1" dirty="0" smtClean="0">
+              <a:rPr lang="en-US" sz="3000" b="1" dirty="0">
                 <a:solidFill>
                   <a:srgbClr val="1B8FAD"/>
                 </a:solidFill>
@@ -3870,25 +3791,11 @@
                     </a:srgbClr>
                   </a:outerShdw>
                 </a:effectLst>
-                <a:latin typeface="Times New Roman" panose="02020603050405020304" pitchFamily="18" charset="0"/>
+                <a:latin typeface="Segoe UI Black" panose="020B0A02040204020203" pitchFamily="34" charset="0"/>
                 <a:cs typeface="Times New Roman" panose="02020603050405020304" pitchFamily="18" charset="0"/>
               </a:rPr>
               <a:t>1.3.1 resetSetting</a:t>
             </a:r>
-            <a:endParaRPr lang="en-US" sz="2400" b="1" dirty="0">
-              <a:solidFill>
-                <a:srgbClr val="1B8FAD"/>
-              </a:solidFill>
-              <a:effectLst>
-                <a:outerShdw blurRad="38100" dist="38100" dir="2700000" algn="tl">
-                  <a:srgbClr val="000000">
-                    <a:alpha val="43137"/>
-                  </a:srgbClr>
-                </a:outerShdw>
-              </a:effectLst>
-              <a:latin typeface="Times New Roman" panose="02020603050405020304" pitchFamily="18" charset="0"/>
-              <a:cs typeface="Times New Roman" panose="02020603050405020304" pitchFamily="18" charset="0"/>
-            </a:endParaRPr>
           </a:p>
         </p:txBody>
       </p:sp>
@@ -3901,7 +3808,7 @@
         <p:spPr>
           <a:xfrm>
             <a:off x="1971675" y="1840563"/>
-            <a:ext cx="9315162" cy="3985706"/>
+            <a:ext cx="9315162" cy="4805546"/>
           </a:xfrm>
           <a:prstGeom prst="rect">
             <a:avLst/>
@@ -3922,8 +3829,8 @@
               </a:spcBef>
             </a:pPr>
             <a:r>
-              <a:rPr lang="en-US" sz="1600" dirty="0">
-                <a:latin typeface="Times New Roman" panose="02020603050405020304" pitchFamily="18" charset="0"/>
+              <a:rPr lang="en-US" sz="2000" dirty="0">
+                <a:latin typeface="Segoe UI Black" panose="020B0A02040204020203" pitchFamily="34" charset="0"/>
                 <a:cs typeface="Times New Roman" panose="02020603050405020304" pitchFamily="18" charset="0"/>
               </a:rPr>
               <a:t>void WiFiManager::resetSettings() {</a:t>
@@ -3939,8 +3846,8 @@
               </a:spcBef>
             </a:pPr>
             <a:r>
-              <a:rPr lang="en-US" sz="1600" dirty="0">
-                <a:latin typeface="Times New Roman" panose="02020603050405020304" pitchFamily="18" charset="0"/>
+              <a:rPr lang="en-US" sz="2000" dirty="0">
+                <a:latin typeface="Segoe UI Black" panose="020B0A02040204020203" pitchFamily="34" charset="0"/>
                 <a:cs typeface="Times New Roman" panose="02020603050405020304" pitchFamily="18" charset="0"/>
               </a:rPr>
               <a:t>  DEBUG_WM(F("resetSettings"));</a:t>
@@ -3956,23 +3863,12 @@
               </a:spcBef>
             </a:pPr>
             <a:r>
-              <a:rPr lang="en-US" sz="1600" dirty="0">
-                <a:latin typeface="Times New Roman" panose="02020603050405020304" pitchFamily="18" charset="0"/>
-                <a:cs typeface="Times New Roman" panose="02020603050405020304" pitchFamily="18" charset="0"/>
-              </a:rPr>
-              <a:t>  WiFi_enableSTA(true,true); // </a:t>
-            </a:r>
-            <a:r>
-              <a:rPr lang="en-US" sz="1600" dirty="0" smtClean="0">
-                <a:latin typeface="Times New Roman" panose="02020603050405020304" pitchFamily="18" charset="0"/>
-                <a:cs typeface="Times New Roman" panose="02020603050405020304" pitchFamily="18" charset="0"/>
-              </a:rPr>
-              <a:t>chuyển sang station</a:t>
-            </a:r>
-            <a:endParaRPr lang="en-US" sz="1600" dirty="0">
-              <a:latin typeface="Times New Roman" panose="02020603050405020304" pitchFamily="18" charset="0"/>
-              <a:cs typeface="Times New Roman" panose="02020603050405020304" pitchFamily="18" charset="0"/>
-            </a:endParaRPr>
+              <a:rPr lang="en-US" sz="2000" dirty="0">
+                <a:latin typeface="Segoe UI Black" panose="020B0A02040204020203" pitchFamily="34" charset="0"/>
+                <a:cs typeface="Times New Roman" panose="02020603050405020304" pitchFamily="18" charset="0"/>
+              </a:rPr>
+              <a:t>  WiFi_enableSTA(true,true); // chuyển sang station</a:t>
+            </a:r>
           </a:p>
           <a:p>
             <a:pPr>
@@ -3984,8 +3880,8 @@
               </a:spcBef>
             </a:pPr>
             <a:r>
-              <a:rPr lang="en-US" sz="1600" dirty="0">
-                <a:latin typeface="Times New Roman" panose="02020603050405020304" pitchFamily="18" charset="0"/>
+              <a:rPr lang="en-US" sz="2000" dirty="0">
+                <a:latin typeface="Segoe UI Black" panose="020B0A02040204020203" pitchFamily="34" charset="0"/>
                 <a:cs typeface="Times New Roman" panose="02020603050405020304" pitchFamily="18" charset="0"/>
               </a:rPr>
               <a:t>  if (_resetcallback != NULL)</a:t>
@@ -4001,23 +3897,12 @@
               </a:spcBef>
             </a:pPr>
             <a:r>
-              <a:rPr lang="en-US" sz="1600" dirty="0">
-                <a:latin typeface="Times New Roman" panose="02020603050405020304" pitchFamily="18" charset="0"/>
-                <a:cs typeface="Times New Roman" panose="02020603050405020304" pitchFamily="18" charset="0"/>
-              </a:rPr>
-              <a:t>      _resetcallback</a:t>
-            </a:r>
-            <a:r>
-              <a:rPr lang="en-US" sz="1600" dirty="0" smtClean="0">
-                <a:latin typeface="Times New Roman" panose="02020603050405020304" pitchFamily="18" charset="0"/>
-                <a:cs typeface="Times New Roman" panose="02020603050405020304" pitchFamily="18" charset="0"/>
-              </a:rPr>
-              <a:t>();</a:t>
-            </a:r>
-            <a:endParaRPr lang="en-US" sz="1600" dirty="0">
-              <a:latin typeface="Times New Roman" panose="02020603050405020304" pitchFamily="18" charset="0"/>
-              <a:cs typeface="Times New Roman" panose="02020603050405020304" pitchFamily="18" charset="0"/>
-            </a:endParaRPr>
+              <a:rPr lang="en-US" sz="2000" dirty="0">
+                <a:latin typeface="Segoe UI Black" panose="020B0A02040204020203" pitchFamily="34" charset="0"/>
+                <a:cs typeface="Times New Roman" panose="02020603050405020304" pitchFamily="18" charset="0"/>
+              </a:rPr>
+              <a:t>      _resetcallback();</a:t>
+            </a:r>
           </a:p>
           <a:p>
             <a:pPr>
@@ -4029,8 +3914,8 @@
               </a:spcBef>
             </a:pPr>
             <a:r>
-              <a:rPr lang="en-US" sz="1600" dirty="0">
-                <a:latin typeface="Times New Roman" panose="02020603050405020304" pitchFamily="18" charset="0"/>
+              <a:rPr lang="en-US" sz="2000" dirty="0">
+                <a:latin typeface="Segoe UI Black" panose="020B0A02040204020203" pitchFamily="34" charset="0"/>
                 <a:cs typeface="Times New Roman" panose="02020603050405020304" pitchFamily="18" charset="0"/>
               </a:rPr>
               <a:t>  #ifdef ESP32</a:t>
@@ -4046,23 +3931,12 @@
               </a:spcBef>
             </a:pPr>
             <a:r>
-              <a:rPr lang="en-US" sz="1600" dirty="0">
-                <a:latin typeface="Times New Roman" panose="02020603050405020304" pitchFamily="18" charset="0"/>
-                <a:cs typeface="Times New Roman" panose="02020603050405020304" pitchFamily="18" charset="0"/>
-              </a:rPr>
-              <a:t>    WiFi.disconnect(true,true</a:t>
-            </a:r>
-            <a:r>
-              <a:rPr lang="en-US" sz="1600" dirty="0" smtClean="0">
-                <a:latin typeface="Times New Roman" panose="02020603050405020304" pitchFamily="18" charset="0"/>
-                <a:cs typeface="Times New Roman" panose="02020603050405020304" pitchFamily="18" charset="0"/>
-              </a:rPr>
-              <a:t>); //ngắt kết nối trên station</a:t>
-            </a:r>
-            <a:endParaRPr lang="en-US" sz="1600" dirty="0">
-              <a:latin typeface="Times New Roman" panose="02020603050405020304" pitchFamily="18" charset="0"/>
-              <a:cs typeface="Times New Roman" panose="02020603050405020304" pitchFamily="18" charset="0"/>
-            </a:endParaRPr>
+              <a:rPr lang="en-US" sz="2000" dirty="0">
+                <a:latin typeface="Segoe UI Black" panose="020B0A02040204020203" pitchFamily="34" charset="0"/>
+                <a:cs typeface="Times New Roman" panose="02020603050405020304" pitchFamily="18" charset="0"/>
+              </a:rPr>
+              <a:t>    WiFi.disconnect(true,true); //ngắt kết nối trên station</a:t>
+            </a:r>
           </a:p>
           <a:p>
             <a:pPr>
@@ -4074,8 +3948,8 @@
               </a:spcBef>
             </a:pPr>
             <a:r>
-              <a:rPr lang="en-US" sz="1600" dirty="0">
-                <a:latin typeface="Times New Roman" panose="02020603050405020304" pitchFamily="18" charset="0"/>
+              <a:rPr lang="en-US" sz="2000" dirty="0">
+                <a:latin typeface="Segoe UI Black" panose="020B0A02040204020203" pitchFamily="34" charset="0"/>
                 <a:cs typeface="Times New Roman" panose="02020603050405020304" pitchFamily="18" charset="0"/>
               </a:rPr>
               <a:t>  #else</a:t>
@@ -4091,23 +3965,12 @@
               </a:spcBef>
             </a:pPr>
             <a:r>
-              <a:rPr lang="en-US" sz="1600" dirty="0">
-                <a:latin typeface="Times New Roman" panose="02020603050405020304" pitchFamily="18" charset="0"/>
-                <a:cs typeface="Times New Roman" panose="02020603050405020304" pitchFamily="18" charset="0"/>
-              </a:rPr>
-              <a:t>    WiFi.persistent(true</a:t>
-            </a:r>
-            <a:r>
-              <a:rPr lang="en-US" sz="1600" dirty="0" smtClean="0">
-                <a:latin typeface="Times New Roman" panose="02020603050405020304" pitchFamily="18" charset="0"/>
-                <a:cs typeface="Times New Roman" panose="02020603050405020304" pitchFamily="18" charset="0"/>
-              </a:rPr>
-              <a:t>); // lưu lại trên rom của esp</a:t>
-            </a:r>
-            <a:endParaRPr lang="en-US" sz="1600" dirty="0">
-              <a:latin typeface="Times New Roman" panose="02020603050405020304" pitchFamily="18" charset="0"/>
-              <a:cs typeface="Times New Roman" panose="02020603050405020304" pitchFamily="18" charset="0"/>
-            </a:endParaRPr>
+              <a:rPr lang="en-US" sz="2000" dirty="0">
+                <a:latin typeface="Segoe UI Black" panose="020B0A02040204020203" pitchFamily="34" charset="0"/>
+                <a:cs typeface="Times New Roman" panose="02020603050405020304" pitchFamily="18" charset="0"/>
+              </a:rPr>
+              <a:t>    WiFi.persistent(true); // lưu lại trên rom của esp</a:t>
+            </a:r>
           </a:p>
           <a:p>
             <a:pPr>
@@ -4119,23 +3982,12 @@
               </a:spcBef>
             </a:pPr>
             <a:r>
-              <a:rPr lang="en-US" sz="1600" dirty="0">
-                <a:latin typeface="Times New Roman" panose="02020603050405020304" pitchFamily="18" charset="0"/>
-                <a:cs typeface="Times New Roman" panose="02020603050405020304" pitchFamily="18" charset="0"/>
-              </a:rPr>
-              <a:t>    WiFi.disconnect(true</a:t>
-            </a:r>
-            <a:r>
-              <a:rPr lang="en-US" sz="1600" dirty="0" smtClean="0">
-                <a:latin typeface="Times New Roman" panose="02020603050405020304" pitchFamily="18" charset="0"/>
-                <a:cs typeface="Times New Roman" panose="02020603050405020304" pitchFamily="18" charset="0"/>
-              </a:rPr>
-              <a:t>); // ngắt kết nối</a:t>
-            </a:r>
-            <a:endParaRPr lang="en-US" sz="1600" dirty="0">
-              <a:latin typeface="Times New Roman" panose="02020603050405020304" pitchFamily="18" charset="0"/>
-              <a:cs typeface="Times New Roman" panose="02020603050405020304" pitchFamily="18" charset="0"/>
-            </a:endParaRPr>
+              <a:rPr lang="en-US" sz="2000" dirty="0">
+                <a:latin typeface="Segoe UI Black" panose="020B0A02040204020203" pitchFamily="34" charset="0"/>
+                <a:cs typeface="Times New Roman" panose="02020603050405020304" pitchFamily="18" charset="0"/>
+              </a:rPr>
+              <a:t>    WiFi.disconnect(true); // ngắt kết nối</a:t>
+            </a:r>
           </a:p>
           <a:p>
             <a:pPr>
@@ -4147,23 +3999,12 @@
               </a:spcBef>
             </a:pPr>
             <a:r>
-              <a:rPr lang="en-US" sz="1600" dirty="0">
-                <a:latin typeface="Times New Roman" panose="02020603050405020304" pitchFamily="18" charset="0"/>
-                <a:cs typeface="Times New Roman" panose="02020603050405020304" pitchFamily="18" charset="0"/>
-              </a:rPr>
-              <a:t>    WiFi.persistent(false</a:t>
-            </a:r>
-            <a:r>
-              <a:rPr lang="en-US" sz="1600" dirty="0" smtClean="0">
-                <a:latin typeface="Times New Roman" panose="02020603050405020304" pitchFamily="18" charset="0"/>
-                <a:cs typeface="Times New Roman" panose="02020603050405020304" pitchFamily="18" charset="0"/>
-              </a:rPr>
-              <a:t>); // chỉ thao tác nhưng không lưu lại</a:t>
-            </a:r>
-            <a:endParaRPr lang="en-US" sz="1600" dirty="0">
-              <a:latin typeface="Times New Roman" panose="02020603050405020304" pitchFamily="18" charset="0"/>
-              <a:cs typeface="Times New Roman" panose="02020603050405020304" pitchFamily="18" charset="0"/>
-            </a:endParaRPr>
+              <a:rPr lang="en-US" sz="2000" dirty="0">
+                <a:latin typeface="Segoe UI Black" panose="020B0A02040204020203" pitchFamily="34" charset="0"/>
+                <a:cs typeface="Times New Roman" panose="02020603050405020304" pitchFamily="18" charset="0"/>
+              </a:rPr>
+              <a:t>    WiFi.persistent(false); // chỉ thao tác nhưng không lưu lại</a:t>
+            </a:r>
           </a:p>
           <a:p>
             <a:pPr>
@@ -4175,8 +4016,8 @@
               </a:spcBef>
             </a:pPr>
             <a:r>
-              <a:rPr lang="en-US" sz="1600" dirty="0">
-                <a:latin typeface="Times New Roman" panose="02020603050405020304" pitchFamily="18" charset="0"/>
+              <a:rPr lang="en-US" sz="2000" dirty="0">
+                <a:latin typeface="Segoe UI Black" panose="020B0A02040204020203" pitchFamily="34" charset="0"/>
                 <a:cs typeface="Times New Roman" panose="02020603050405020304" pitchFamily="18" charset="0"/>
               </a:rPr>
               <a:t>  #endif</a:t>
@@ -4192,8 +4033,8 @@
               </a:spcBef>
             </a:pPr>
             <a:r>
-              <a:rPr lang="en-US" sz="1600" dirty="0">
-                <a:latin typeface="Times New Roman" panose="02020603050405020304" pitchFamily="18" charset="0"/>
+              <a:rPr lang="en-US" sz="2000" dirty="0">
+                <a:latin typeface="Segoe UI Black" panose="020B0A02040204020203" pitchFamily="34" charset="0"/>
                 <a:cs typeface="Times New Roman" panose="02020603050405020304" pitchFamily="18" charset="0"/>
               </a:rPr>
               <a:t>  DEBUG_WM(F("SETTINGS ERASED"));</a:t>
@@ -4209,14 +4050,14 @@
               </a:spcBef>
             </a:pPr>
             <a:r>
-              <a:rPr lang="en-US" sz="1600" dirty="0">
-                <a:latin typeface="Times New Roman" panose="02020603050405020304" pitchFamily="18" charset="0"/>
+              <a:rPr lang="en-US" sz="2000" dirty="0">
+                <a:latin typeface="Segoe UI Black" panose="020B0A02040204020203" pitchFamily="34" charset="0"/>
                 <a:cs typeface="Times New Roman" panose="02020603050405020304" pitchFamily="18" charset="0"/>
               </a:rPr>
               <a:t>}</a:t>
             </a:r>
-            <a:endParaRPr lang="en-US" sz="1600" i="1" dirty="0" smtClean="0">
-              <a:latin typeface="Times New Roman" panose="02020603050405020304" pitchFamily="18" charset="0"/>
+            <a:endParaRPr lang="en-US" sz="2000" i="1" dirty="0">
+              <a:latin typeface="Segoe UI Black" panose="020B0A02040204020203" pitchFamily="34" charset="0"/>
               <a:cs typeface="Times New Roman" panose="02020603050405020304" pitchFamily="18" charset="0"/>
             </a:endParaRPr>
           </a:p>
@@ -4232,13 +4073,6 @@
   <p:clrMapOvr>
     <a:masterClrMapping/>
   </p:clrMapOvr>
-  <p:timing>
-    <p:tnLst>
-      <p:par>
-        <p:cTn id="1" dur="indefinite" restart="never" nodeType="tmRoot"/>
-      </p:par>
-    </p:tnLst>
-  </p:timing>
 </p:sld>
 </file>
 
@@ -4271,8 +4105,8 @@
         </p:nvSpPr>
         <p:spPr>
           <a:xfrm>
-            <a:off x="1971675" y="571487"/>
-            <a:ext cx="8781250" cy="590931"/>
+            <a:off x="1971675" y="613037"/>
+            <a:ext cx="7358105" cy="507831"/>
           </a:xfrm>
           <a:prstGeom prst="rect">
             <a:avLst/>
@@ -4286,7 +4120,7 @@
           <a:lstStyle/>
           <a:p>
             <a:r>
-              <a:rPr lang="en-US" sz="3600" b="1" dirty="0" smtClean="0">
+              <a:rPr lang="en-US" sz="3000" b="1" dirty="0">
                 <a:solidFill>
                   <a:srgbClr val="FF0000"/>
                 </a:solidFill>
@@ -4297,25 +4131,11 @@
                     </a:srgbClr>
                   </a:outerShdw>
                 </a:effectLst>
-                <a:latin typeface="Times New Roman" panose="02020603050405020304" pitchFamily="18" charset="0"/>
+                <a:latin typeface="Segoe UI Black" panose="020B0A02040204020203" pitchFamily="34" charset="0"/>
                 <a:cs typeface="Times New Roman" panose="02020603050405020304" pitchFamily="18" charset="0"/>
               </a:rPr>
               <a:t>1.3 WIFI MANAGER (EXAMPLE BASIC)</a:t>
             </a:r>
-            <a:endParaRPr lang="en-US" sz="3600" b="1" dirty="0">
-              <a:solidFill>
-                <a:srgbClr val="FF0000"/>
-              </a:solidFill>
-              <a:effectLst>
-                <a:outerShdw blurRad="38100" dist="38100" dir="2700000" algn="tl">
-                  <a:srgbClr val="000000">
-                    <a:alpha val="43137"/>
-                  </a:srgbClr>
-                </a:outerShdw>
-              </a:effectLst>
-              <a:latin typeface="Times New Roman" panose="02020603050405020304" pitchFamily="18" charset="0"/>
-              <a:cs typeface="Times New Roman" panose="02020603050405020304" pitchFamily="18" charset="0"/>
-            </a:endParaRPr>
           </a:p>
         </p:txBody>
       </p:sp>
@@ -4329,8 +4149,8 @@
         </p:nvSpPr>
         <p:spPr>
           <a:xfrm>
-            <a:off x="2451966" y="1162418"/>
-            <a:ext cx="6701193" cy="424732"/>
+            <a:off x="2451966" y="1120869"/>
+            <a:ext cx="9520555" cy="507831"/>
           </a:xfrm>
           <a:prstGeom prst="rect">
             <a:avLst/>
@@ -4362,7 +4182,7 @@
           </a:lstStyle>
           <a:p>
             <a:r>
-              <a:rPr lang="en-US" sz="2400" b="1" dirty="0" smtClean="0">
+              <a:rPr lang="en-US" sz="3000" b="1" dirty="0">
                 <a:solidFill>
                   <a:srgbClr val="1B8FAD"/>
                 </a:solidFill>
@@ -4373,25 +4193,11 @@
                     </a:srgbClr>
                   </a:outerShdw>
                 </a:effectLst>
-                <a:latin typeface="Times New Roman" panose="02020603050405020304" pitchFamily="18" charset="0"/>
+                <a:latin typeface="Segoe UI Black" panose="020B0A02040204020203" pitchFamily="34" charset="0"/>
                 <a:cs typeface="Times New Roman" panose="02020603050405020304" pitchFamily="18" charset="0"/>
               </a:rPr>
               <a:t>1.3.2 Wifi_enableSTA – chuyển sang mode station</a:t>
             </a:r>
-            <a:endParaRPr lang="en-US" sz="2400" b="1" dirty="0">
-              <a:solidFill>
-                <a:srgbClr val="1B8FAD"/>
-              </a:solidFill>
-              <a:effectLst>
-                <a:outerShdw blurRad="38100" dist="38100" dir="2700000" algn="tl">
-                  <a:srgbClr val="000000">
-                    <a:alpha val="43137"/>
-                  </a:srgbClr>
-                </a:outerShdw>
-              </a:effectLst>
-              <a:latin typeface="Times New Roman" panose="02020603050405020304" pitchFamily="18" charset="0"/>
-              <a:cs typeface="Times New Roman" panose="02020603050405020304" pitchFamily="18" charset="0"/>
-            </a:endParaRPr>
           </a:p>
         </p:txBody>
       </p:sp>
@@ -4428,7 +4234,7 @@
         <p:spPr>
           <a:xfrm>
             <a:off x="1637377" y="1725649"/>
-            <a:ext cx="5348879" cy="904863"/>
+            <a:ext cx="5348879" cy="742896"/>
           </a:xfrm>
           <a:prstGeom prst="rect">
             <a:avLst/>
@@ -4449,16 +4255,12 @@
               </a:spcBef>
             </a:pPr>
             <a:r>
-              <a:rPr lang="en-US" sz="2400" dirty="0" smtClean="0">
-                <a:latin typeface="Times New Roman" panose="02020603050405020304" pitchFamily="18" charset="0"/>
+              <a:rPr lang="en-US" sz="2000" dirty="0">
+                <a:latin typeface="Segoe UI Black" panose="020B0A02040204020203" pitchFamily="34" charset="0"/>
                 <a:cs typeface="Times New Roman" panose="02020603050405020304" pitchFamily="18" charset="0"/>
               </a:rPr>
               <a:t>Chuyển đổi các chế độ wifi hiện tại về mode wifi station</a:t>
             </a:r>
-            <a:endParaRPr lang="en-US" sz="2400" dirty="0">
-              <a:latin typeface="Times New Roman" panose="02020603050405020304" pitchFamily="18" charset="0"/>
-              <a:cs typeface="Times New Roman" panose="02020603050405020304" pitchFamily="18" charset="0"/>
-            </a:endParaRPr>
           </a:p>
         </p:txBody>
       </p:sp>
@@ -4472,13 +4274,6 @@
   <p:clrMapOvr>
     <a:masterClrMapping/>
   </p:clrMapOvr>
-  <p:timing>
-    <p:tnLst>
-      <p:par>
-        <p:cTn id="1" dur="indefinite" restart="never" nodeType="tmRoot"/>
-      </p:par>
-    </p:tnLst>
-  </p:timing>
 </p:sld>
 </file>
 
@@ -4511,8 +4306,8 @@
         </p:nvSpPr>
         <p:spPr>
           <a:xfrm>
-            <a:off x="1971675" y="571487"/>
-            <a:ext cx="8781250" cy="590931"/>
+            <a:off x="1971675" y="613037"/>
+            <a:ext cx="7358105" cy="507831"/>
           </a:xfrm>
           <a:prstGeom prst="rect">
             <a:avLst/>
@@ -4526,7 +4321,7 @@
           <a:lstStyle/>
           <a:p>
             <a:r>
-              <a:rPr lang="en-US" sz="3600" b="1" dirty="0" smtClean="0">
+              <a:rPr lang="en-US" sz="3000" b="1" dirty="0">
                 <a:solidFill>
                   <a:srgbClr val="FF0000"/>
                 </a:solidFill>
@@ -4537,25 +4332,11 @@
                     </a:srgbClr>
                   </a:outerShdw>
                 </a:effectLst>
-                <a:latin typeface="Times New Roman" panose="02020603050405020304" pitchFamily="18" charset="0"/>
+                <a:latin typeface="Segoe UI Black" panose="020B0A02040204020203" pitchFamily="34" charset="0"/>
                 <a:cs typeface="Times New Roman" panose="02020603050405020304" pitchFamily="18" charset="0"/>
               </a:rPr>
               <a:t>1.3 WIFI MANAGER (EXAMPLE BASIC)</a:t>
             </a:r>
-            <a:endParaRPr lang="en-US" sz="3600" b="1" dirty="0">
-              <a:solidFill>
-                <a:srgbClr val="FF0000"/>
-              </a:solidFill>
-              <a:effectLst>
-                <a:outerShdw blurRad="38100" dist="38100" dir="2700000" algn="tl">
-                  <a:srgbClr val="000000">
-                    <a:alpha val="43137"/>
-                  </a:srgbClr>
-                </a:outerShdw>
-              </a:effectLst>
-              <a:latin typeface="Times New Roman" panose="02020603050405020304" pitchFamily="18" charset="0"/>
-              <a:cs typeface="Times New Roman" panose="02020603050405020304" pitchFamily="18" charset="0"/>
-            </a:endParaRPr>
           </a:p>
         </p:txBody>
       </p:sp>
@@ -4569,8 +4350,8 @@
         </p:nvSpPr>
         <p:spPr>
           <a:xfrm>
-            <a:off x="2451966" y="1162418"/>
-            <a:ext cx="2759089" cy="424732"/>
+            <a:off x="2451966" y="1120869"/>
+            <a:ext cx="3903633" cy="507831"/>
           </a:xfrm>
           <a:prstGeom prst="rect">
             <a:avLst/>
@@ -4602,7 +4383,7 @@
           </a:lstStyle>
           <a:p>
             <a:r>
-              <a:rPr lang="en-US" sz="2400" b="1" dirty="0" smtClean="0">
+              <a:rPr lang="en-US" sz="3000" b="1" dirty="0">
                 <a:solidFill>
                   <a:srgbClr val="1B8FAD"/>
                 </a:solidFill>
@@ -4613,59 +4394,11 @@
                     </a:srgbClr>
                   </a:outerShdw>
                 </a:effectLst>
-                <a:latin typeface="Times New Roman" panose="02020603050405020304" pitchFamily="18" charset="0"/>
-                <a:cs typeface="Times New Roman" panose="02020603050405020304" pitchFamily="18" charset="0"/>
-              </a:rPr>
-              <a:t>1.3.3 </a:t>
-            </a:r>
-            <a:r>
-              <a:rPr lang="en-US" sz="2400" b="1" dirty="0">
-                <a:solidFill>
-                  <a:srgbClr val="1B8FAD"/>
-                </a:solidFill>
-                <a:effectLst>
-                  <a:outerShdw blurRad="38100" dist="38100" dir="2700000" algn="tl">
-                    <a:srgbClr val="000000">
-                      <a:alpha val="43137"/>
-                    </a:srgbClr>
-                  </a:outerShdw>
-                </a:effectLst>
-                <a:latin typeface="Times New Roman" panose="02020603050405020304" pitchFamily="18" charset="0"/>
-                <a:cs typeface="Times New Roman" panose="02020603050405020304" pitchFamily="18" charset="0"/>
-              </a:rPr>
-              <a:t>autoConnect</a:t>
-            </a:r>
-            <a:r>
-              <a:rPr lang="en-US" sz="2400" b="1" dirty="0" smtClean="0">
-                <a:solidFill>
-                  <a:srgbClr val="1B8FAD"/>
-                </a:solidFill>
-                <a:effectLst>
-                  <a:outerShdw blurRad="38100" dist="38100" dir="2700000" algn="tl">
-                    <a:srgbClr val="000000">
-                      <a:alpha val="43137"/>
-                    </a:srgbClr>
-                  </a:outerShdw>
-                </a:effectLst>
-                <a:latin typeface="Times New Roman" panose="02020603050405020304" pitchFamily="18" charset="0"/>
-                <a:cs typeface="Times New Roman" panose="02020603050405020304" pitchFamily="18" charset="0"/>
-              </a:rPr>
-              <a:t>()</a:t>
-            </a:r>
-            <a:endParaRPr lang="en-US" sz="2400" b="1" dirty="0">
-              <a:solidFill>
-                <a:srgbClr val="1B8FAD"/>
-              </a:solidFill>
-              <a:effectLst>
-                <a:outerShdw blurRad="38100" dist="38100" dir="2700000" algn="tl">
-                  <a:srgbClr val="000000">
-                    <a:alpha val="43137"/>
-                  </a:srgbClr>
-                </a:outerShdw>
-              </a:effectLst>
-              <a:latin typeface="Times New Roman" panose="02020603050405020304" pitchFamily="18" charset="0"/>
-              <a:cs typeface="Times New Roman" panose="02020603050405020304" pitchFamily="18" charset="0"/>
-            </a:endParaRPr>
+                <a:latin typeface="Segoe UI Black" panose="020B0A02040204020203" pitchFamily="34" charset="0"/>
+                <a:cs typeface="Times New Roman" panose="02020603050405020304" pitchFamily="18" charset="0"/>
+              </a:rPr>
+              <a:t>1.3.3 autoConnect()</a:t>
+            </a:r>
           </a:p>
         </p:txBody>
       </p:sp>
@@ -4702,7 +4435,7 @@
         <p:spPr>
           <a:xfrm>
             <a:off x="1637378" y="1725649"/>
-            <a:ext cx="4937594" cy="2123658"/>
+            <a:ext cx="4937594" cy="1758558"/>
           </a:xfrm>
           <a:prstGeom prst="rect">
             <a:avLst/>
@@ -4725,8 +4458,8 @@
               <a:buChar char="•"/>
             </a:pPr>
             <a:r>
-              <a:rPr lang="en-US" sz="2400" dirty="0" smtClean="0">
-                <a:latin typeface="Times New Roman" panose="02020603050405020304" pitchFamily="18" charset="0"/>
+              <a:rPr lang="en-US" sz="2000" dirty="0">
+                <a:latin typeface="Segoe UI Black" panose="020B0A02040204020203" pitchFamily="34" charset="0"/>
                 <a:cs typeface="Times New Roman" panose="02020603050405020304" pitchFamily="18" charset="0"/>
               </a:rPr>
               <a:t>Hàm trả về giá trị true/false</a:t>
@@ -4744,8 +4477,8 @@
               <a:buChar char="•"/>
             </a:pPr>
             <a:r>
-              <a:rPr lang="en-US" sz="2400" dirty="0" smtClean="0">
-                <a:latin typeface="Times New Roman" panose="02020603050405020304" pitchFamily="18" charset="0"/>
+              <a:rPr lang="en-US" sz="2000" dirty="0">
+                <a:latin typeface="Segoe UI Black" panose="020B0A02040204020203" pitchFamily="34" charset="0"/>
                 <a:cs typeface="Times New Roman" panose="02020603050405020304" pitchFamily="18" charset="0"/>
               </a:rPr>
               <a:t>Kết nối với wifi đã kết nối trước đó</a:t>
@@ -4763,8 +4496,8 @@
               <a:buChar char="•"/>
             </a:pPr>
             <a:r>
-              <a:rPr lang="en-US" sz="2400" dirty="0" smtClean="0">
-                <a:latin typeface="Times New Roman" panose="02020603050405020304" pitchFamily="18" charset="0"/>
+              <a:rPr lang="en-US" sz="2000" dirty="0">
+                <a:latin typeface="Segoe UI Black" panose="020B0A02040204020203" pitchFamily="34" charset="0"/>
                 <a:cs typeface="Times New Roman" panose="02020603050405020304" pitchFamily="18" charset="0"/>
               </a:rPr>
               <a:t>Xuất giá trị wifi đến serial</a:t>
@@ -4782,16 +4515,12 @@
               <a:buChar char="•"/>
             </a:pPr>
             <a:r>
-              <a:rPr lang="en-US" sz="2400" dirty="0" smtClean="0">
-                <a:latin typeface="Times New Roman" panose="02020603050405020304" pitchFamily="18" charset="0"/>
+              <a:rPr lang="en-US" sz="2000" dirty="0">
+                <a:latin typeface="Segoe UI Black" panose="020B0A02040204020203" pitchFamily="34" charset="0"/>
                 <a:cs typeface="Times New Roman" panose="02020603050405020304" pitchFamily="18" charset="0"/>
               </a:rPr>
               <a:t>Không có wifi đã được kết nối trước đó sẽ tự động khởi động AP</a:t>
             </a:r>
-            <a:endParaRPr lang="en-US" sz="2400" dirty="0">
-              <a:latin typeface="Times New Roman" panose="02020603050405020304" pitchFamily="18" charset="0"/>
-              <a:cs typeface="Times New Roman" panose="02020603050405020304" pitchFamily="18" charset="0"/>
-            </a:endParaRPr>
           </a:p>
         </p:txBody>
       </p:sp>
@@ -4805,13 +4534,6 @@
   <p:clrMapOvr>
     <a:masterClrMapping/>
   </p:clrMapOvr>
-  <p:timing>
-    <p:tnLst>
-      <p:par>
-        <p:cTn id="1" dur="indefinite" restart="never" nodeType="tmRoot"/>
-      </p:par>
-    </p:tnLst>
-  </p:timing>
 </p:sld>
 </file>
 
@@ -4844,8 +4566,8 @@
         </p:nvSpPr>
         <p:spPr>
           <a:xfrm>
-            <a:off x="1971675" y="571487"/>
-            <a:ext cx="8781250" cy="590931"/>
+            <a:off x="1971675" y="613037"/>
+            <a:ext cx="7358105" cy="507831"/>
           </a:xfrm>
           <a:prstGeom prst="rect">
             <a:avLst/>
@@ -4859,7 +4581,7 @@
           <a:lstStyle/>
           <a:p>
             <a:r>
-              <a:rPr lang="en-US" sz="3600" b="1" dirty="0" smtClean="0">
+              <a:rPr lang="en-US" sz="3000" b="1" dirty="0">
                 <a:solidFill>
                   <a:srgbClr val="FF0000"/>
                 </a:solidFill>
@@ -4870,25 +4592,11 @@
                     </a:srgbClr>
                   </a:outerShdw>
                 </a:effectLst>
-                <a:latin typeface="Times New Roman" panose="02020603050405020304" pitchFamily="18" charset="0"/>
+                <a:latin typeface="Segoe UI Black" panose="020B0A02040204020203" pitchFamily="34" charset="0"/>
                 <a:cs typeface="Times New Roman" panose="02020603050405020304" pitchFamily="18" charset="0"/>
               </a:rPr>
               <a:t>1.3 WIFI MANAGER (EXAMPLE BASIC)</a:t>
             </a:r>
-            <a:endParaRPr lang="en-US" sz="3600" b="1" dirty="0">
-              <a:solidFill>
-                <a:srgbClr val="FF0000"/>
-              </a:solidFill>
-              <a:effectLst>
-                <a:outerShdw blurRad="38100" dist="38100" dir="2700000" algn="tl">
-                  <a:srgbClr val="000000">
-                    <a:alpha val="43137"/>
-                  </a:srgbClr>
-                </a:outerShdw>
-              </a:effectLst>
-              <a:latin typeface="Times New Roman" panose="02020603050405020304" pitchFamily="18" charset="0"/>
-              <a:cs typeface="Times New Roman" panose="02020603050405020304" pitchFamily="18" charset="0"/>
-            </a:endParaRPr>
           </a:p>
         </p:txBody>
       </p:sp>
@@ -4902,8 +4610,8 @@
         </p:nvSpPr>
         <p:spPr>
           <a:xfrm>
-            <a:off x="2451966" y="1162418"/>
-            <a:ext cx="3629520" cy="424732"/>
+            <a:off x="2451966" y="1120869"/>
+            <a:ext cx="5197257" cy="507831"/>
           </a:xfrm>
           <a:prstGeom prst="rect">
             <a:avLst/>
@@ -4935,7 +4643,7 @@
           </a:lstStyle>
           <a:p>
             <a:r>
-              <a:rPr lang="en-US" sz="2400" b="1" dirty="0" smtClean="0">
+              <a:rPr lang="en-US" sz="3000" b="1" dirty="0">
                 <a:solidFill>
                   <a:srgbClr val="1B8FAD"/>
                 </a:solidFill>
@@ -4946,25 +4654,11 @@
                     </a:srgbClr>
                   </a:outerShdw>
                 </a:effectLst>
-                <a:latin typeface="Times New Roman" panose="02020603050405020304" pitchFamily="18" charset="0"/>
+                <a:latin typeface="Segoe UI Black" panose="020B0A02040204020203" pitchFamily="34" charset="0"/>
                 <a:cs typeface="Times New Roman" panose="02020603050405020304" pitchFamily="18" charset="0"/>
               </a:rPr>
               <a:t>1.3.4 getDefaultAPName()</a:t>
             </a:r>
-            <a:endParaRPr lang="en-US" sz="2400" b="1" dirty="0">
-              <a:solidFill>
-                <a:srgbClr val="1B8FAD"/>
-              </a:solidFill>
-              <a:effectLst>
-                <a:outerShdw blurRad="38100" dist="38100" dir="2700000" algn="tl">
-                  <a:srgbClr val="000000">
-                    <a:alpha val="43137"/>
-                  </a:srgbClr>
-                </a:outerShdw>
-              </a:effectLst>
-              <a:latin typeface="Times New Roman" panose="02020603050405020304" pitchFamily="18" charset="0"/>
-              <a:cs typeface="Times New Roman" panose="02020603050405020304" pitchFamily="18" charset="0"/>
-            </a:endParaRPr>
           </a:p>
         </p:txBody>
       </p:sp>
@@ -4977,7 +4671,7 @@
         <p:spPr>
           <a:xfrm>
             <a:off x="1814923" y="1716416"/>
-            <a:ext cx="10159362" cy="1938992"/>
+            <a:ext cx="10159362" cy="1631216"/>
           </a:xfrm>
           <a:prstGeom prst="rect">
             <a:avLst/>
@@ -4994,23 +4688,12 @@
               <a:buChar char="•"/>
             </a:pPr>
             <a:r>
-              <a:rPr lang="en-US" sz="2400" i="1" dirty="0" smtClean="0">
-                <a:latin typeface="Times New Roman" panose="02020603050405020304" pitchFamily="18" charset="0"/>
-                <a:cs typeface="Times New Roman" panose="02020603050405020304" pitchFamily="18" charset="0"/>
-              </a:rPr>
-              <a:t>// </a:t>
-            </a:r>
-            <a:r>
-              <a:rPr lang="en-US" sz="2400" i="1" dirty="0">
-                <a:latin typeface="Times New Roman" panose="02020603050405020304" pitchFamily="18" charset="0"/>
-                <a:cs typeface="Times New Roman" panose="02020603050405020304" pitchFamily="18" charset="0"/>
-              </a:rPr>
-              <a:t>esp32//#define WIFI_getChipId() (uint32_t)ESP.getEfuseMac() </a:t>
-            </a:r>
-            <a:endParaRPr lang="en-US" sz="2400" i="1" dirty="0" smtClean="0">
-              <a:latin typeface="Times New Roman" panose="02020603050405020304" pitchFamily="18" charset="0"/>
-              <a:cs typeface="Times New Roman" panose="02020603050405020304" pitchFamily="18" charset="0"/>
-            </a:endParaRPr>
+              <a:rPr lang="en-US" sz="2000" i="1" dirty="0">
+                <a:latin typeface="Segoe UI Black" panose="020B0A02040204020203" pitchFamily="34" charset="0"/>
+                <a:cs typeface="Times New Roman" panose="02020603050405020304" pitchFamily="18" charset="0"/>
+              </a:rPr>
+              <a:t>// esp32//#define WIFI_getChipId() (uint32_t)ESP.getEfuseMac() </a:t>
+            </a:r>
           </a:p>
           <a:p>
             <a:pPr marL="285750" indent="-285750">
@@ -5018,25 +4701,11 @@
               <a:buChar char="•"/>
             </a:pPr>
             <a:r>
-              <a:rPr lang="en-US" sz="2400" i="1" dirty="0" smtClean="0">
-                <a:latin typeface="Times New Roman" panose="02020603050405020304" pitchFamily="18" charset="0"/>
-                <a:cs typeface="Times New Roman" panose="02020603050405020304" pitchFamily="18" charset="0"/>
-              </a:rPr>
-              <a:t>//</a:t>
-            </a:r>
-            <a:r>
-              <a:rPr lang="en-US" sz="2400" i="1" dirty="0">
-                <a:latin typeface="Times New Roman" panose="02020603050405020304" pitchFamily="18" charset="0"/>
-                <a:cs typeface="Times New Roman" panose="02020603050405020304" pitchFamily="18" charset="0"/>
-              </a:rPr>
-              <a:t>8266 //#define WIFI_getChipId() ESP.getChipId</a:t>
-            </a:r>
-            <a:r>
-              <a:rPr lang="en-US" sz="2400" i="1" dirty="0" smtClean="0">
-                <a:latin typeface="Times New Roman" panose="02020603050405020304" pitchFamily="18" charset="0"/>
-                <a:cs typeface="Times New Roman" panose="02020603050405020304" pitchFamily="18" charset="0"/>
-              </a:rPr>
-              <a:t>()</a:t>
+              <a:rPr lang="en-US" sz="2000" i="1" dirty="0">
+                <a:latin typeface="Segoe UI Black" panose="020B0A02040204020203" pitchFamily="34" charset="0"/>
+                <a:cs typeface="Times New Roman" panose="02020603050405020304" pitchFamily="18" charset="0"/>
+              </a:rPr>
+              <a:t>//8266 //#define WIFI_getChipId() ESP.getChipId()</a:t>
             </a:r>
           </a:p>
           <a:p>
@@ -5045,16 +4714,16 @@
               <a:buChar char="•"/>
             </a:pPr>
             <a:r>
-              <a:rPr lang="en-US" sz="2400" i="1" dirty="0" smtClean="0">
-                <a:latin typeface="Times New Roman" panose="02020603050405020304" pitchFamily="18" charset="0"/>
+              <a:rPr lang="en-US" sz="2000" i="1" dirty="0">
+                <a:latin typeface="Segoe UI Black" panose="020B0A02040204020203" pitchFamily="34" charset="0"/>
                 <a:cs typeface="Times New Roman" panose="02020603050405020304" pitchFamily="18" charset="0"/>
               </a:rPr>
               <a:t>Các lệnh này được sử dụng để lấy ssid và pass mặc định</a:t>
             </a:r>
           </a:p>
           <a:p>
-            <a:endParaRPr lang="en-US" sz="2400" i="1" dirty="0" smtClean="0">
-              <a:latin typeface="Times New Roman" panose="02020603050405020304" pitchFamily="18" charset="0"/>
+            <a:endParaRPr lang="en-US" sz="2000" i="1" dirty="0">
+              <a:latin typeface="Segoe UI Black" panose="020B0A02040204020203" pitchFamily="34" charset="0"/>
               <a:cs typeface="Times New Roman" panose="02020603050405020304" pitchFamily="18" charset="0"/>
             </a:endParaRPr>
           </a:p>
@@ -5064,8 +4733,8 @@
               <a:buChar char="•"/>
             </a:pPr>
             <a:r>
-              <a:rPr lang="en-US" sz="2400" dirty="0" smtClean="0">
-                <a:latin typeface="Times New Roman" panose="02020603050405020304" pitchFamily="18" charset="0"/>
+              <a:rPr lang="en-US" sz="2000" dirty="0">
+                <a:latin typeface="Segoe UI Black" panose="020B0A02040204020203" pitchFamily="34" charset="0"/>
                 <a:cs typeface="Times New Roman" panose="02020603050405020304" pitchFamily="18" charset="0"/>
               </a:rPr>
               <a:t>Lấy giá trị mặc định của ssid và password của access point</a:t>
@@ -5107,13 +4776,6 @@
   <p:clrMapOvr>
     <a:masterClrMapping/>
   </p:clrMapOvr>
-  <p:timing>
-    <p:tnLst>
-      <p:par>
-        <p:cTn id="1" dur="indefinite" restart="never" nodeType="tmRoot"/>
-      </p:par>
-    </p:tnLst>
-  </p:timing>
 </p:sld>
 </file>
 
@@ -5146,8 +4808,8 @@
         </p:nvSpPr>
         <p:spPr>
           <a:xfrm>
-            <a:off x="1971675" y="571487"/>
-            <a:ext cx="8781250" cy="590931"/>
+            <a:off x="1971675" y="613037"/>
+            <a:ext cx="7358105" cy="507831"/>
           </a:xfrm>
           <a:prstGeom prst="rect">
             <a:avLst/>
@@ -5161,7 +4823,7 @@
           <a:lstStyle/>
           <a:p>
             <a:r>
-              <a:rPr lang="en-US" sz="3600" b="1" dirty="0" smtClean="0">
+              <a:rPr lang="en-US" sz="3000" b="1" dirty="0">
                 <a:solidFill>
                   <a:srgbClr val="FF0000"/>
                 </a:solidFill>
@@ -5172,25 +4834,11 @@
                     </a:srgbClr>
                   </a:outerShdw>
                 </a:effectLst>
-                <a:latin typeface="Times New Roman" panose="02020603050405020304" pitchFamily="18" charset="0"/>
+                <a:latin typeface="Segoe UI Black" panose="020B0A02040204020203" pitchFamily="34" charset="0"/>
                 <a:cs typeface="Times New Roman" panose="02020603050405020304" pitchFamily="18" charset="0"/>
               </a:rPr>
               <a:t>1.3 WIFI MANAGER (EXAMPLE BASIC)</a:t>
             </a:r>
-            <a:endParaRPr lang="en-US" sz="3600" b="1" dirty="0">
-              <a:solidFill>
-                <a:srgbClr val="FF0000"/>
-              </a:solidFill>
-              <a:effectLst>
-                <a:outerShdw blurRad="38100" dist="38100" dir="2700000" algn="tl">
-                  <a:srgbClr val="000000">
-                    <a:alpha val="43137"/>
-                  </a:srgbClr>
-                </a:outerShdw>
-              </a:effectLst>
-              <a:latin typeface="Times New Roman" panose="02020603050405020304" pitchFamily="18" charset="0"/>
-              <a:cs typeface="Times New Roman" panose="02020603050405020304" pitchFamily="18" charset="0"/>
-            </a:endParaRPr>
           </a:p>
         </p:txBody>
       </p:sp>
@@ -5204,8 +4852,8 @@
         </p:nvSpPr>
         <p:spPr>
           <a:xfrm>
-            <a:off x="2451966" y="1162418"/>
-            <a:ext cx="6966202" cy="424732"/>
+            <a:off x="2451966" y="1120869"/>
+            <a:ext cx="10036722" cy="507831"/>
           </a:xfrm>
           <a:prstGeom prst="rect">
             <a:avLst/>
@@ -5237,7 +4885,7 @@
           </a:lstStyle>
           <a:p>
             <a:r>
-              <a:rPr lang="en-US" sz="2400" b="1" dirty="0" smtClean="0">
+              <a:rPr lang="en-US" sz="3000" b="1" dirty="0">
                 <a:solidFill>
                   <a:srgbClr val="1B8FAD"/>
                 </a:solidFill>
@@ -5248,59 +4896,11 @@
                     </a:srgbClr>
                   </a:outerShdw>
                 </a:effectLst>
-                <a:latin typeface="Times New Roman" panose="02020603050405020304" pitchFamily="18" charset="0"/>
-                <a:cs typeface="Times New Roman" panose="02020603050405020304" pitchFamily="18" charset="0"/>
-              </a:rPr>
-              <a:t>1.3.5 </a:t>
-            </a:r>
-            <a:r>
-              <a:rPr lang="en-US" sz="2400" b="1" dirty="0">
-                <a:solidFill>
-                  <a:srgbClr val="1B8FAD"/>
-                </a:solidFill>
-                <a:effectLst>
-                  <a:outerShdw blurRad="38100" dist="38100" dir="2700000" algn="tl">
-                    <a:srgbClr val="000000">
-                      <a:alpha val="43137"/>
-                    </a:srgbClr>
-                  </a:outerShdw>
-                </a:effectLst>
-                <a:latin typeface="Times New Roman" panose="02020603050405020304" pitchFamily="18" charset="0"/>
-                <a:cs typeface="Times New Roman" panose="02020603050405020304" pitchFamily="18" charset="0"/>
-              </a:rPr>
-              <a:t>getWiFiIsSaved</a:t>
-            </a:r>
-            <a:r>
-              <a:rPr lang="en-US" sz="2400" b="1" dirty="0" smtClean="0">
-                <a:solidFill>
-                  <a:srgbClr val="1B8FAD"/>
-                </a:solidFill>
-                <a:effectLst>
-                  <a:outerShdw blurRad="38100" dist="38100" dir="2700000" algn="tl">
-                    <a:srgbClr val="000000">
-                      <a:alpha val="43137"/>
-                    </a:srgbClr>
-                  </a:outerShdw>
-                </a:effectLst>
-                <a:latin typeface="Times New Roman" panose="02020603050405020304" pitchFamily="18" charset="0"/>
-                <a:cs typeface="Times New Roman" panose="02020603050405020304" pitchFamily="18" charset="0"/>
-              </a:rPr>
-              <a:t>()  - get info wifi has connected</a:t>
-            </a:r>
-            <a:endParaRPr lang="en-US" sz="2400" b="1" dirty="0">
-              <a:solidFill>
-                <a:srgbClr val="1B8FAD"/>
-              </a:solidFill>
-              <a:effectLst>
-                <a:outerShdw blurRad="38100" dist="38100" dir="2700000" algn="tl">
-                  <a:srgbClr val="000000">
-                    <a:alpha val="43137"/>
-                  </a:srgbClr>
-                </a:outerShdw>
-              </a:effectLst>
-              <a:latin typeface="Times New Roman" panose="02020603050405020304" pitchFamily="18" charset="0"/>
-              <a:cs typeface="Times New Roman" panose="02020603050405020304" pitchFamily="18" charset="0"/>
-            </a:endParaRPr>
+                <a:latin typeface="Segoe UI Black" panose="020B0A02040204020203" pitchFamily="34" charset="0"/>
+                <a:cs typeface="Times New Roman" panose="02020603050405020304" pitchFamily="18" charset="0"/>
+              </a:rPr>
+              <a:t>1.3.5 getWiFiIsSaved()  - get info wifi has connected</a:t>
+            </a:r>
           </a:p>
         </p:txBody>
       </p:sp>
@@ -5313,7 +4913,7 @@
         <p:spPr>
           <a:xfrm>
             <a:off x="1971675" y="1753349"/>
-            <a:ext cx="4826289" cy="5047536"/>
+            <a:ext cx="5947374" cy="5047536"/>
           </a:xfrm>
           <a:prstGeom prst="rect">
             <a:avLst/>
@@ -5327,7 +4927,7 @@
           <a:p>
             <a:r>
               <a:rPr lang="en-US" sz="1400" dirty="0">
-                <a:latin typeface="Times New Roman" panose="02020603050405020304" pitchFamily="18" charset="0"/>
+                <a:latin typeface="Segoe UI Black" panose="020B0A02040204020203" pitchFamily="34" charset="0"/>
                 <a:cs typeface="Times New Roman" panose="02020603050405020304" pitchFamily="18" charset="0"/>
               </a:rPr>
               <a:t>bool WiFiManager::getWiFiIsSaved(){</a:t>
@@ -5336,7 +4936,7 @@
           <a:p>
             <a:r>
               <a:rPr lang="en-US" sz="1400" dirty="0">
-                <a:latin typeface="Times New Roman" panose="02020603050405020304" pitchFamily="18" charset="0"/>
+                <a:latin typeface="Segoe UI Black" panose="020B0A02040204020203" pitchFamily="34" charset="0"/>
                 <a:cs typeface="Times New Roman" panose="02020603050405020304" pitchFamily="18" charset="0"/>
               </a:rPr>
               <a:t>  return WiFi_hasAutoConnect();</a:t>
@@ -5345,7 +4945,7 @@
           <a:p>
             <a:r>
               <a:rPr lang="en-US" sz="1400" dirty="0">
-                <a:latin typeface="Times New Roman" panose="02020603050405020304" pitchFamily="18" charset="0"/>
+                <a:latin typeface="Segoe UI Black" panose="020B0A02040204020203" pitchFamily="34" charset="0"/>
                 <a:cs typeface="Times New Roman" panose="02020603050405020304" pitchFamily="18" charset="0"/>
               </a:rPr>
               <a:t>}</a:t>
@@ -5354,7 +4954,7 @@
           <a:p>
             <a:r>
               <a:rPr lang="en-US" sz="1400" dirty="0">
-                <a:latin typeface="Times New Roman" panose="02020603050405020304" pitchFamily="18" charset="0"/>
+                <a:latin typeface="Segoe UI Black" panose="020B0A02040204020203" pitchFamily="34" charset="0"/>
                 <a:cs typeface="Times New Roman" panose="02020603050405020304" pitchFamily="18" charset="0"/>
               </a:rPr>
               <a:t>bool WiFiManager::WiFi_hasAutoConnect(){</a:t>
@@ -5363,7 +4963,7 @@
           <a:p>
             <a:r>
               <a:rPr lang="en-US" sz="1400" dirty="0">
-                <a:latin typeface="Times New Roman" panose="02020603050405020304" pitchFamily="18" charset="0"/>
+                <a:latin typeface="Segoe UI Black" panose="020B0A02040204020203" pitchFamily="34" charset="0"/>
                 <a:cs typeface="Times New Roman" panose="02020603050405020304" pitchFamily="18" charset="0"/>
               </a:rPr>
               <a:t>  return WiFi_SSID(true) != "";</a:t>
@@ -5372,7 +4972,7 @@
           <a:p>
             <a:r>
               <a:rPr lang="en-US" sz="1400" dirty="0">
-                <a:latin typeface="Times New Roman" panose="02020603050405020304" pitchFamily="18" charset="0"/>
+                <a:latin typeface="Segoe UI Black" panose="020B0A02040204020203" pitchFamily="34" charset="0"/>
                 <a:cs typeface="Times New Roman" panose="02020603050405020304" pitchFamily="18" charset="0"/>
               </a:rPr>
               <a:t>}</a:t>
@@ -5381,69 +4981,58 @@
           <a:p>
             <a:r>
               <a:rPr lang="en-US" sz="1400" dirty="0">
-                <a:latin typeface="Times New Roman" panose="02020603050405020304" pitchFamily="18" charset="0"/>
-                <a:cs typeface="Times New Roman" panose="02020603050405020304" pitchFamily="18" charset="0"/>
-              </a:rPr>
-              <a:t>String WiFiManager::WiFi_SSID(bool persistent) const</a:t>
-            </a:r>
-            <a:r>
-              <a:rPr lang="en-US" sz="1400" dirty="0" smtClean="0">
-                <a:latin typeface="Times New Roman" panose="02020603050405020304" pitchFamily="18" charset="0"/>
-                <a:cs typeface="Times New Roman" panose="02020603050405020304" pitchFamily="18" charset="0"/>
-              </a:rPr>
-              <a:t>{</a:t>
-            </a:r>
+                <a:latin typeface="Segoe UI Black" panose="020B0A02040204020203" pitchFamily="34" charset="0"/>
+                <a:cs typeface="Times New Roman" panose="02020603050405020304" pitchFamily="18" charset="0"/>
+              </a:rPr>
+              <a:t>String WiFiManager::WiFi_SSID(bool persistent) const{</a:t>
+            </a:r>
+          </a:p>
+          <a:p>
+            <a:r>
+              <a:rPr lang="en-US" sz="1400" dirty="0">
+                <a:latin typeface="Segoe UI Black" panose="020B0A02040204020203" pitchFamily="34" charset="0"/>
+                <a:cs typeface="Times New Roman" panose="02020603050405020304" pitchFamily="18" charset="0"/>
+              </a:rPr>
+              <a:t>    #ifdef ESP8266</a:t>
+            </a:r>
+          </a:p>
+          <a:p>
+            <a:r>
+              <a:rPr lang="en-US" sz="1400" dirty="0">
+                <a:latin typeface="Segoe UI Black" panose="020B0A02040204020203" pitchFamily="34" charset="0"/>
+                <a:cs typeface="Times New Roman" panose="02020603050405020304" pitchFamily="18" charset="0"/>
+              </a:rPr>
+              <a:t>    struct station_config conf;</a:t>
+            </a:r>
+          </a:p>
+          <a:p>
+            <a:r>
+              <a:rPr lang="en-US" sz="1400" dirty="0">
+                <a:latin typeface="Segoe UI Black" panose="020B0A02040204020203" pitchFamily="34" charset="0"/>
+                <a:cs typeface="Times New Roman" panose="02020603050405020304" pitchFamily="18" charset="0"/>
+              </a:rPr>
+              <a:t>    if(persistent) wifi_station_get_config_default(&amp;conf);</a:t>
+            </a:r>
+          </a:p>
+          <a:p>
+            <a:r>
+              <a:rPr lang="en-US" sz="1400" dirty="0">
+                <a:latin typeface="Segoe UI Black" panose="020B0A02040204020203" pitchFamily="34" charset="0"/>
+                <a:cs typeface="Times New Roman" panose="02020603050405020304" pitchFamily="18" charset="0"/>
+              </a:rPr>
+              <a:t>    else wifi_station_get_config(&amp;conf);</a:t>
+            </a:r>
+          </a:p>
+          <a:p>
             <a:endParaRPr lang="en-US" sz="1400" dirty="0">
-              <a:latin typeface="Times New Roman" panose="02020603050405020304" pitchFamily="18" charset="0"/>
+              <a:latin typeface="Segoe UI Black" panose="020B0A02040204020203" pitchFamily="34" charset="0"/>
               <a:cs typeface="Times New Roman" panose="02020603050405020304" pitchFamily="18" charset="0"/>
             </a:endParaRPr>
           </a:p>
           <a:p>
             <a:r>
               <a:rPr lang="en-US" sz="1400" dirty="0">
-                <a:latin typeface="Times New Roman" panose="02020603050405020304" pitchFamily="18" charset="0"/>
-                <a:cs typeface="Times New Roman" panose="02020603050405020304" pitchFamily="18" charset="0"/>
-              </a:rPr>
-              <a:t>    #ifdef ESP8266</a:t>
-            </a:r>
-          </a:p>
-          <a:p>
-            <a:r>
-              <a:rPr lang="en-US" sz="1400" dirty="0">
-                <a:latin typeface="Times New Roman" panose="02020603050405020304" pitchFamily="18" charset="0"/>
-                <a:cs typeface="Times New Roman" panose="02020603050405020304" pitchFamily="18" charset="0"/>
-              </a:rPr>
-              <a:t>    struct station_config conf;</a:t>
-            </a:r>
-          </a:p>
-          <a:p>
-            <a:r>
-              <a:rPr lang="en-US" sz="1400" dirty="0">
-                <a:latin typeface="Times New Roman" panose="02020603050405020304" pitchFamily="18" charset="0"/>
-                <a:cs typeface="Times New Roman" panose="02020603050405020304" pitchFamily="18" charset="0"/>
-              </a:rPr>
-              <a:t>    if(persistent) wifi_station_get_config_default(&amp;conf);</a:t>
-            </a:r>
-          </a:p>
-          <a:p>
-            <a:r>
-              <a:rPr lang="en-US" sz="1400" dirty="0">
-                <a:latin typeface="Times New Roman" panose="02020603050405020304" pitchFamily="18" charset="0"/>
-                <a:cs typeface="Times New Roman" panose="02020603050405020304" pitchFamily="18" charset="0"/>
-              </a:rPr>
-              <a:t>    else wifi_station_get_config(&amp;conf);</a:t>
-            </a:r>
-          </a:p>
-          <a:p>
-            <a:endParaRPr lang="en-US" sz="1400" dirty="0">
-              <a:latin typeface="Times New Roman" panose="02020603050405020304" pitchFamily="18" charset="0"/>
-              <a:cs typeface="Times New Roman" panose="02020603050405020304" pitchFamily="18" charset="0"/>
-            </a:endParaRPr>
-          </a:p>
-          <a:p>
-            <a:r>
-              <a:rPr lang="en-US" sz="1400" dirty="0">
-                <a:latin typeface="Times New Roman" panose="02020603050405020304" pitchFamily="18" charset="0"/>
+                <a:latin typeface="Segoe UI Black" panose="020B0A02040204020203" pitchFamily="34" charset="0"/>
                 <a:cs typeface="Times New Roman" panose="02020603050405020304" pitchFamily="18" charset="0"/>
               </a:rPr>
               <a:t>    char tmp[33]; //ssid can be up to 32chars, =&gt; plus null term</a:t>
@@ -5452,7 +5041,7 @@
           <a:p>
             <a:r>
               <a:rPr lang="en-US" sz="1400" dirty="0">
-                <a:latin typeface="Times New Roman" panose="02020603050405020304" pitchFamily="18" charset="0"/>
+                <a:latin typeface="Segoe UI Black" panose="020B0A02040204020203" pitchFamily="34" charset="0"/>
                 <a:cs typeface="Times New Roman" panose="02020603050405020304" pitchFamily="18" charset="0"/>
               </a:rPr>
               <a:t>    memcpy(tmp, conf.ssid, sizeof(conf.ssid));</a:t>
@@ -5461,7 +5050,7 @@
           <a:p>
             <a:r>
               <a:rPr lang="en-US" sz="1400" dirty="0">
-                <a:latin typeface="Times New Roman" panose="02020603050405020304" pitchFamily="18" charset="0"/>
+                <a:latin typeface="Segoe UI Black" panose="020B0A02040204020203" pitchFamily="34" charset="0"/>
                 <a:cs typeface="Times New Roman" panose="02020603050405020304" pitchFamily="18" charset="0"/>
               </a:rPr>
               <a:t>    tmp[32] = 0; //nullterm in case of 32 char ssid</a:t>
@@ -5470,7 +5059,7 @@
           <a:p>
             <a:r>
               <a:rPr lang="en-US" sz="1400" dirty="0">
-                <a:latin typeface="Times New Roman" panose="02020603050405020304" pitchFamily="18" charset="0"/>
+                <a:latin typeface="Segoe UI Black" panose="020B0A02040204020203" pitchFamily="34" charset="0"/>
                 <a:cs typeface="Times New Roman" panose="02020603050405020304" pitchFamily="18" charset="0"/>
               </a:rPr>
               <a:t>    return String(reinterpret_cast&lt;char*&gt;(tmp));</a:t>
@@ -5479,7 +5068,7 @@
           <a:p>
             <a:r>
               <a:rPr lang="en-US" sz="1400" dirty="0">
-                <a:latin typeface="Times New Roman" panose="02020603050405020304" pitchFamily="18" charset="0"/>
+                <a:latin typeface="Segoe UI Black" panose="020B0A02040204020203" pitchFamily="34" charset="0"/>
                 <a:cs typeface="Times New Roman" panose="02020603050405020304" pitchFamily="18" charset="0"/>
               </a:rPr>
               <a:t>    </a:t>
@@ -5488,7 +5077,7 @@
           <a:p>
             <a:r>
               <a:rPr lang="en-US" sz="1400" dirty="0">
-                <a:latin typeface="Times New Roman" panose="02020603050405020304" pitchFamily="18" charset="0"/>
+                <a:latin typeface="Segoe UI Black" panose="020B0A02040204020203" pitchFamily="34" charset="0"/>
                 <a:cs typeface="Times New Roman" panose="02020603050405020304" pitchFamily="18" charset="0"/>
               </a:rPr>
               <a:t>    #elif defined(ESP32)</a:t>
@@ -5497,7 +5086,7 @@
           <a:p>
             <a:r>
               <a:rPr lang="en-US" sz="1400" dirty="0">
-                <a:latin typeface="Times New Roman" panose="02020603050405020304" pitchFamily="18" charset="0"/>
+                <a:latin typeface="Segoe UI Black" panose="020B0A02040204020203" pitchFamily="34" charset="0"/>
                 <a:cs typeface="Times New Roman" panose="02020603050405020304" pitchFamily="18" charset="0"/>
               </a:rPr>
               <a:t>    if(persistent){</a:t>
@@ -5506,7 +5095,7 @@
           <a:p>
             <a:r>
               <a:rPr lang="en-US" sz="1400" dirty="0">
-                <a:latin typeface="Times New Roman" panose="02020603050405020304" pitchFamily="18" charset="0"/>
+                <a:latin typeface="Segoe UI Black" panose="020B0A02040204020203" pitchFamily="34" charset="0"/>
                 <a:cs typeface="Times New Roman" panose="02020603050405020304" pitchFamily="18" charset="0"/>
               </a:rPr>
               <a:t>      wifi_config_t conf;</a:t>
@@ -5515,7 +5104,7 @@
           <a:p>
             <a:r>
               <a:rPr lang="en-US" sz="1400" dirty="0">
-                <a:latin typeface="Times New Roman" panose="02020603050405020304" pitchFamily="18" charset="0"/>
+                <a:latin typeface="Segoe UI Black" panose="020B0A02040204020203" pitchFamily="34" charset="0"/>
                 <a:cs typeface="Times New Roman" panose="02020603050405020304" pitchFamily="18" charset="0"/>
               </a:rPr>
               <a:t>      esp_wifi_get_config(WIFI_IF_STA, &amp;conf);</a:t>
@@ -5524,7 +5113,7 @@
           <a:p>
             <a:r>
               <a:rPr lang="en-US" sz="1400" dirty="0">
-                <a:latin typeface="Times New Roman" panose="02020603050405020304" pitchFamily="18" charset="0"/>
+                <a:latin typeface="Segoe UI Black" panose="020B0A02040204020203" pitchFamily="34" charset="0"/>
                 <a:cs typeface="Times New Roman" panose="02020603050405020304" pitchFamily="18" charset="0"/>
               </a:rPr>
               <a:t>      return String(reinterpret_cast&lt;const char*&gt;(conf.sta.ssid));</a:t>
@@ -5533,22 +5122,11 @@
           <a:p>
             <a:r>
               <a:rPr lang="en-US" sz="1400" dirty="0">
-                <a:latin typeface="Times New Roman" panose="02020603050405020304" pitchFamily="18" charset="0"/>
-                <a:cs typeface="Times New Roman" panose="02020603050405020304" pitchFamily="18" charset="0"/>
-              </a:rPr>
-              <a:t>    </a:t>
-            </a:r>
-            <a:r>
-              <a:rPr lang="en-US" sz="1400" dirty="0" smtClean="0">
-                <a:latin typeface="Times New Roman" panose="02020603050405020304" pitchFamily="18" charset="0"/>
-                <a:cs typeface="Times New Roman" panose="02020603050405020304" pitchFamily="18" charset="0"/>
-              </a:rPr>
-              <a:t>}</a:t>
-            </a:r>
-            <a:endParaRPr lang="en-US" sz="1400" dirty="0">
-              <a:latin typeface="Times New Roman" panose="02020603050405020304" pitchFamily="18" charset="0"/>
-              <a:cs typeface="Times New Roman" panose="02020603050405020304" pitchFamily="18" charset="0"/>
-            </a:endParaRPr>
+                <a:latin typeface="Segoe UI Black" panose="020B0A02040204020203" pitchFamily="34" charset="0"/>
+                <a:cs typeface="Times New Roman" panose="02020603050405020304" pitchFamily="18" charset="0"/>
+              </a:rPr>
+              <a:t>    }</a:t>
+            </a:r>
           </a:p>
         </p:txBody>
       </p:sp>
@@ -5560,8 +5138,8 @@
         </p:nvSpPr>
         <p:spPr>
           <a:xfrm>
-            <a:off x="6797964" y="1753349"/>
-            <a:ext cx="4867563" cy="2677656"/>
+            <a:off x="8013940" y="1753349"/>
+            <a:ext cx="3651587" cy="3539430"/>
           </a:xfrm>
           <a:prstGeom prst="rect">
             <a:avLst/>
@@ -5575,7 +5153,7 @@
           <a:p>
             <a:r>
               <a:rPr lang="en-US" sz="1400" dirty="0">
-                <a:latin typeface="Times New Roman" panose="02020603050405020304" pitchFamily="18" charset="0"/>
+                <a:latin typeface="Segoe UI Black" panose="020B0A02040204020203" pitchFamily="34" charset="0"/>
                 <a:cs typeface="Times New Roman" panose="02020603050405020304" pitchFamily="18" charset="0"/>
               </a:rPr>
               <a:t> else {</a:t>
@@ -5584,7 +5162,7 @@
           <a:p>
             <a:r>
               <a:rPr lang="en-US" sz="1400" dirty="0">
-                <a:latin typeface="Times New Roman" panose="02020603050405020304" pitchFamily="18" charset="0"/>
+                <a:latin typeface="Segoe UI Black" panose="020B0A02040204020203" pitchFamily="34" charset="0"/>
                 <a:cs typeface="Times New Roman" panose="02020603050405020304" pitchFamily="18" charset="0"/>
               </a:rPr>
               <a:t>      if(WiFiGenericClass::getMode() == WIFI_MODE_NULL){</a:t>
@@ -5593,7 +5171,7 @@
           <a:p>
             <a:r>
               <a:rPr lang="en-US" sz="1400" dirty="0">
-                <a:latin typeface="Times New Roman" panose="02020603050405020304" pitchFamily="18" charset="0"/>
+                <a:latin typeface="Segoe UI Black" panose="020B0A02040204020203" pitchFamily="34" charset="0"/>
                 <a:cs typeface="Times New Roman" panose="02020603050405020304" pitchFamily="18" charset="0"/>
               </a:rPr>
               <a:t>          return String();</a:t>
@@ -5602,7 +5180,7 @@
           <a:p>
             <a:r>
               <a:rPr lang="en-US" sz="1400" dirty="0">
-                <a:latin typeface="Times New Roman" panose="02020603050405020304" pitchFamily="18" charset="0"/>
+                <a:latin typeface="Segoe UI Black" panose="020B0A02040204020203" pitchFamily="34" charset="0"/>
                 <a:cs typeface="Times New Roman" panose="02020603050405020304" pitchFamily="18" charset="0"/>
               </a:rPr>
               <a:t>      }</a:t>
@@ -5611,7 +5189,7 @@
           <a:p>
             <a:r>
               <a:rPr lang="en-US" sz="1400" dirty="0">
-                <a:latin typeface="Times New Roman" panose="02020603050405020304" pitchFamily="18" charset="0"/>
+                <a:latin typeface="Segoe UI Black" panose="020B0A02040204020203" pitchFamily="34" charset="0"/>
                 <a:cs typeface="Times New Roman" panose="02020603050405020304" pitchFamily="18" charset="0"/>
               </a:rPr>
               <a:t>      wifi_ap_record_t info;</a:t>
@@ -5620,7 +5198,7 @@
           <a:p>
             <a:r>
               <a:rPr lang="en-US" sz="1400" dirty="0">
-                <a:latin typeface="Times New Roman" panose="02020603050405020304" pitchFamily="18" charset="0"/>
+                <a:latin typeface="Segoe UI Black" panose="020B0A02040204020203" pitchFamily="34" charset="0"/>
                 <a:cs typeface="Times New Roman" panose="02020603050405020304" pitchFamily="18" charset="0"/>
               </a:rPr>
               <a:t>      if(!esp_wifi_sta_get_ap_info(&amp;info)) {</a:t>
@@ -5629,7 +5207,7 @@
           <a:p>
             <a:r>
               <a:rPr lang="en-US" sz="1400" dirty="0">
-                <a:latin typeface="Times New Roman" panose="02020603050405020304" pitchFamily="18" charset="0"/>
+                <a:latin typeface="Segoe UI Black" panose="020B0A02040204020203" pitchFamily="34" charset="0"/>
                 <a:cs typeface="Times New Roman" panose="02020603050405020304" pitchFamily="18" charset="0"/>
               </a:rPr>
               <a:t>          return String(reinterpret_cast&lt;char*&gt;(info.ssid));</a:t>
@@ -5638,7 +5216,7 @@
           <a:p>
             <a:r>
               <a:rPr lang="en-US" sz="1400" dirty="0">
-                <a:latin typeface="Times New Roman" panose="02020603050405020304" pitchFamily="18" charset="0"/>
+                <a:latin typeface="Segoe UI Black" panose="020B0A02040204020203" pitchFamily="34" charset="0"/>
                 <a:cs typeface="Times New Roman" panose="02020603050405020304" pitchFamily="18" charset="0"/>
               </a:rPr>
               <a:t>      }</a:t>
@@ -5647,7 +5225,7 @@
           <a:p>
             <a:r>
               <a:rPr lang="en-US" sz="1400" dirty="0">
-                <a:latin typeface="Times New Roman" panose="02020603050405020304" pitchFamily="18" charset="0"/>
+                <a:latin typeface="Segoe UI Black" panose="020B0A02040204020203" pitchFamily="34" charset="0"/>
                 <a:cs typeface="Times New Roman" panose="02020603050405020304" pitchFamily="18" charset="0"/>
               </a:rPr>
               <a:t>      return String();</a:t>
@@ -5656,7 +5234,7 @@
           <a:p>
             <a:r>
               <a:rPr lang="en-US" sz="1400" dirty="0">
-                <a:latin typeface="Times New Roman" panose="02020603050405020304" pitchFamily="18" charset="0"/>
+                <a:latin typeface="Segoe UI Black" panose="020B0A02040204020203" pitchFamily="34" charset="0"/>
                 <a:cs typeface="Times New Roman" panose="02020603050405020304" pitchFamily="18" charset="0"/>
               </a:rPr>
               <a:t>    }</a:t>
@@ -5665,7 +5243,7 @@
           <a:p>
             <a:r>
               <a:rPr lang="en-US" sz="1400" dirty="0">
-                <a:latin typeface="Times New Roman" panose="02020603050405020304" pitchFamily="18" charset="0"/>
+                <a:latin typeface="Segoe UI Black" panose="020B0A02040204020203" pitchFamily="34" charset="0"/>
                 <a:cs typeface="Times New Roman" panose="02020603050405020304" pitchFamily="18" charset="0"/>
               </a:rPr>
               <a:t>    #endif</a:t>
@@ -5674,7 +5252,7 @@
           <a:p>
             <a:r>
               <a:rPr lang="en-US" sz="1400" dirty="0">
-                <a:latin typeface="Times New Roman" panose="02020603050405020304" pitchFamily="18" charset="0"/>
+                <a:latin typeface="Segoe UI Black" panose="020B0A02040204020203" pitchFamily="34" charset="0"/>
                 <a:cs typeface="Times New Roman" panose="02020603050405020304" pitchFamily="18" charset="0"/>
               </a:rPr>
               <a:t>}</a:t>
@@ -5693,13 +5271,6 @@
   <p:clrMapOvr>
     <a:masterClrMapping/>
   </p:clrMapOvr>
-  <p:timing>
-    <p:tnLst>
-      <p:par>
-        <p:cTn id="1" dur="indefinite" restart="never" nodeType="tmRoot"/>
-      </p:par>
-    </p:tnLst>
-  </p:timing>
 </p:sld>
 </file>
 
@@ -5732,8 +5303,8 @@
         </p:nvSpPr>
         <p:spPr>
           <a:xfrm>
-            <a:off x="1971675" y="571487"/>
-            <a:ext cx="8781250" cy="590931"/>
+            <a:off x="1971675" y="613037"/>
+            <a:ext cx="7358105" cy="507831"/>
           </a:xfrm>
           <a:prstGeom prst="rect">
             <a:avLst/>
@@ -5747,7 +5318,7 @@
           <a:lstStyle/>
           <a:p>
             <a:r>
-              <a:rPr lang="en-US" sz="3600" b="1" dirty="0" smtClean="0">
+              <a:rPr lang="en-US" sz="3000" b="1" dirty="0">
                 <a:solidFill>
                   <a:srgbClr val="FF0000"/>
                 </a:solidFill>
@@ -5758,25 +5329,11 @@
                     </a:srgbClr>
                   </a:outerShdw>
                 </a:effectLst>
-                <a:latin typeface="Times New Roman" panose="02020603050405020304" pitchFamily="18" charset="0"/>
+                <a:latin typeface="Segoe UI Black" panose="020B0A02040204020203" pitchFamily="34" charset="0"/>
                 <a:cs typeface="Times New Roman" panose="02020603050405020304" pitchFamily="18" charset="0"/>
               </a:rPr>
               <a:t>1.3 WIFI MANAGER (EXAMPLE BASIC)</a:t>
             </a:r>
-            <a:endParaRPr lang="en-US" sz="3600" b="1" dirty="0">
-              <a:solidFill>
-                <a:srgbClr val="FF0000"/>
-              </a:solidFill>
-              <a:effectLst>
-                <a:outerShdw blurRad="38100" dist="38100" dir="2700000" algn="tl">
-                  <a:srgbClr val="000000">
-                    <a:alpha val="43137"/>
-                  </a:srgbClr>
-                </a:outerShdw>
-              </a:effectLst>
-              <a:latin typeface="Times New Roman" panose="02020603050405020304" pitchFamily="18" charset="0"/>
-              <a:cs typeface="Times New Roman" panose="02020603050405020304" pitchFamily="18" charset="0"/>
-            </a:endParaRPr>
           </a:p>
         </p:txBody>
       </p:sp>
@@ -5790,8 +5347,8 @@
         </p:nvSpPr>
         <p:spPr>
           <a:xfrm>
-            <a:off x="2451966" y="1162418"/>
-            <a:ext cx="3839577" cy="424732"/>
+            <a:off x="2451966" y="1120869"/>
+            <a:ext cx="5341527" cy="507831"/>
           </a:xfrm>
           <a:prstGeom prst="rect">
             <a:avLst/>
@@ -5823,7 +5380,7 @@
           </a:lstStyle>
           <a:p>
             <a:r>
-              <a:rPr lang="en-US" sz="2400" b="1" dirty="0" smtClean="0">
+              <a:rPr lang="en-US" sz="3000" b="1" dirty="0">
                 <a:solidFill>
                   <a:srgbClr val="1B8FAD"/>
                 </a:solidFill>
@@ -5834,25 +5391,11 @@
                     </a:srgbClr>
                   </a:outerShdw>
                 </a:effectLst>
-                <a:latin typeface="Times New Roman" panose="02020603050405020304" pitchFamily="18" charset="0"/>
+                <a:latin typeface="Segoe UI Black" panose="020B0A02040204020203" pitchFamily="34" charset="0"/>
                 <a:cs typeface="Times New Roman" panose="02020603050405020304" pitchFamily="18" charset="0"/>
               </a:rPr>
               <a:t>1.3.6 WiFi_autoReconnect()</a:t>
             </a:r>
-            <a:endParaRPr lang="en-US" sz="2400" b="1" dirty="0">
-              <a:solidFill>
-                <a:srgbClr val="1B8FAD"/>
-              </a:solidFill>
-              <a:effectLst>
-                <a:outerShdw blurRad="38100" dist="38100" dir="2700000" algn="tl">
-                  <a:srgbClr val="000000">
-                    <a:alpha val="43137"/>
-                  </a:srgbClr>
-                </a:outerShdw>
-              </a:effectLst>
-              <a:latin typeface="Times New Roman" panose="02020603050405020304" pitchFamily="18" charset="0"/>
-              <a:cs typeface="Times New Roman" panose="02020603050405020304" pitchFamily="18" charset="0"/>
-            </a:endParaRPr>
           </a:p>
         </p:txBody>
       </p:sp>
@@ -5865,7 +5408,7 @@
         <p:spPr>
           <a:xfrm>
             <a:off x="1971675" y="1753349"/>
-            <a:ext cx="9305925" cy="2677656"/>
+            <a:ext cx="9305925" cy="4093428"/>
           </a:xfrm>
           <a:prstGeom prst="rect">
             <a:avLst/>
@@ -5878,17 +5421,45 @@
           <a:lstStyle/>
           <a:p>
             <a:r>
-              <a:rPr lang="en-US" sz="1400" dirty="0">
-                <a:latin typeface="Times New Roman" panose="02020603050405020304" pitchFamily="18" charset="0"/>
-                <a:cs typeface="Times New Roman" panose="02020603050405020304" pitchFamily="18" charset="0"/>
-              </a:rPr>
-              <a:t>void WiFiManager::WiFi_autoReconnect(){</a:t>
-            </a:r>
-          </a:p>
-          <a:p>
-            <a:r>
-              <a:rPr lang="en-US" sz="1400" dirty="0">
-                <a:latin typeface="Times New Roman" panose="02020603050405020304" pitchFamily="18" charset="0"/>
+              <a:rPr lang="en-US" sz="2000" dirty="0">
+                <a:latin typeface="Segoe UI Black" panose="020B0A02040204020203" pitchFamily="34" charset="0"/>
+                <a:cs typeface="Times New Roman" panose="02020603050405020304" pitchFamily="18" charset="0"/>
+              </a:rPr>
+              <a:t>void </a:t>
+            </a:r>
+            <a:r>
+              <a:rPr lang="en-US" sz="2000" dirty="0" err="1">
+                <a:latin typeface="Segoe UI Black" panose="020B0A02040204020203" pitchFamily="34" charset="0"/>
+                <a:cs typeface="Times New Roman" panose="02020603050405020304" pitchFamily="18" charset="0"/>
+              </a:rPr>
+              <a:t>WiFiManager</a:t>
+            </a:r>
+            <a:r>
+              <a:rPr lang="en-US" sz="2000" dirty="0">
+                <a:latin typeface="Segoe UI Black" panose="020B0A02040204020203" pitchFamily="34" charset="0"/>
+                <a:cs typeface="Times New Roman" panose="02020603050405020304" pitchFamily="18" charset="0"/>
+              </a:rPr>
+              <a:t>::</a:t>
+            </a:r>
+            <a:r>
+              <a:rPr lang="en-US" sz="2000" dirty="0" err="1">
+                <a:latin typeface="Segoe UI Black" panose="020B0A02040204020203" pitchFamily="34" charset="0"/>
+                <a:cs typeface="Times New Roman" panose="02020603050405020304" pitchFamily="18" charset="0"/>
+              </a:rPr>
+              <a:t>WiFi_autoReconnect</a:t>
+            </a:r>
+            <a:r>
+              <a:rPr lang="en-US" sz="2000" dirty="0">
+                <a:latin typeface="Segoe UI Black" panose="020B0A02040204020203" pitchFamily="34" charset="0"/>
+                <a:cs typeface="Times New Roman" panose="02020603050405020304" pitchFamily="18" charset="0"/>
+              </a:rPr>
+              <a:t>(){</a:t>
+            </a:r>
+          </a:p>
+          <a:p>
+            <a:r>
+              <a:rPr lang="en-US" sz="2000" dirty="0">
+                <a:latin typeface="Segoe UI Black" panose="020B0A02040204020203" pitchFamily="34" charset="0"/>
                 <a:cs typeface="Times New Roman" panose="02020603050405020304" pitchFamily="18" charset="0"/>
               </a:rPr>
               <a:t>  #ifdef ESP8266</a:t>
@@ -5896,17 +5467,45 @@
           </a:p>
           <a:p>
             <a:r>
-              <a:rPr lang="en-US" sz="1400" dirty="0">
-                <a:latin typeface="Times New Roman" panose="02020603050405020304" pitchFamily="18" charset="0"/>
-                <a:cs typeface="Times New Roman" panose="02020603050405020304" pitchFamily="18" charset="0"/>
-              </a:rPr>
-              <a:t>    WiFi.setAutoReconnect(_wifiAutoReconnect);</a:t>
-            </a:r>
-          </a:p>
-          <a:p>
-            <a:r>
-              <a:rPr lang="en-US" sz="1400" dirty="0">
-                <a:latin typeface="Times New Roman" panose="02020603050405020304" pitchFamily="18" charset="0"/>
+              <a:rPr lang="en-US" sz="2000" dirty="0">
+                <a:latin typeface="Segoe UI Black" panose="020B0A02040204020203" pitchFamily="34" charset="0"/>
+                <a:cs typeface="Times New Roman" panose="02020603050405020304" pitchFamily="18" charset="0"/>
+              </a:rPr>
+              <a:t>    </a:t>
+            </a:r>
+            <a:r>
+              <a:rPr lang="en-US" sz="2000" dirty="0" err="1">
+                <a:latin typeface="Segoe UI Black" panose="020B0A02040204020203" pitchFamily="34" charset="0"/>
+                <a:cs typeface="Times New Roman" panose="02020603050405020304" pitchFamily="18" charset="0"/>
+              </a:rPr>
+              <a:t>WiFi.setAutoReconnect</a:t>
+            </a:r>
+            <a:r>
+              <a:rPr lang="en-US" sz="2000" dirty="0">
+                <a:latin typeface="Segoe UI Black" panose="020B0A02040204020203" pitchFamily="34" charset="0"/>
+                <a:cs typeface="Times New Roman" panose="02020603050405020304" pitchFamily="18" charset="0"/>
+              </a:rPr>
+              <a:t>(_</a:t>
+            </a:r>
+            <a:r>
+              <a:rPr lang="en-US" sz="2000" dirty="0" err="1">
+                <a:latin typeface="Segoe UI Black" panose="020B0A02040204020203" pitchFamily="34" charset="0"/>
+                <a:cs typeface="Times New Roman" panose="02020603050405020304" pitchFamily="18" charset="0"/>
+              </a:rPr>
+              <a:t>wifiAutoReconnect</a:t>
+            </a:r>
+            <a:r>
+              <a:rPr lang="en-US" sz="2000" dirty="0">
+                <a:latin typeface="Segoe UI Black" panose="020B0A02040204020203" pitchFamily="34" charset="0"/>
+                <a:cs typeface="Times New Roman" panose="02020603050405020304" pitchFamily="18" charset="0"/>
+              </a:rPr>
+              <a:t>);</a:t>
+            </a:r>
+          </a:p>
+          <a:p>
+            <a:r>
+              <a:rPr lang="en-US" sz="2000" dirty="0">
+                <a:latin typeface="Segoe UI Black" panose="020B0A02040204020203" pitchFamily="34" charset="0"/>
                 <a:cs typeface="Times New Roman" panose="02020603050405020304" pitchFamily="18" charset="0"/>
               </a:rPr>
               <a:t>  #elif defined(ESP32)</a:t>
@@ -5914,26 +5513,54 @@
           </a:p>
           <a:p>
             <a:r>
-              <a:rPr lang="en-US" sz="1400" dirty="0">
-                <a:latin typeface="Times New Roman" panose="02020603050405020304" pitchFamily="18" charset="0"/>
-                <a:cs typeface="Times New Roman" panose="02020603050405020304" pitchFamily="18" charset="0"/>
-              </a:rPr>
-              <a:t>    // if(_wifiAutoReconnect){</a:t>
-            </a:r>
-          </a:p>
-          <a:p>
-            <a:r>
-              <a:rPr lang="en-US" sz="1400" dirty="0">
-                <a:latin typeface="Times New Roman" panose="02020603050405020304" pitchFamily="18" charset="0"/>
-                <a:cs typeface="Times New Roman" panose="02020603050405020304" pitchFamily="18" charset="0"/>
-              </a:rPr>
-              <a:t>      // @todo move to seperate method, used for event listener now</a:t>
-            </a:r>
-          </a:p>
-          <a:p>
-            <a:r>
-              <a:rPr lang="en-US" sz="1400" dirty="0">
-                <a:latin typeface="Times New Roman" panose="02020603050405020304" pitchFamily="18" charset="0"/>
+              <a:rPr lang="en-US" sz="2000" dirty="0">
+                <a:latin typeface="Segoe UI Black" panose="020B0A02040204020203" pitchFamily="34" charset="0"/>
+                <a:cs typeface="Times New Roman" panose="02020603050405020304" pitchFamily="18" charset="0"/>
+              </a:rPr>
+              <a:t>    // if(_</a:t>
+            </a:r>
+            <a:r>
+              <a:rPr lang="en-US" sz="2000" dirty="0" err="1">
+                <a:latin typeface="Segoe UI Black" panose="020B0A02040204020203" pitchFamily="34" charset="0"/>
+                <a:cs typeface="Times New Roman" panose="02020603050405020304" pitchFamily="18" charset="0"/>
+              </a:rPr>
+              <a:t>wifiAutoReconnect</a:t>
+            </a:r>
+            <a:r>
+              <a:rPr lang="en-US" sz="2000" dirty="0">
+                <a:latin typeface="Segoe UI Black" panose="020B0A02040204020203" pitchFamily="34" charset="0"/>
+                <a:cs typeface="Times New Roman" panose="02020603050405020304" pitchFamily="18" charset="0"/>
+              </a:rPr>
+              <a:t>){</a:t>
+            </a:r>
+          </a:p>
+          <a:p>
+            <a:r>
+              <a:rPr lang="en-US" sz="2000" dirty="0">
+                <a:latin typeface="Segoe UI Black" panose="020B0A02040204020203" pitchFamily="34" charset="0"/>
+                <a:cs typeface="Times New Roman" panose="02020603050405020304" pitchFamily="18" charset="0"/>
+              </a:rPr>
+              <a:t>      // @todo move to </a:t>
+            </a:r>
+            <a:r>
+              <a:rPr lang="en-US" sz="2000" dirty="0" err="1">
+                <a:latin typeface="Segoe UI Black" panose="020B0A02040204020203" pitchFamily="34" charset="0"/>
+                <a:cs typeface="Times New Roman" panose="02020603050405020304" pitchFamily="18" charset="0"/>
+              </a:rPr>
+              <a:t>seperate</a:t>
+            </a:r>
+            <a:r>
+              <a:rPr lang="en-US" sz="2000" dirty="0">
+                <a:latin typeface="Segoe UI Black" panose="020B0A02040204020203" pitchFamily="34" charset="0"/>
+                <a:cs typeface="Times New Roman" panose="02020603050405020304" pitchFamily="18" charset="0"/>
+              </a:rPr>
+              <a:t> method, used for event listener now</a:t>
+            </a:r>
+          </a:p>
+          <a:p>
+            <a:r>
+              <a:rPr lang="en-US" sz="2000" dirty="0">
+                <a:latin typeface="Segoe UI Black" panose="020B0A02040204020203" pitchFamily="34" charset="0"/>
                 <a:cs typeface="Times New Roman" panose="02020603050405020304" pitchFamily="18" charset="0"/>
               </a:rPr>
               <a:t>      DEBUG_WM(DEBUG_VERBOSE,"ESP32 event handler enabled");</a:t>
@@ -5941,8 +5568,8 @@
           </a:p>
           <a:p>
             <a:r>
-              <a:rPr lang="en-US" sz="1400" dirty="0">
-                <a:latin typeface="Times New Roman" panose="02020603050405020304" pitchFamily="18" charset="0"/>
+              <a:rPr lang="en-US" sz="2000" dirty="0">
+                <a:latin typeface="Segoe UI Black" panose="020B0A02040204020203" pitchFamily="34" charset="0"/>
                 <a:cs typeface="Times New Roman" panose="02020603050405020304" pitchFamily="18" charset="0"/>
               </a:rPr>
               <a:t>      using namespace std::placeholders;</a:t>
@@ -5950,17 +5577,59 @@
           </a:p>
           <a:p>
             <a:r>
-              <a:rPr lang="en-US" sz="1400" dirty="0">
-                <a:latin typeface="Times New Roman" panose="02020603050405020304" pitchFamily="18" charset="0"/>
-                <a:cs typeface="Times New Roman" panose="02020603050405020304" pitchFamily="18" charset="0"/>
-              </a:rPr>
-              <a:t>      wm_event_id = WiFi.onEvent(std::bind(&amp;WiFiManager::WiFiEvent,this,_1,_2));</a:t>
-            </a:r>
-          </a:p>
-          <a:p>
-            <a:r>
-              <a:rPr lang="en-US" sz="1400" dirty="0">
-                <a:latin typeface="Times New Roman" panose="02020603050405020304" pitchFamily="18" charset="0"/>
+              <a:rPr lang="en-US" sz="2000" dirty="0">
+                <a:latin typeface="Segoe UI Black" panose="020B0A02040204020203" pitchFamily="34" charset="0"/>
+                <a:cs typeface="Times New Roman" panose="02020603050405020304" pitchFamily="18" charset="0"/>
+              </a:rPr>
+              <a:t>      </a:t>
+            </a:r>
+            <a:r>
+              <a:rPr lang="en-US" sz="2000" dirty="0" err="1">
+                <a:latin typeface="Segoe UI Black" panose="020B0A02040204020203" pitchFamily="34" charset="0"/>
+                <a:cs typeface="Times New Roman" panose="02020603050405020304" pitchFamily="18" charset="0"/>
+              </a:rPr>
+              <a:t>wm_event_id</a:t>
+            </a:r>
+            <a:r>
+              <a:rPr lang="en-US" sz="2000" dirty="0">
+                <a:latin typeface="Segoe UI Black" panose="020B0A02040204020203" pitchFamily="34" charset="0"/>
+                <a:cs typeface="Times New Roman" panose="02020603050405020304" pitchFamily="18" charset="0"/>
+              </a:rPr>
+              <a:t> = </a:t>
+            </a:r>
+            <a:r>
+              <a:rPr lang="en-US" sz="2000" dirty="0" err="1">
+                <a:latin typeface="Segoe UI Black" panose="020B0A02040204020203" pitchFamily="34" charset="0"/>
+                <a:cs typeface="Times New Roman" panose="02020603050405020304" pitchFamily="18" charset="0"/>
+              </a:rPr>
+              <a:t>WiFi.onEvent</a:t>
+            </a:r>
+            <a:r>
+              <a:rPr lang="en-US" sz="2000" dirty="0">
+                <a:latin typeface="Segoe UI Black" panose="020B0A02040204020203" pitchFamily="34" charset="0"/>
+                <a:cs typeface="Times New Roman" panose="02020603050405020304" pitchFamily="18" charset="0"/>
+              </a:rPr>
+              <a:t>(std::bind(&amp;</a:t>
+            </a:r>
+            <a:r>
+              <a:rPr lang="en-US" sz="2000" dirty="0" err="1">
+                <a:latin typeface="Segoe UI Black" panose="020B0A02040204020203" pitchFamily="34" charset="0"/>
+                <a:cs typeface="Times New Roman" panose="02020603050405020304" pitchFamily="18" charset="0"/>
+              </a:rPr>
+              <a:t>WiFiManager</a:t>
+            </a:r>
+            <a:r>
+              <a:rPr lang="en-US" sz="2000" dirty="0">
+                <a:latin typeface="Segoe UI Black" panose="020B0A02040204020203" pitchFamily="34" charset="0"/>
+                <a:cs typeface="Times New Roman" panose="02020603050405020304" pitchFamily="18" charset="0"/>
+              </a:rPr>
+              <a:t>::WiFiEvent,this,_1,_2));</a:t>
+            </a:r>
+          </a:p>
+          <a:p>
+            <a:r>
+              <a:rPr lang="en-US" sz="2000" dirty="0">
+                <a:latin typeface="Segoe UI Black" panose="020B0A02040204020203" pitchFamily="34" charset="0"/>
                 <a:cs typeface="Times New Roman" panose="02020603050405020304" pitchFamily="18" charset="0"/>
               </a:rPr>
               <a:t>    // }</a:t>
@@ -5968,8 +5637,8 @@
           </a:p>
           <a:p>
             <a:r>
-              <a:rPr lang="en-US" sz="1400" dirty="0">
-                <a:latin typeface="Times New Roman" panose="02020603050405020304" pitchFamily="18" charset="0"/>
+              <a:rPr lang="en-US" sz="2000" dirty="0">
+                <a:latin typeface="Segoe UI Black" panose="020B0A02040204020203" pitchFamily="34" charset="0"/>
                 <a:cs typeface="Times New Roman" panose="02020603050405020304" pitchFamily="18" charset="0"/>
               </a:rPr>
               <a:t>  #endif</a:t>
@@ -5977,8 +5646,8 @@
           </a:p>
           <a:p>
             <a:r>
-              <a:rPr lang="en-US" sz="1400" dirty="0">
-                <a:latin typeface="Times New Roman" panose="02020603050405020304" pitchFamily="18" charset="0"/>
+              <a:rPr lang="en-US" sz="2000" dirty="0">
+                <a:latin typeface="Segoe UI Black" panose="020B0A02040204020203" pitchFamily="34" charset="0"/>
                 <a:cs typeface="Times New Roman" panose="02020603050405020304" pitchFamily="18" charset="0"/>
               </a:rPr>
               <a:t>}</a:t>
@@ -5996,13 +5665,6 @@
   <p:clrMapOvr>
     <a:masterClrMapping/>
   </p:clrMapOvr>
-  <p:timing>
-    <p:tnLst>
-      <p:par>
-        <p:cTn id="1" dur="indefinite" restart="never" nodeType="tmRoot"/>
-      </p:par>
-    </p:tnLst>
-  </p:timing>
 </p:sld>
 </file>
 
@@ -6035,8 +5697,8 @@
         </p:nvSpPr>
         <p:spPr>
           <a:xfrm>
-            <a:off x="1971675" y="571487"/>
-            <a:ext cx="8781250" cy="590931"/>
+            <a:off x="1971675" y="613037"/>
+            <a:ext cx="7358105" cy="507831"/>
           </a:xfrm>
           <a:prstGeom prst="rect">
             <a:avLst/>
@@ -6050,7 +5712,7 @@
           <a:lstStyle/>
           <a:p>
             <a:r>
-              <a:rPr lang="en-US" sz="3600" b="1" dirty="0" smtClean="0">
+              <a:rPr lang="en-US" sz="3000" b="1" dirty="0">
                 <a:solidFill>
                   <a:srgbClr val="FF0000"/>
                 </a:solidFill>
@@ -6061,25 +5723,11 @@
                     </a:srgbClr>
                   </a:outerShdw>
                 </a:effectLst>
-                <a:latin typeface="Times New Roman" panose="02020603050405020304" pitchFamily="18" charset="0"/>
+                <a:latin typeface="Segoe UI Black" panose="020B0A02040204020203" pitchFamily="34" charset="0"/>
                 <a:cs typeface="Times New Roman" panose="02020603050405020304" pitchFamily="18" charset="0"/>
               </a:rPr>
               <a:t>1.3 WIFI MANAGER (EXAMPLE BASIC)</a:t>
             </a:r>
-            <a:endParaRPr lang="en-US" sz="3600" b="1" dirty="0">
-              <a:solidFill>
-                <a:srgbClr val="FF0000"/>
-              </a:solidFill>
-              <a:effectLst>
-                <a:outerShdw blurRad="38100" dist="38100" dir="2700000" algn="tl">
-                  <a:srgbClr val="000000">
-                    <a:alpha val="43137"/>
-                  </a:srgbClr>
-                </a:outerShdw>
-              </a:effectLst>
-              <a:latin typeface="Times New Roman" panose="02020603050405020304" pitchFamily="18" charset="0"/>
-              <a:cs typeface="Times New Roman" panose="02020603050405020304" pitchFamily="18" charset="0"/>
-            </a:endParaRPr>
           </a:p>
         </p:txBody>
       </p:sp>
@@ -6093,8 +5741,8 @@
         </p:nvSpPr>
         <p:spPr>
           <a:xfrm>
-            <a:off x="2451966" y="1162418"/>
-            <a:ext cx="3195105" cy="424732"/>
+            <a:off x="2451966" y="1120869"/>
+            <a:ext cx="4495141" cy="507831"/>
           </a:xfrm>
           <a:prstGeom prst="rect">
             <a:avLst/>
@@ -6126,7 +5774,7 @@
           </a:lstStyle>
           <a:p>
             <a:r>
-              <a:rPr lang="en-US" sz="2400" b="1" dirty="0">
+              <a:rPr lang="en-US" sz="3000" b="1" dirty="0">
                 <a:solidFill>
                   <a:srgbClr val="1B8FAD"/>
                 </a:solidFill>
@@ -6137,42 +5785,11 @@
                     </a:srgbClr>
                   </a:outerShdw>
                 </a:effectLst>
-                <a:latin typeface="Times New Roman" panose="02020603050405020304" pitchFamily="18" charset="0"/>
-                <a:cs typeface="Times New Roman" panose="02020603050405020304" pitchFamily="18" charset="0"/>
-              </a:rPr>
-              <a:t>1.3.7 </a:t>
-            </a:r>
-            <a:r>
-              <a:rPr lang="en-US" sz="2400" b="1" dirty="0" smtClean="0">
-                <a:solidFill>
-                  <a:srgbClr val="1B8FAD"/>
-                </a:solidFill>
-                <a:effectLst>
-                  <a:outerShdw blurRad="38100" dist="38100" dir="2700000" algn="tl">
-                    <a:srgbClr val="000000">
-                      <a:alpha val="43137"/>
-                    </a:srgbClr>
-                  </a:outerShdw>
-                </a:effectLst>
-                <a:latin typeface="Times New Roman" panose="02020603050405020304" pitchFamily="18" charset="0"/>
-                <a:cs typeface="Times New Roman" panose="02020603050405020304" pitchFamily="18" charset="0"/>
-              </a:rPr>
-              <a:t>setupHostname()</a:t>
-            </a:r>
-            <a:endParaRPr lang="en-US" sz="2400" b="1" dirty="0">
-              <a:solidFill>
-                <a:srgbClr val="1B8FAD"/>
-              </a:solidFill>
-              <a:effectLst>
-                <a:outerShdw blurRad="38100" dist="38100" dir="2700000" algn="tl">
-                  <a:srgbClr val="000000">
-                    <a:alpha val="43137"/>
-                  </a:srgbClr>
-                </a:outerShdw>
-              </a:effectLst>
-              <a:latin typeface="Times New Roman" panose="02020603050405020304" pitchFamily="18" charset="0"/>
-              <a:cs typeface="Times New Roman" panose="02020603050405020304" pitchFamily="18" charset="0"/>
-            </a:endParaRPr>
+                <a:latin typeface="Segoe UI Black" panose="020B0A02040204020203" pitchFamily="34" charset="0"/>
+                <a:cs typeface="Times New Roman" panose="02020603050405020304" pitchFamily="18" charset="0"/>
+              </a:rPr>
+              <a:t>1.3.7 setupHostname()</a:t>
+            </a:r>
           </a:p>
         </p:txBody>
       </p:sp>
@@ -6185,7 +5802,7 @@
         <p:spPr>
           <a:xfrm>
             <a:off x="1602220" y="1753349"/>
-            <a:ext cx="5175716" cy="5047536"/>
+            <a:ext cx="5175716" cy="5693866"/>
           </a:xfrm>
           <a:prstGeom prst="rect">
             <a:avLst/>
@@ -6199,7 +5816,7 @@
           <a:p>
             <a:r>
               <a:rPr lang="en-US" sz="1400" dirty="0">
-                <a:latin typeface="Times New Roman" panose="02020603050405020304" pitchFamily="18" charset="0"/>
+                <a:latin typeface="Segoe UI Black" panose="020B0A02040204020203" pitchFamily="34" charset="0"/>
                 <a:cs typeface="Times New Roman" panose="02020603050405020304" pitchFamily="18" charset="0"/>
               </a:rPr>
               <a:t>bool WiFiManager::setupHostname(bool restart){</a:t>
@@ -6208,7 +5825,7 @@
           <a:p>
             <a:r>
               <a:rPr lang="en-US" sz="1400" dirty="0">
-                <a:latin typeface="Times New Roman" panose="02020603050405020304" pitchFamily="18" charset="0"/>
+                <a:latin typeface="Segoe UI Black" panose="020B0A02040204020203" pitchFamily="34" charset="0"/>
                 <a:cs typeface="Times New Roman" panose="02020603050405020304" pitchFamily="18" charset="0"/>
               </a:rPr>
               <a:t>  if((String)_hostname == "") {</a:t>
@@ -6217,7 +5834,7 @@
           <a:p>
             <a:r>
               <a:rPr lang="en-US" sz="1400" dirty="0">
-                <a:latin typeface="Times New Roman" panose="02020603050405020304" pitchFamily="18" charset="0"/>
+                <a:latin typeface="Segoe UI Black" panose="020B0A02040204020203" pitchFamily="34" charset="0"/>
                 <a:cs typeface="Times New Roman" panose="02020603050405020304" pitchFamily="18" charset="0"/>
               </a:rPr>
               <a:t>    DEBUG_WM(DEBUG_DEV,"No Hostname to set");</a:t>
@@ -6226,7 +5843,7 @@
           <a:p>
             <a:r>
               <a:rPr lang="en-US" sz="1400" dirty="0">
-                <a:latin typeface="Times New Roman" panose="02020603050405020304" pitchFamily="18" charset="0"/>
+                <a:latin typeface="Segoe UI Black" panose="020B0A02040204020203" pitchFamily="34" charset="0"/>
                 <a:cs typeface="Times New Roman" panose="02020603050405020304" pitchFamily="18" charset="0"/>
               </a:rPr>
               <a:t>    return false;</a:t>
@@ -6235,7 +5852,7 @@
           <a:p>
             <a:r>
               <a:rPr lang="en-US" sz="1400" dirty="0">
-                <a:latin typeface="Times New Roman" panose="02020603050405020304" pitchFamily="18" charset="0"/>
+                <a:latin typeface="Segoe UI Black" panose="020B0A02040204020203" pitchFamily="34" charset="0"/>
                 <a:cs typeface="Times New Roman" panose="02020603050405020304" pitchFamily="18" charset="0"/>
               </a:rPr>
               <a:t>  } else DEBUG_WM(DEBUG_DEV,"setupHostname: ",_hostname);</a:t>
@@ -6244,7 +5861,7 @@
           <a:p>
             <a:r>
               <a:rPr lang="en-US" sz="1400" dirty="0">
-                <a:latin typeface="Times New Roman" panose="02020603050405020304" pitchFamily="18" charset="0"/>
+                <a:latin typeface="Segoe UI Black" panose="020B0A02040204020203" pitchFamily="34" charset="0"/>
                 <a:cs typeface="Times New Roman" panose="02020603050405020304" pitchFamily="18" charset="0"/>
               </a:rPr>
               <a:t>  bool res = true;</a:t>
@@ -6253,7 +5870,7 @@
           <a:p>
             <a:r>
               <a:rPr lang="en-US" sz="1400" dirty="0">
-                <a:latin typeface="Times New Roman" panose="02020603050405020304" pitchFamily="18" charset="0"/>
+                <a:latin typeface="Segoe UI Black" panose="020B0A02040204020203" pitchFamily="34" charset="0"/>
                 <a:cs typeface="Times New Roman" panose="02020603050405020304" pitchFamily="18" charset="0"/>
               </a:rPr>
               <a:t>  #ifdef ESP8266</a:t>
@@ -6262,7 +5879,7 @@
           <a:p>
             <a:r>
               <a:rPr lang="en-US" sz="1400" dirty="0">
-                <a:latin typeface="Times New Roman" panose="02020603050405020304" pitchFamily="18" charset="0"/>
+                <a:latin typeface="Segoe UI Black" panose="020B0A02040204020203" pitchFamily="34" charset="0"/>
                 <a:cs typeface="Times New Roman" panose="02020603050405020304" pitchFamily="18" charset="0"/>
               </a:rPr>
               <a:t>    DEBUG_WM(DEBUG_VERBOSE,"Setting WiFi hostname");</a:t>
@@ -6271,7 +5888,7 @@
           <a:p>
             <a:r>
               <a:rPr lang="en-US" sz="1400" dirty="0">
-                <a:latin typeface="Times New Roman" panose="02020603050405020304" pitchFamily="18" charset="0"/>
+                <a:latin typeface="Segoe UI Black" panose="020B0A02040204020203" pitchFamily="34" charset="0"/>
                 <a:cs typeface="Times New Roman" panose="02020603050405020304" pitchFamily="18" charset="0"/>
               </a:rPr>
               <a:t>    res = WiFi.hostname(_hostname);</a:t>
@@ -6280,7 +5897,7 @@
           <a:p>
             <a:r>
               <a:rPr lang="en-US" sz="1400" dirty="0">
-                <a:latin typeface="Times New Roman" panose="02020603050405020304" pitchFamily="18" charset="0"/>
+                <a:latin typeface="Segoe UI Black" panose="020B0A02040204020203" pitchFamily="34" charset="0"/>
                 <a:cs typeface="Times New Roman" panose="02020603050405020304" pitchFamily="18" charset="0"/>
               </a:rPr>
               <a:t>    // #ifdef ESP8266MDNS_H</a:t>
@@ -6289,7 +5906,7 @@
           <a:p>
             <a:r>
               <a:rPr lang="en-US" sz="1400" dirty="0">
-                <a:latin typeface="Times New Roman" panose="02020603050405020304" pitchFamily="18" charset="0"/>
+                <a:latin typeface="Segoe UI Black" panose="020B0A02040204020203" pitchFamily="34" charset="0"/>
                 <a:cs typeface="Times New Roman" panose="02020603050405020304" pitchFamily="18" charset="0"/>
               </a:rPr>
               <a:t>    #ifdef WM_MDNS</a:t>
@@ -6298,7 +5915,7 @@
           <a:p>
             <a:r>
               <a:rPr lang="en-US" sz="1400" dirty="0">
-                <a:latin typeface="Times New Roman" panose="02020603050405020304" pitchFamily="18" charset="0"/>
+                <a:latin typeface="Segoe UI Black" panose="020B0A02040204020203" pitchFamily="34" charset="0"/>
                 <a:cs typeface="Times New Roman" panose="02020603050405020304" pitchFamily="18" charset="0"/>
               </a:rPr>
               <a:t>      DEBUG_WM(DEBUG_VERBOSE,"Setting MDNS hostname, tcp 80");</a:t>
@@ -6307,7 +5924,7 @@
           <a:p>
             <a:r>
               <a:rPr lang="en-US" sz="1400" dirty="0">
-                <a:latin typeface="Times New Roman" panose="02020603050405020304" pitchFamily="18" charset="0"/>
+                <a:latin typeface="Segoe UI Black" panose="020B0A02040204020203" pitchFamily="34" charset="0"/>
                 <a:cs typeface="Times New Roman" panose="02020603050405020304" pitchFamily="18" charset="0"/>
               </a:rPr>
               <a:t>      if(MDNS.begin(_hostname)){</a:t>
@@ -6316,7 +5933,7 @@
           <a:p>
             <a:r>
               <a:rPr lang="en-US" sz="1400" dirty="0">
-                <a:latin typeface="Times New Roman" panose="02020603050405020304" pitchFamily="18" charset="0"/>
+                <a:latin typeface="Segoe UI Black" panose="020B0A02040204020203" pitchFamily="34" charset="0"/>
                 <a:cs typeface="Times New Roman" panose="02020603050405020304" pitchFamily="18" charset="0"/>
               </a:rPr>
               <a:t>        MDNS.addService("http", "tcp", 80);</a:t>
@@ -6325,7 +5942,7 @@
           <a:p>
             <a:r>
               <a:rPr lang="en-US" sz="1400" dirty="0">
-                <a:latin typeface="Times New Roman" panose="02020603050405020304" pitchFamily="18" charset="0"/>
+                <a:latin typeface="Segoe UI Black" panose="020B0A02040204020203" pitchFamily="34" charset="0"/>
                 <a:cs typeface="Times New Roman" panose="02020603050405020304" pitchFamily="18" charset="0"/>
               </a:rPr>
               <a:t>      }</a:t>
@@ -6334,7 +5951,7 @@
           <a:p>
             <a:r>
               <a:rPr lang="en-US" sz="1400" dirty="0">
-                <a:latin typeface="Times New Roman" panose="02020603050405020304" pitchFamily="18" charset="0"/>
+                <a:latin typeface="Segoe UI Black" panose="020B0A02040204020203" pitchFamily="34" charset="0"/>
                 <a:cs typeface="Times New Roman" panose="02020603050405020304" pitchFamily="18" charset="0"/>
               </a:rPr>
               <a:t>    #endif</a:t>
@@ -6343,7 +5960,7 @@
           <a:p>
             <a:r>
               <a:rPr lang="en-US" sz="1400" dirty="0">
-                <a:latin typeface="Times New Roman" panose="02020603050405020304" pitchFamily="18" charset="0"/>
+                <a:latin typeface="Segoe UI Black" panose="020B0A02040204020203" pitchFamily="34" charset="0"/>
                 <a:cs typeface="Times New Roman" panose="02020603050405020304" pitchFamily="18" charset="0"/>
               </a:rPr>
               <a:t>  #elif defined(ESP32)</a:t>
@@ -6352,7 +5969,7 @@
           <a:p>
             <a:r>
               <a:rPr lang="en-US" sz="1400" dirty="0">
-                <a:latin typeface="Times New Roman" panose="02020603050405020304" pitchFamily="18" charset="0"/>
+                <a:latin typeface="Segoe UI Black" panose="020B0A02040204020203" pitchFamily="34" charset="0"/>
                 <a:cs typeface="Times New Roman" panose="02020603050405020304" pitchFamily="18" charset="0"/>
               </a:rPr>
               <a:t>    // @note hostname must be set after STA_START</a:t>
@@ -6361,7 +5978,7 @@
           <a:p>
             <a:r>
               <a:rPr lang="en-US" sz="1400" dirty="0">
-                <a:latin typeface="Times New Roman" panose="02020603050405020304" pitchFamily="18" charset="0"/>
+                <a:latin typeface="Segoe UI Black" panose="020B0A02040204020203" pitchFamily="34" charset="0"/>
                 <a:cs typeface="Times New Roman" panose="02020603050405020304" pitchFamily="18" charset="0"/>
               </a:rPr>
               <a:t>    delay(200); // do not remove, give time for STA_START</a:t>
@@ -6370,7 +5987,7 @@
           <a:p>
             <a:r>
               <a:rPr lang="en-US" sz="1400" dirty="0">
-                <a:latin typeface="Times New Roman" panose="02020603050405020304" pitchFamily="18" charset="0"/>
+                <a:latin typeface="Segoe UI Black" panose="020B0A02040204020203" pitchFamily="34" charset="0"/>
                 <a:cs typeface="Times New Roman" panose="02020603050405020304" pitchFamily="18" charset="0"/>
               </a:rPr>
               <a:t>    res = WiFi.setHostname(_hostname);</a:t>
@@ -6379,7 +5996,7 @@
           <a:p>
             <a:r>
               <a:rPr lang="en-US" sz="1400" dirty="0">
-                <a:latin typeface="Times New Roman" panose="02020603050405020304" pitchFamily="18" charset="0"/>
+                <a:latin typeface="Segoe UI Black" panose="020B0A02040204020203" pitchFamily="34" charset="0"/>
                 <a:cs typeface="Times New Roman" panose="02020603050405020304" pitchFamily="18" charset="0"/>
               </a:rPr>
               <a:t>    // #ifdef ESP32MDNS_H</a:t>
@@ -6388,22 +6005,11 @@
           <a:p>
             <a:r>
               <a:rPr lang="en-US" sz="1400" dirty="0">
-                <a:latin typeface="Times New Roman" panose="02020603050405020304" pitchFamily="18" charset="0"/>
-                <a:cs typeface="Times New Roman" panose="02020603050405020304" pitchFamily="18" charset="0"/>
-              </a:rPr>
-              <a:t>      #ifdef </a:t>
-            </a:r>
-            <a:r>
-              <a:rPr lang="en-US" sz="1400" dirty="0" smtClean="0">
-                <a:latin typeface="Times New Roman" panose="02020603050405020304" pitchFamily="18" charset="0"/>
-                <a:cs typeface="Times New Roman" panose="02020603050405020304" pitchFamily="18" charset="0"/>
-              </a:rPr>
-              <a:t>WM_MDNS</a:t>
-            </a:r>
-            <a:endParaRPr lang="en-US" sz="1400" dirty="0">
-              <a:latin typeface="Times New Roman" panose="02020603050405020304" pitchFamily="18" charset="0"/>
-              <a:cs typeface="Times New Roman" panose="02020603050405020304" pitchFamily="18" charset="0"/>
-            </a:endParaRPr>
+                <a:latin typeface="Segoe UI Black" panose="020B0A02040204020203" pitchFamily="34" charset="0"/>
+                <a:cs typeface="Times New Roman" panose="02020603050405020304" pitchFamily="18" charset="0"/>
+              </a:rPr>
+              <a:t>      #ifdef WM_MDNS</a:t>
+            </a:r>
           </a:p>
         </p:txBody>
       </p:sp>
@@ -6430,7 +6036,7 @@
           <a:p>
             <a:r>
               <a:rPr lang="en-US" sz="1400" dirty="0">
-                <a:latin typeface="Times New Roman" panose="02020603050405020304" pitchFamily="18" charset="0"/>
+                <a:latin typeface="Segoe UI Black" panose="020B0A02040204020203" pitchFamily="34" charset="0"/>
                 <a:cs typeface="Times New Roman" panose="02020603050405020304" pitchFamily="18" charset="0"/>
               </a:rPr>
               <a:t> DEBUG_WM(DEBUG_VERBOSE,"Setting MDNS hostname, tcp 80");</a:t>
@@ -6439,7 +6045,7 @@
           <a:p>
             <a:r>
               <a:rPr lang="en-US" sz="1400" dirty="0">
-                <a:latin typeface="Times New Roman" panose="02020603050405020304" pitchFamily="18" charset="0"/>
+                <a:latin typeface="Segoe UI Black" panose="020B0A02040204020203" pitchFamily="34" charset="0"/>
                 <a:cs typeface="Times New Roman" panose="02020603050405020304" pitchFamily="18" charset="0"/>
               </a:rPr>
               <a:t>      if(MDNS.begin(_hostname)){</a:t>
@@ -6448,7 +6054,7 @@
           <a:p>
             <a:r>
               <a:rPr lang="en-US" sz="1400" dirty="0">
-                <a:latin typeface="Times New Roman" panose="02020603050405020304" pitchFamily="18" charset="0"/>
+                <a:latin typeface="Segoe UI Black" panose="020B0A02040204020203" pitchFamily="34" charset="0"/>
                 <a:cs typeface="Times New Roman" panose="02020603050405020304" pitchFamily="18" charset="0"/>
               </a:rPr>
               <a:t>        MDNS.addService("http", "tcp", 80);</a:t>
@@ -6457,7 +6063,7 @@
           <a:p>
             <a:r>
               <a:rPr lang="en-US" sz="1400" dirty="0">
-                <a:latin typeface="Times New Roman" panose="02020603050405020304" pitchFamily="18" charset="0"/>
+                <a:latin typeface="Segoe UI Black" panose="020B0A02040204020203" pitchFamily="34" charset="0"/>
                 <a:cs typeface="Times New Roman" panose="02020603050405020304" pitchFamily="18" charset="0"/>
               </a:rPr>
               <a:t>      }</a:t>
@@ -6466,7 +6072,7 @@
           <a:p>
             <a:r>
               <a:rPr lang="en-US" sz="1400" dirty="0">
-                <a:latin typeface="Times New Roman" panose="02020603050405020304" pitchFamily="18" charset="0"/>
+                <a:latin typeface="Segoe UI Black" panose="020B0A02040204020203" pitchFamily="34" charset="0"/>
                 <a:cs typeface="Times New Roman" panose="02020603050405020304" pitchFamily="18" charset="0"/>
               </a:rPr>
               <a:t>    #endif</a:t>
@@ -6475,7 +6081,7 @@
           <a:p>
             <a:r>
               <a:rPr lang="en-US" sz="1400" dirty="0">
-                <a:latin typeface="Times New Roman" panose="02020603050405020304" pitchFamily="18" charset="0"/>
+                <a:latin typeface="Segoe UI Black" panose="020B0A02040204020203" pitchFamily="34" charset="0"/>
                 <a:cs typeface="Times New Roman" panose="02020603050405020304" pitchFamily="18" charset="0"/>
               </a:rPr>
               <a:t>  #endif</a:t>
@@ -6483,14 +6089,14 @@
           </a:p>
           <a:p>
             <a:endParaRPr lang="en-US" sz="1400" dirty="0">
-              <a:latin typeface="Times New Roman" panose="02020603050405020304" pitchFamily="18" charset="0"/>
+              <a:latin typeface="Segoe UI Black" panose="020B0A02040204020203" pitchFamily="34" charset="0"/>
               <a:cs typeface="Times New Roman" panose="02020603050405020304" pitchFamily="18" charset="0"/>
             </a:endParaRPr>
           </a:p>
           <a:p>
             <a:r>
               <a:rPr lang="en-US" sz="1400" dirty="0">
-                <a:latin typeface="Times New Roman" panose="02020603050405020304" pitchFamily="18" charset="0"/>
+                <a:latin typeface="Segoe UI Black" panose="020B0A02040204020203" pitchFamily="34" charset="0"/>
                 <a:cs typeface="Times New Roman" panose="02020603050405020304" pitchFamily="18" charset="0"/>
               </a:rPr>
               <a:t>  if(!res)DEBUG_WM(DEBUG_ERROR,F("[ERROR] hostname: set failed!"));</a:t>
@@ -6498,14 +6104,14 @@
           </a:p>
           <a:p>
             <a:endParaRPr lang="en-US" sz="1400" dirty="0">
-              <a:latin typeface="Times New Roman" panose="02020603050405020304" pitchFamily="18" charset="0"/>
+              <a:latin typeface="Segoe UI Black" panose="020B0A02040204020203" pitchFamily="34" charset="0"/>
               <a:cs typeface="Times New Roman" panose="02020603050405020304" pitchFamily="18" charset="0"/>
             </a:endParaRPr>
           </a:p>
           <a:p>
             <a:r>
               <a:rPr lang="en-US" sz="1400" dirty="0">
-                <a:latin typeface="Times New Roman" panose="02020603050405020304" pitchFamily="18" charset="0"/>
+                <a:latin typeface="Segoe UI Black" panose="020B0A02040204020203" pitchFamily="34" charset="0"/>
                 <a:cs typeface="Times New Roman" panose="02020603050405020304" pitchFamily="18" charset="0"/>
               </a:rPr>
               <a:t>  // in sta mode restart , not sure about softap</a:t>
@@ -6514,7 +6120,7 @@
           <a:p>
             <a:r>
               <a:rPr lang="en-US" sz="1400" dirty="0">
-                <a:latin typeface="Times New Roman" panose="02020603050405020304" pitchFamily="18" charset="0"/>
+                <a:latin typeface="Segoe UI Black" panose="020B0A02040204020203" pitchFamily="34" charset="0"/>
                 <a:cs typeface="Times New Roman" panose="02020603050405020304" pitchFamily="18" charset="0"/>
               </a:rPr>
               <a:t>  if(restart &amp;&amp; (WiFi.status() == WL_CONNECTED)){</a:t>
@@ -6523,7 +6129,7 @@
           <a:p>
             <a:r>
               <a:rPr lang="en-US" sz="1400" dirty="0">
-                <a:latin typeface="Times New Roman" panose="02020603050405020304" pitchFamily="18" charset="0"/>
+                <a:latin typeface="Segoe UI Black" panose="020B0A02040204020203" pitchFamily="34" charset="0"/>
                 <a:cs typeface="Times New Roman" panose="02020603050405020304" pitchFamily="18" charset="0"/>
               </a:rPr>
               <a:t>    DEBUG_WM(DEBUG_VERBOSE,F("reconnecting to set new hostname"));</a:t>
@@ -6532,7 +6138,7 @@
           <a:p>
             <a:r>
               <a:rPr lang="en-US" sz="1400" dirty="0">
-                <a:latin typeface="Times New Roman" panose="02020603050405020304" pitchFamily="18" charset="0"/>
+                <a:latin typeface="Segoe UI Black" panose="020B0A02040204020203" pitchFamily="34" charset="0"/>
                 <a:cs typeface="Times New Roman" panose="02020603050405020304" pitchFamily="18" charset="0"/>
               </a:rPr>
               <a:t>    // WiFi.reconnect(); // This does not reset dhcp</a:t>
@@ -6541,7 +6147,7 @@
           <a:p>
             <a:r>
               <a:rPr lang="en-US" sz="1400" dirty="0">
-                <a:latin typeface="Times New Roman" panose="02020603050405020304" pitchFamily="18" charset="0"/>
+                <a:latin typeface="Segoe UI Black" panose="020B0A02040204020203" pitchFamily="34" charset="0"/>
                 <a:cs typeface="Times New Roman" panose="02020603050405020304" pitchFamily="18" charset="0"/>
               </a:rPr>
               <a:t>    WiFi_Disconnect();</a:t>
@@ -6550,7 +6156,7 @@
           <a:p>
             <a:r>
               <a:rPr lang="en-US" sz="1400" dirty="0">
-                <a:latin typeface="Times New Roman" panose="02020603050405020304" pitchFamily="18" charset="0"/>
+                <a:latin typeface="Segoe UI Black" panose="020B0A02040204020203" pitchFamily="34" charset="0"/>
                 <a:cs typeface="Times New Roman" panose="02020603050405020304" pitchFamily="18" charset="0"/>
               </a:rPr>
               <a:t>    delay(200); // do not remove, need a delay for disconnect to change status()</a:t>
@@ -6559,7 +6165,7 @@
           <a:p>
             <a:r>
               <a:rPr lang="en-US" sz="1400" dirty="0">
-                <a:latin typeface="Times New Roman" panose="02020603050405020304" pitchFamily="18" charset="0"/>
+                <a:latin typeface="Segoe UI Black" panose="020B0A02040204020203" pitchFamily="34" charset="0"/>
                 <a:cs typeface="Times New Roman" panose="02020603050405020304" pitchFamily="18" charset="0"/>
               </a:rPr>
               <a:t>  }</a:t>
@@ -6567,14 +6173,14 @@
           </a:p>
           <a:p>
             <a:endParaRPr lang="en-US" sz="1400" dirty="0">
-              <a:latin typeface="Times New Roman" panose="02020603050405020304" pitchFamily="18" charset="0"/>
+              <a:latin typeface="Segoe UI Black" panose="020B0A02040204020203" pitchFamily="34" charset="0"/>
               <a:cs typeface="Times New Roman" panose="02020603050405020304" pitchFamily="18" charset="0"/>
             </a:endParaRPr>
           </a:p>
           <a:p>
             <a:r>
               <a:rPr lang="en-US" sz="1400" dirty="0">
-                <a:latin typeface="Times New Roman" panose="02020603050405020304" pitchFamily="18" charset="0"/>
+                <a:latin typeface="Segoe UI Black" panose="020B0A02040204020203" pitchFamily="34" charset="0"/>
                 <a:cs typeface="Times New Roman" panose="02020603050405020304" pitchFamily="18" charset="0"/>
               </a:rPr>
               <a:t>  return res;</a:t>
@@ -6583,7 +6189,7 @@
           <a:p>
             <a:r>
               <a:rPr lang="en-US" sz="1400" dirty="0">
-                <a:latin typeface="Times New Roman" panose="02020603050405020304" pitchFamily="18" charset="0"/>
+                <a:latin typeface="Segoe UI Black" panose="020B0A02040204020203" pitchFamily="34" charset="0"/>
                 <a:cs typeface="Times New Roman" panose="02020603050405020304" pitchFamily="18" charset="0"/>
               </a:rPr>
               <a:t>}</a:t>
@@ -6602,13 +6208,6 @@
   <p:clrMapOvr>
     <a:masterClrMapping/>
   </p:clrMapOvr>
-  <p:timing>
-    <p:tnLst>
-      <p:par>
-        <p:cTn id="1" dur="indefinite" restart="never" nodeType="tmRoot"/>
-      </p:par>
-    </p:tnLst>
-  </p:timing>
 </p:sld>
 </file>
 
@@ -6641,8 +6240,8 @@
         </p:nvSpPr>
         <p:spPr>
           <a:xfrm>
-            <a:off x="1971675" y="571487"/>
-            <a:ext cx="8781250" cy="590931"/>
+            <a:off x="1971675" y="613037"/>
+            <a:ext cx="7358105" cy="507831"/>
           </a:xfrm>
           <a:prstGeom prst="rect">
             <a:avLst/>
@@ -6656,7 +6255,7 @@
           <a:lstStyle/>
           <a:p>
             <a:r>
-              <a:rPr lang="en-US" sz="3600" b="1" dirty="0" smtClean="0">
+              <a:rPr lang="en-US" sz="3000" b="1" dirty="0">
                 <a:solidFill>
                   <a:srgbClr val="FF0000"/>
                 </a:solidFill>
@@ -6667,25 +6266,11 @@
                     </a:srgbClr>
                   </a:outerShdw>
                 </a:effectLst>
-                <a:latin typeface="Times New Roman" panose="02020603050405020304" pitchFamily="18" charset="0"/>
+                <a:latin typeface="Segoe UI Black" panose="020B0A02040204020203" pitchFamily="34" charset="0"/>
                 <a:cs typeface="Times New Roman" panose="02020603050405020304" pitchFamily="18" charset="0"/>
               </a:rPr>
               <a:t>1.3 WIFI MANAGER (EXAMPLE BASIC)</a:t>
             </a:r>
-            <a:endParaRPr lang="en-US" sz="3600" b="1" dirty="0">
-              <a:solidFill>
-                <a:srgbClr val="FF0000"/>
-              </a:solidFill>
-              <a:effectLst>
-                <a:outerShdw blurRad="38100" dist="38100" dir="2700000" algn="tl">
-                  <a:srgbClr val="000000">
-                    <a:alpha val="43137"/>
-                  </a:srgbClr>
-                </a:outerShdw>
-              </a:effectLst>
-              <a:latin typeface="Times New Roman" panose="02020603050405020304" pitchFamily="18" charset="0"/>
-              <a:cs typeface="Times New Roman" panose="02020603050405020304" pitchFamily="18" charset="0"/>
-            </a:endParaRPr>
           </a:p>
         </p:txBody>
       </p:sp>
@@ -6699,8 +6284,8 @@
         </p:nvSpPr>
         <p:spPr>
           <a:xfrm>
-            <a:off x="2451966" y="1162418"/>
-            <a:ext cx="3483646" cy="424732"/>
+            <a:off x="2205191" y="1120869"/>
+            <a:ext cx="4817344" cy="507831"/>
           </a:xfrm>
           <a:prstGeom prst="rect">
             <a:avLst/>
@@ -6732,7 +6317,7 @@
           </a:lstStyle>
           <a:p>
             <a:r>
-              <a:rPr lang="en-US" sz="2400" b="1" dirty="0">
+              <a:rPr lang="en-US" sz="3000" b="1" dirty="0">
                 <a:solidFill>
                   <a:srgbClr val="1B8FAD"/>
                 </a:solidFill>
@@ -6743,42 +6328,11 @@
                     </a:srgbClr>
                   </a:outerShdw>
                 </a:effectLst>
-                <a:latin typeface="Times New Roman" panose="02020603050405020304" pitchFamily="18" charset="0"/>
-                <a:cs typeface="Times New Roman" panose="02020603050405020304" pitchFamily="18" charset="0"/>
-              </a:rPr>
-              <a:t>1.3.7 </a:t>
-            </a:r>
-            <a:r>
-              <a:rPr lang="en-US" sz="2400" b="1" dirty="0" smtClean="0">
-                <a:solidFill>
-                  <a:srgbClr val="1B8FAD"/>
-                </a:solidFill>
-                <a:effectLst>
-                  <a:outerShdw blurRad="38100" dist="38100" dir="2700000" algn="tl">
-                    <a:srgbClr val="000000">
-                      <a:alpha val="43137"/>
-                    </a:srgbClr>
-                  </a:outerShdw>
-                </a:effectLst>
-                <a:latin typeface="Times New Roman" panose="02020603050405020304" pitchFamily="18" charset="0"/>
-                <a:cs typeface="Times New Roman" panose="02020603050405020304" pitchFamily="18" charset="0"/>
-              </a:rPr>
-              <a:t>startConfigPortal()</a:t>
-            </a:r>
-            <a:endParaRPr lang="en-US" sz="2400" b="1" dirty="0">
-              <a:solidFill>
-                <a:srgbClr val="1B8FAD"/>
-              </a:solidFill>
-              <a:effectLst>
-                <a:outerShdw blurRad="38100" dist="38100" dir="2700000" algn="tl">
-                  <a:srgbClr val="000000">
-                    <a:alpha val="43137"/>
-                  </a:srgbClr>
-                </a:outerShdw>
-              </a:effectLst>
-              <a:latin typeface="Times New Roman" panose="02020603050405020304" pitchFamily="18" charset="0"/>
-              <a:cs typeface="Times New Roman" panose="02020603050405020304" pitchFamily="18" charset="0"/>
-            </a:endParaRPr>
+                <a:latin typeface="Segoe UI Black" panose="020B0A02040204020203" pitchFamily="34" charset="0"/>
+                <a:cs typeface="Times New Roman" panose="02020603050405020304" pitchFamily="18" charset="0"/>
+              </a:rPr>
+              <a:t>1.3.7 startConfigPortal()</a:t>
+            </a:r>
           </a:p>
         </p:txBody>
       </p:sp>
@@ -6791,7 +6345,7 @@
         <p:spPr>
           <a:xfrm>
             <a:off x="1602220" y="1753349"/>
-            <a:ext cx="5175716" cy="1938992"/>
+            <a:ext cx="5175716" cy="1631216"/>
           </a:xfrm>
           <a:prstGeom prst="rect">
             <a:avLst/>
@@ -6808,8 +6362,8 @@
               <a:buChar char="•"/>
             </a:pPr>
             <a:r>
-              <a:rPr lang="en-US" sz="2400" dirty="0" smtClean="0">
-                <a:latin typeface="Times New Roman" panose="02020603050405020304" pitchFamily="18" charset="0"/>
+              <a:rPr lang="en-US" sz="2000" dirty="0">
+                <a:latin typeface="Segoe UI Black" panose="020B0A02040204020203" pitchFamily="34" charset="0"/>
                 <a:cs typeface="Times New Roman" panose="02020603050405020304" pitchFamily="18" charset="0"/>
               </a:rPr>
               <a:t>Đóng mode wifi station</a:t>
@@ -6821,8 +6375,8 @@
               <a:buChar char="•"/>
             </a:pPr>
             <a:r>
-              <a:rPr lang="en-US" sz="2400" dirty="0" smtClean="0">
-                <a:latin typeface="Times New Roman" panose="02020603050405020304" pitchFamily="18" charset="0"/>
+              <a:rPr lang="en-US" sz="2000" dirty="0">
+                <a:latin typeface="Segoe UI Black" panose="020B0A02040204020203" pitchFamily="34" charset="0"/>
                 <a:cs typeface="Times New Roman" panose="02020603050405020304" pitchFamily="18" charset="0"/>
               </a:rPr>
               <a:t>Khởi động Access point</a:t>
@@ -6834,8 +6388,8 @@
               <a:buChar char="•"/>
             </a:pPr>
             <a:r>
-              <a:rPr lang="en-US" sz="2400" dirty="0" smtClean="0">
-                <a:latin typeface="Times New Roman" panose="02020603050405020304" pitchFamily="18" charset="0"/>
+              <a:rPr lang="en-US" sz="2000" dirty="0">
+                <a:latin typeface="Segoe UI Black" panose="020B0A02040204020203" pitchFamily="34" charset="0"/>
                 <a:cs typeface="Times New Roman" panose="02020603050405020304" pitchFamily="18" charset="0"/>
               </a:rPr>
               <a:t>Nhận các thông số của trường đã nhập </a:t>
@@ -6847,16 +6401,12 @@
               <a:buChar char="•"/>
             </a:pPr>
             <a:r>
-              <a:rPr lang="en-US" sz="2400" dirty="0" smtClean="0">
-                <a:latin typeface="Times New Roman" panose="02020603050405020304" pitchFamily="18" charset="0"/>
+              <a:rPr lang="en-US" sz="2000" dirty="0">
+                <a:latin typeface="Segoe UI Black" panose="020B0A02040204020203" pitchFamily="34" charset="0"/>
                 <a:cs typeface="Times New Roman" panose="02020603050405020304" pitchFamily="18" charset="0"/>
               </a:rPr>
               <a:t>Connect wifi từ các thông số đó</a:t>
             </a:r>
-            <a:endParaRPr lang="en-US" sz="2400" dirty="0">
-              <a:latin typeface="Times New Roman" panose="02020603050405020304" pitchFamily="18" charset="0"/>
-              <a:cs typeface="Times New Roman" panose="02020603050405020304" pitchFamily="18" charset="0"/>
-            </a:endParaRPr>
           </a:p>
         </p:txBody>
       </p:sp>
@@ -6894,13 +6444,6 @@
   <p:clrMapOvr>
     <a:masterClrMapping/>
   </p:clrMapOvr>
-  <p:timing>
-    <p:tnLst>
-      <p:par>
-        <p:cTn id="1" dur="indefinite" restart="never" nodeType="tmRoot"/>
-      </p:par>
-    </p:tnLst>
-  </p:timing>
 </p:sld>
 </file>
 
@@ -6960,13 +6503,16 @@
                     <a:lumOff val="60000"/>
                   </a:schemeClr>
                 </a:solidFill>
-                <a:latin typeface="Times New Roman" panose="02020603050405020304" pitchFamily="18" charset="0"/>
-                <a:cs typeface="Times New Roman" panose="02020603050405020304" pitchFamily="18" charset="0"/>
-              </a:rPr>
-              <a:t>PART </a:t>
-            </a:r>
-            <a:r>
-              <a:rPr lang="en-US" sz="6000" b="1" dirty="0" smtClean="0">
+                <a:latin typeface="Segoe UI Black" panose="020B0A02040204020203" pitchFamily="34" charset="0"/>
+                <a:cs typeface="Times New Roman" panose="02020603050405020304" pitchFamily="18" charset="0"/>
+              </a:rPr>
+              <a:t>PART 2:</a:t>
+            </a:r>
+          </a:p>
+          <a:p>
+            <a:pPr algn="ctr"/>
+            <a:r>
+              <a:rPr lang="en-US" sz="6000" b="1" dirty="0">
                 <a:ln w="22225">
                   <a:solidFill>
                     <a:schemeClr val="accent2"/>
@@ -6979,29 +6525,7 @@
                     <a:lumOff val="60000"/>
                   </a:schemeClr>
                 </a:solidFill>
-                <a:latin typeface="Times New Roman" panose="02020603050405020304" pitchFamily="18" charset="0"/>
-                <a:cs typeface="Times New Roman" panose="02020603050405020304" pitchFamily="18" charset="0"/>
-              </a:rPr>
-              <a:t>2:</a:t>
-            </a:r>
-          </a:p>
-          <a:p>
-            <a:pPr algn="ctr"/>
-            <a:r>
-              <a:rPr lang="en-US" sz="6000" b="1" dirty="0" smtClean="0">
-                <a:ln w="22225">
-                  <a:solidFill>
-                    <a:schemeClr val="accent2"/>
-                  </a:solidFill>
-                  <a:prstDash val="solid"/>
-                </a:ln>
-                <a:solidFill>
-                  <a:schemeClr val="accent2">
-                    <a:lumMod val="40000"/>
-                    <a:lumOff val="60000"/>
-                  </a:schemeClr>
-                </a:solidFill>
-                <a:latin typeface="Times New Roman" panose="02020603050405020304" pitchFamily="18" charset="0"/>
+                <a:latin typeface="Segoe UI Black" panose="020B0A02040204020203" pitchFamily="34" charset="0"/>
                 <a:cs typeface="Times New Roman" panose="02020603050405020304" pitchFamily="18" charset="0"/>
               </a:rPr>
               <a:t>Set &amp; Print to terminal</a:t>
@@ -7019,13 +6543,6 @@
   <p:clrMapOvr>
     <a:masterClrMapping/>
   </p:clrMapOvr>
-  <p:timing>
-    <p:tnLst>
-      <p:par>
-        <p:cTn id="1" dur="indefinite" restart="never" nodeType="tmRoot"/>
-      </p:par>
-    </p:tnLst>
-  </p:timing>
 </p:sld>
 </file>
 
@@ -7058,8 +6575,8 @@
         </p:nvSpPr>
         <p:spPr>
           <a:xfrm>
-            <a:off x="1971675" y="571487"/>
-            <a:ext cx="5716950" cy="590931"/>
+            <a:off x="1971675" y="613037"/>
+            <a:ext cx="4838184" cy="507831"/>
           </a:xfrm>
           <a:prstGeom prst="rect">
             <a:avLst/>
@@ -7073,7 +6590,7 @@
           <a:lstStyle/>
           <a:p>
             <a:r>
-              <a:rPr lang="en-US" sz="3600" b="1" dirty="0" smtClean="0">
+              <a:rPr lang="en-US" sz="3000" b="1" dirty="0">
                 <a:solidFill>
                   <a:srgbClr val="FF0000"/>
                 </a:solidFill>
@@ -7084,25 +6601,11 @@
                     </a:srgbClr>
                   </a:outerShdw>
                 </a:effectLst>
-                <a:latin typeface="Times New Roman" panose="02020603050405020304" pitchFamily="18" charset="0"/>
+                <a:latin typeface="Segoe UI Black" panose="020B0A02040204020203" pitchFamily="34" charset="0"/>
                 <a:cs typeface="Times New Roman" panose="02020603050405020304" pitchFamily="18" charset="0"/>
               </a:rPr>
               <a:t>2.1 PRINT TO TERMINAL</a:t>
             </a:r>
-            <a:endParaRPr lang="en-US" sz="3600" b="1" dirty="0">
-              <a:solidFill>
-                <a:srgbClr val="FF0000"/>
-              </a:solidFill>
-              <a:effectLst>
-                <a:outerShdw blurRad="38100" dist="38100" dir="2700000" algn="tl">
-                  <a:srgbClr val="000000">
-                    <a:alpha val="43137"/>
-                  </a:srgbClr>
-                </a:outerShdw>
-              </a:effectLst>
-              <a:latin typeface="Times New Roman" panose="02020603050405020304" pitchFamily="18" charset="0"/>
-              <a:cs typeface="Times New Roman" panose="02020603050405020304" pitchFamily="18" charset="0"/>
-            </a:endParaRPr>
           </a:p>
         </p:txBody>
       </p:sp>
@@ -7116,8 +6619,8 @@
         </p:nvSpPr>
         <p:spPr>
           <a:xfrm>
-            <a:off x="2451966" y="1162418"/>
-            <a:ext cx="5246244" cy="424732"/>
+            <a:off x="2451966" y="1120869"/>
+            <a:ext cx="6601487" cy="507831"/>
           </a:xfrm>
           <a:prstGeom prst="rect">
             <a:avLst/>
@@ -7149,7 +6652,7 @@
           </a:lstStyle>
           <a:p>
             <a:r>
-              <a:rPr lang="en-US" sz="2400" b="1" dirty="0" smtClean="0">
+              <a:rPr lang="en-US" sz="3000" b="1" dirty="0">
                 <a:solidFill>
                   <a:srgbClr val="1B8FAD"/>
                 </a:solidFill>
@@ -7160,25 +6663,11 @@
                     </a:srgbClr>
                   </a:outerShdw>
                 </a:effectLst>
-                <a:latin typeface="Times New Roman" panose="02020603050405020304" pitchFamily="18" charset="0"/>
+                <a:latin typeface="Segoe UI Black" panose="020B0A02040204020203" pitchFamily="34" charset="0"/>
                 <a:cs typeface="Times New Roman" panose="02020603050405020304" pitchFamily="18" charset="0"/>
               </a:rPr>
               <a:t>2.1.1 SET UP DEFAULT &amp; FUNTION</a:t>
             </a:r>
-            <a:endParaRPr lang="en-US" sz="2400" b="1" dirty="0">
-              <a:solidFill>
-                <a:srgbClr val="1B8FAD"/>
-              </a:solidFill>
-              <a:effectLst>
-                <a:outerShdw blurRad="38100" dist="38100" dir="2700000" algn="tl">
-                  <a:srgbClr val="000000">
-                    <a:alpha val="43137"/>
-                  </a:srgbClr>
-                </a:outerShdw>
-              </a:effectLst>
-              <a:latin typeface="Times New Roman" panose="02020603050405020304" pitchFamily="18" charset="0"/>
-              <a:cs typeface="Times New Roman" panose="02020603050405020304" pitchFamily="18" charset="0"/>
-            </a:endParaRPr>
           </a:p>
         </p:txBody>
       </p:sp>
@@ -7191,7 +6680,7 @@
         <p:spPr>
           <a:xfrm>
             <a:off x="1782151" y="1587150"/>
-            <a:ext cx="4803376" cy="5016758"/>
+            <a:ext cx="4803376" cy="5262979"/>
           </a:xfrm>
           <a:prstGeom prst="rect">
             <a:avLst/>
@@ -7205,7 +6694,7 @@
           <a:p>
             <a:r>
               <a:rPr lang="en-US" sz="1600" dirty="0">
-                <a:latin typeface="Times New Roman" panose="02020603050405020304" pitchFamily="18" charset="0"/>
+                <a:latin typeface="Segoe UI Black" panose="020B0A02040204020203" pitchFamily="34" charset="0"/>
                 <a:cs typeface="Times New Roman" panose="02020603050405020304" pitchFamily="18" charset="0"/>
               </a:rPr>
               <a:t>typedef enum {</a:t>
@@ -7214,7 +6703,7 @@
           <a:p>
             <a:r>
               <a:rPr lang="en-US" sz="1600" dirty="0">
-                <a:latin typeface="Times New Roman" panose="02020603050405020304" pitchFamily="18" charset="0"/>
+                <a:latin typeface="Segoe UI Black" panose="020B0A02040204020203" pitchFamily="34" charset="0"/>
                 <a:cs typeface="Times New Roman" panose="02020603050405020304" pitchFamily="18" charset="0"/>
               </a:rPr>
               <a:t>        DEBUG_ERROR     = 0,</a:t>
@@ -7223,7 +6712,7 @@
           <a:p>
             <a:r>
               <a:rPr lang="en-US" sz="1600" dirty="0">
-                <a:latin typeface="Times New Roman" panose="02020603050405020304" pitchFamily="18" charset="0"/>
+                <a:latin typeface="Segoe UI Black" panose="020B0A02040204020203" pitchFamily="34" charset="0"/>
                 <a:cs typeface="Times New Roman" panose="02020603050405020304" pitchFamily="18" charset="0"/>
               </a:rPr>
               <a:t>        DEBUG_NOTIFY    = 1, // default stable</a:t>
@@ -7232,7 +6721,7 @@
           <a:p>
             <a:r>
               <a:rPr lang="en-US" sz="1600" dirty="0">
-                <a:latin typeface="Times New Roman" panose="02020603050405020304" pitchFamily="18" charset="0"/>
+                <a:latin typeface="Segoe UI Black" panose="020B0A02040204020203" pitchFamily="34" charset="0"/>
                 <a:cs typeface="Times New Roman" panose="02020603050405020304" pitchFamily="18" charset="0"/>
               </a:rPr>
               <a:t>        DEBUG_VERBOSE   = 2,</a:t>
@@ -7241,7 +6730,7 @@
           <a:p>
             <a:r>
               <a:rPr lang="en-US" sz="1600" dirty="0">
-                <a:latin typeface="Times New Roman" panose="02020603050405020304" pitchFamily="18" charset="0"/>
+                <a:latin typeface="Segoe UI Black" panose="020B0A02040204020203" pitchFamily="34" charset="0"/>
                 <a:cs typeface="Times New Roman" panose="02020603050405020304" pitchFamily="18" charset="0"/>
               </a:rPr>
               <a:t>        DEBUG_DEV       = 3, // default dev</a:t>
@@ -7250,7 +6739,7 @@
           <a:p>
             <a:r>
               <a:rPr lang="en-US" sz="1600" dirty="0">
-                <a:latin typeface="Times New Roman" panose="02020603050405020304" pitchFamily="18" charset="0"/>
+                <a:latin typeface="Segoe UI Black" panose="020B0A02040204020203" pitchFamily="34" charset="0"/>
                 <a:cs typeface="Times New Roman" panose="02020603050405020304" pitchFamily="18" charset="0"/>
               </a:rPr>
               <a:t>        DEBUG_MAX       = 4</a:t>
@@ -7259,7 +6748,7 @@
           <a:p>
             <a:r>
               <a:rPr lang="en-US" sz="1600" dirty="0">
-                <a:latin typeface="Times New Roman" panose="02020603050405020304" pitchFamily="18" charset="0"/>
+                <a:latin typeface="Segoe UI Black" panose="020B0A02040204020203" pitchFamily="34" charset="0"/>
                 <a:cs typeface="Times New Roman" panose="02020603050405020304" pitchFamily="18" charset="0"/>
               </a:rPr>
               <a:t>    } wm_debuglevel_t;</a:t>
@@ -7268,183 +6757,115 @@
           <a:p>
             <a:r>
               <a:rPr lang="en-US" sz="1600" dirty="0">
-                <a:latin typeface="Times New Roman" panose="02020603050405020304" pitchFamily="18" charset="0"/>
-                <a:cs typeface="Times New Roman" panose="02020603050405020304" pitchFamily="18" charset="0"/>
-              </a:rPr>
-              <a:t> </a:t>
-            </a:r>
-            <a:r>
-              <a:rPr lang="en-US" sz="1600" dirty="0" smtClean="0">
-                <a:latin typeface="Times New Roman" panose="02020603050405020304" pitchFamily="18" charset="0"/>
-                <a:cs typeface="Times New Roman" panose="02020603050405020304" pitchFamily="18" charset="0"/>
-              </a:rPr>
-              <a:t>      boolean </a:t>
-            </a:r>
+                <a:latin typeface="Segoe UI Black" panose="020B0A02040204020203" pitchFamily="34" charset="0"/>
+                <a:cs typeface="Times New Roman" panose="02020603050405020304" pitchFamily="18" charset="0"/>
+              </a:rPr>
+              <a:t>       boolean _debug  = true;</a:t>
+            </a:r>
+          </a:p>
+          <a:p>
             <a:r>
               <a:rPr lang="en-US" sz="1600" dirty="0">
-                <a:latin typeface="Times New Roman" panose="02020603050405020304" pitchFamily="18" charset="0"/>
-                <a:cs typeface="Times New Roman" panose="02020603050405020304" pitchFamily="18" charset="0"/>
-              </a:rPr>
-              <a:t>_debug  = true;</a:t>
-            </a:r>
-          </a:p>
-          <a:p>
-            <a:r>
-              <a:rPr lang="en-US" sz="1600" dirty="0" smtClean="0">
-                <a:latin typeface="Times New Roman" panose="02020603050405020304" pitchFamily="18" charset="0"/>
-                <a:cs typeface="Times New Roman" panose="02020603050405020304" pitchFamily="18" charset="0"/>
-              </a:rPr>
-              <a:t>// </a:t>
-            </a:r>
+                <a:latin typeface="Segoe UI Black" panose="020B0A02040204020203" pitchFamily="34" charset="0"/>
+                <a:cs typeface="Times New Roman" panose="02020603050405020304" pitchFamily="18" charset="0"/>
+              </a:rPr>
+              <a:t>// build debuglevel support</a:t>
+            </a:r>
+          </a:p>
+          <a:p>
             <a:r>
               <a:rPr lang="en-US" sz="1600" dirty="0">
-                <a:latin typeface="Times New Roman" panose="02020603050405020304" pitchFamily="18" charset="0"/>
-                <a:cs typeface="Times New Roman" panose="02020603050405020304" pitchFamily="18" charset="0"/>
-              </a:rPr>
-              <a:t>build debuglevel support</a:t>
+                <a:latin typeface="Segoe UI Black" panose="020B0A02040204020203" pitchFamily="34" charset="0"/>
+                <a:cs typeface="Times New Roman" panose="02020603050405020304" pitchFamily="18" charset="0"/>
+              </a:rPr>
+              <a:t>    // @todo use DEBUG_ESP_x?</a:t>
             </a:r>
           </a:p>
           <a:p>
             <a:r>
               <a:rPr lang="en-US" sz="1600" dirty="0">
-                <a:latin typeface="Times New Roman" panose="02020603050405020304" pitchFamily="18" charset="0"/>
-                <a:cs typeface="Times New Roman" panose="02020603050405020304" pitchFamily="18" charset="0"/>
-              </a:rPr>
-              <a:t>    // @todo use DEBUG_ESP_x?</a:t>
+                <a:latin typeface="Segoe UI Black" panose="020B0A02040204020203" pitchFamily="34" charset="0"/>
+                <a:cs typeface="Times New Roman" panose="02020603050405020304" pitchFamily="18" charset="0"/>
+              </a:rPr>
+              <a:t>    #ifdef M_DEBUG_LEVEL</a:t>
             </a:r>
           </a:p>
           <a:p>
             <a:r>
               <a:rPr lang="en-US" sz="1600" dirty="0">
-                <a:latin typeface="Times New Roman" panose="02020603050405020304" pitchFamily="18" charset="0"/>
-                <a:cs typeface="Times New Roman" panose="02020603050405020304" pitchFamily="18" charset="0"/>
-              </a:rPr>
-              <a:t>    #ifdef </a:t>
-            </a:r>
-            <a:r>
-              <a:rPr lang="en-US" sz="1600" dirty="0" smtClean="0">
-                <a:latin typeface="Times New Roman" panose="02020603050405020304" pitchFamily="18" charset="0"/>
-                <a:cs typeface="Times New Roman" panose="02020603050405020304" pitchFamily="18" charset="0"/>
-              </a:rPr>
-              <a:t>M_DEBUG_LEVEL</a:t>
-            </a:r>
-            <a:endParaRPr lang="en-US" sz="1600" dirty="0">
-              <a:latin typeface="Times New Roman" panose="02020603050405020304" pitchFamily="18" charset="0"/>
-              <a:cs typeface="Times New Roman" panose="02020603050405020304" pitchFamily="18" charset="0"/>
-            </a:endParaRPr>
-          </a:p>
-          <a:p>
-            <a:r>
-              <a:rPr lang="en-US" sz="1600" dirty="0" smtClean="0">
-                <a:latin typeface="Times New Roman" panose="02020603050405020304" pitchFamily="18" charset="0"/>
-                <a:cs typeface="Times New Roman" panose="02020603050405020304" pitchFamily="18" charset="0"/>
-              </a:rPr>
-              <a:t>uint8_t </a:t>
-            </a:r>
+                <a:latin typeface="Segoe UI Black" panose="020B0A02040204020203" pitchFamily="34" charset="0"/>
+                <a:cs typeface="Times New Roman" panose="02020603050405020304" pitchFamily="18" charset="0"/>
+              </a:rPr>
+              <a:t>uint8_t _debugLevel = (uint8_t)WM_DEBUG_LEVEL;</a:t>
+            </a:r>
+          </a:p>
+          <a:p>
             <a:r>
               <a:rPr lang="en-US" sz="1600" dirty="0">
-                <a:latin typeface="Times New Roman" panose="02020603050405020304" pitchFamily="18" charset="0"/>
-                <a:cs typeface="Times New Roman" panose="02020603050405020304" pitchFamily="18" charset="0"/>
-              </a:rPr>
-              <a:t>_debugLevel = (uint8_t)WM_DEBUG_LEVEL;</a:t>
+                <a:latin typeface="Segoe UI Black" panose="020B0A02040204020203" pitchFamily="34" charset="0"/>
+                <a:cs typeface="Times New Roman" panose="02020603050405020304" pitchFamily="18" charset="0"/>
+              </a:rPr>
+              <a:t>    #else </a:t>
             </a:r>
           </a:p>
           <a:p>
             <a:r>
               <a:rPr lang="en-US" sz="1600" dirty="0">
-                <a:latin typeface="Times New Roman" panose="02020603050405020304" pitchFamily="18" charset="0"/>
-                <a:cs typeface="Times New Roman" panose="02020603050405020304" pitchFamily="18" charset="0"/>
-              </a:rPr>
-              <a:t>    #else </a:t>
-            </a:r>
-          </a:p>
-          <a:p>
-            <a:r>
-              <a:rPr lang="en-US" sz="1600" dirty="0" smtClean="0">
-                <a:latin typeface="Times New Roman" panose="02020603050405020304" pitchFamily="18" charset="0"/>
-                <a:cs typeface="Times New Roman" panose="02020603050405020304" pitchFamily="18" charset="0"/>
-              </a:rPr>
-              <a:t>uint8_t </a:t>
-            </a:r>
+                <a:latin typeface="Segoe UI Black" panose="020B0A02040204020203" pitchFamily="34" charset="0"/>
+                <a:cs typeface="Times New Roman" panose="02020603050405020304" pitchFamily="18" charset="0"/>
+              </a:rPr>
+              <a:t>uint8_t _debugLevel = DEBUG_DEV; </a:t>
+            </a:r>
+          </a:p>
+          <a:p>
             <a:r>
               <a:rPr lang="en-US" sz="1600" dirty="0">
-                <a:latin typeface="Times New Roman" panose="02020603050405020304" pitchFamily="18" charset="0"/>
-                <a:cs typeface="Times New Roman" panose="02020603050405020304" pitchFamily="18" charset="0"/>
-              </a:rPr>
-              <a:t>_debugLevel = DEBUG_DEV; </a:t>
-            </a:r>
-            <a:endParaRPr lang="en-US" sz="1600" dirty="0" smtClean="0">
-              <a:latin typeface="Times New Roman" panose="02020603050405020304" pitchFamily="18" charset="0"/>
-              <a:cs typeface="Times New Roman" panose="02020603050405020304" pitchFamily="18" charset="0"/>
-            </a:endParaRPr>
-          </a:p>
-          <a:p>
-            <a:r>
-              <a:rPr lang="en-US" sz="1600" dirty="0" smtClean="0">
-                <a:latin typeface="Times New Roman" panose="02020603050405020304" pitchFamily="18" charset="0"/>
-                <a:cs typeface="Times New Roman" panose="02020603050405020304" pitchFamily="18" charset="0"/>
-              </a:rPr>
-              <a:t>// </a:t>
-            </a:r>
+                <a:latin typeface="Segoe UI Black" panose="020B0A02040204020203" pitchFamily="34" charset="0"/>
+                <a:cs typeface="Times New Roman" panose="02020603050405020304" pitchFamily="18" charset="0"/>
+              </a:rPr>
+              <a:t>// default debug level</a:t>
+            </a:r>
+          </a:p>
+          <a:p>
             <a:r>
               <a:rPr lang="en-US" sz="1600" dirty="0">
-                <a:latin typeface="Times New Roman" panose="02020603050405020304" pitchFamily="18" charset="0"/>
-                <a:cs typeface="Times New Roman" panose="02020603050405020304" pitchFamily="18" charset="0"/>
-              </a:rPr>
-              <a:t>default debug level</a:t>
+                <a:latin typeface="Segoe UI Black" panose="020B0A02040204020203" pitchFamily="34" charset="0"/>
+                <a:cs typeface="Times New Roman" panose="02020603050405020304" pitchFamily="18" charset="0"/>
+              </a:rPr>
+              <a:t>    #endif</a:t>
             </a:r>
           </a:p>
           <a:p>
             <a:r>
               <a:rPr lang="en-US" sz="1600" dirty="0">
-                <a:latin typeface="Times New Roman" panose="02020603050405020304" pitchFamily="18" charset="0"/>
-                <a:cs typeface="Times New Roman" panose="02020603050405020304" pitchFamily="18" charset="0"/>
-              </a:rPr>
-              <a:t>    #</a:t>
-            </a:r>
-            <a:r>
-              <a:rPr lang="en-US" sz="1600" dirty="0" smtClean="0">
-                <a:latin typeface="Times New Roman" panose="02020603050405020304" pitchFamily="18" charset="0"/>
-                <a:cs typeface="Times New Roman" panose="02020603050405020304" pitchFamily="18" charset="0"/>
-              </a:rPr>
-              <a:t>endif</a:t>
-            </a:r>
-            <a:endParaRPr lang="en-US" sz="1600" dirty="0">
-              <a:latin typeface="Times New Roman" panose="02020603050405020304" pitchFamily="18" charset="0"/>
-              <a:cs typeface="Times New Roman" panose="02020603050405020304" pitchFamily="18" charset="0"/>
-            </a:endParaRPr>
+                <a:latin typeface="Segoe UI Black" panose="020B0A02040204020203" pitchFamily="34" charset="0"/>
+                <a:cs typeface="Times New Roman" panose="02020603050405020304" pitchFamily="18" charset="0"/>
+              </a:rPr>
+              <a:t>    // @todo use DEBUG_ESP_PORT ?</a:t>
+            </a:r>
           </a:p>
           <a:p>
             <a:r>
               <a:rPr lang="en-US" sz="1600" dirty="0">
-                <a:latin typeface="Times New Roman" panose="02020603050405020304" pitchFamily="18" charset="0"/>
-                <a:cs typeface="Times New Roman" panose="02020603050405020304" pitchFamily="18" charset="0"/>
-              </a:rPr>
-              <a:t>    // @todo use DEBUG_ESP_PORT ?</a:t>
+                <a:latin typeface="Segoe UI Black" panose="020B0A02040204020203" pitchFamily="34" charset="0"/>
+                <a:cs typeface="Times New Roman" panose="02020603050405020304" pitchFamily="18" charset="0"/>
+              </a:rPr>
+              <a:t>    #ifdef WM_DEBUG_PORT</a:t>
             </a:r>
           </a:p>
           <a:p>
             <a:r>
               <a:rPr lang="en-US" sz="1600" dirty="0">
-                <a:latin typeface="Times New Roman" panose="02020603050405020304" pitchFamily="18" charset="0"/>
-                <a:cs typeface="Times New Roman" panose="02020603050405020304" pitchFamily="18" charset="0"/>
-              </a:rPr>
-              <a:t>    #ifdef WM_DEBUG_PORT</a:t>
+                <a:latin typeface="Segoe UI Black" panose="020B0A02040204020203" pitchFamily="34" charset="0"/>
+                <a:cs typeface="Times New Roman" panose="02020603050405020304" pitchFamily="18" charset="0"/>
+              </a:rPr>
+              <a:t>    Stream&amp; _debugPort = WM_DEBUG_PORT;</a:t>
             </a:r>
           </a:p>
           <a:p>
             <a:r>
               <a:rPr lang="en-US" sz="1600" dirty="0">
-                <a:latin typeface="Times New Roman" panose="02020603050405020304" pitchFamily="18" charset="0"/>
-                <a:cs typeface="Times New Roman" panose="02020603050405020304" pitchFamily="18" charset="0"/>
-              </a:rPr>
-              <a:t>    Stream&amp; _debugPort = WM_DEBUG_PORT;</a:t>
-            </a:r>
-          </a:p>
-          <a:p>
-            <a:r>
-              <a:rPr lang="en-US" sz="1600" dirty="0">
-                <a:latin typeface="Times New Roman" panose="02020603050405020304" pitchFamily="18" charset="0"/>
+                <a:latin typeface="Segoe UI Black" panose="020B0A02040204020203" pitchFamily="34" charset="0"/>
                 <a:cs typeface="Times New Roman" panose="02020603050405020304" pitchFamily="18" charset="0"/>
               </a:rPr>
               <a:t>    </a:t>
@@ -7461,7 +6882,7 @@
         <p:spPr>
           <a:xfrm>
             <a:off x="6761018" y="1587150"/>
-            <a:ext cx="6096000" cy="3539430"/>
+            <a:ext cx="6096000" cy="4031873"/>
           </a:xfrm>
           <a:prstGeom prst="rect">
             <a:avLst/>
@@ -7475,7 +6896,7 @@
           <a:p>
             <a:r>
               <a:rPr lang="en-US" sz="1600" dirty="0">
-                <a:latin typeface="Times New Roman" panose="02020603050405020304" pitchFamily="18" charset="0"/>
+                <a:latin typeface="Segoe UI Black" panose="020B0A02040204020203" pitchFamily="34" charset="0"/>
                 <a:cs typeface="Times New Roman" panose="02020603050405020304" pitchFamily="18" charset="0"/>
               </a:rPr>
               <a:t>#else</a:t>
@@ -7484,7 +6905,7 @@
           <a:p>
             <a:r>
               <a:rPr lang="en-US" sz="1600" dirty="0">
-                <a:latin typeface="Times New Roman" panose="02020603050405020304" pitchFamily="18" charset="0"/>
+                <a:latin typeface="Segoe UI Black" panose="020B0A02040204020203" pitchFamily="34" charset="0"/>
                 <a:cs typeface="Times New Roman" panose="02020603050405020304" pitchFamily="18" charset="0"/>
               </a:rPr>
               <a:t>    Stream&amp; _debugPort = Serial; // debug output stream ref</a:t>
@@ -7493,7 +6914,7 @@
           <a:p>
             <a:r>
               <a:rPr lang="en-US" sz="1600" dirty="0">
-                <a:latin typeface="Times New Roman" panose="02020603050405020304" pitchFamily="18" charset="0"/>
+                <a:latin typeface="Segoe UI Black" panose="020B0A02040204020203" pitchFamily="34" charset="0"/>
                 <a:cs typeface="Times New Roman" panose="02020603050405020304" pitchFamily="18" charset="0"/>
               </a:rPr>
               <a:t>    #endif</a:t>
@@ -7501,14 +6922,14 @@
           </a:p>
           <a:p>
             <a:endParaRPr lang="en-US" sz="1600" dirty="0">
-              <a:latin typeface="Times New Roman" panose="02020603050405020304" pitchFamily="18" charset="0"/>
+              <a:latin typeface="Segoe UI Black" panose="020B0A02040204020203" pitchFamily="34" charset="0"/>
               <a:cs typeface="Times New Roman" panose="02020603050405020304" pitchFamily="18" charset="0"/>
             </a:endParaRPr>
           </a:p>
           <a:p>
             <a:r>
               <a:rPr lang="en-US" sz="1600" dirty="0">
-                <a:latin typeface="Times New Roman" panose="02020603050405020304" pitchFamily="18" charset="0"/>
+                <a:latin typeface="Segoe UI Black" panose="020B0A02040204020203" pitchFamily="34" charset="0"/>
                 <a:cs typeface="Times New Roman" panose="02020603050405020304" pitchFamily="18" charset="0"/>
               </a:rPr>
               <a:t>    template &lt;typename Generic&gt;</a:t>
@@ -7517,7 +6938,7 @@
           <a:p>
             <a:r>
               <a:rPr lang="en-US" sz="1600" dirty="0">
-                <a:latin typeface="Times New Roman" panose="02020603050405020304" pitchFamily="18" charset="0"/>
+                <a:latin typeface="Segoe UI Black" panose="020B0A02040204020203" pitchFamily="34" charset="0"/>
                 <a:cs typeface="Times New Roman" panose="02020603050405020304" pitchFamily="18" charset="0"/>
               </a:rPr>
               <a:t>    void        DEBUG_WM(Generic text);</a:t>
@@ -7525,14 +6946,14 @@
           </a:p>
           <a:p>
             <a:endParaRPr lang="en-US" sz="1600" dirty="0">
-              <a:latin typeface="Times New Roman" panose="02020603050405020304" pitchFamily="18" charset="0"/>
+              <a:latin typeface="Segoe UI Black" panose="020B0A02040204020203" pitchFamily="34" charset="0"/>
               <a:cs typeface="Times New Roman" panose="02020603050405020304" pitchFamily="18" charset="0"/>
             </a:endParaRPr>
           </a:p>
           <a:p>
             <a:r>
               <a:rPr lang="en-US" sz="1600" dirty="0">
-                <a:latin typeface="Times New Roman" panose="02020603050405020304" pitchFamily="18" charset="0"/>
+                <a:latin typeface="Segoe UI Black" panose="020B0A02040204020203" pitchFamily="34" charset="0"/>
                 <a:cs typeface="Times New Roman" panose="02020603050405020304" pitchFamily="18" charset="0"/>
               </a:rPr>
               <a:t>    template &lt;typename Generic&gt;</a:t>
@@ -7541,7 +6962,7 @@
           <a:p>
             <a:r>
               <a:rPr lang="en-US" sz="1600" dirty="0">
-                <a:latin typeface="Times New Roman" panose="02020603050405020304" pitchFamily="18" charset="0"/>
+                <a:latin typeface="Segoe UI Black" panose="020B0A02040204020203" pitchFamily="34" charset="0"/>
                 <a:cs typeface="Times New Roman" panose="02020603050405020304" pitchFamily="18" charset="0"/>
               </a:rPr>
               <a:t>    void        DEBUG_WM(wm_debuglevel_t level,Generic text);</a:t>
@@ -7550,7 +6971,7 @@
           <a:p>
             <a:r>
               <a:rPr lang="en-US" sz="1600" dirty="0">
-                <a:latin typeface="Times New Roman" panose="02020603050405020304" pitchFamily="18" charset="0"/>
+                <a:latin typeface="Segoe UI Black" panose="020B0A02040204020203" pitchFamily="34" charset="0"/>
                 <a:cs typeface="Times New Roman" panose="02020603050405020304" pitchFamily="18" charset="0"/>
               </a:rPr>
               <a:t>    template &lt;typename Generic, typename Genericb&gt;</a:t>
@@ -7559,7 +6980,7 @@
           <a:p>
             <a:r>
               <a:rPr lang="en-US" sz="1600" dirty="0">
-                <a:latin typeface="Times New Roman" panose="02020603050405020304" pitchFamily="18" charset="0"/>
+                <a:latin typeface="Segoe UI Black" panose="020B0A02040204020203" pitchFamily="34" charset="0"/>
                 <a:cs typeface="Times New Roman" panose="02020603050405020304" pitchFamily="18" charset="0"/>
               </a:rPr>
               <a:t>    void        DEBUG_WM(Generic text,Genericb textb);</a:t>
@@ -7568,7 +6989,7 @@
           <a:p>
             <a:r>
               <a:rPr lang="en-US" sz="1600" dirty="0">
-                <a:latin typeface="Times New Roman" panose="02020603050405020304" pitchFamily="18" charset="0"/>
+                <a:latin typeface="Segoe UI Black" panose="020B0A02040204020203" pitchFamily="34" charset="0"/>
                 <a:cs typeface="Times New Roman" panose="02020603050405020304" pitchFamily="18" charset="0"/>
               </a:rPr>
               <a:t>    template &lt;typename Generic, typename Genericb&gt;</a:t>
@@ -7577,7 +6998,7 @@
           <a:p>
             <a:r>
               <a:rPr lang="en-US" sz="1600" dirty="0">
-                <a:latin typeface="Times New Roman" panose="02020603050405020304" pitchFamily="18" charset="0"/>
+                <a:latin typeface="Segoe UI Black" panose="020B0A02040204020203" pitchFamily="34" charset="0"/>
                 <a:cs typeface="Times New Roman" panose="02020603050405020304" pitchFamily="18" charset="0"/>
               </a:rPr>
               <a:t>    void        DEBUG_WM(wm_debuglevel_t level, Generic text,Genericb textb);</a:t>
@@ -7595,13 +7016,6 @@
   <p:clrMapOvr>
     <a:masterClrMapping/>
   </p:clrMapOvr>
-  <p:timing>
-    <p:tnLst>
-      <p:par>
-        <p:cTn id="1" dur="indefinite" restart="never" nodeType="tmRoot"/>
-      </p:par>
-    </p:tnLst>
-  </p:timing>
 </p:sld>
 </file>
 
@@ -7638,7 +7052,7 @@
           <a:lstStyle/>
           <a:p>
             <a:r>
-              <a:rPr lang="en-US" smtClean="0"/>
+              <a:rPr lang="en-US"/>
               <a:t>www.indruino.com</a:t>
             </a:r>
             <a:endParaRPr lang="en-US" dirty="0"/>
@@ -7681,90 +7095,117 @@
             <p:ph type="title"/>
           </p:nvPr>
         </p:nvSpPr>
-        <p:spPr/>
+        <p:spPr>
+          <a:xfrm>
+            <a:off x="77638" y="862643"/>
+            <a:ext cx="6823494" cy="2122098"/>
+          </a:xfrm>
+        </p:spPr>
         <p:txBody>
           <a:bodyPr/>
           <a:lstStyle/>
           <a:p>
             <a:r>
-              <a:rPr lang="en-US" sz="4800" b="1" dirty="0" smtClean="0">
-                <a:ln w="12700">
-                  <a:solidFill>
-                    <a:srgbClr val="C00000"/>
-                  </a:solidFill>
-                  <a:prstDash val="solid"/>
-                </a:ln>
+              <a:rPr lang="en-US" sz="4800" dirty="0">
+                <a:ln w="0"/>
                 <a:solidFill>
-                  <a:srgbClr val="FFC000"/>
+                  <a:schemeClr val="tx1"/>
                 </a:solidFill>
-                <a:latin typeface="Times New Roman" panose="02020603050405020304" pitchFamily="18" charset="0"/>
+                <a:effectLst>
+                  <a:outerShdw blurRad="38100" dist="19050" dir="2700000" algn="tl" rotWithShape="0">
+                    <a:schemeClr val="dk1">
+                      <a:alpha val="40000"/>
+                    </a:schemeClr>
+                  </a:outerShdw>
+                </a:effectLst>
+                <a:latin typeface="Segoe UI Black" panose="020B0A02040204020203" pitchFamily="34" charset="0"/>
                 <a:cs typeface="Times New Roman" panose="02020603050405020304" pitchFamily="18" charset="0"/>
               </a:rPr>
               <a:t>WEBSEVER</a:t>
             </a:r>
             <a:br>
-              <a:rPr lang="en-US" sz="4800" b="1" dirty="0" smtClean="0">
-                <a:ln w="12700">
-                  <a:solidFill>
-                    <a:srgbClr val="C00000"/>
-                  </a:solidFill>
-                  <a:prstDash val="solid"/>
-                </a:ln>
+              <a:rPr lang="en-US" sz="4800" dirty="0">
+                <a:ln w="0"/>
                 <a:solidFill>
-                  <a:srgbClr val="FFC000"/>
+                  <a:schemeClr val="tx1"/>
                 </a:solidFill>
-                <a:latin typeface="Times New Roman" panose="02020603050405020304" pitchFamily="18" charset="0"/>
+                <a:effectLst>
+                  <a:outerShdw blurRad="38100" dist="19050" dir="2700000" algn="tl" rotWithShape="0">
+                    <a:schemeClr val="dk1">
+                      <a:alpha val="40000"/>
+                    </a:schemeClr>
+                  </a:outerShdw>
+                </a:effectLst>
+                <a:latin typeface="Segoe UI Black" panose="020B0A02040204020203" pitchFamily="34" charset="0"/>
                 <a:cs typeface="Times New Roman" panose="02020603050405020304" pitchFamily="18" charset="0"/>
               </a:rPr>
             </a:br>
             <a:r>
-              <a:rPr lang="en-US" sz="4800" b="1" dirty="0" smtClean="0">
-                <a:ln w="12700">
-                  <a:solidFill>
-                    <a:srgbClr val="C00000"/>
-                  </a:solidFill>
-                  <a:prstDash val="solid"/>
-                </a:ln>
+              <a:rPr lang="en-US" sz="4800" dirty="0">
+                <a:ln w="0"/>
                 <a:solidFill>
-                  <a:srgbClr val="FFC000"/>
+                  <a:schemeClr val="tx1"/>
                 </a:solidFill>
-                <a:latin typeface="Times New Roman" panose="02020603050405020304" pitchFamily="18" charset="0"/>
+                <a:effectLst>
+                  <a:outerShdw blurRad="38100" dist="19050" dir="2700000" algn="tl" rotWithShape="0">
+                    <a:schemeClr val="dk1">
+                      <a:alpha val="40000"/>
+                    </a:schemeClr>
+                  </a:outerShdw>
+                </a:effectLst>
+                <a:latin typeface="Segoe UI Black" panose="020B0A02040204020203" pitchFamily="34" charset="0"/>
                 <a:cs typeface="Times New Roman" panose="02020603050405020304" pitchFamily="18" charset="0"/>
               </a:rPr>
               <a:t>LOGIN WIFI</a:t>
             </a:r>
             <a:br>
-              <a:rPr lang="en-US" sz="4800" b="1" dirty="0" smtClean="0">
-                <a:ln w="12700">
-                  <a:solidFill>
-                    <a:srgbClr val="C00000"/>
-                  </a:solidFill>
-                  <a:prstDash val="solid"/>
-                </a:ln>
+              <a:rPr lang="en-US" sz="4800" dirty="0">
+                <a:ln w="0"/>
                 <a:solidFill>
-                  <a:srgbClr val="FFC000"/>
+                  <a:schemeClr val="tx1"/>
                 </a:solidFill>
-                <a:latin typeface="Times New Roman" panose="02020603050405020304" pitchFamily="18" charset="0"/>
+                <a:effectLst>
+                  <a:outerShdw blurRad="38100" dist="19050" dir="2700000" algn="tl" rotWithShape="0">
+                    <a:schemeClr val="dk1">
+                      <a:alpha val="40000"/>
+                    </a:schemeClr>
+                  </a:outerShdw>
+                </a:effectLst>
+                <a:latin typeface="Segoe UI Black" panose="020B0A02040204020203" pitchFamily="34" charset="0"/>
                 <a:cs typeface="Times New Roman" panose="02020603050405020304" pitchFamily="18" charset="0"/>
               </a:rPr>
             </a:br>
             <a:r>
-              <a:rPr lang="en-US" sz="4800" b="1" dirty="0" smtClean="0">
-                <a:ln w="12700">
-                  <a:solidFill>
-                    <a:srgbClr val="C00000"/>
-                  </a:solidFill>
-                  <a:prstDash val="solid"/>
-                </a:ln>
+              <a:rPr lang="en-US" sz="4800" dirty="0">
+                <a:ln w="0"/>
                 <a:solidFill>
-                  <a:srgbClr val="FFC000"/>
+                  <a:schemeClr val="tx1"/>
                 </a:solidFill>
-                <a:latin typeface="Times New Roman" panose="02020603050405020304" pitchFamily="18" charset="0"/>
+                <a:effectLst>
+                  <a:outerShdw blurRad="38100" dist="19050" dir="2700000" algn="tl" rotWithShape="0">
+                    <a:schemeClr val="dk1">
+                      <a:alpha val="40000"/>
+                    </a:schemeClr>
+                  </a:outerShdw>
+                </a:effectLst>
+                <a:latin typeface="Segoe UI Black" panose="020B0A02040204020203" pitchFamily="34" charset="0"/>
                 <a:cs typeface="Times New Roman" panose="02020603050405020304" pitchFamily="18" charset="0"/>
               </a:rPr>
               <a:t>SET MQTT</a:t>
             </a:r>
-            <a:endParaRPr lang="en-US" sz="4800" dirty="0"/>
+            <a:endParaRPr lang="en-US" sz="4800" dirty="0">
+              <a:ln w="0"/>
+              <a:solidFill>
+                <a:schemeClr val="tx1"/>
+              </a:solidFill>
+              <a:effectLst>
+                <a:outerShdw blurRad="38100" dist="19050" dir="2700000" algn="tl" rotWithShape="0">
+                  <a:schemeClr val="dk1">
+                    <a:alpha val="40000"/>
+                  </a:schemeClr>
+                </a:outerShdw>
+              </a:effectLst>
+            </a:endParaRPr>
           </a:p>
         </p:txBody>
       </p:sp>
@@ -7777,7 +7218,7 @@
         <p:spPr>
           <a:xfrm>
             <a:off x="3816520" y="4249642"/>
-            <a:ext cx="3609474" cy="707886"/>
+            <a:ext cx="3609474" cy="1015663"/>
           </a:xfrm>
           <a:prstGeom prst="rect">
             <a:avLst/>
@@ -7803,11 +7244,11 @@
           <a:lstStyle/>
           <a:p>
             <a:r>
-              <a:rPr lang="en-US" sz="2000" dirty="0" smtClean="0">
+              <a:rPr lang="en-US" sz="2000" dirty="0">
                 <a:solidFill>
                   <a:schemeClr val="bg1"/>
                 </a:solidFill>
-                <a:latin typeface="Times New Roman" panose="02020603050405020304" pitchFamily="18" charset="0"/>
+                <a:latin typeface="Segoe UI Black" panose="020B0A02040204020203" pitchFamily="34" charset="0"/>
                 <a:cs typeface="Times New Roman" panose="02020603050405020304" pitchFamily="18" charset="0"/>
               </a:rPr>
               <a:t>Diễn giả: Nguyễn Hoàng Phúc</a:t>
@@ -7815,22 +7256,15 @@
           </a:p>
           <a:p>
             <a:r>
-              <a:rPr lang="en-US" sz="2000" dirty="0" smtClean="0">
+              <a:rPr lang="en-US" sz="2000" dirty="0">
                 <a:solidFill>
                   <a:schemeClr val="bg1"/>
                 </a:solidFill>
-                <a:latin typeface="Times New Roman" panose="02020603050405020304" pitchFamily="18" charset="0"/>
+                <a:latin typeface="Segoe UI Black" panose="020B0A02040204020203" pitchFamily="34" charset="0"/>
                 <a:cs typeface="Times New Roman" panose="02020603050405020304" pitchFamily="18" charset="0"/>
               </a:rPr>
               <a:t>Bộ phận: IoT Indruino</a:t>
             </a:r>
-            <a:endParaRPr lang="en-US" sz="2000" dirty="0">
-              <a:solidFill>
-                <a:schemeClr val="bg1"/>
-              </a:solidFill>
-              <a:latin typeface="Times New Roman" panose="02020603050405020304" pitchFamily="18" charset="0"/>
-              <a:cs typeface="Times New Roman" panose="02020603050405020304" pitchFamily="18" charset="0"/>
-            </a:endParaRPr>
           </a:p>
         </p:txBody>
       </p:sp>
@@ -7844,13 +7278,6 @@
   <p:clrMapOvr>
     <a:masterClrMapping/>
   </p:clrMapOvr>
-  <p:timing>
-    <p:tnLst>
-      <p:par>
-        <p:cTn id="1" dur="indefinite" restart="never" nodeType="tmRoot"/>
-      </p:par>
-    </p:tnLst>
-  </p:timing>
 </p:sld>
 </file>
 
@@ -7883,8 +7310,8 @@
         </p:nvSpPr>
         <p:spPr>
           <a:xfrm>
-            <a:off x="1971675" y="571487"/>
-            <a:ext cx="5716950" cy="590931"/>
+            <a:off x="1971675" y="613037"/>
+            <a:ext cx="4838184" cy="507831"/>
           </a:xfrm>
           <a:prstGeom prst="rect">
             <a:avLst/>
@@ -7898,7 +7325,7 @@
           <a:lstStyle/>
           <a:p>
             <a:r>
-              <a:rPr lang="en-US" sz="3600" b="1" dirty="0" smtClean="0">
+              <a:rPr lang="en-US" sz="3000" b="1" dirty="0">
                 <a:solidFill>
                   <a:srgbClr val="FF0000"/>
                 </a:solidFill>
@@ -7909,25 +7336,11 @@
                     </a:srgbClr>
                   </a:outerShdw>
                 </a:effectLst>
-                <a:latin typeface="Times New Roman" panose="02020603050405020304" pitchFamily="18" charset="0"/>
+                <a:latin typeface="Segoe UI Black" panose="020B0A02040204020203" pitchFamily="34" charset="0"/>
                 <a:cs typeface="Times New Roman" panose="02020603050405020304" pitchFamily="18" charset="0"/>
               </a:rPr>
               <a:t>2.1 PRINT TO TERMINAL</a:t>
             </a:r>
-            <a:endParaRPr lang="en-US" sz="3600" b="1" dirty="0">
-              <a:solidFill>
-                <a:srgbClr val="FF0000"/>
-              </a:solidFill>
-              <a:effectLst>
-                <a:outerShdw blurRad="38100" dist="38100" dir="2700000" algn="tl">
-                  <a:srgbClr val="000000">
-                    <a:alpha val="43137"/>
-                  </a:srgbClr>
-                </a:outerShdw>
-              </a:effectLst>
-              <a:latin typeface="Times New Roman" panose="02020603050405020304" pitchFamily="18" charset="0"/>
-              <a:cs typeface="Times New Roman" panose="02020603050405020304" pitchFamily="18" charset="0"/>
-            </a:endParaRPr>
           </a:p>
         </p:txBody>
       </p:sp>
@@ -7941,8 +7354,8 @@
         </p:nvSpPr>
         <p:spPr>
           <a:xfrm>
-            <a:off x="2451966" y="1162418"/>
-            <a:ext cx="5246244" cy="424732"/>
+            <a:off x="2451966" y="1120869"/>
+            <a:ext cx="6601487" cy="507831"/>
           </a:xfrm>
           <a:prstGeom prst="rect">
             <a:avLst/>
@@ -7974,7 +7387,7 @@
           </a:lstStyle>
           <a:p>
             <a:r>
-              <a:rPr lang="en-US" sz="2400" b="1" dirty="0" smtClean="0">
+              <a:rPr lang="en-US" sz="3000" b="1" dirty="0">
                 <a:solidFill>
                   <a:srgbClr val="1B8FAD"/>
                 </a:solidFill>
@@ -7985,25 +7398,11 @@
                     </a:srgbClr>
                   </a:outerShdw>
                 </a:effectLst>
-                <a:latin typeface="Times New Roman" panose="02020603050405020304" pitchFamily="18" charset="0"/>
+                <a:latin typeface="Segoe UI Black" panose="020B0A02040204020203" pitchFamily="34" charset="0"/>
                 <a:cs typeface="Times New Roman" panose="02020603050405020304" pitchFamily="18" charset="0"/>
               </a:rPr>
               <a:t>2.1.1 SET UP DEFAULT &amp; FUNTION</a:t>
             </a:r>
-            <a:endParaRPr lang="en-US" sz="2400" b="1" dirty="0">
-              <a:solidFill>
-                <a:srgbClr val="1B8FAD"/>
-              </a:solidFill>
-              <a:effectLst>
-                <a:outerShdw blurRad="38100" dist="38100" dir="2700000" algn="tl">
-                  <a:srgbClr val="000000">
-                    <a:alpha val="43137"/>
-                  </a:srgbClr>
-                </a:outerShdw>
-              </a:effectLst>
-              <a:latin typeface="Times New Roman" panose="02020603050405020304" pitchFamily="18" charset="0"/>
-              <a:cs typeface="Times New Roman" panose="02020603050405020304" pitchFamily="18" charset="0"/>
-            </a:endParaRPr>
           </a:p>
         </p:txBody>
       </p:sp>
@@ -8016,7 +7415,7 @@
         <p:spPr>
           <a:xfrm>
             <a:off x="1782151" y="1587150"/>
-            <a:ext cx="4803376" cy="5016758"/>
+            <a:ext cx="4803376" cy="5262979"/>
           </a:xfrm>
           <a:prstGeom prst="rect">
             <a:avLst/>
@@ -8030,7 +7429,7 @@
           <a:p>
             <a:r>
               <a:rPr lang="en-US" sz="1600" dirty="0">
-                <a:latin typeface="Times New Roman" panose="02020603050405020304" pitchFamily="18" charset="0"/>
+                <a:latin typeface="Segoe UI Black" panose="020B0A02040204020203" pitchFamily="34" charset="0"/>
                 <a:cs typeface="Times New Roman" panose="02020603050405020304" pitchFamily="18" charset="0"/>
               </a:rPr>
               <a:t>typedef enum {</a:t>
@@ -8039,7 +7438,7 @@
           <a:p>
             <a:r>
               <a:rPr lang="en-US" sz="1600" dirty="0">
-                <a:latin typeface="Times New Roman" panose="02020603050405020304" pitchFamily="18" charset="0"/>
+                <a:latin typeface="Segoe UI Black" panose="020B0A02040204020203" pitchFamily="34" charset="0"/>
                 <a:cs typeface="Times New Roman" panose="02020603050405020304" pitchFamily="18" charset="0"/>
               </a:rPr>
               <a:t>        DEBUG_ERROR     = 0,</a:t>
@@ -8048,7 +7447,7 @@
           <a:p>
             <a:r>
               <a:rPr lang="en-US" sz="1600" dirty="0">
-                <a:latin typeface="Times New Roman" panose="02020603050405020304" pitchFamily="18" charset="0"/>
+                <a:latin typeface="Segoe UI Black" panose="020B0A02040204020203" pitchFamily="34" charset="0"/>
                 <a:cs typeface="Times New Roman" panose="02020603050405020304" pitchFamily="18" charset="0"/>
               </a:rPr>
               <a:t>        DEBUG_NOTIFY    = 1, // default stable</a:t>
@@ -8057,7 +7456,7 @@
           <a:p>
             <a:r>
               <a:rPr lang="en-US" sz="1600" dirty="0">
-                <a:latin typeface="Times New Roman" panose="02020603050405020304" pitchFamily="18" charset="0"/>
+                <a:latin typeface="Segoe UI Black" panose="020B0A02040204020203" pitchFamily="34" charset="0"/>
                 <a:cs typeface="Times New Roman" panose="02020603050405020304" pitchFamily="18" charset="0"/>
               </a:rPr>
               <a:t>        DEBUG_VERBOSE   = 2,</a:t>
@@ -8066,7 +7465,7 @@
           <a:p>
             <a:r>
               <a:rPr lang="en-US" sz="1600" dirty="0">
-                <a:latin typeface="Times New Roman" panose="02020603050405020304" pitchFamily="18" charset="0"/>
+                <a:latin typeface="Segoe UI Black" panose="020B0A02040204020203" pitchFamily="34" charset="0"/>
                 <a:cs typeface="Times New Roman" panose="02020603050405020304" pitchFamily="18" charset="0"/>
               </a:rPr>
               <a:t>        DEBUG_DEV       = 3, // default dev</a:t>
@@ -8075,7 +7474,7 @@
           <a:p>
             <a:r>
               <a:rPr lang="en-US" sz="1600" dirty="0">
-                <a:latin typeface="Times New Roman" panose="02020603050405020304" pitchFamily="18" charset="0"/>
+                <a:latin typeface="Segoe UI Black" panose="020B0A02040204020203" pitchFamily="34" charset="0"/>
                 <a:cs typeface="Times New Roman" panose="02020603050405020304" pitchFamily="18" charset="0"/>
               </a:rPr>
               <a:t>        DEBUG_MAX       = 4</a:t>
@@ -8084,7 +7483,7 @@
           <a:p>
             <a:r>
               <a:rPr lang="en-US" sz="1600" dirty="0">
-                <a:latin typeface="Times New Roman" panose="02020603050405020304" pitchFamily="18" charset="0"/>
+                <a:latin typeface="Segoe UI Black" panose="020B0A02040204020203" pitchFamily="34" charset="0"/>
                 <a:cs typeface="Times New Roman" panose="02020603050405020304" pitchFamily="18" charset="0"/>
               </a:rPr>
               <a:t>    } wm_debuglevel_t;</a:t>
@@ -8093,183 +7492,115 @@
           <a:p>
             <a:r>
               <a:rPr lang="en-US" sz="1600" dirty="0">
-                <a:latin typeface="Times New Roman" panose="02020603050405020304" pitchFamily="18" charset="0"/>
-                <a:cs typeface="Times New Roman" panose="02020603050405020304" pitchFamily="18" charset="0"/>
-              </a:rPr>
-              <a:t> </a:t>
-            </a:r>
-            <a:r>
-              <a:rPr lang="en-US" sz="1600" dirty="0" smtClean="0">
-                <a:latin typeface="Times New Roman" panose="02020603050405020304" pitchFamily="18" charset="0"/>
-                <a:cs typeface="Times New Roman" panose="02020603050405020304" pitchFamily="18" charset="0"/>
-              </a:rPr>
-              <a:t>      boolean </a:t>
-            </a:r>
+                <a:latin typeface="Segoe UI Black" panose="020B0A02040204020203" pitchFamily="34" charset="0"/>
+                <a:cs typeface="Times New Roman" panose="02020603050405020304" pitchFamily="18" charset="0"/>
+              </a:rPr>
+              <a:t>       boolean _debug  = true;</a:t>
+            </a:r>
+          </a:p>
+          <a:p>
             <a:r>
               <a:rPr lang="en-US" sz="1600" dirty="0">
-                <a:latin typeface="Times New Roman" panose="02020603050405020304" pitchFamily="18" charset="0"/>
-                <a:cs typeface="Times New Roman" panose="02020603050405020304" pitchFamily="18" charset="0"/>
-              </a:rPr>
-              <a:t>_debug  = true;</a:t>
-            </a:r>
-          </a:p>
-          <a:p>
-            <a:r>
-              <a:rPr lang="en-US" sz="1600" dirty="0" smtClean="0">
-                <a:latin typeface="Times New Roman" panose="02020603050405020304" pitchFamily="18" charset="0"/>
-                <a:cs typeface="Times New Roman" panose="02020603050405020304" pitchFamily="18" charset="0"/>
-              </a:rPr>
-              <a:t>// </a:t>
-            </a:r>
+                <a:latin typeface="Segoe UI Black" panose="020B0A02040204020203" pitchFamily="34" charset="0"/>
+                <a:cs typeface="Times New Roman" panose="02020603050405020304" pitchFamily="18" charset="0"/>
+              </a:rPr>
+              <a:t>// build debuglevel support</a:t>
+            </a:r>
+          </a:p>
+          <a:p>
             <a:r>
               <a:rPr lang="en-US" sz="1600" dirty="0">
-                <a:latin typeface="Times New Roman" panose="02020603050405020304" pitchFamily="18" charset="0"/>
-                <a:cs typeface="Times New Roman" panose="02020603050405020304" pitchFamily="18" charset="0"/>
-              </a:rPr>
-              <a:t>build debuglevel support</a:t>
+                <a:latin typeface="Segoe UI Black" panose="020B0A02040204020203" pitchFamily="34" charset="0"/>
+                <a:cs typeface="Times New Roman" panose="02020603050405020304" pitchFamily="18" charset="0"/>
+              </a:rPr>
+              <a:t>    // @todo use DEBUG_ESP_x?</a:t>
             </a:r>
           </a:p>
           <a:p>
             <a:r>
               <a:rPr lang="en-US" sz="1600" dirty="0">
-                <a:latin typeface="Times New Roman" panose="02020603050405020304" pitchFamily="18" charset="0"/>
-                <a:cs typeface="Times New Roman" panose="02020603050405020304" pitchFamily="18" charset="0"/>
-              </a:rPr>
-              <a:t>    // @todo use DEBUG_ESP_x?</a:t>
+                <a:latin typeface="Segoe UI Black" panose="020B0A02040204020203" pitchFamily="34" charset="0"/>
+                <a:cs typeface="Times New Roman" panose="02020603050405020304" pitchFamily="18" charset="0"/>
+              </a:rPr>
+              <a:t>    #ifdef M_DEBUG_LEVEL</a:t>
             </a:r>
           </a:p>
           <a:p>
             <a:r>
               <a:rPr lang="en-US" sz="1600" dirty="0">
-                <a:latin typeface="Times New Roman" panose="02020603050405020304" pitchFamily="18" charset="0"/>
-                <a:cs typeface="Times New Roman" panose="02020603050405020304" pitchFamily="18" charset="0"/>
-              </a:rPr>
-              <a:t>    #ifdef </a:t>
-            </a:r>
-            <a:r>
-              <a:rPr lang="en-US" sz="1600" dirty="0" smtClean="0">
-                <a:latin typeface="Times New Roman" panose="02020603050405020304" pitchFamily="18" charset="0"/>
-                <a:cs typeface="Times New Roman" panose="02020603050405020304" pitchFamily="18" charset="0"/>
-              </a:rPr>
-              <a:t>M_DEBUG_LEVEL</a:t>
-            </a:r>
-            <a:endParaRPr lang="en-US" sz="1600" dirty="0">
-              <a:latin typeface="Times New Roman" panose="02020603050405020304" pitchFamily="18" charset="0"/>
-              <a:cs typeface="Times New Roman" panose="02020603050405020304" pitchFamily="18" charset="0"/>
-            </a:endParaRPr>
-          </a:p>
-          <a:p>
-            <a:r>
-              <a:rPr lang="en-US" sz="1600" dirty="0" smtClean="0">
-                <a:latin typeface="Times New Roman" panose="02020603050405020304" pitchFamily="18" charset="0"/>
-                <a:cs typeface="Times New Roman" panose="02020603050405020304" pitchFamily="18" charset="0"/>
-              </a:rPr>
-              <a:t>uint8_t </a:t>
-            </a:r>
+                <a:latin typeface="Segoe UI Black" panose="020B0A02040204020203" pitchFamily="34" charset="0"/>
+                <a:cs typeface="Times New Roman" panose="02020603050405020304" pitchFamily="18" charset="0"/>
+              </a:rPr>
+              <a:t>uint8_t _debugLevel = (uint8_t)WM_DEBUG_LEVEL;</a:t>
+            </a:r>
+          </a:p>
+          <a:p>
             <a:r>
               <a:rPr lang="en-US" sz="1600" dirty="0">
-                <a:latin typeface="Times New Roman" panose="02020603050405020304" pitchFamily="18" charset="0"/>
-                <a:cs typeface="Times New Roman" panose="02020603050405020304" pitchFamily="18" charset="0"/>
-              </a:rPr>
-              <a:t>_debugLevel = (uint8_t)WM_DEBUG_LEVEL;</a:t>
+                <a:latin typeface="Segoe UI Black" panose="020B0A02040204020203" pitchFamily="34" charset="0"/>
+                <a:cs typeface="Times New Roman" panose="02020603050405020304" pitchFamily="18" charset="0"/>
+              </a:rPr>
+              <a:t>    #else </a:t>
             </a:r>
           </a:p>
           <a:p>
             <a:r>
               <a:rPr lang="en-US" sz="1600" dirty="0">
-                <a:latin typeface="Times New Roman" panose="02020603050405020304" pitchFamily="18" charset="0"/>
-                <a:cs typeface="Times New Roman" panose="02020603050405020304" pitchFamily="18" charset="0"/>
-              </a:rPr>
-              <a:t>    #else </a:t>
-            </a:r>
-          </a:p>
-          <a:p>
-            <a:r>
-              <a:rPr lang="en-US" sz="1600" dirty="0" smtClean="0">
-                <a:latin typeface="Times New Roman" panose="02020603050405020304" pitchFamily="18" charset="0"/>
-                <a:cs typeface="Times New Roman" panose="02020603050405020304" pitchFamily="18" charset="0"/>
-              </a:rPr>
-              <a:t>uint8_t </a:t>
-            </a:r>
+                <a:latin typeface="Segoe UI Black" panose="020B0A02040204020203" pitchFamily="34" charset="0"/>
+                <a:cs typeface="Times New Roman" panose="02020603050405020304" pitchFamily="18" charset="0"/>
+              </a:rPr>
+              <a:t>uint8_t _debugLevel = DEBUG_DEV; </a:t>
+            </a:r>
+          </a:p>
+          <a:p>
             <a:r>
               <a:rPr lang="en-US" sz="1600" dirty="0">
-                <a:latin typeface="Times New Roman" panose="02020603050405020304" pitchFamily="18" charset="0"/>
-                <a:cs typeface="Times New Roman" panose="02020603050405020304" pitchFamily="18" charset="0"/>
-              </a:rPr>
-              <a:t>_debugLevel = DEBUG_DEV; </a:t>
-            </a:r>
-            <a:endParaRPr lang="en-US" sz="1600" dirty="0" smtClean="0">
-              <a:latin typeface="Times New Roman" panose="02020603050405020304" pitchFamily="18" charset="0"/>
-              <a:cs typeface="Times New Roman" panose="02020603050405020304" pitchFamily="18" charset="0"/>
-            </a:endParaRPr>
-          </a:p>
-          <a:p>
-            <a:r>
-              <a:rPr lang="en-US" sz="1600" dirty="0" smtClean="0">
-                <a:latin typeface="Times New Roman" panose="02020603050405020304" pitchFamily="18" charset="0"/>
-                <a:cs typeface="Times New Roman" panose="02020603050405020304" pitchFamily="18" charset="0"/>
-              </a:rPr>
-              <a:t>// </a:t>
-            </a:r>
+                <a:latin typeface="Segoe UI Black" panose="020B0A02040204020203" pitchFamily="34" charset="0"/>
+                <a:cs typeface="Times New Roman" panose="02020603050405020304" pitchFamily="18" charset="0"/>
+              </a:rPr>
+              <a:t>// default debug level</a:t>
+            </a:r>
+          </a:p>
+          <a:p>
             <a:r>
               <a:rPr lang="en-US" sz="1600" dirty="0">
-                <a:latin typeface="Times New Roman" panose="02020603050405020304" pitchFamily="18" charset="0"/>
-                <a:cs typeface="Times New Roman" panose="02020603050405020304" pitchFamily="18" charset="0"/>
-              </a:rPr>
-              <a:t>default debug level</a:t>
+                <a:latin typeface="Segoe UI Black" panose="020B0A02040204020203" pitchFamily="34" charset="0"/>
+                <a:cs typeface="Times New Roman" panose="02020603050405020304" pitchFamily="18" charset="0"/>
+              </a:rPr>
+              <a:t>    #endif</a:t>
             </a:r>
           </a:p>
           <a:p>
             <a:r>
               <a:rPr lang="en-US" sz="1600" dirty="0">
-                <a:latin typeface="Times New Roman" panose="02020603050405020304" pitchFamily="18" charset="0"/>
-                <a:cs typeface="Times New Roman" panose="02020603050405020304" pitchFamily="18" charset="0"/>
-              </a:rPr>
-              <a:t>    #</a:t>
-            </a:r>
-            <a:r>
-              <a:rPr lang="en-US" sz="1600" dirty="0" smtClean="0">
-                <a:latin typeface="Times New Roman" panose="02020603050405020304" pitchFamily="18" charset="0"/>
-                <a:cs typeface="Times New Roman" panose="02020603050405020304" pitchFamily="18" charset="0"/>
-              </a:rPr>
-              <a:t>endif</a:t>
-            </a:r>
-            <a:endParaRPr lang="en-US" sz="1600" dirty="0">
-              <a:latin typeface="Times New Roman" panose="02020603050405020304" pitchFamily="18" charset="0"/>
-              <a:cs typeface="Times New Roman" panose="02020603050405020304" pitchFamily="18" charset="0"/>
-            </a:endParaRPr>
+                <a:latin typeface="Segoe UI Black" panose="020B0A02040204020203" pitchFamily="34" charset="0"/>
+                <a:cs typeface="Times New Roman" panose="02020603050405020304" pitchFamily="18" charset="0"/>
+              </a:rPr>
+              <a:t>    // @todo use DEBUG_ESP_PORT ?</a:t>
+            </a:r>
           </a:p>
           <a:p>
             <a:r>
               <a:rPr lang="en-US" sz="1600" dirty="0">
-                <a:latin typeface="Times New Roman" panose="02020603050405020304" pitchFamily="18" charset="0"/>
-                <a:cs typeface="Times New Roman" panose="02020603050405020304" pitchFamily="18" charset="0"/>
-              </a:rPr>
-              <a:t>    // @todo use DEBUG_ESP_PORT ?</a:t>
+                <a:latin typeface="Segoe UI Black" panose="020B0A02040204020203" pitchFamily="34" charset="0"/>
+                <a:cs typeface="Times New Roman" panose="02020603050405020304" pitchFamily="18" charset="0"/>
+              </a:rPr>
+              <a:t>    #ifdef WM_DEBUG_PORT</a:t>
             </a:r>
           </a:p>
           <a:p>
             <a:r>
               <a:rPr lang="en-US" sz="1600" dirty="0">
-                <a:latin typeface="Times New Roman" panose="02020603050405020304" pitchFamily="18" charset="0"/>
-                <a:cs typeface="Times New Roman" panose="02020603050405020304" pitchFamily="18" charset="0"/>
-              </a:rPr>
-              <a:t>    #ifdef WM_DEBUG_PORT</a:t>
+                <a:latin typeface="Segoe UI Black" panose="020B0A02040204020203" pitchFamily="34" charset="0"/>
+                <a:cs typeface="Times New Roman" panose="02020603050405020304" pitchFamily="18" charset="0"/>
+              </a:rPr>
+              <a:t>    Stream&amp; _debugPort = WM_DEBUG_PORT;</a:t>
             </a:r>
           </a:p>
           <a:p>
             <a:r>
               <a:rPr lang="en-US" sz="1600" dirty="0">
-                <a:latin typeface="Times New Roman" panose="02020603050405020304" pitchFamily="18" charset="0"/>
-                <a:cs typeface="Times New Roman" panose="02020603050405020304" pitchFamily="18" charset="0"/>
-              </a:rPr>
-              <a:t>    Stream&amp; _debugPort = WM_DEBUG_PORT;</a:t>
-            </a:r>
-          </a:p>
-          <a:p>
-            <a:r>
-              <a:rPr lang="en-US" sz="1600" dirty="0">
-                <a:latin typeface="Times New Roman" panose="02020603050405020304" pitchFamily="18" charset="0"/>
+                <a:latin typeface="Segoe UI Black" panose="020B0A02040204020203" pitchFamily="34" charset="0"/>
                 <a:cs typeface="Times New Roman" panose="02020603050405020304" pitchFamily="18" charset="0"/>
               </a:rPr>
               <a:t>    </a:t>
@@ -8286,7 +7617,7 @@
         <p:spPr>
           <a:xfrm>
             <a:off x="6761018" y="1587150"/>
-            <a:ext cx="6096000" cy="3539430"/>
+            <a:ext cx="6096000" cy="4031873"/>
           </a:xfrm>
           <a:prstGeom prst="rect">
             <a:avLst/>
@@ -8300,7 +7631,7 @@
           <a:p>
             <a:r>
               <a:rPr lang="en-US" sz="1600" dirty="0">
-                <a:latin typeface="Times New Roman" panose="02020603050405020304" pitchFamily="18" charset="0"/>
+                <a:latin typeface="Segoe UI Black" panose="020B0A02040204020203" pitchFamily="34" charset="0"/>
                 <a:cs typeface="Times New Roman" panose="02020603050405020304" pitchFamily="18" charset="0"/>
               </a:rPr>
               <a:t>#else</a:t>
@@ -8309,7 +7640,7 @@
           <a:p>
             <a:r>
               <a:rPr lang="en-US" sz="1600" dirty="0">
-                <a:latin typeface="Times New Roman" panose="02020603050405020304" pitchFamily="18" charset="0"/>
+                <a:latin typeface="Segoe UI Black" panose="020B0A02040204020203" pitchFamily="34" charset="0"/>
                 <a:cs typeface="Times New Roman" panose="02020603050405020304" pitchFamily="18" charset="0"/>
               </a:rPr>
               <a:t>    Stream&amp; _debugPort = Serial; // debug output stream ref</a:t>
@@ -8318,7 +7649,7 @@
           <a:p>
             <a:r>
               <a:rPr lang="en-US" sz="1600" dirty="0">
-                <a:latin typeface="Times New Roman" panose="02020603050405020304" pitchFamily="18" charset="0"/>
+                <a:latin typeface="Segoe UI Black" panose="020B0A02040204020203" pitchFamily="34" charset="0"/>
                 <a:cs typeface="Times New Roman" panose="02020603050405020304" pitchFamily="18" charset="0"/>
               </a:rPr>
               <a:t>    #endif</a:t>
@@ -8326,14 +7657,14 @@
           </a:p>
           <a:p>
             <a:endParaRPr lang="en-US" sz="1600" dirty="0">
-              <a:latin typeface="Times New Roman" panose="02020603050405020304" pitchFamily="18" charset="0"/>
+              <a:latin typeface="Segoe UI Black" panose="020B0A02040204020203" pitchFamily="34" charset="0"/>
               <a:cs typeface="Times New Roman" panose="02020603050405020304" pitchFamily="18" charset="0"/>
             </a:endParaRPr>
           </a:p>
           <a:p>
             <a:r>
               <a:rPr lang="en-US" sz="1600" dirty="0">
-                <a:latin typeface="Times New Roman" panose="02020603050405020304" pitchFamily="18" charset="0"/>
+                <a:latin typeface="Segoe UI Black" panose="020B0A02040204020203" pitchFamily="34" charset="0"/>
                 <a:cs typeface="Times New Roman" panose="02020603050405020304" pitchFamily="18" charset="0"/>
               </a:rPr>
               <a:t>    template &lt;typename Generic&gt;</a:t>
@@ -8342,7 +7673,7 @@
           <a:p>
             <a:r>
               <a:rPr lang="en-US" sz="1600" dirty="0">
-                <a:latin typeface="Times New Roman" panose="02020603050405020304" pitchFamily="18" charset="0"/>
+                <a:latin typeface="Segoe UI Black" panose="020B0A02040204020203" pitchFamily="34" charset="0"/>
                 <a:cs typeface="Times New Roman" panose="02020603050405020304" pitchFamily="18" charset="0"/>
               </a:rPr>
               <a:t>    void        DEBUG_WM(Generic text);</a:t>
@@ -8350,14 +7681,14 @@
           </a:p>
           <a:p>
             <a:endParaRPr lang="en-US" sz="1600" dirty="0">
-              <a:latin typeface="Times New Roman" panose="02020603050405020304" pitchFamily="18" charset="0"/>
+              <a:latin typeface="Segoe UI Black" panose="020B0A02040204020203" pitchFamily="34" charset="0"/>
               <a:cs typeface="Times New Roman" panose="02020603050405020304" pitchFamily="18" charset="0"/>
             </a:endParaRPr>
           </a:p>
           <a:p>
             <a:r>
               <a:rPr lang="en-US" sz="1600" dirty="0">
-                <a:latin typeface="Times New Roman" panose="02020603050405020304" pitchFamily="18" charset="0"/>
+                <a:latin typeface="Segoe UI Black" panose="020B0A02040204020203" pitchFamily="34" charset="0"/>
                 <a:cs typeface="Times New Roman" panose="02020603050405020304" pitchFamily="18" charset="0"/>
               </a:rPr>
               <a:t>    template &lt;typename Generic&gt;</a:t>
@@ -8366,7 +7697,7 @@
           <a:p>
             <a:r>
               <a:rPr lang="en-US" sz="1600" dirty="0">
-                <a:latin typeface="Times New Roman" panose="02020603050405020304" pitchFamily="18" charset="0"/>
+                <a:latin typeface="Segoe UI Black" panose="020B0A02040204020203" pitchFamily="34" charset="0"/>
                 <a:cs typeface="Times New Roman" panose="02020603050405020304" pitchFamily="18" charset="0"/>
               </a:rPr>
               <a:t>    void        DEBUG_WM(wm_debuglevel_t level,Generic text);</a:t>
@@ -8375,7 +7706,7 @@
           <a:p>
             <a:r>
               <a:rPr lang="en-US" sz="1600" dirty="0">
-                <a:latin typeface="Times New Roman" panose="02020603050405020304" pitchFamily="18" charset="0"/>
+                <a:latin typeface="Segoe UI Black" panose="020B0A02040204020203" pitchFamily="34" charset="0"/>
                 <a:cs typeface="Times New Roman" panose="02020603050405020304" pitchFamily="18" charset="0"/>
               </a:rPr>
               <a:t>    template &lt;typename Generic, typename Genericb&gt;</a:t>
@@ -8384,7 +7715,7 @@
           <a:p>
             <a:r>
               <a:rPr lang="en-US" sz="1600" dirty="0">
-                <a:latin typeface="Times New Roman" panose="02020603050405020304" pitchFamily="18" charset="0"/>
+                <a:latin typeface="Segoe UI Black" panose="020B0A02040204020203" pitchFamily="34" charset="0"/>
                 <a:cs typeface="Times New Roman" panose="02020603050405020304" pitchFamily="18" charset="0"/>
               </a:rPr>
               <a:t>    void        DEBUG_WM(Generic text,Genericb textb);</a:t>
@@ -8393,7 +7724,7 @@
           <a:p>
             <a:r>
               <a:rPr lang="en-US" sz="1600" dirty="0">
-                <a:latin typeface="Times New Roman" panose="02020603050405020304" pitchFamily="18" charset="0"/>
+                <a:latin typeface="Segoe UI Black" panose="020B0A02040204020203" pitchFamily="34" charset="0"/>
                 <a:cs typeface="Times New Roman" panose="02020603050405020304" pitchFamily="18" charset="0"/>
               </a:rPr>
               <a:t>    template &lt;typename Generic, typename Genericb&gt;</a:t>
@@ -8402,7 +7733,7 @@
           <a:p>
             <a:r>
               <a:rPr lang="en-US" sz="1600" dirty="0">
-                <a:latin typeface="Times New Roman" panose="02020603050405020304" pitchFamily="18" charset="0"/>
+                <a:latin typeface="Segoe UI Black" panose="020B0A02040204020203" pitchFamily="34" charset="0"/>
                 <a:cs typeface="Times New Roman" panose="02020603050405020304" pitchFamily="18" charset="0"/>
               </a:rPr>
               <a:t>    void        DEBUG_WM(wm_debuglevel_t level, Generic text,Genericb textb);</a:t>
@@ -8420,13 +7751,6 @@
   <p:clrMapOvr>
     <a:masterClrMapping/>
   </p:clrMapOvr>
-  <p:timing>
-    <p:tnLst>
-      <p:par>
-        <p:cTn id="1" dur="indefinite" restart="never" nodeType="tmRoot"/>
-      </p:par>
-    </p:tnLst>
-  </p:timing>
 </p:sld>
 </file>
 
@@ -8459,8 +7783,8 @@
         </p:nvSpPr>
         <p:spPr>
           <a:xfrm>
-            <a:off x="1971675" y="571487"/>
-            <a:ext cx="5716950" cy="590931"/>
+            <a:off x="1971675" y="613038"/>
+            <a:ext cx="4838184" cy="507831"/>
           </a:xfrm>
           <a:prstGeom prst="rect">
             <a:avLst/>
@@ -8474,7 +7798,7 @@
           <a:lstStyle/>
           <a:p>
             <a:r>
-              <a:rPr lang="en-US" sz="3600" b="1" dirty="0" smtClean="0">
+              <a:rPr lang="en-US" sz="3000" b="1" dirty="0">
                 <a:solidFill>
                   <a:srgbClr val="FF0000"/>
                 </a:solidFill>
@@ -8485,25 +7809,11 @@
                     </a:srgbClr>
                   </a:outerShdw>
                 </a:effectLst>
-                <a:latin typeface="Times New Roman" panose="02020603050405020304" pitchFamily="18" charset="0"/>
+                <a:latin typeface="Segoe UI Black" panose="020B0A02040204020203" pitchFamily="34" charset="0"/>
                 <a:cs typeface="Times New Roman" panose="02020603050405020304" pitchFamily="18" charset="0"/>
               </a:rPr>
               <a:t>2.1 PRINT TO TERMINAL</a:t>
             </a:r>
-            <a:endParaRPr lang="en-US" sz="3600" b="1" dirty="0">
-              <a:solidFill>
-                <a:srgbClr val="FF0000"/>
-              </a:solidFill>
-              <a:effectLst>
-                <a:outerShdw blurRad="38100" dist="38100" dir="2700000" algn="tl">
-                  <a:srgbClr val="000000">
-                    <a:alpha val="43137"/>
-                  </a:srgbClr>
-                </a:outerShdw>
-              </a:effectLst>
-              <a:latin typeface="Times New Roman" panose="02020603050405020304" pitchFamily="18" charset="0"/>
-              <a:cs typeface="Times New Roman" panose="02020603050405020304" pitchFamily="18" charset="0"/>
-            </a:endParaRPr>
           </a:p>
         </p:txBody>
       </p:sp>
@@ -8517,8 +7827,8 @@
         </p:nvSpPr>
         <p:spPr>
           <a:xfrm>
-            <a:off x="2451966" y="1162418"/>
-            <a:ext cx="2723823" cy="424732"/>
+            <a:off x="2451966" y="1120869"/>
+            <a:ext cx="3466013" cy="507831"/>
           </a:xfrm>
           <a:prstGeom prst="rect">
             <a:avLst/>
@@ -8550,7 +7860,7 @@
           </a:lstStyle>
           <a:p>
             <a:r>
-              <a:rPr lang="en-US" sz="2400" b="1" dirty="0" smtClean="0">
+              <a:rPr lang="en-US" sz="3000" b="1" dirty="0">
                 <a:solidFill>
                   <a:srgbClr val="1B8FAD"/>
                 </a:solidFill>
@@ -8561,25 +7871,11 @@
                     </a:srgbClr>
                   </a:outerShdw>
                 </a:effectLst>
-                <a:latin typeface="Times New Roman" panose="02020603050405020304" pitchFamily="18" charset="0"/>
+                <a:latin typeface="Segoe UI Black" panose="020B0A02040204020203" pitchFamily="34" charset="0"/>
                 <a:cs typeface="Times New Roman" panose="02020603050405020304" pitchFamily="18" charset="0"/>
               </a:rPr>
               <a:t>2.1.2 DEBUG_WM</a:t>
             </a:r>
-            <a:endParaRPr lang="en-US" sz="2400" b="1" dirty="0">
-              <a:solidFill>
-                <a:srgbClr val="1B8FAD"/>
-              </a:solidFill>
-              <a:effectLst>
-                <a:outerShdw blurRad="38100" dist="38100" dir="2700000" algn="tl">
-                  <a:srgbClr val="000000">
-                    <a:alpha val="43137"/>
-                  </a:srgbClr>
-                </a:outerShdw>
-              </a:effectLst>
-              <a:latin typeface="Times New Roman" panose="02020603050405020304" pitchFamily="18" charset="0"/>
-              <a:cs typeface="Times New Roman" panose="02020603050405020304" pitchFamily="18" charset="0"/>
-            </a:endParaRPr>
           </a:p>
         </p:txBody>
       </p:sp>
@@ -8592,7 +7888,7 @@
         <p:spPr>
           <a:xfrm>
             <a:off x="1675207" y="1587150"/>
-            <a:ext cx="4993448" cy="5262979"/>
+            <a:ext cx="4993448" cy="5478423"/>
           </a:xfrm>
           <a:prstGeom prst="rect">
             <a:avLst/>
@@ -8606,7 +7902,7 @@
           <a:p>
             <a:r>
               <a:rPr lang="en-US" sz="1400" dirty="0">
-                <a:latin typeface="Times New Roman" panose="02020603050405020304" pitchFamily="18" charset="0"/>
+                <a:latin typeface="Segoe UI Black" panose="020B0A02040204020203" pitchFamily="34" charset="0"/>
                 <a:cs typeface="Times New Roman" panose="02020603050405020304" pitchFamily="18" charset="0"/>
               </a:rPr>
               <a:t>template &lt;typename Generic&gt;</a:t>
@@ -8615,7 +7911,7 @@
           <a:p>
             <a:r>
               <a:rPr lang="en-US" sz="1400" dirty="0">
-                <a:latin typeface="Times New Roman" panose="02020603050405020304" pitchFamily="18" charset="0"/>
+                <a:latin typeface="Segoe UI Black" panose="020B0A02040204020203" pitchFamily="34" charset="0"/>
                 <a:cs typeface="Times New Roman" panose="02020603050405020304" pitchFamily="18" charset="0"/>
               </a:rPr>
               <a:t>void WiFiManager::DEBUG_WM(Generic text) {</a:t>
@@ -8624,7 +7920,7 @@
           <a:p>
             <a:r>
               <a:rPr lang="en-US" sz="1400" dirty="0">
-                <a:latin typeface="Times New Roman" panose="02020603050405020304" pitchFamily="18" charset="0"/>
+                <a:latin typeface="Segoe UI Black" panose="020B0A02040204020203" pitchFamily="34" charset="0"/>
                 <a:cs typeface="Times New Roman" panose="02020603050405020304" pitchFamily="18" charset="0"/>
               </a:rPr>
               <a:t>  DEBUG_WM(DEBUG_NOTIFY,text,"");</a:t>
@@ -8632,28 +7928,21 @@
           </a:p>
           <a:p>
             <a:r>
-              <a:rPr lang="en-US" sz="1400" dirty="0" smtClean="0">
-                <a:latin typeface="Times New Roman" panose="02020603050405020304" pitchFamily="18" charset="0"/>
+              <a:rPr lang="en-US" sz="1400" dirty="0">
+                <a:latin typeface="Segoe UI Black" panose="020B0A02040204020203" pitchFamily="34" charset="0"/>
                 <a:cs typeface="Times New Roman" panose="02020603050405020304" pitchFamily="18" charset="0"/>
               </a:rPr>
               <a:t>}</a:t>
             </a:r>
-            <a:r>
-              <a:rPr lang="en-US" sz="1400" dirty="0">
-                <a:latin typeface="Times New Roman" panose="02020603050405020304" pitchFamily="18" charset="0"/>
-                <a:cs typeface="Times New Roman" panose="02020603050405020304" pitchFamily="18" charset="0"/>
-              </a:rPr>
-              <a:t/>
-            </a:r>
             <a:br>
               <a:rPr lang="en-US" sz="1400" dirty="0">
-                <a:latin typeface="Times New Roman" panose="02020603050405020304" pitchFamily="18" charset="0"/>
+                <a:latin typeface="Segoe UI Black" panose="020B0A02040204020203" pitchFamily="34" charset="0"/>
                 <a:cs typeface="Times New Roman" panose="02020603050405020304" pitchFamily="18" charset="0"/>
               </a:rPr>
             </a:br>
             <a:r>
               <a:rPr lang="en-US" sz="1400" dirty="0">
-                <a:latin typeface="Times New Roman" panose="02020603050405020304" pitchFamily="18" charset="0"/>
+                <a:latin typeface="Segoe UI Black" panose="020B0A02040204020203" pitchFamily="34" charset="0"/>
                 <a:cs typeface="Times New Roman" panose="02020603050405020304" pitchFamily="18" charset="0"/>
               </a:rPr>
               <a:t>template &lt;typename Generic&gt;</a:t>
@@ -8662,7 +7951,7 @@
           <a:p>
             <a:r>
               <a:rPr lang="en-US" sz="1400" dirty="0">
-                <a:latin typeface="Times New Roman" panose="02020603050405020304" pitchFamily="18" charset="0"/>
+                <a:latin typeface="Segoe UI Black" panose="020B0A02040204020203" pitchFamily="34" charset="0"/>
                 <a:cs typeface="Times New Roman" panose="02020603050405020304" pitchFamily="18" charset="0"/>
               </a:rPr>
               <a:t>void WiFiManager::DEBUG_WM(wm_debuglevel_t level,Generic text) {</a:t>
@@ -8671,7 +7960,7 @@
           <a:p>
             <a:r>
               <a:rPr lang="en-US" sz="1400" dirty="0">
-                <a:latin typeface="Times New Roman" panose="02020603050405020304" pitchFamily="18" charset="0"/>
+                <a:latin typeface="Segoe UI Black" panose="020B0A02040204020203" pitchFamily="34" charset="0"/>
                 <a:cs typeface="Times New Roman" panose="02020603050405020304" pitchFamily="18" charset="0"/>
               </a:rPr>
               <a:t>  if(_debugLevel &gt;= level) DEBUG_WM(level,text,"");</a:t>
@@ -8679,28 +7968,21 @@
           </a:p>
           <a:p>
             <a:r>
-              <a:rPr lang="en-US" sz="1400" dirty="0" smtClean="0">
-                <a:latin typeface="Times New Roman" panose="02020603050405020304" pitchFamily="18" charset="0"/>
+              <a:rPr lang="en-US" sz="1400" dirty="0">
+                <a:latin typeface="Segoe UI Black" panose="020B0A02040204020203" pitchFamily="34" charset="0"/>
                 <a:cs typeface="Times New Roman" panose="02020603050405020304" pitchFamily="18" charset="0"/>
               </a:rPr>
               <a:t>}</a:t>
             </a:r>
-            <a:r>
-              <a:rPr lang="en-US" sz="1400" dirty="0">
-                <a:latin typeface="Times New Roman" panose="02020603050405020304" pitchFamily="18" charset="0"/>
-                <a:cs typeface="Times New Roman" panose="02020603050405020304" pitchFamily="18" charset="0"/>
-              </a:rPr>
-              <a:t/>
-            </a:r>
             <a:br>
               <a:rPr lang="en-US" sz="1400" dirty="0">
-                <a:latin typeface="Times New Roman" panose="02020603050405020304" pitchFamily="18" charset="0"/>
+                <a:latin typeface="Segoe UI Black" panose="020B0A02040204020203" pitchFamily="34" charset="0"/>
                 <a:cs typeface="Times New Roman" panose="02020603050405020304" pitchFamily="18" charset="0"/>
               </a:rPr>
             </a:br>
             <a:r>
               <a:rPr lang="en-US" sz="1400" dirty="0">
-                <a:latin typeface="Times New Roman" panose="02020603050405020304" pitchFamily="18" charset="0"/>
+                <a:latin typeface="Segoe UI Black" panose="020B0A02040204020203" pitchFamily="34" charset="0"/>
                 <a:cs typeface="Times New Roman" panose="02020603050405020304" pitchFamily="18" charset="0"/>
               </a:rPr>
               <a:t>template &lt;typename Generic, typename Genericb&gt;</a:t>
@@ -8709,7 +7991,7 @@
           <a:p>
             <a:r>
               <a:rPr lang="en-US" sz="1400" dirty="0">
-                <a:latin typeface="Times New Roman" panose="02020603050405020304" pitchFamily="18" charset="0"/>
+                <a:latin typeface="Segoe UI Black" panose="020B0A02040204020203" pitchFamily="34" charset="0"/>
                 <a:cs typeface="Times New Roman" panose="02020603050405020304" pitchFamily="18" charset="0"/>
               </a:rPr>
               <a:t>void WiFiManager::DEBUG_WM(Generic text,Genericb textb) {</a:t>
@@ -8718,7 +8000,7 @@
           <a:p>
             <a:r>
               <a:rPr lang="en-US" sz="1400" dirty="0">
-                <a:latin typeface="Times New Roman" panose="02020603050405020304" pitchFamily="18" charset="0"/>
+                <a:latin typeface="Segoe UI Black" panose="020B0A02040204020203" pitchFamily="34" charset="0"/>
                 <a:cs typeface="Times New Roman" panose="02020603050405020304" pitchFamily="18" charset="0"/>
               </a:rPr>
               <a:t>  DEBUG_WM(DEBUG_NOTIFY,text,textb);</a:t>
@@ -8726,28 +8008,21 @@
           </a:p>
           <a:p>
             <a:r>
-              <a:rPr lang="en-US" sz="1400" dirty="0" smtClean="0">
-                <a:latin typeface="Times New Roman" panose="02020603050405020304" pitchFamily="18" charset="0"/>
+              <a:rPr lang="en-US" sz="1400" dirty="0">
+                <a:latin typeface="Segoe UI Black" panose="020B0A02040204020203" pitchFamily="34" charset="0"/>
                 <a:cs typeface="Times New Roman" panose="02020603050405020304" pitchFamily="18" charset="0"/>
               </a:rPr>
               <a:t>}</a:t>
             </a:r>
-            <a:r>
-              <a:rPr lang="en-US" sz="1400" dirty="0">
-                <a:latin typeface="Times New Roman" panose="02020603050405020304" pitchFamily="18" charset="0"/>
-                <a:cs typeface="Times New Roman" panose="02020603050405020304" pitchFamily="18" charset="0"/>
-              </a:rPr>
-              <a:t/>
-            </a:r>
             <a:br>
               <a:rPr lang="en-US" sz="1400" dirty="0">
-                <a:latin typeface="Times New Roman" panose="02020603050405020304" pitchFamily="18" charset="0"/>
+                <a:latin typeface="Segoe UI Black" panose="020B0A02040204020203" pitchFamily="34" charset="0"/>
                 <a:cs typeface="Times New Roman" panose="02020603050405020304" pitchFamily="18" charset="0"/>
               </a:rPr>
             </a:br>
             <a:r>
               <a:rPr lang="en-US" sz="1400" dirty="0">
-                <a:latin typeface="Times New Roman" panose="02020603050405020304" pitchFamily="18" charset="0"/>
+                <a:latin typeface="Segoe UI Black" panose="020B0A02040204020203" pitchFamily="34" charset="0"/>
                 <a:cs typeface="Times New Roman" panose="02020603050405020304" pitchFamily="18" charset="0"/>
               </a:rPr>
               <a:t>template &lt;typename Generic, typename Genericb&gt;</a:t>
@@ -8756,7 +8031,7 @@
           <a:p>
             <a:r>
               <a:rPr lang="en-US" sz="1400" dirty="0">
-                <a:latin typeface="Times New Roman" panose="02020603050405020304" pitchFamily="18" charset="0"/>
+                <a:latin typeface="Segoe UI Black" panose="020B0A02040204020203" pitchFamily="34" charset="0"/>
                 <a:cs typeface="Times New Roman" panose="02020603050405020304" pitchFamily="18" charset="0"/>
               </a:rPr>
               <a:t>void WiFiManager::DEBUG_WM(wm_debuglevel_t level,Generic text,Genericb textb) {</a:t>
@@ -8765,29 +8040,22 @@
           <a:p>
             <a:r>
               <a:rPr lang="en-US" sz="1400" dirty="0">
-                <a:latin typeface="Times New Roman" panose="02020603050405020304" pitchFamily="18" charset="0"/>
+                <a:latin typeface="Segoe UI Black" panose="020B0A02040204020203" pitchFamily="34" charset="0"/>
                 <a:cs typeface="Times New Roman" panose="02020603050405020304" pitchFamily="18" charset="0"/>
               </a:rPr>
               <a:t>  if(!_debug || _debugLevel &lt; level) return;</a:t>
             </a:r>
           </a:p>
           <a:p>
-            <a:r>
-              <a:rPr lang="en-US" sz="1400" dirty="0">
-                <a:latin typeface="Times New Roman" panose="02020603050405020304" pitchFamily="18" charset="0"/>
-                <a:cs typeface="Times New Roman" panose="02020603050405020304" pitchFamily="18" charset="0"/>
-              </a:rPr>
-              <a:t/>
-            </a:r>
             <a:br>
               <a:rPr lang="en-US" sz="1400" dirty="0">
-                <a:latin typeface="Times New Roman" panose="02020603050405020304" pitchFamily="18" charset="0"/>
+                <a:latin typeface="Segoe UI Black" panose="020B0A02040204020203" pitchFamily="34" charset="0"/>
                 <a:cs typeface="Times New Roman" panose="02020603050405020304" pitchFamily="18" charset="0"/>
               </a:rPr>
             </a:br>
             <a:r>
               <a:rPr lang="en-US" sz="1400" dirty="0">
-                <a:latin typeface="Times New Roman" panose="02020603050405020304" pitchFamily="18" charset="0"/>
+                <a:latin typeface="Segoe UI Black" panose="020B0A02040204020203" pitchFamily="34" charset="0"/>
                 <a:cs typeface="Times New Roman" panose="02020603050405020304" pitchFamily="18" charset="0"/>
               </a:rPr>
               <a:t>  if(_debugLevel &gt;= DEBUG_MAX){</a:t>
@@ -8796,7 +8064,7 @@
           <a:p>
             <a:r>
               <a:rPr lang="en-US" sz="1400" dirty="0">
-                <a:latin typeface="Times New Roman" panose="02020603050405020304" pitchFamily="18" charset="0"/>
+                <a:latin typeface="Segoe UI Black" panose="020B0A02040204020203" pitchFamily="34" charset="0"/>
                 <a:cs typeface="Times New Roman" panose="02020603050405020304" pitchFamily="18" charset="0"/>
               </a:rPr>
               <a:t>    uint32_t free;</a:t>
@@ -8805,7 +8073,7 @@
           <a:p>
             <a:r>
               <a:rPr lang="en-US" sz="1400" dirty="0">
-                <a:latin typeface="Times New Roman" panose="02020603050405020304" pitchFamily="18" charset="0"/>
+                <a:latin typeface="Segoe UI Black" panose="020B0A02040204020203" pitchFamily="34" charset="0"/>
                 <a:cs typeface="Times New Roman" panose="02020603050405020304" pitchFamily="18" charset="0"/>
               </a:rPr>
               <a:t>    uint16_t max;</a:t>
@@ -8814,7 +8082,7 @@
           <a:p>
             <a:r>
               <a:rPr lang="en-US" sz="1400" dirty="0">
-                <a:latin typeface="Times New Roman" panose="02020603050405020304" pitchFamily="18" charset="0"/>
+                <a:latin typeface="Segoe UI Black" panose="020B0A02040204020203" pitchFamily="34" charset="0"/>
                 <a:cs typeface="Times New Roman" panose="02020603050405020304" pitchFamily="18" charset="0"/>
               </a:rPr>
               <a:t>    uint8_t frag;</a:t>
@@ -8823,7 +8091,7 @@
           <a:p>
             <a:r>
               <a:rPr lang="en-US" sz="1400" dirty="0">
-                <a:latin typeface="Times New Roman" panose="02020603050405020304" pitchFamily="18" charset="0"/>
+                <a:latin typeface="Segoe UI Black" panose="020B0A02040204020203" pitchFamily="34" charset="0"/>
                 <a:cs typeface="Times New Roman" panose="02020603050405020304" pitchFamily="18" charset="0"/>
               </a:rPr>
               <a:t>    #ifdef ESP8266</a:t>
@@ -8832,22 +8100,11 @@
           <a:p>
             <a:r>
               <a:rPr lang="en-US" sz="1400" dirty="0">
-                <a:latin typeface="Times New Roman" panose="02020603050405020304" pitchFamily="18" charset="0"/>
-                <a:cs typeface="Times New Roman" panose="02020603050405020304" pitchFamily="18" charset="0"/>
-              </a:rPr>
-              <a:t>    ESP.getHeapStats(&amp;free, &amp;max, &amp;frag</a:t>
-            </a:r>
-            <a:r>
-              <a:rPr lang="en-US" sz="1400" dirty="0" smtClean="0">
-                <a:latin typeface="Times New Roman" panose="02020603050405020304" pitchFamily="18" charset="0"/>
-                <a:cs typeface="Times New Roman" panose="02020603050405020304" pitchFamily="18" charset="0"/>
-              </a:rPr>
-              <a:t>);</a:t>
-            </a:r>
-            <a:endParaRPr lang="en-US" sz="1400" dirty="0">
-              <a:latin typeface="Times New Roman" panose="02020603050405020304" pitchFamily="18" charset="0"/>
-              <a:cs typeface="Times New Roman" panose="02020603050405020304" pitchFamily="18" charset="0"/>
-            </a:endParaRPr>
+                <a:latin typeface="Segoe UI Black" panose="020B0A02040204020203" pitchFamily="34" charset="0"/>
+                <a:cs typeface="Times New Roman" panose="02020603050405020304" pitchFamily="18" charset="0"/>
+              </a:rPr>
+              <a:t>    ESP.getHeapStats(&amp;free, &amp;max, &amp;frag);</a:t>
+            </a:r>
           </a:p>
         </p:txBody>
       </p:sp>
@@ -8874,7 +8131,7 @@
           <a:p>
             <a:r>
               <a:rPr lang="en-US" sz="1400" dirty="0">
-                <a:latin typeface="Times New Roman" panose="02020603050405020304" pitchFamily="18" charset="0"/>
+                <a:latin typeface="Segoe UI Black" panose="020B0A02040204020203" pitchFamily="34" charset="0"/>
                 <a:cs typeface="Times New Roman" panose="02020603050405020304" pitchFamily="18" charset="0"/>
               </a:rPr>
               <a:t>  _debugPort.printf("[MEM] free: %5d | max: %5d | frag: %3d%% \n", free, max, frag);</a:t>
@@ -8883,7 +8140,7 @@
           <a:p>
             <a:r>
               <a:rPr lang="en-US" sz="1400" dirty="0">
-                <a:latin typeface="Times New Roman" panose="02020603050405020304" pitchFamily="18" charset="0"/>
+                <a:latin typeface="Segoe UI Black" panose="020B0A02040204020203" pitchFamily="34" charset="0"/>
                 <a:cs typeface="Times New Roman" panose="02020603050405020304" pitchFamily="18" charset="0"/>
               </a:rPr>
               <a:t>    #elif defined ESP32</a:t>
@@ -8892,7 +8149,7 @@
           <a:p>
             <a:r>
               <a:rPr lang="en-US" sz="1400" dirty="0">
-                <a:latin typeface="Times New Roman" panose="02020603050405020304" pitchFamily="18" charset="0"/>
+                <a:latin typeface="Segoe UI Black" panose="020B0A02040204020203" pitchFamily="34" charset="0"/>
                 <a:cs typeface="Times New Roman" panose="02020603050405020304" pitchFamily="18" charset="0"/>
               </a:rPr>
               <a:t>     multi_heap_info_t info;</a:t>
@@ -8901,7 +8158,7 @@
           <a:p>
             <a:r>
               <a:rPr lang="en-US" sz="1400" dirty="0">
-                <a:latin typeface="Times New Roman" panose="02020603050405020304" pitchFamily="18" charset="0"/>
+                <a:latin typeface="Segoe UI Black" panose="020B0A02040204020203" pitchFamily="34" charset="0"/>
                 <a:cs typeface="Times New Roman" panose="02020603050405020304" pitchFamily="18" charset="0"/>
               </a:rPr>
               <a:t>    heap_caps_get_info(&amp;info, MALLOC_CAP_INTERNAL);</a:t>
@@ -8910,7 +8167,7 @@
           <a:p>
             <a:r>
               <a:rPr lang="en-US" sz="1400" dirty="0">
-                <a:latin typeface="Times New Roman" panose="02020603050405020304" pitchFamily="18" charset="0"/>
+                <a:latin typeface="Segoe UI Black" panose="020B0A02040204020203" pitchFamily="34" charset="0"/>
                 <a:cs typeface="Times New Roman" panose="02020603050405020304" pitchFamily="18" charset="0"/>
               </a:rPr>
               <a:t>    free = info.total_free_bytes;</a:t>
@@ -8919,7 +8176,7 @@
           <a:p>
             <a:r>
               <a:rPr lang="en-US" sz="1400" dirty="0">
-                <a:latin typeface="Times New Roman" panose="02020603050405020304" pitchFamily="18" charset="0"/>
+                <a:latin typeface="Segoe UI Black" panose="020B0A02040204020203" pitchFamily="34" charset="0"/>
                 <a:cs typeface="Times New Roman" panose="02020603050405020304" pitchFamily="18" charset="0"/>
               </a:rPr>
               <a:t>    max  = info.largest_free_block;</a:t>
@@ -8928,7 +8185,7 @@
           <a:p>
             <a:r>
               <a:rPr lang="en-US" sz="1400" dirty="0">
-                <a:latin typeface="Times New Roman" panose="02020603050405020304" pitchFamily="18" charset="0"/>
+                <a:latin typeface="Segoe UI Black" panose="020B0A02040204020203" pitchFamily="34" charset="0"/>
                 <a:cs typeface="Times New Roman" panose="02020603050405020304" pitchFamily="18" charset="0"/>
               </a:rPr>
               <a:t>    frag = 100 - (max * 100) / free;</a:t>
@@ -8937,7 +8194,7 @@
           <a:p>
             <a:r>
               <a:rPr lang="en-US" sz="1400" dirty="0">
-                <a:latin typeface="Times New Roman" panose="02020603050405020304" pitchFamily="18" charset="0"/>
+                <a:latin typeface="Segoe UI Black" panose="020B0A02040204020203" pitchFamily="34" charset="0"/>
                 <a:cs typeface="Times New Roman" panose="02020603050405020304" pitchFamily="18" charset="0"/>
               </a:rPr>
               <a:t>    _debugPort.printf("[MEM] free: %5d | max: %5d | frag: %3d%% \n", free, max, frag);    </a:t>
@@ -8946,7 +8203,7 @@
           <a:p>
             <a:r>
               <a:rPr lang="en-US" sz="1400" dirty="0">
-                <a:latin typeface="Times New Roman" panose="02020603050405020304" pitchFamily="18" charset="0"/>
+                <a:latin typeface="Segoe UI Black" panose="020B0A02040204020203" pitchFamily="34" charset="0"/>
                 <a:cs typeface="Times New Roman" panose="02020603050405020304" pitchFamily="18" charset="0"/>
               </a:rPr>
               <a:t>    #endif</a:t>
@@ -8955,7 +8212,7 @@
           <a:p>
             <a:r>
               <a:rPr lang="en-US" sz="1400" dirty="0">
-                <a:latin typeface="Times New Roman" panose="02020603050405020304" pitchFamily="18" charset="0"/>
+                <a:latin typeface="Segoe UI Black" panose="020B0A02040204020203" pitchFamily="34" charset="0"/>
                 <a:cs typeface="Times New Roman" panose="02020603050405020304" pitchFamily="18" charset="0"/>
               </a:rPr>
               <a:t>  }</a:t>
@@ -8964,7 +8221,7 @@
           <a:p>
             <a:r>
               <a:rPr lang="en-US" sz="1400" dirty="0">
-                <a:latin typeface="Times New Roman" panose="02020603050405020304" pitchFamily="18" charset="0"/>
+                <a:latin typeface="Segoe UI Black" panose="020B0A02040204020203" pitchFamily="34" charset="0"/>
                 <a:cs typeface="Times New Roman" panose="02020603050405020304" pitchFamily="18" charset="0"/>
               </a:rPr>
               <a:t>  _debugPort.print("*WM: ");</a:t>
@@ -8973,7 +8230,7 @@
           <a:p>
             <a:r>
               <a:rPr lang="en-US" sz="1400" dirty="0">
-                <a:latin typeface="Times New Roman" panose="02020603050405020304" pitchFamily="18" charset="0"/>
+                <a:latin typeface="Segoe UI Black" panose="020B0A02040204020203" pitchFamily="34" charset="0"/>
                 <a:cs typeface="Times New Roman" panose="02020603050405020304" pitchFamily="18" charset="0"/>
               </a:rPr>
               <a:t>  if(_debugLevel == DEBUG_DEV) _debugPort.print("["+(String)level+"] ");</a:t>
@@ -8982,7 +8239,7 @@
           <a:p>
             <a:r>
               <a:rPr lang="en-US" sz="1400" dirty="0">
-                <a:latin typeface="Times New Roman" panose="02020603050405020304" pitchFamily="18" charset="0"/>
+                <a:latin typeface="Segoe UI Black" panose="020B0A02040204020203" pitchFamily="34" charset="0"/>
                 <a:cs typeface="Times New Roman" panose="02020603050405020304" pitchFamily="18" charset="0"/>
               </a:rPr>
               <a:t>  _debugPort.print(text);</a:t>
@@ -8991,7 +8248,7 @@
           <a:p>
             <a:r>
               <a:rPr lang="en-US" sz="1400" dirty="0">
-                <a:latin typeface="Times New Roman" panose="02020603050405020304" pitchFamily="18" charset="0"/>
+                <a:latin typeface="Segoe UI Black" panose="020B0A02040204020203" pitchFamily="34" charset="0"/>
                 <a:cs typeface="Times New Roman" panose="02020603050405020304" pitchFamily="18" charset="0"/>
               </a:rPr>
               <a:t>  if(textb){</a:t>
@@ -9000,7 +8257,7 @@
           <a:p>
             <a:r>
               <a:rPr lang="en-US" sz="1400" dirty="0">
-                <a:latin typeface="Times New Roman" panose="02020603050405020304" pitchFamily="18" charset="0"/>
+                <a:latin typeface="Segoe UI Black" panose="020B0A02040204020203" pitchFamily="34" charset="0"/>
                 <a:cs typeface="Times New Roman" panose="02020603050405020304" pitchFamily="18" charset="0"/>
               </a:rPr>
               <a:t>    _debugPort.print(" ");</a:t>
@@ -9009,7 +8266,7 @@
           <a:p>
             <a:r>
               <a:rPr lang="en-US" sz="1400" dirty="0">
-                <a:latin typeface="Times New Roman" panose="02020603050405020304" pitchFamily="18" charset="0"/>
+                <a:latin typeface="Segoe UI Black" panose="020B0A02040204020203" pitchFamily="34" charset="0"/>
                 <a:cs typeface="Times New Roman" panose="02020603050405020304" pitchFamily="18" charset="0"/>
               </a:rPr>
               <a:t>    _debugPort.print(textb);</a:t>
@@ -9018,7 +8275,7 @@
           <a:p>
             <a:r>
               <a:rPr lang="en-US" sz="1400" dirty="0">
-                <a:latin typeface="Times New Roman" panose="02020603050405020304" pitchFamily="18" charset="0"/>
+                <a:latin typeface="Segoe UI Black" panose="020B0A02040204020203" pitchFamily="34" charset="0"/>
                 <a:cs typeface="Times New Roman" panose="02020603050405020304" pitchFamily="18" charset="0"/>
               </a:rPr>
               <a:t>  }</a:t>
@@ -9027,7 +8284,7 @@
           <a:p>
             <a:r>
               <a:rPr lang="en-US" sz="1400" dirty="0">
-                <a:latin typeface="Times New Roman" panose="02020603050405020304" pitchFamily="18" charset="0"/>
+                <a:latin typeface="Segoe UI Black" panose="020B0A02040204020203" pitchFamily="34" charset="0"/>
                 <a:cs typeface="Times New Roman" panose="02020603050405020304" pitchFamily="18" charset="0"/>
               </a:rPr>
               <a:t>  _debugPort.println();</a:t>
@@ -9036,7 +8293,7 @@
           <a:p>
             <a:r>
               <a:rPr lang="en-US" sz="1400" dirty="0">
-                <a:latin typeface="Times New Roman" panose="02020603050405020304" pitchFamily="18" charset="0"/>
+                <a:latin typeface="Segoe UI Black" panose="020B0A02040204020203" pitchFamily="34" charset="0"/>
                 <a:cs typeface="Times New Roman" panose="02020603050405020304" pitchFamily="18" charset="0"/>
               </a:rPr>
               <a:t>}</a:t>
@@ -9055,13 +8312,6 @@
   <p:clrMapOvr>
     <a:masterClrMapping/>
   </p:clrMapOvr>
-  <p:timing>
-    <p:tnLst>
-      <p:par>
-        <p:cTn id="1" dur="indefinite" restart="never" nodeType="tmRoot"/>
-      </p:par>
-    </p:tnLst>
-  </p:timing>
 </p:sld>
 </file>
 
@@ -9094,8 +8344,8 @@
         </p:nvSpPr>
         <p:spPr>
           <a:xfrm>
-            <a:off x="1971675" y="571487"/>
-            <a:ext cx="5716950" cy="590931"/>
+            <a:off x="1971675" y="613037"/>
+            <a:ext cx="4838184" cy="507831"/>
           </a:xfrm>
           <a:prstGeom prst="rect">
             <a:avLst/>
@@ -9109,7 +8359,7 @@
           <a:lstStyle/>
           <a:p>
             <a:r>
-              <a:rPr lang="en-US" sz="3600" b="1" dirty="0" smtClean="0">
+              <a:rPr lang="en-US" sz="3000" b="1" dirty="0">
                 <a:solidFill>
                   <a:srgbClr val="FF0000"/>
                 </a:solidFill>
@@ -9120,25 +8370,11 @@
                     </a:srgbClr>
                   </a:outerShdw>
                 </a:effectLst>
-                <a:latin typeface="Times New Roman" panose="02020603050405020304" pitchFamily="18" charset="0"/>
+                <a:latin typeface="Segoe UI Black" panose="020B0A02040204020203" pitchFamily="34" charset="0"/>
                 <a:cs typeface="Times New Roman" panose="02020603050405020304" pitchFamily="18" charset="0"/>
               </a:rPr>
               <a:t>2.1 PRINT TO TERMINAL</a:t>
             </a:r>
-            <a:endParaRPr lang="en-US" sz="3600" b="1" dirty="0">
-              <a:solidFill>
-                <a:srgbClr val="FF0000"/>
-              </a:solidFill>
-              <a:effectLst>
-                <a:outerShdw blurRad="38100" dist="38100" dir="2700000" algn="tl">
-                  <a:srgbClr val="000000">
-                    <a:alpha val="43137"/>
-                  </a:srgbClr>
-                </a:outerShdw>
-              </a:effectLst>
-              <a:latin typeface="Times New Roman" panose="02020603050405020304" pitchFamily="18" charset="0"/>
-              <a:cs typeface="Times New Roman" panose="02020603050405020304" pitchFamily="18" charset="0"/>
-            </a:endParaRPr>
           </a:p>
         </p:txBody>
       </p:sp>
@@ -9152,8 +8388,8 @@
         </p:nvSpPr>
         <p:spPr>
           <a:xfrm>
-            <a:off x="2451966" y="1162418"/>
-            <a:ext cx="4311630" cy="424732"/>
+            <a:off x="2451966" y="1120869"/>
+            <a:ext cx="5392823" cy="507831"/>
           </a:xfrm>
           <a:prstGeom prst="rect">
             <a:avLst/>
@@ -9185,7 +8421,7 @@
           </a:lstStyle>
           <a:p>
             <a:r>
-              <a:rPr lang="en-US" sz="2400" b="1" dirty="0" smtClean="0">
+              <a:rPr lang="en-US" sz="3000" b="1" dirty="0">
                 <a:solidFill>
                   <a:srgbClr val="1B8FAD"/>
                 </a:solidFill>
@@ -9196,25 +8432,11 @@
                     </a:srgbClr>
                   </a:outerShdw>
                 </a:effectLst>
-                <a:latin typeface="Times New Roman" panose="02020603050405020304" pitchFamily="18" charset="0"/>
+                <a:latin typeface="Segoe UI Black" panose="020B0A02040204020203" pitchFamily="34" charset="0"/>
                 <a:cs typeface="Times New Roman" panose="02020603050405020304" pitchFamily="18" charset="0"/>
               </a:rPr>
               <a:t>2.1.3 GIAO DIỆN TERMINAL</a:t>
             </a:r>
-            <a:endParaRPr lang="en-US" sz="2400" b="1" dirty="0">
-              <a:solidFill>
-                <a:srgbClr val="1B8FAD"/>
-              </a:solidFill>
-              <a:effectLst>
-                <a:outerShdw blurRad="38100" dist="38100" dir="2700000" algn="tl">
-                  <a:srgbClr val="000000">
-                    <a:alpha val="43137"/>
-                  </a:srgbClr>
-                </a:outerShdw>
-              </a:effectLst>
-              <a:latin typeface="Times New Roman" panose="02020603050405020304" pitchFamily="18" charset="0"/>
-              <a:cs typeface="Times New Roman" panose="02020603050405020304" pitchFamily="18" charset="0"/>
-            </a:endParaRPr>
           </a:p>
         </p:txBody>
       </p:sp>
@@ -9324,13 +8546,6 @@
   <p:clrMapOvr>
     <a:masterClrMapping/>
   </p:clrMapOvr>
-  <p:timing>
-    <p:tnLst>
-      <p:par>
-        <p:cTn id="1" dur="indefinite" restart="never" nodeType="tmRoot"/>
-      </p:par>
-    </p:tnLst>
-  </p:timing>
 </p:sld>
 </file>
 
@@ -9363,8 +8578,8 @@
         </p:nvSpPr>
         <p:spPr>
           <a:xfrm>
-            <a:off x="1971675" y="571487"/>
-            <a:ext cx="5716950" cy="590931"/>
+            <a:off x="1971675" y="613037"/>
+            <a:ext cx="4838184" cy="507831"/>
           </a:xfrm>
           <a:prstGeom prst="rect">
             <a:avLst/>
@@ -9378,7 +8593,7 @@
           <a:lstStyle/>
           <a:p>
             <a:r>
-              <a:rPr lang="en-US" sz="3600" b="1" dirty="0" smtClean="0">
+              <a:rPr lang="en-US" sz="3000" b="1" dirty="0">
                 <a:solidFill>
                   <a:srgbClr val="FF0000"/>
                 </a:solidFill>
@@ -9389,25 +8604,11 @@
                     </a:srgbClr>
                   </a:outerShdw>
                 </a:effectLst>
-                <a:latin typeface="Times New Roman" panose="02020603050405020304" pitchFamily="18" charset="0"/>
+                <a:latin typeface="Segoe UI Black" panose="020B0A02040204020203" pitchFamily="34" charset="0"/>
                 <a:cs typeface="Times New Roman" panose="02020603050405020304" pitchFamily="18" charset="0"/>
               </a:rPr>
               <a:t>2.1 PRINT TO TERMINAL</a:t>
             </a:r>
-            <a:endParaRPr lang="en-US" sz="3600" b="1" dirty="0">
-              <a:solidFill>
-                <a:srgbClr val="FF0000"/>
-              </a:solidFill>
-              <a:effectLst>
-                <a:outerShdw blurRad="38100" dist="38100" dir="2700000" algn="tl">
-                  <a:srgbClr val="000000">
-                    <a:alpha val="43137"/>
-                  </a:srgbClr>
-                </a:outerShdw>
-              </a:effectLst>
-              <a:latin typeface="Times New Roman" panose="02020603050405020304" pitchFamily="18" charset="0"/>
-              <a:cs typeface="Times New Roman" panose="02020603050405020304" pitchFamily="18" charset="0"/>
-            </a:endParaRPr>
           </a:p>
         </p:txBody>
       </p:sp>
@@ -9421,8 +8622,8 @@
         </p:nvSpPr>
         <p:spPr>
           <a:xfrm>
-            <a:off x="2451966" y="1162418"/>
-            <a:ext cx="6097951" cy="424732"/>
+            <a:off x="2451966" y="1120869"/>
+            <a:ext cx="7882286" cy="507831"/>
           </a:xfrm>
           <a:prstGeom prst="rect">
             <a:avLst/>
@@ -9454,7 +8655,7 @@
           </a:lstStyle>
           <a:p>
             <a:r>
-              <a:rPr lang="en-US" sz="2400" b="1" dirty="0" smtClean="0">
+              <a:rPr lang="en-US" sz="3000" b="1" dirty="0">
                 <a:solidFill>
                   <a:srgbClr val="1B8FAD"/>
                 </a:solidFill>
@@ -9465,25 +8666,11 @@
                     </a:srgbClr>
                   </a:outerShdw>
                 </a:effectLst>
-                <a:latin typeface="Times New Roman" panose="02020603050405020304" pitchFamily="18" charset="0"/>
+                <a:latin typeface="Segoe UI Black" panose="020B0A02040204020203" pitchFamily="34" charset="0"/>
                 <a:cs typeface="Times New Roman" panose="02020603050405020304" pitchFamily="18" charset="0"/>
               </a:rPr>
               <a:t>2.1.4 CODE PRINT TO TERMIAL (AP info)</a:t>
             </a:r>
-            <a:endParaRPr lang="en-US" sz="2400" b="1" dirty="0">
-              <a:solidFill>
-                <a:srgbClr val="1B8FAD"/>
-              </a:solidFill>
-              <a:effectLst>
-                <a:outerShdw blurRad="38100" dist="38100" dir="2700000" algn="tl">
-                  <a:srgbClr val="000000">
-                    <a:alpha val="43137"/>
-                  </a:srgbClr>
-                </a:outerShdw>
-              </a:effectLst>
-              <a:latin typeface="Times New Roman" panose="02020603050405020304" pitchFamily="18" charset="0"/>
-              <a:cs typeface="Times New Roman" panose="02020603050405020304" pitchFamily="18" charset="0"/>
-            </a:endParaRPr>
           </a:p>
         </p:txBody>
       </p:sp>
@@ -9509,40 +8696,26 @@
           <a:lstStyle/>
           <a:p>
             <a:r>
-              <a:rPr lang="en-US" sz="1400" dirty="0" smtClean="0">
-                <a:latin typeface="Times New Roman" panose="02020603050405020304" pitchFamily="18" charset="0"/>
-                <a:cs typeface="Times New Roman" panose="02020603050405020304" pitchFamily="18" charset="0"/>
-              </a:rPr>
-              <a:t>void</a:t>
-            </a:r>
-            <a:r>
-              <a:rPr lang="en-US" sz="1400" dirty="0">
-                <a:latin typeface="Times New Roman" panose="02020603050405020304" pitchFamily="18" charset="0"/>
-                <a:cs typeface="Times New Roman" panose="02020603050405020304" pitchFamily="18" charset="0"/>
-              </a:rPr>
-              <a:t> WiFiManager::debugSoftAPConfig(){</a:t>
-            </a:r>
-          </a:p>
-          <a:p>
-            <a:r>
-              <a:rPr lang="en-US" sz="1400" dirty="0">
-                <a:latin typeface="Times New Roman" panose="02020603050405020304" pitchFamily="18" charset="0"/>
-                <a:cs typeface="Times New Roman" panose="02020603050405020304" pitchFamily="18" charset="0"/>
-              </a:rPr>
-              <a:t>    wifi_country_t </a:t>
-            </a:r>
-            <a:r>
-              <a:rPr lang="en-US" sz="1400" dirty="0" smtClean="0">
-                <a:latin typeface="Times New Roman" panose="02020603050405020304" pitchFamily="18" charset="0"/>
-                <a:cs typeface="Times New Roman" panose="02020603050405020304" pitchFamily="18" charset="0"/>
-              </a:rPr>
-              <a:t>country;</a:t>
-            </a:r>
-          </a:p>
-          <a:p>
-            <a:r>
-              <a:rPr lang="en-US" sz="1400" dirty="0">
-                <a:latin typeface="Times New Roman" panose="02020603050405020304" pitchFamily="18" charset="0"/>
+              <a:rPr lang="en-US" sz="1400" dirty="0">
+                <a:latin typeface="Segoe UI Black" panose="020B0A02040204020203" pitchFamily="34" charset="0"/>
+                <a:cs typeface="Times New Roman" panose="02020603050405020304" pitchFamily="18" charset="0"/>
+              </a:rPr>
+              <a:t>void WiFiManager::debugSoftAPConfig(){</a:t>
+            </a:r>
+          </a:p>
+          <a:p>
+            <a:r>
+              <a:rPr lang="en-US" sz="1400" dirty="0">
+                <a:latin typeface="Segoe UI Black" panose="020B0A02040204020203" pitchFamily="34" charset="0"/>
+                <a:cs typeface="Times New Roman" panose="02020603050405020304" pitchFamily="18" charset="0"/>
+              </a:rPr>
+              <a:t>    wifi_country_t country;</a:t>
+            </a:r>
+          </a:p>
+          <a:p>
+            <a:r>
+              <a:rPr lang="en-US" sz="1400" dirty="0">
+                <a:latin typeface="Segoe UI Black" panose="020B0A02040204020203" pitchFamily="34" charset="0"/>
                 <a:cs typeface="Times New Roman" panose="02020603050405020304" pitchFamily="18" charset="0"/>
               </a:rPr>
               <a:t>    #ifdef ESP8266</a:t>
@@ -9551,7 +8724,7 @@
           <a:p>
             <a:r>
               <a:rPr lang="en-US" sz="1400" dirty="0">
-                <a:latin typeface="Times New Roman" panose="02020603050405020304" pitchFamily="18" charset="0"/>
+                <a:latin typeface="Segoe UI Black" panose="020B0A02040204020203" pitchFamily="34" charset="0"/>
                 <a:cs typeface="Times New Roman" panose="02020603050405020304" pitchFamily="18" charset="0"/>
               </a:rPr>
               <a:t>      softap_config config;</a:t>
@@ -9560,7 +8733,7 @@
           <a:p>
             <a:r>
               <a:rPr lang="en-US" sz="1400" dirty="0">
-                <a:latin typeface="Times New Roman" panose="02020603050405020304" pitchFamily="18" charset="0"/>
+                <a:latin typeface="Segoe UI Black" panose="020B0A02040204020203" pitchFamily="34" charset="0"/>
                 <a:cs typeface="Times New Roman" panose="02020603050405020304" pitchFamily="18" charset="0"/>
               </a:rPr>
               <a:t>      wifi_softap_get_config(&amp;config);</a:t>
@@ -9569,7 +8742,7 @@
           <a:p>
             <a:r>
               <a:rPr lang="en-US" sz="1400" dirty="0">
-                <a:latin typeface="Times New Roman" panose="02020603050405020304" pitchFamily="18" charset="0"/>
+                <a:latin typeface="Segoe UI Black" panose="020B0A02040204020203" pitchFamily="34" charset="0"/>
                 <a:cs typeface="Times New Roman" panose="02020603050405020304" pitchFamily="18" charset="0"/>
               </a:rPr>
               <a:t>      wifi_get_country(&amp;country);</a:t>
@@ -9578,7 +8751,7 @@
           <a:p>
             <a:r>
               <a:rPr lang="en-US" sz="1400" dirty="0">
-                <a:latin typeface="Times New Roman" panose="02020603050405020304" pitchFamily="18" charset="0"/>
+                <a:latin typeface="Segoe UI Black" panose="020B0A02040204020203" pitchFamily="34" charset="0"/>
                 <a:cs typeface="Times New Roman" panose="02020603050405020304" pitchFamily="18" charset="0"/>
               </a:rPr>
               <a:t>    #elif defined(ESP32)</a:t>
@@ -9587,7 +8760,7 @@
           <a:p>
             <a:r>
               <a:rPr lang="en-US" sz="1400" dirty="0">
-                <a:latin typeface="Times New Roman" panose="02020603050405020304" pitchFamily="18" charset="0"/>
+                <a:latin typeface="Segoe UI Black" panose="020B0A02040204020203" pitchFamily="34" charset="0"/>
                 <a:cs typeface="Times New Roman" panose="02020603050405020304" pitchFamily="18" charset="0"/>
               </a:rPr>
               <a:t>      wifi_config_t conf_config;</a:t>
@@ -9596,215 +8769,169 @@
           <a:p>
             <a:r>
               <a:rPr lang="en-US" sz="1400" dirty="0">
-                <a:latin typeface="Times New Roman" panose="02020603050405020304" pitchFamily="18" charset="0"/>
+                <a:latin typeface="Segoe UI Black" panose="020B0A02040204020203" pitchFamily="34" charset="0"/>
                 <a:cs typeface="Times New Roman" panose="02020603050405020304" pitchFamily="18" charset="0"/>
               </a:rPr>
               <a:t>      esp_wifi_get_config(WIFI_IF_AP, &amp;conf_config); </a:t>
             </a:r>
-            <a:endParaRPr lang="en-US" sz="1400" dirty="0" smtClean="0">
-              <a:latin typeface="Times New Roman" panose="02020603050405020304" pitchFamily="18" charset="0"/>
+          </a:p>
+          <a:p>
+            <a:r>
+              <a:rPr lang="en-US" sz="1400" dirty="0">
+                <a:latin typeface="Segoe UI Black" panose="020B0A02040204020203" pitchFamily="34" charset="0"/>
+                <a:cs typeface="Times New Roman" panose="02020603050405020304" pitchFamily="18" charset="0"/>
+              </a:rPr>
+              <a:t>      wifi_ap_config_t config = conf_config.ap;</a:t>
+            </a:r>
+          </a:p>
+          <a:p>
+            <a:r>
+              <a:rPr lang="en-US" sz="1400" dirty="0">
+                <a:latin typeface="Segoe UI Black" panose="020B0A02040204020203" pitchFamily="34" charset="0"/>
+                <a:cs typeface="Times New Roman" panose="02020603050405020304" pitchFamily="18" charset="0"/>
+              </a:rPr>
+              <a:t>      esp_wifi_get_country(&amp;country);</a:t>
+            </a:r>
+          </a:p>
+          <a:p>
+            <a:r>
+              <a:rPr lang="en-US" sz="1400" dirty="0">
+                <a:latin typeface="Segoe UI Black" panose="020B0A02040204020203" pitchFamily="34" charset="0"/>
+                <a:cs typeface="Times New Roman" panose="02020603050405020304" pitchFamily="18" charset="0"/>
+              </a:rPr>
+              <a:t>    #endif</a:t>
+            </a:r>
+            <a:br>
+              <a:rPr lang="en-US" sz="1400" dirty="0">
+                <a:latin typeface="Segoe UI Black" panose="020B0A02040204020203" pitchFamily="34" charset="0"/>
+                <a:cs typeface="Times New Roman" panose="02020603050405020304" pitchFamily="18" charset="0"/>
+              </a:rPr>
+            </a:br>
+            <a:r>
+              <a:rPr lang="en-US" sz="1400" dirty="0">
+                <a:latin typeface="Segoe UI Black" panose="020B0A02040204020203" pitchFamily="34" charset="0"/>
+                <a:cs typeface="Times New Roman" panose="02020603050405020304" pitchFamily="18" charset="0"/>
+              </a:rPr>
+              <a:t>    DEBUG_WM(F("SoftAP Configuration"));</a:t>
+            </a:r>
+          </a:p>
+          <a:p>
+            <a:r>
+              <a:rPr lang="en-US" sz="1400" dirty="0">
+                <a:latin typeface="Segoe UI Black" panose="020B0A02040204020203" pitchFamily="34" charset="0"/>
+                <a:cs typeface="Times New Roman" panose="02020603050405020304" pitchFamily="18" charset="0"/>
+              </a:rPr>
+              <a:t>    DEBUG_WM(FPSTR(D_HR));</a:t>
+            </a:r>
+          </a:p>
+          <a:p>
+            <a:r>
+              <a:rPr lang="en-US" sz="1400" dirty="0">
+                <a:latin typeface="Segoe UI Black" panose="020B0A02040204020203" pitchFamily="34" charset="0"/>
+                <a:cs typeface="Times New Roman" panose="02020603050405020304" pitchFamily="18" charset="0"/>
+              </a:rPr>
+              <a:t>    DEBUG_WM(F("ssid:            "),(char *) config.ssid);</a:t>
+            </a:r>
+          </a:p>
+          <a:p>
+            <a:r>
+              <a:rPr lang="en-US" sz="1400" dirty="0">
+                <a:latin typeface="Segoe UI Black" panose="020B0A02040204020203" pitchFamily="34" charset="0"/>
+                <a:cs typeface="Times New Roman" panose="02020603050405020304" pitchFamily="18" charset="0"/>
+              </a:rPr>
+              <a:t>    DEBUG_WM(F("password:        "),(char *) config.password);</a:t>
+            </a:r>
+          </a:p>
+          <a:p>
+            <a:r>
+              <a:rPr lang="en-US" sz="1400" dirty="0">
+                <a:latin typeface="Segoe UI Black" panose="020B0A02040204020203" pitchFamily="34" charset="0"/>
+                <a:cs typeface="Times New Roman" panose="02020603050405020304" pitchFamily="18" charset="0"/>
+              </a:rPr>
+              <a:t>    DEBUG_WM(F("ssid_len:        "),config.ssid_len);</a:t>
+            </a:r>
+          </a:p>
+          <a:p>
+            <a:r>
+              <a:rPr lang="en-US" sz="1400" dirty="0">
+                <a:latin typeface="Segoe UI Black" panose="020B0A02040204020203" pitchFamily="34" charset="0"/>
+                <a:cs typeface="Times New Roman" panose="02020603050405020304" pitchFamily="18" charset="0"/>
+              </a:rPr>
+              <a:t>    DEBUG_WM(F("channel:         "),config.channel);</a:t>
+            </a:r>
+          </a:p>
+          <a:p>
+            <a:r>
+              <a:rPr lang="en-US" sz="1400" dirty="0">
+                <a:latin typeface="Segoe UI Black" panose="020B0A02040204020203" pitchFamily="34" charset="0"/>
+                <a:cs typeface="Times New Roman" panose="02020603050405020304" pitchFamily="18" charset="0"/>
+              </a:rPr>
+              <a:t>    DEBUG_WM(F("authmode:        "),config.authmode);</a:t>
+            </a:r>
+          </a:p>
+          <a:p>
+            <a:r>
+              <a:rPr lang="en-US" sz="1400" dirty="0">
+                <a:latin typeface="Segoe UI Black" panose="020B0A02040204020203" pitchFamily="34" charset="0"/>
+                <a:cs typeface="Times New Roman" panose="02020603050405020304" pitchFamily="18" charset="0"/>
+              </a:rPr>
+              <a:t>    DEBUG_WM(F("ssid_hidden:     "),config.ssid_hidden);</a:t>
+            </a:r>
+          </a:p>
+          <a:p>
+            <a:r>
+              <a:rPr lang="en-US" sz="1400" dirty="0">
+                <a:latin typeface="Segoe UI Black" panose="020B0A02040204020203" pitchFamily="34" charset="0"/>
+                <a:cs typeface="Times New Roman" panose="02020603050405020304" pitchFamily="18" charset="0"/>
+              </a:rPr>
+              <a:t>    DEBUG_WM(F("max_connection:  "),config.max_connection);</a:t>
+            </a:r>
+          </a:p>
+          <a:p>
+            <a:r>
+              <a:rPr lang="en-US" sz="1400" dirty="0">
+                <a:latin typeface="Segoe UI Black" panose="020B0A02040204020203" pitchFamily="34" charset="0"/>
+                <a:cs typeface="Times New Roman" panose="02020603050405020304" pitchFamily="18" charset="0"/>
+              </a:rPr>
+              <a:t>    DEBUG_WM(F("country:         "),(String)country.cc);</a:t>
+            </a:r>
+          </a:p>
+          <a:p>
+            <a:r>
+              <a:rPr lang="en-US" sz="1400" dirty="0">
+                <a:latin typeface="Segoe UI Black" panose="020B0A02040204020203" pitchFamily="34" charset="0"/>
+                <a:cs typeface="Times New Roman" panose="02020603050405020304" pitchFamily="18" charset="0"/>
+              </a:rPr>
+              <a:t>    DEBUG_WM(F("beacon_interval: "),(String)config.beacon_interval + "(ms)");</a:t>
+            </a:r>
+          </a:p>
+          <a:p>
+            <a:r>
+              <a:rPr lang="en-US" sz="1400" dirty="0">
+                <a:latin typeface="Segoe UI Black" panose="020B0A02040204020203" pitchFamily="34" charset="0"/>
+                <a:cs typeface="Times New Roman" panose="02020603050405020304" pitchFamily="18" charset="0"/>
+              </a:rPr>
+              <a:t>    DEBUG_WM(FPSTR(D_HR));	}</a:t>
+            </a:r>
+            <a:endParaRPr lang="en-US" sz="1400" dirty="0"/>
+          </a:p>
+          <a:p>
+            <a:endParaRPr lang="en-US" sz="1400" dirty="0">
+              <a:latin typeface="Segoe UI Black" panose="020B0A02040204020203" pitchFamily="34" charset="0"/>
               <a:cs typeface="Times New Roman" panose="02020603050405020304" pitchFamily="18" charset="0"/>
             </a:endParaRPr>
           </a:p>
           <a:p>
             <a:r>
               <a:rPr lang="en-US" sz="1400" dirty="0">
-                <a:latin typeface="Times New Roman" panose="02020603050405020304" pitchFamily="18" charset="0"/>
-                <a:cs typeface="Times New Roman" panose="02020603050405020304" pitchFamily="18" charset="0"/>
-              </a:rPr>
-              <a:t>      wifi_ap_config_t config = conf_config.ap;</a:t>
-            </a:r>
-          </a:p>
-          <a:p>
-            <a:r>
-              <a:rPr lang="en-US" sz="1400" dirty="0">
-                <a:latin typeface="Times New Roman" panose="02020603050405020304" pitchFamily="18" charset="0"/>
-                <a:cs typeface="Times New Roman" panose="02020603050405020304" pitchFamily="18" charset="0"/>
-              </a:rPr>
-              <a:t>      esp_wifi_get_country(&amp;country);</a:t>
-            </a:r>
-          </a:p>
-          <a:p>
-            <a:r>
-              <a:rPr lang="en-US" sz="1400" dirty="0">
-                <a:latin typeface="Times New Roman" panose="02020603050405020304" pitchFamily="18" charset="0"/>
-                <a:cs typeface="Times New Roman" panose="02020603050405020304" pitchFamily="18" charset="0"/>
-              </a:rPr>
-              <a:t>    #</a:t>
-            </a:r>
-            <a:r>
-              <a:rPr lang="en-US" sz="1400" dirty="0" smtClean="0">
-                <a:latin typeface="Times New Roman" panose="02020603050405020304" pitchFamily="18" charset="0"/>
-                <a:cs typeface="Times New Roman" panose="02020603050405020304" pitchFamily="18" charset="0"/>
-              </a:rPr>
-              <a:t>endif</a:t>
-            </a:r>
-            <a:r>
-              <a:rPr lang="en-US" sz="1400" dirty="0">
-                <a:latin typeface="Times New Roman" panose="02020603050405020304" pitchFamily="18" charset="0"/>
-                <a:cs typeface="Times New Roman" panose="02020603050405020304" pitchFamily="18" charset="0"/>
-              </a:rPr>
-              <a:t/>
-            </a:r>
-            <a:br>
-              <a:rPr lang="en-US" sz="1400" dirty="0">
-                <a:latin typeface="Times New Roman" panose="02020603050405020304" pitchFamily="18" charset="0"/>
-                <a:cs typeface="Times New Roman" panose="02020603050405020304" pitchFamily="18" charset="0"/>
-              </a:rPr>
-            </a:br>
-            <a:r>
-              <a:rPr lang="en-US" sz="1400" dirty="0">
-                <a:latin typeface="Times New Roman" panose="02020603050405020304" pitchFamily="18" charset="0"/>
-                <a:cs typeface="Times New Roman" panose="02020603050405020304" pitchFamily="18" charset="0"/>
-              </a:rPr>
-              <a:t>    DEBUG_WM(F("SoftAP Configuration"));</a:t>
-            </a:r>
-          </a:p>
-          <a:p>
-            <a:r>
-              <a:rPr lang="en-US" sz="1400" dirty="0">
-                <a:latin typeface="Times New Roman" panose="02020603050405020304" pitchFamily="18" charset="0"/>
-                <a:cs typeface="Times New Roman" panose="02020603050405020304" pitchFamily="18" charset="0"/>
-              </a:rPr>
-              <a:t>    DEBUG_WM(FPSTR(D_HR));</a:t>
-            </a:r>
-          </a:p>
-          <a:p>
-            <a:r>
-              <a:rPr lang="en-US" sz="1400" dirty="0">
-                <a:latin typeface="Times New Roman" panose="02020603050405020304" pitchFamily="18" charset="0"/>
-                <a:cs typeface="Times New Roman" panose="02020603050405020304" pitchFamily="18" charset="0"/>
-              </a:rPr>
-              <a:t>    DEBUG_WM(F("ssid:            "),(char *) config.ssid);</a:t>
-            </a:r>
-          </a:p>
-          <a:p>
-            <a:r>
-              <a:rPr lang="en-US" sz="1400" dirty="0">
-                <a:latin typeface="Times New Roman" panose="02020603050405020304" pitchFamily="18" charset="0"/>
-                <a:cs typeface="Times New Roman" panose="02020603050405020304" pitchFamily="18" charset="0"/>
-              </a:rPr>
-              <a:t>    DEBUG_WM(F("password:        "),(char *) config.password);</a:t>
-            </a:r>
-          </a:p>
-          <a:p>
-            <a:r>
-              <a:rPr lang="en-US" sz="1400" dirty="0">
-                <a:latin typeface="Times New Roman" panose="02020603050405020304" pitchFamily="18" charset="0"/>
-                <a:cs typeface="Times New Roman" panose="02020603050405020304" pitchFamily="18" charset="0"/>
-              </a:rPr>
-              <a:t>    DEBUG_WM(F("ssid_len:        "),config.ssid_len);</a:t>
-            </a:r>
-          </a:p>
-          <a:p>
-            <a:r>
-              <a:rPr lang="en-US" sz="1400" dirty="0">
-                <a:latin typeface="Times New Roman" panose="02020603050405020304" pitchFamily="18" charset="0"/>
-                <a:cs typeface="Times New Roman" panose="02020603050405020304" pitchFamily="18" charset="0"/>
-              </a:rPr>
-              <a:t>    DEBUG_WM(F("channel:         "),config.channel);</a:t>
-            </a:r>
-          </a:p>
-          <a:p>
-            <a:r>
-              <a:rPr lang="en-US" sz="1400" dirty="0">
-                <a:latin typeface="Times New Roman" panose="02020603050405020304" pitchFamily="18" charset="0"/>
-                <a:cs typeface="Times New Roman" panose="02020603050405020304" pitchFamily="18" charset="0"/>
-              </a:rPr>
-              <a:t>    DEBUG_WM(F("authmode:        "),config.authmode);</a:t>
-            </a:r>
-          </a:p>
-          <a:p>
-            <a:r>
-              <a:rPr lang="en-US" sz="1400" dirty="0">
-                <a:latin typeface="Times New Roman" panose="02020603050405020304" pitchFamily="18" charset="0"/>
-                <a:cs typeface="Times New Roman" panose="02020603050405020304" pitchFamily="18" charset="0"/>
-              </a:rPr>
-              <a:t>    DEBUG_WM(F("ssid_hidden:     "),config.ssid_hidden);</a:t>
-            </a:r>
-          </a:p>
-          <a:p>
-            <a:r>
-              <a:rPr lang="en-US" sz="1400" dirty="0">
-                <a:latin typeface="Times New Roman" panose="02020603050405020304" pitchFamily="18" charset="0"/>
-                <a:cs typeface="Times New Roman" panose="02020603050405020304" pitchFamily="18" charset="0"/>
-              </a:rPr>
-              <a:t>    DEBUG_WM(F("max_connection:  "),config.max_connection</a:t>
-            </a:r>
-            <a:r>
-              <a:rPr lang="en-US" sz="1400" dirty="0" smtClean="0">
-                <a:latin typeface="Times New Roman" panose="02020603050405020304" pitchFamily="18" charset="0"/>
-                <a:cs typeface="Times New Roman" panose="02020603050405020304" pitchFamily="18" charset="0"/>
-              </a:rPr>
-              <a:t>);</a:t>
-            </a:r>
-          </a:p>
-          <a:p>
-            <a:r>
-              <a:rPr lang="en-US" sz="1400" dirty="0">
-                <a:latin typeface="Times New Roman" panose="02020603050405020304" pitchFamily="18" charset="0"/>
-                <a:cs typeface="Times New Roman" panose="02020603050405020304" pitchFamily="18" charset="0"/>
-              </a:rPr>
-              <a:t> </a:t>
-            </a:r>
-            <a:r>
-              <a:rPr lang="en-US" sz="1400" dirty="0" smtClean="0">
-                <a:latin typeface="Times New Roman" panose="02020603050405020304" pitchFamily="18" charset="0"/>
-                <a:cs typeface="Times New Roman" panose="02020603050405020304" pitchFamily="18" charset="0"/>
-              </a:rPr>
-              <a:t>   DEBUG_WM(F</a:t>
-            </a:r>
-            <a:r>
-              <a:rPr lang="en-US" sz="1400" dirty="0">
-                <a:latin typeface="Times New Roman" panose="02020603050405020304" pitchFamily="18" charset="0"/>
-                <a:cs typeface="Times New Roman" panose="02020603050405020304" pitchFamily="18" charset="0"/>
-              </a:rPr>
-              <a:t>("country:         "),(String)country.cc);</a:t>
-            </a:r>
-          </a:p>
-          <a:p>
-            <a:r>
-              <a:rPr lang="en-US" sz="1400" dirty="0">
-                <a:latin typeface="Times New Roman" panose="02020603050405020304" pitchFamily="18" charset="0"/>
-                <a:cs typeface="Times New Roman" panose="02020603050405020304" pitchFamily="18" charset="0"/>
-              </a:rPr>
-              <a:t>    DEBUG_WM(F("beacon_interval: "),(String)config.beacon_interval + "(ms)");</a:t>
-            </a:r>
-          </a:p>
-          <a:p>
-            <a:r>
-              <a:rPr lang="en-US" sz="1400" dirty="0">
-                <a:latin typeface="Times New Roman" panose="02020603050405020304" pitchFamily="18" charset="0"/>
-                <a:cs typeface="Times New Roman" panose="02020603050405020304" pitchFamily="18" charset="0"/>
-              </a:rPr>
-              <a:t>    DEBUG_WM(FPSTR(D_HR</a:t>
-            </a:r>
-            <a:r>
-              <a:rPr lang="en-US" sz="1400" dirty="0" smtClean="0">
-                <a:latin typeface="Times New Roman" panose="02020603050405020304" pitchFamily="18" charset="0"/>
-                <a:cs typeface="Times New Roman" panose="02020603050405020304" pitchFamily="18" charset="0"/>
-              </a:rPr>
-              <a:t>));	}</a:t>
-            </a:r>
-            <a:endParaRPr lang="en-US" sz="1400" dirty="0"/>
-          </a:p>
-          <a:p>
-            <a:endParaRPr lang="en-US" sz="1400" dirty="0">
-              <a:latin typeface="Times New Roman" panose="02020603050405020304" pitchFamily="18" charset="0"/>
-              <a:cs typeface="Times New Roman" panose="02020603050405020304" pitchFamily="18" charset="0"/>
-            </a:endParaRPr>
-          </a:p>
-          <a:p>
-            <a:r>
-              <a:rPr lang="en-US" sz="1400" dirty="0">
-                <a:latin typeface="Times New Roman" panose="02020603050405020304" pitchFamily="18" charset="0"/>
+                <a:latin typeface="Segoe UI Black" panose="020B0A02040204020203" pitchFamily="34" charset="0"/>
                 <a:cs typeface="Times New Roman" panose="02020603050405020304" pitchFamily="18" charset="0"/>
               </a:rPr>
               <a:t>   </a:t>
             </a:r>
             <a:endParaRPr lang="en-US" sz="1400" b="0" dirty="0">
               <a:effectLst/>
-              <a:latin typeface="Times New Roman" panose="02020603050405020304" pitchFamily="18" charset="0"/>
+              <a:latin typeface="Segoe UI Black" panose="020B0A02040204020203" pitchFamily="34" charset="0"/>
               <a:cs typeface="Times New Roman" panose="02020603050405020304" pitchFamily="18" charset="0"/>
             </a:endParaRPr>
           </a:p>
@@ -9820,13 +8947,6 @@
   <p:clrMapOvr>
     <a:masterClrMapping/>
   </p:clrMapOvr>
-  <p:timing>
-    <p:tnLst>
-      <p:par>
-        <p:cTn id="1" dur="indefinite" restart="never" nodeType="tmRoot"/>
-      </p:par>
-    </p:tnLst>
-  </p:timing>
 </p:sld>
 </file>
 
@@ -9859,8 +8979,8 @@
         </p:nvSpPr>
         <p:spPr>
           <a:xfrm>
-            <a:off x="1971675" y="571487"/>
-            <a:ext cx="5716950" cy="590931"/>
+            <a:off x="1971675" y="613037"/>
+            <a:ext cx="4838184" cy="507831"/>
           </a:xfrm>
           <a:prstGeom prst="rect">
             <a:avLst/>
@@ -9874,7 +8994,7 @@
           <a:lstStyle/>
           <a:p>
             <a:r>
-              <a:rPr lang="en-US" sz="3600" b="1" dirty="0" smtClean="0">
+              <a:rPr lang="en-US" sz="3000" b="1" dirty="0">
                 <a:solidFill>
                   <a:srgbClr val="FF0000"/>
                 </a:solidFill>
@@ -9885,25 +9005,11 @@
                     </a:srgbClr>
                   </a:outerShdw>
                 </a:effectLst>
-                <a:latin typeface="Times New Roman" panose="02020603050405020304" pitchFamily="18" charset="0"/>
+                <a:latin typeface="Segoe UI Black" panose="020B0A02040204020203" pitchFamily="34" charset="0"/>
                 <a:cs typeface="Times New Roman" panose="02020603050405020304" pitchFamily="18" charset="0"/>
               </a:rPr>
               <a:t>2.1 PRINT TO TERMINAL</a:t>
             </a:r>
-            <a:endParaRPr lang="en-US" sz="3600" b="1" dirty="0">
-              <a:solidFill>
-                <a:srgbClr val="FF0000"/>
-              </a:solidFill>
-              <a:effectLst>
-                <a:outerShdw blurRad="38100" dist="38100" dir="2700000" algn="tl">
-                  <a:srgbClr val="000000">
-                    <a:alpha val="43137"/>
-                  </a:srgbClr>
-                </a:outerShdw>
-              </a:effectLst>
-              <a:latin typeface="Times New Roman" panose="02020603050405020304" pitchFamily="18" charset="0"/>
-              <a:cs typeface="Times New Roman" panose="02020603050405020304" pitchFamily="18" charset="0"/>
-            </a:endParaRPr>
           </a:p>
         </p:txBody>
       </p:sp>
@@ -9917,8 +9023,8 @@
         </p:nvSpPr>
         <p:spPr>
           <a:xfrm>
-            <a:off x="2451966" y="1162418"/>
-            <a:ext cx="6881051" cy="424732"/>
+            <a:off x="2451966" y="1120869"/>
+            <a:ext cx="8953092" cy="507831"/>
           </a:xfrm>
           <a:prstGeom prst="rect">
             <a:avLst/>
@@ -9950,7 +9056,7 @@
           </a:lstStyle>
           <a:p>
             <a:r>
-              <a:rPr lang="en-US" sz="2400" b="1" dirty="0" smtClean="0">
+              <a:rPr lang="en-US" sz="3000" b="1" dirty="0">
                 <a:solidFill>
                   <a:srgbClr val="1B8FAD"/>
                 </a:solidFill>
@@ -9961,7 +9067,7 @@
                     </a:srgbClr>
                   </a:outerShdw>
                 </a:effectLst>
-                <a:latin typeface="Times New Roman" panose="02020603050405020304" pitchFamily="18" charset="0"/>
+                <a:latin typeface="Segoe UI Black" panose="020B0A02040204020203" pitchFamily="34" charset="0"/>
                 <a:cs typeface="Times New Roman" panose="02020603050405020304" pitchFamily="18" charset="0"/>
               </a:rPr>
               <a:t>2.1.5 CODE PRINT TO TERMIAL (AP Idaddress)</a:t>
@@ -9978,7 +9084,7 @@
         <p:spPr>
           <a:xfrm>
             <a:off x="1629569" y="1678148"/>
-            <a:ext cx="9934357" cy="4616648"/>
+            <a:ext cx="9934357" cy="6001643"/>
           </a:xfrm>
           <a:prstGeom prst="rect">
             <a:avLst/>
@@ -9991,52 +9097,38 @@
           <a:lstStyle/>
           <a:p>
             <a:r>
-              <a:rPr lang="en-US" sz="1400" dirty="0">
-                <a:latin typeface="Times New Roman" panose="02020603050405020304" pitchFamily="18" charset="0"/>
+              <a:rPr lang="en-US" sz="1600" dirty="0">
+                <a:latin typeface="Segoe UI Black" panose="020B0A02040204020203" pitchFamily="34" charset="0"/>
                 <a:cs typeface="Times New Roman" panose="02020603050405020304" pitchFamily="18" charset="0"/>
               </a:rPr>
               <a:t>void WiFiManager::setupConfigPortal() {</a:t>
             </a:r>
           </a:p>
           <a:p>
-            <a:r>
-              <a:rPr lang="en-US" sz="1400" dirty="0">
-                <a:latin typeface="Times New Roman" panose="02020603050405020304" pitchFamily="18" charset="0"/>
-                <a:cs typeface="Times New Roman" panose="02020603050405020304" pitchFamily="18" charset="0"/>
-              </a:rPr>
-              <a:t/>
-            </a:r>
             <a:br>
-              <a:rPr lang="en-US" sz="1400" dirty="0">
-                <a:latin typeface="Times New Roman" panose="02020603050405020304" pitchFamily="18" charset="0"/>
+              <a:rPr lang="en-US" sz="1600" dirty="0">
+                <a:latin typeface="Segoe UI Black" panose="020B0A02040204020203" pitchFamily="34" charset="0"/>
                 <a:cs typeface="Times New Roman" panose="02020603050405020304" pitchFamily="18" charset="0"/>
               </a:rPr>
             </a:br>
             <a:r>
-              <a:rPr lang="en-US" sz="1400" dirty="0">
-                <a:latin typeface="Times New Roman" panose="02020603050405020304" pitchFamily="18" charset="0"/>
+              <a:rPr lang="en-US" sz="1600" dirty="0">
+                <a:latin typeface="Segoe UI Black" panose="020B0A02040204020203" pitchFamily="34" charset="0"/>
                 <a:cs typeface="Times New Roman" panose="02020603050405020304" pitchFamily="18" charset="0"/>
               </a:rPr>
               <a:t>  DEBUG_WM(F("Starting Web Portal"));</a:t>
             </a:r>
           </a:p>
           <a:p>
-            <a:r>
-              <a:rPr lang="en-US" sz="1400" dirty="0">
-                <a:latin typeface="Times New Roman" panose="02020603050405020304" pitchFamily="18" charset="0"/>
-                <a:cs typeface="Times New Roman" panose="02020603050405020304" pitchFamily="18" charset="0"/>
-              </a:rPr>
-              <a:t/>
-            </a:r>
             <a:br>
-              <a:rPr lang="en-US" sz="1400" dirty="0">
-                <a:latin typeface="Times New Roman" panose="02020603050405020304" pitchFamily="18" charset="0"/>
+              <a:rPr lang="en-US" sz="1600" dirty="0">
+                <a:latin typeface="Segoe UI Black" panose="020B0A02040204020203" pitchFamily="34" charset="0"/>
                 <a:cs typeface="Times New Roman" panose="02020603050405020304" pitchFamily="18" charset="0"/>
               </a:rPr>
             </a:br>
             <a:r>
-              <a:rPr lang="en-US" sz="1400" dirty="0">
-                <a:latin typeface="Times New Roman" panose="02020603050405020304" pitchFamily="18" charset="0"/>
+              <a:rPr lang="en-US" sz="1600" dirty="0">
+                <a:latin typeface="Segoe UI Black" panose="020B0A02040204020203" pitchFamily="34" charset="0"/>
                 <a:cs typeface="Times New Roman" panose="02020603050405020304" pitchFamily="18" charset="0"/>
               </a:rPr>
               <a:t>  // setup dns and web servers</a:t>
@@ -10044,8 +9136,8 @@
           </a:p>
           <a:p>
             <a:r>
-              <a:rPr lang="en-US" sz="1400" dirty="0">
-                <a:latin typeface="Times New Roman" panose="02020603050405020304" pitchFamily="18" charset="0"/>
+              <a:rPr lang="en-US" sz="1600" dirty="0">
+                <a:latin typeface="Segoe UI Black" panose="020B0A02040204020203" pitchFamily="34" charset="0"/>
                 <a:cs typeface="Times New Roman" panose="02020603050405020304" pitchFamily="18" charset="0"/>
               </a:rPr>
               <a:t>  dnsServer.reset(new DNSServer());</a:t>
@@ -10053,52 +9145,38 @@
           </a:p>
           <a:p>
             <a:r>
-              <a:rPr lang="en-US" sz="1400" dirty="0">
-                <a:latin typeface="Times New Roman" panose="02020603050405020304" pitchFamily="18" charset="0"/>
+              <a:rPr lang="en-US" sz="1600" dirty="0">
+                <a:latin typeface="Segoe UI Black" panose="020B0A02040204020203" pitchFamily="34" charset="0"/>
                 <a:cs typeface="Times New Roman" panose="02020603050405020304" pitchFamily="18" charset="0"/>
               </a:rPr>
               <a:t>  server.reset(new WM_WebServer(_httpPort));</a:t>
             </a:r>
           </a:p>
           <a:p>
-            <a:r>
-              <a:rPr lang="en-US" sz="1400" dirty="0">
-                <a:latin typeface="Times New Roman" panose="02020603050405020304" pitchFamily="18" charset="0"/>
-                <a:cs typeface="Times New Roman" panose="02020603050405020304" pitchFamily="18" charset="0"/>
-              </a:rPr>
-              <a:t/>
-            </a:r>
             <a:br>
-              <a:rPr lang="en-US" sz="1400" dirty="0">
-                <a:latin typeface="Times New Roman" panose="02020603050405020304" pitchFamily="18" charset="0"/>
+              <a:rPr lang="en-US" sz="1600" dirty="0">
+                <a:latin typeface="Segoe UI Black" panose="020B0A02040204020203" pitchFamily="34" charset="0"/>
                 <a:cs typeface="Times New Roman" panose="02020603050405020304" pitchFamily="18" charset="0"/>
               </a:rPr>
             </a:br>
             <a:r>
-              <a:rPr lang="en-US" sz="1400" dirty="0">
-                <a:latin typeface="Times New Roman" panose="02020603050405020304" pitchFamily="18" charset="0"/>
+              <a:rPr lang="en-US" sz="1600" dirty="0">
+                <a:latin typeface="Segoe UI Black" panose="020B0A02040204020203" pitchFamily="34" charset="0"/>
                 <a:cs typeface="Times New Roman" panose="02020603050405020304" pitchFamily="18" charset="0"/>
               </a:rPr>
               <a:t>  if(_httpPort != 80) DEBUG_WM(DEBUG_VERBOSE,"http server started with custom port: ",_httpPort); // @todo not showing ip</a:t>
             </a:r>
           </a:p>
           <a:p>
-            <a:r>
-              <a:rPr lang="en-US" sz="1400" dirty="0">
-                <a:latin typeface="Times New Roman" panose="02020603050405020304" pitchFamily="18" charset="0"/>
-                <a:cs typeface="Times New Roman" panose="02020603050405020304" pitchFamily="18" charset="0"/>
-              </a:rPr>
-              <a:t/>
-            </a:r>
             <a:br>
-              <a:rPr lang="en-US" sz="1400" dirty="0">
-                <a:latin typeface="Times New Roman" panose="02020603050405020304" pitchFamily="18" charset="0"/>
+              <a:rPr lang="en-US" sz="1600" dirty="0">
+                <a:latin typeface="Segoe UI Black" panose="020B0A02040204020203" pitchFamily="34" charset="0"/>
                 <a:cs typeface="Times New Roman" panose="02020603050405020304" pitchFamily="18" charset="0"/>
               </a:rPr>
             </a:br>
             <a:r>
-              <a:rPr lang="en-US" sz="1400" dirty="0">
-                <a:latin typeface="Times New Roman" panose="02020603050405020304" pitchFamily="18" charset="0"/>
+              <a:rPr lang="en-US" sz="1600" dirty="0">
+                <a:latin typeface="Segoe UI Black" panose="020B0A02040204020203" pitchFamily="34" charset="0"/>
                 <a:cs typeface="Times New Roman" panose="02020603050405020304" pitchFamily="18" charset="0"/>
               </a:rPr>
               <a:t>  /* Setup the DNS server redirecting all the domains to the apIP */</a:t>
@@ -10106,8 +9184,8 @@
           </a:p>
           <a:p>
             <a:r>
-              <a:rPr lang="en-US" sz="1400" dirty="0">
-                <a:latin typeface="Times New Roman" panose="02020603050405020304" pitchFamily="18" charset="0"/>
+              <a:rPr lang="en-US" sz="1600" dirty="0">
+                <a:latin typeface="Segoe UI Black" panose="020B0A02040204020203" pitchFamily="34" charset="0"/>
                 <a:cs typeface="Times New Roman" panose="02020603050405020304" pitchFamily="18" charset="0"/>
               </a:rPr>
               <a:t>  dnsServer-&gt;setErrorReplyCode(DNSReplyCode::NoError);</a:t>
@@ -10115,8 +9193,8 @@
           </a:p>
           <a:p>
             <a:r>
-              <a:rPr lang="en-US" sz="1400" dirty="0">
-                <a:latin typeface="Times New Roman" panose="02020603050405020304" pitchFamily="18" charset="0"/>
+              <a:rPr lang="en-US" sz="1600" dirty="0">
+                <a:latin typeface="Segoe UI Black" panose="020B0A02040204020203" pitchFamily="34" charset="0"/>
                 <a:cs typeface="Times New Roman" panose="02020603050405020304" pitchFamily="18" charset="0"/>
               </a:rPr>
               <a:t>  // DEBUG_WM("dns server started port: ",DNS_PORT);</a:t>
@@ -10124,8 +9202,8 @@
           </a:p>
           <a:p>
             <a:r>
-              <a:rPr lang="en-US" sz="1400" dirty="0">
-                <a:latin typeface="Times New Roman" panose="02020603050405020304" pitchFamily="18" charset="0"/>
+              <a:rPr lang="en-US" sz="1600" dirty="0">
+                <a:latin typeface="Segoe UI Black" panose="020B0A02040204020203" pitchFamily="34" charset="0"/>
                 <a:cs typeface="Times New Roman" panose="02020603050405020304" pitchFamily="18" charset="0"/>
               </a:rPr>
               <a:t>  DEBUG_WM(DEBUG_DEV,"dns server started with ip: ",WiFi.softAPIP()); // @todo not showing ip</a:t>
@@ -10133,52 +9211,38 @@
           </a:p>
           <a:p>
             <a:r>
-              <a:rPr lang="en-US" sz="1400" dirty="0">
-                <a:latin typeface="Times New Roman" panose="02020603050405020304" pitchFamily="18" charset="0"/>
+              <a:rPr lang="en-US" sz="1600" dirty="0">
+                <a:latin typeface="Segoe UI Black" panose="020B0A02040204020203" pitchFamily="34" charset="0"/>
                 <a:cs typeface="Times New Roman" panose="02020603050405020304" pitchFamily="18" charset="0"/>
               </a:rPr>
               <a:t>  dnsServer-&gt;start(DNS_PORT, F("*"), WiFi.softAPIP());</a:t>
             </a:r>
           </a:p>
           <a:p>
-            <a:r>
-              <a:rPr lang="en-US" sz="1400" dirty="0">
-                <a:latin typeface="Times New Roman" panose="02020603050405020304" pitchFamily="18" charset="0"/>
-                <a:cs typeface="Times New Roman" panose="02020603050405020304" pitchFamily="18" charset="0"/>
-              </a:rPr>
-              <a:t/>
-            </a:r>
             <a:br>
-              <a:rPr lang="en-US" sz="1400" dirty="0">
-                <a:latin typeface="Times New Roman" panose="02020603050405020304" pitchFamily="18" charset="0"/>
+              <a:rPr lang="en-US" sz="1600" dirty="0">
+                <a:latin typeface="Segoe UI Black" panose="020B0A02040204020203" pitchFamily="34" charset="0"/>
                 <a:cs typeface="Times New Roman" panose="02020603050405020304" pitchFamily="18" charset="0"/>
               </a:rPr>
             </a:br>
             <a:r>
-              <a:rPr lang="en-US" sz="1400" dirty="0">
-                <a:latin typeface="Times New Roman" panose="02020603050405020304" pitchFamily="18" charset="0"/>
+              <a:rPr lang="en-US" sz="1600" dirty="0">
+                <a:latin typeface="Segoe UI Black" panose="020B0A02040204020203" pitchFamily="34" charset="0"/>
                 <a:cs typeface="Times New Roman" panose="02020603050405020304" pitchFamily="18" charset="0"/>
               </a:rPr>
               <a:t>  // @todo new callback, webserver started, callback cannot override handlers, but can grab them first</a:t>
             </a:r>
           </a:p>
           <a:p>
-            <a:r>
-              <a:rPr lang="en-US" sz="1400" dirty="0">
-                <a:latin typeface="Times New Roman" panose="02020603050405020304" pitchFamily="18" charset="0"/>
-                <a:cs typeface="Times New Roman" panose="02020603050405020304" pitchFamily="18" charset="0"/>
-              </a:rPr>
-              <a:t/>
-            </a:r>
             <a:br>
-              <a:rPr lang="en-US" sz="1400" dirty="0">
-                <a:latin typeface="Times New Roman" panose="02020603050405020304" pitchFamily="18" charset="0"/>
+              <a:rPr lang="en-US" sz="1600" dirty="0">
+                <a:latin typeface="Segoe UI Black" panose="020B0A02040204020203" pitchFamily="34" charset="0"/>
                 <a:cs typeface="Times New Roman" panose="02020603050405020304" pitchFamily="18" charset="0"/>
               </a:rPr>
             </a:br>
             <a:r>
-              <a:rPr lang="en-US" sz="1400" dirty="0">
-                <a:latin typeface="Times New Roman" panose="02020603050405020304" pitchFamily="18" charset="0"/>
+              <a:rPr lang="en-US" sz="1600" dirty="0">
+                <a:latin typeface="Segoe UI Black" panose="020B0A02040204020203" pitchFamily="34" charset="0"/>
                 <a:cs typeface="Times New Roman" panose="02020603050405020304" pitchFamily="18" charset="0"/>
               </a:rPr>
               <a:t>  if ( _webservercallback != NULL) {</a:t>
@@ -10186,8 +9250,8 @@
           </a:p>
           <a:p>
             <a:r>
-              <a:rPr lang="en-US" sz="1400" dirty="0">
-                <a:latin typeface="Times New Roman" panose="02020603050405020304" pitchFamily="18" charset="0"/>
+              <a:rPr lang="en-US" sz="1600" dirty="0">
+                <a:latin typeface="Segoe UI Black" panose="020B0A02040204020203" pitchFamily="34" charset="0"/>
                 <a:cs typeface="Times New Roman" panose="02020603050405020304" pitchFamily="18" charset="0"/>
               </a:rPr>
               <a:t>    _webservercallback();</a:t>
@@ -10195,15 +9259,15 @@
           </a:p>
           <a:p>
             <a:r>
-              <a:rPr lang="en-US" sz="1400" dirty="0">
-                <a:latin typeface="Times New Roman" panose="02020603050405020304" pitchFamily="18" charset="0"/>
+              <a:rPr lang="en-US" sz="1600" dirty="0">
+                <a:latin typeface="Segoe UI Black" panose="020B0A02040204020203" pitchFamily="34" charset="0"/>
                 <a:cs typeface="Times New Roman" panose="02020603050405020304" pitchFamily="18" charset="0"/>
               </a:rPr>
               <a:t>  }</a:t>
             </a:r>
-            <a:endParaRPr lang="en-US" sz="1400" b="0" dirty="0">
+            <a:endParaRPr lang="en-US" sz="1600" b="0" dirty="0">
               <a:effectLst/>
-              <a:latin typeface="Times New Roman" panose="02020603050405020304" pitchFamily="18" charset="0"/>
+              <a:latin typeface="Segoe UI Black" panose="020B0A02040204020203" pitchFamily="34" charset="0"/>
               <a:cs typeface="Times New Roman" panose="02020603050405020304" pitchFamily="18" charset="0"/>
             </a:endParaRPr>
           </a:p>
@@ -10219,13 +9283,6 @@
   <p:clrMapOvr>
     <a:masterClrMapping/>
   </p:clrMapOvr>
-  <p:timing>
-    <p:tnLst>
-      <p:par>
-        <p:cTn id="1" dur="indefinite" restart="never" nodeType="tmRoot"/>
-      </p:par>
-    </p:tnLst>
-  </p:timing>
 </p:sld>
 </file>
 
@@ -10258,8 +9315,8 @@
         </p:nvSpPr>
         <p:spPr>
           <a:xfrm>
-            <a:off x="1971675" y="571487"/>
-            <a:ext cx="5716950" cy="590931"/>
+            <a:off x="1971675" y="613037"/>
+            <a:ext cx="4838184" cy="507831"/>
           </a:xfrm>
           <a:prstGeom prst="rect">
             <a:avLst/>
@@ -10273,7 +9330,7 @@
           <a:lstStyle/>
           <a:p>
             <a:r>
-              <a:rPr lang="en-US" sz="3600" b="1" dirty="0" smtClean="0">
+              <a:rPr lang="en-US" sz="3000" b="1" dirty="0">
                 <a:solidFill>
                   <a:srgbClr val="FF0000"/>
                 </a:solidFill>
@@ -10284,25 +9341,11 @@
                     </a:srgbClr>
                   </a:outerShdw>
                 </a:effectLst>
-                <a:latin typeface="Times New Roman" panose="02020603050405020304" pitchFamily="18" charset="0"/>
+                <a:latin typeface="Segoe UI Black" panose="020B0A02040204020203" pitchFamily="34" charset="0"/>
                 <a:cs typeface="Times New Roman" panose="02020603050405020304" pitchFamily="18" charset="0"/>
               </a:rPr>
               <a:t>2.1 PRINT TO TERMINAL</a:t>
             </a:r>
-            <a:endParaRPr lang="en-US" sz="3600" b="1" dirty="0">
-              <a:solidFill>
-                <a:srgbClr val="FF0000"/>
-              </a:solidFill>
-              <a:effectLst>
-                <a:outerShdw blurRad="38100" dist="38100" dir="2700000" algn="tl">
-                  <a:srgbClr val="000000">
-                    <a:alpha val="43137"/>
-                  </a:srgbClr>
-                </a:outerShdw>
-              </a:effectLst>
-              <a:latin typeface="Times New Roman" panose="02020603050405020304" pitchFamily="18" charset="0"/>
-              <a:cs typeface="Times New Roman" panose="02020603050405020304" pitchFamily="18" charset="0"/>
-            </a:endParaRPr>
           </a:p>
         </p:txBody>
       </p:sp>
@@ -10316,8 +9359,8 @@
         </p:nvSpPr>
         <p:spPr>
           <a:xfrm>
-            <a:off x="2451966" y="1162418"/>
-            <a:ext cx="7467878" cy="424732"/>
+            <a:off x="2451966" y="1120869"/>
+            <a:ext cx="9310562" cy="507831"/>
           </a:xfrm>
           <a:prstGeom prst="rect">
             <a:avLst/>
@@ -10349,7 +9392,7 @@
           </a:lstStyle>
           <a:p>
             <a:r>
-              <a:rPr lang="en-US" sz="2400" b="1" dirty="0" smtClean="0">
+              <a:rPr lang="en-US" sz="3000" b="1" dirty="0">
                 <a:solidFill>
                   <a:srgbClr val="1B8FAD"/>
                 </a:solidFill>
@@ -10360,7 +9403,7 @@
                     </a:srgbClr>
                   </a:outerShdw>
                 </a:effectLst>
-                <a:latin typeface="Times New Roman" panose="02020603050405020304" pitchFamily="18" charset="0"/>
+                <a:latin typeface="Segoe UI Black" panose="020B0A02040204020203" pitchFamily="34" charset="0"/>
                 <a:cs typeface="Times New Roman" panose="02020603050405020304" pitchFamily="18" charset="0"/>
               </a:rPr>
               <a:t>2.1.6 CODE PRINT TO TERMIAL (WIFI CONNECT)</a:t>
@@ -10377,7 +9420,7 @@
         <p:spPr>
           <a:xfrm>
             <a:off x="1971674" y="1753349"/>
-            <a:ext cx="9462943" cy="4247317"/>
+            <a:ext cx="9462943" cy="3785652"/>
           </a:xfrm>
           <a:prstGeom prst="rect">
             <a:avLst/>
@@ -10390,53 +9433,32 @@
           <a:lstStyle/>
           <a:p>
             <a:r>
-              <a:rPr lang="en-US" dirty="0">
-                <a:latin typeface="Times New Roman" panose="02020603050405020304" pitchFamily="18" charset="0"/>
-                <a:cs typeface="Times New Roman" panose="02020603050405020304" pitchFamily="18" charset="0"/>
-              </a:rPr>
-              <a:t> </a:t>
-            </a:r>
-            <a:r>
-              <a:rPr lang="en-US" dirty="0" smtClean="0">
-                <a:latin typeface="Times New Roman" panose="02020603050405020304" pitchFamily="18" charset="0"/>
-                <a:cs typeface="Times New Roman" panose="02020603050405020304" pitchFamily="18" charset="0"/>
-              </a:rPr>
-              <a:t>bool</a:t>
-            </a:r>
-            <a:r>
-              <a:rPr lang="en-US" dirty="0">
-                <a:latin typeface="Times New Roman" panose="02020603050405020304" pitchFamily="18" charset="0"/>
-                <a:cs typeface="Times New Roman" panose="02020603050405020304" pitchFamily="18" charset="0"/>
-              </a:rPr>
-              <a:t> WiFiManager::wifiConnectNew(String ssid, String pass){</a:t>
-            </a:r>
-          </a:p>
-          <a:p>
-            <a:r>
-              <a:rPr lang="en-US" dirty="0">
-                <a:latin typeface="Times New Roman" panose="02020603050405020304" pitchFamily="18" charset="0"/>
-                <a:cs typeface="Times New Roman" panose="02020603050405020304" pitchFamily="18" charset="0"/>
-              </a:rPr>
-              <a:t>  bool ret = false</a:t>
-            </a:r>
-            <a:r>
-              <a:rPr lang="en-US" dirty="0" smtClean="0">
-                <a:latin typeface="Times New Roman" panose="02020603050405020304" pitchFamily="18" charset="0"/>
-                <a:cs typeface="Times New Roman" panose="02020603050405020304" pitchFamily="18" charset="0"/>
-              </a:rPr>
-              <a:t>;</a:t>
-            </a:r>
-          </a:p>
-          <a:p>
-            <a:endParaRPr lang="en-US" dirty="0">
-              <a:latin typeface="Times New Roman" panose="02020603050405020304" pitchFamily="18" charset="0"/>
+              <a:rPr lang="en-US" sz="1600" dirty="0">
+                <a:latin typeface="Segoe UI Black" panose="020B0A02040204020203" pitchFamily="34" charset="0"/>
+                <a:cs typeface="Times New Roman" panose="02020603050405020304" pitchFamily="18" charset="0"/>
+              </a:rPr>
+              <a:t> bool WiFiManager::wifiConnectNew(String ssid, String pass){</a:t>
+            </a:r>
+          </a:p>
+          <a:p>
+            <a:r>
+              <a:rPr lang="en-US" sz="1600" dirty="0">
+                <a:latin typeface="Segoe UI Black" panose="020B0A02040204020203" pitchFamily="34" charset="0"/>
+                <a:cs typeface="Times New Roman" panose="02020603050405020304" pitchFamily="18" charset="0"/>
+              </a:rPr>
+              <a:t>  bool ret = false;</a:t>
+            </a:r>
+          </a:p>
+          <a:p>
+            <a:endParaRPr lang="en-US" sz="1600" dirty="0">
+              <a:latin typeface="Segoe UI Black" panose="020B0A02040204020203" pitchFamily="34" charset="0"/>
               <a:cs typeface="Times New Roman" panose="02020603050405020304" pitchFamily="18" charset="0"/>
             </a:endParaRPr>
           </a:p>
           <a:p>
             <a:r>
-              <a:rPr lang="en-US" dirty="0">
-                <a:latin typeface="Times New Roman" panose="02020603050405020304" pitchFamily="18" charset="0"/>
+              <a:rPr lang="en-US" sz="1600" dirty="0">
+                <a:latin typeface="Segoe UI Black" panose="020B0A02040204020203" pitchFamily="34" charset="0"/>
                 <a:cs typeface="Times New Roman" panose="02020603050405020304" pitchFamily="18" charset="0"/>
               </a:rPr>
               <a:t>  DEBUG_WM(F("CONNECTED:"),WiFi.status() == WL_CONNECTED);</a:t>
@@ -10444,8 +9466,8 @@
           </a:p>
           <a:p>
             <a:r>
-              <a:rPr lang="en-US" dirty="0">
-                <a:latin typeface="Times New Roman" panose="02020603050405020304" pitchFamily="18" charset="0"/>
+              <a:rPr lang="en-US" sz="1600" dirty="0">
+                <a:latin typeface="Segoe UI Black" panose="020B0A02040204020203" pitchFamily="34" charset="0"/>
                 <a:cs typeface="Times New Roman" panose="02020603050405020304" pitchFamily="18" charset="0"/>
               </a:rPr>
               <a:t>  DEBUG_WM(F("Connecting to NEW AP:"),ssid);</a:t>
@@ -10453,59 +9475,41 @@
           </a:p>
           <a:p>
             <a:r>
-              <a:rPr lang="en-US" dirty="0">
-                <a:latin typeface="Times New Roman" panose="02020603050405020304" pitchFamily="18" charset="0"/>
-                <a:cs typeface="Times New Roman" panose="02020603050405020304" pitchFamily="18" charset="0"/>
-              </a:rPr>
-              <a:t>  DEBUG_WM(DEBUG_DEV,F("Using Password:"),pass</a:t>
-            </a:r>
-            <a:r>
-              <a:rPr lang="en-US" dirty="0" smtClean="0">
-                <a:latin typeface="Times New Roman" panose="02020603050405020304" pitchFamily="18" charset="0"/>
-                <a:cs typeface="Times New Roman" panose="02020603050405020304" pitchFamily="18" charset="0"/>
-              </a:rPr>
-              <a:t>);</a:t>
-            </a:r>
-          </a:p>
-          <a:p>
-            <a:endParaRPr lang="en-US" dirty="0">
-              <a:latin typeface="Times New Roman" panose="02020603050405020304" pitchFamily="18" charset="0"/>
+              <a:rPr lang="en-US" sz="1600" dirty="0">
+                <a:latin typeface="Segoe UI Black" panose="020B0A02040204020203" pitchFamily="34" charset="0"/>
+                <a:cs typeface="Times New Roman" panose="02020603050405020304" pitchFamily="18" charset="0"/>
+              </a:rPr>
+              <a:t>  DEBUG_WM(DEBUG_DEV,F("Using Password:"),pass);</a:t>
+            </a:r>
+          </a:p>
+          <a:p>
+            <a:endParaRPr lang="en-US" sz="1600" dirty="0">
+              <a:latin typeface="Segoe UI Black" panose="020B0A02040204020203" pitchFamily="34" charset="0"/>
               <a:cs typeface="Times New Roman" panose="02020603050405020304" pitchFamily="18" charset="0"/>
             </a:endParaRPr>
           </a:p>
           <a:p>
             <a:r>
-              <a:rPr lang="en-US" dirty="0">
-                <a:latin typeface="Times New Roman" panose="02020603050405020304" pitchFamily="18" charset="0"/>
+              <a:rPr lang="en-US" sz="1600" dirty="0">
+                <a:latin typeface="Segoe UI Black" panose="020B0A02040204020203" pitchFamily="34" charset="0"/>
                 <a:cs typeface="Times New Roman" panose="02020603050405020304" pitchFamily="18" charset="0"/>
               </a:rPr>
               <a:t>  WiFi_enableSTA(true,storeSTAmode); </a:t>
             </a:r>
-            <a:endParaRPr lang="en-US" dirty="0" smtClean="0">
-              <a:latin typeface="Times New Roman" panose="02020603050405020304" pitchFamily="18" charset="0"/>
-              <a:cs typeface="Times New Roman" panose="02020603050405020304" pitchFamily="18" charset="0"/>
-            </a:endParaRPr>
-          </a:p>
-          <a:p>
-            <a:r>
-              <a:rPr lang="en-US" dirty="0" smtClean="0">
-                <a:latin typeface="Times New Roman" panose="02020603050405020304" pitchFamily="18" charset="0"/>
-                <a:cs typeface="Times New Roman" panose="02020603050405020304" pitchFamily="18" charset="0"/>
-              </a:rPr>
-              <a:t>//</a:t>
-            </a:r>
-            <a:r>
-              <a:rPr lang="en-US" dirty="0">
-                <a:latin typeface="Times New Roman" panose="02020603050405020304" pitchFamily="18" charset="0"/>
-                <a:cs typeface="Times New Roman" panose="02020603050405020304" pitchFamily="18" charset="0"/>
-              </a:rPr>
-              <a:t> storeSTAmode will also toggle STA on in default opmode (persistent) if true (default)</a:t>
-            </a:r>
-          </a:p>
-          <a:p>
-            <a:r>
-              <a:rPr lang="en-US" dirty="0">
-                <a:latin typeface="Times New Roman" panose="02020603050405020304" pitchFamily="18" charset="0"/>
+          </a:p>
+          <a:p>
+            <a:r>
+              <a:rPr lang="en-US" sz="1600" dirty="0">
+                <a:latin typeface="Segoe UI Black" panose="020B0A02040204020203" pitchFamily="34" charset="0"/>
+                <a:cs typeface="Times New Roman" panose="02020603050405020304" pitchFamily="18" charset="0"/>
+              </a:rPr>
+              <a:t>// storeSTAmode will also toggle STA on in default opmode (persistent) if true (default)</a:t>
+            </a:r>
+          </a:p>
+          <a:p>
+            <a:r>
+              <a:rPr lang="en-US" sz="1600" dirty="0">
+                <a:latin typeface="Segoe UI Black" panose="020B0A02040204020203" pitchFamily="34" charset="0"/>
                 <a:cs typeface="Times New Roman" panose="02020603050405020304" pitchFamily="18" charset="0"/>
               </a:rPr>
               <a:t>  WiFi.persistent(true);</a:t>
@@ -10513,8 +9517,8 @@
           </a:p>
           <a:p>
             <a:r>
-              <a:rPr lang="en-US" dirty="0">
-                <a:latin typeface="Times New Roman" panose="02020603050405020304" pitchFamily="18" charset="0"/>
+              <a:rPr lang="en-US" sz="1600" dirty="0">
+                <a:latin typeface="Segoe UI Black" panose="020B0A02040204020203" pitchFamily="34" charset="0"/>
                 <a:cs typeface="Times New Roman" panose="02020603050405020304" pitchFamily="18" charset="0"/>
               </a:rPr>
               <a:t>  ret = WiFi.begin(ssid.c_str(), pass.c_str());</a:t>
@@ -10522,8 +9526,8 @@
           </a:p>
           <a:p>
             <a:r>
-              <a:rPr lang="en-US" dirty="0">
-                <a:latin typeface="Times New Roman" panose="02020603050405020304" pitchFamily="18" charset="0"/>
+              <a:rPr lang="en-US" sz="1600" dirty="0">
+                <a:latin typeface="Segoe UI Black" panose="020B0A02040204020203" pitchFamily="34" charset="0"/>
                 <a:cs typeface="Times New Roman" panose="02020603050405020304" pitchFamily="18" charset="0"/>
               </a:rPr>
               <a:t>  WiFi.persistent(false);</a:t>
@@ -10531,8 +9535,8 @@
           </a:p>
           <a:p>
             <a:r>
-              <a:rPr lang="en-US" dirty="0">
-                <a:latin typeface="Times New Roman" panose="02020603050405020304" pitchFamily="18" charset="0"/>
+              <a:rPr lang="en-US" sz="1600" dirty="0">
+                <a:latin typeface="Segoe UI Black" panose="020B0A02040204020203" pitchFamily="34" charset="0"/>
                 <a:cs typeface="Times New Roman" panose="02020603050405020304" pitchFamily="18" charset="0"/>
               </a:rPr>
               <a:t>  if(!ret) DEBUG_WM(DEBUG_ERROR,"[ERROR] wifi begin failed");</a:t>
@@ -10540,8 +9544,8 @@
           </a:p>
           <a:p>
             <a:r>
-              <a:rPr lang="en-US" dirty="0">
-                <a:latin typeface="Times New Roman" panose="02020603050405020304" pitchFamily="18" charset="0"/>
+              <a:rPr lang="en-US" sz="1600" dirty="0">
+                <a:latin typeface="Segoe UI Black" panose="020B0A02040204020203" pitchFamily="34" charset="0"/>
                 <a:cs typeface="Times New Roman" panose="02020603050405020304" pitchFamily="18" charset="0"/>
               </a:rPr>
               <a:t>  return ret;</a:t>
@@ -10549,15 +9553,15 @@
           </a:p>
           <a:p>
             <a:r>
-              <a:rPr lang="en-US" dirty="0">
-                <a:latin typeface="Times New Roman" panose="02020603050405020304" pitchFamily="18" charset="0"/>
+              <a:rPr lang="en-US" sz="1600" dirty="0">
+                <a:latin typeface="Segoe UI Black" panose="020B0A02040204020203" pitchFamily="34" charset="0"/>
                 <a:cs typeface="Times New Roman" panose="02020603050405020304" pitchFamily="18" charset="0"/>
               </a:rPr>
               <a:t>}</a:t>
             </a:r>
-            <a:endParaRPr lang="en-US" b="0" dirty="0">
+            <a:endParaRPr lang="en-US" sz="1600" b="0" dirty="0">
               <a:effectLst/>
-              <a:latin typeface="Times New Roman" panose="02020603050405020304" pitchFamily="18" charset="0"/>
+              <a:latin typeface="Segoe UI Black" panose="020B0A02040204020203" pitchFamily="34" charset="0"/>
               <a:cs typeface="Times New Roman" panose="02020603050405020304" pitchFamily="18" charset="0"/>
             </a:endParaRPr>
           </a:p>
@@ -10573,13 +9577,6 @@
   <p:clrMapOvr>
     <a:masterClrMapping/>
   </p:clrMapOvr>
-  <p:timing>
-    <p:tnLst>
-      <p:par>
-        <p:cTn id="1" dur="indefinite" restart="never" nodeType="tmRoot"/>
-      </p:par>
-    </p:tnLst>
-  </p:timing>
 </p:sld>
 </file>
 
@@ -10612,8 +9609,8 @@
         </p:nvSpPr>
         <p:spPr>
           <a:xfrm>
-            <a:off x="1971675" y="571487"/>
-            <a:ext cx="5716950" cy="590931"/>
+            <a:off x="1971675" y="613037"/>
+            <a:ext cx="4838184" cy="507831"/>
           </a:xfrm>
           <a:prstGeom prst="rect">
             <a:avLst/>
@@ -10627,7 +9624,7 @@
           <a:lstStyle/>
           <a:p>
             <a:r>
-              <a:rPr lang="en-US" sz="3600" b="1" dirty="0" smtClean="0">
+              <a:rPr lang="en-US" sz="3000" b="1" dirty="0">
                 <a:solidFill>
                   <a:srgbClr val="FF0000"/>
                 </a:solidFill>
@@ -10638,25 +9635,11 @@
                     </a:srgbClr>
                   </a:outerShdw>
                 </a:effectLst>
-                <a:latin typeface="Times New Roman" panose="02020603050405020304" pitchFamily="18" charset="0"/>
+                <a:latin typeface="Segoe UI Black" panose="020B0A02040204020203" pitchFamily="34" charset="0"/>
                 <a:cs typeface="Times New Roman" panose="02020603050405020304" pitchFamily="18" charset="0"/>
               </a:rPr>
               <a:t>2.1 PRINT TO TERMINAL</a:t>
             </a:r>
-            <a:endParaRPr lang="en-US" sz="3600" b="1" dirty="0">
-              <a:solidFill>
-                <a:srgbClr val="FF0000"/>
-              </a:solidFill>
-              <a:effectLst>
-                <a:outerShdw blurRad="38100" dist="38100" dir="2700000" algn="tl">
-                  <a:srgbClr val="000000">
-                    <a:alpha val="43137"/>
-                  </a:srgbClr>
-                </a:outerShdw>
-              </a:effectLst>
-              <a:latin typeface="Times New Roman" panose="02020603050405020304" pitchFamily="18" charset="0"/>
-              <a:cs typeface="Times New Roman" panose="02020603050405020304" pitchFamily="18" charset="0"/>
-            </a:endParaRPr>
           </a:p>
         </p:txBody>
       </p:sp>
@@ -10670,8 +9653,8 @@
         </p:nvSpPr>
         <p:spPr>
           <a:xfrm>
-            <a:off x="2451966" y="1162418"/>
-            <a:ext cx="7605608" cy="424732"/>
+            <a:off x="2451966" y="1120869"/>
+            <a:ext cx="9531777" cy="507831"/>
           </a:xfrm>
           <a:prstGeom prst="rect">
             <a:avLst/>
@@ -10703,7 +9686,7 @@
           </a:lstStyle>
           <a:p>
             <a:r>
-              <a:rPr lang="en-US" sz="2400" b="1" dirty="0" smtClean="0">
+              <a:rPr lang="en-US" sz="3000" b="1" dirty="0">
                 <a:solidFill>
                   <a:srgbClr val="1B8FAD"/>
                 </a:solidFill>
@@ -10714,7 +9697,7 @@
                     </a:srgbClr>
                   </a:outerShdw>
                 </a:effectLst>
-                <a:latin typeface="Times New Roman" panose="02020603050405020304" pitchFamily="18" charset="0"/>
+                <a:latin typeface="Segoe UI Black" panose="020B0A02040204020203" pitchFamily="34" charset="0"/>
                 <a:cs typeface="Times New Roman" panose="02020603050405020304" pitchFamily="18" charset="0"/>
               </a:rPr>
               <a:t>2.1.7 CODE PRINT TO TERMIAL (SHOW IP LOCAL)</a:t>
@@ -10731,7 +9714,7 @@
         <p:spPr>
           <a:xfrm>
             <a:off x="1971674" y="1753349"/>
-            <a:ext cx="9462943" cy="3416320"/>
+            <a:ext cx="9462943" cy="3046988"/>
           </a:xfrm>
           <a:prstGeom prst="rect">
             <a:avLst/>
@@ -10744,8 +9727,8 @@
           <a:lstStyle/>
           <a:p>
             <a:r>
-              <a:rPr lang="en-US" dirty="0">
-                <a:latin typeface="Times New Roman" panose="02020603050405020304" pitchFamily="18" charset="0"/>
+              <a:rPr lang="en-US" sz="1600" dirty="0">
+                <a:latin typeface="Segoe UI Black" panose="020B0A02040204020203" pitchFamily="34" charset="0"/>
                 <a:cs typeface="Times New Roman" panose="02020603050405020304" pitchFamily="18" charset="0"/>
               </a:rPr>
               <a:t>if (connectWifi(_ssid, _pass) == WL_CONNECTED) {</a:t>
@@ -10753,8 +9736,8 @@
           </a:p>
           <a:p>
             <a:r>
-              <a:rPr lang="en-US" dirty="0">
-                <a:latin typeface="Times New Roman" panose="02020603050405020304" pitchFamily="18" charset="0"/>
+              <a:rPr lang="en-US" sz="1600" dirty="0">
+                <a:latin typeface="Segoe UI Black" panose="020B0A02040204020203" pitchFamily="34" charset="0"/>
                 <a:cs typeface="Times New Roman" panose="02020603050405020304" pitchFamily="18" charset="0"/>
               </a:rPr>
               <a:t>          </a:t>
@@ -10762,8 +9745,8 @@
           </a:p>
           <a:p>
             <a:r>
-              <a:rPr lang="en-US" dirty="0">
-                <a:latin typeface="Times New Roman" panose="02020603050405020304" pitchFamily="18" charset="0"/>
+              <a:rPr lang="en-US" sz="1600" dirty="0">
+                <a:latin typeface="Segoe UI Black" panose="020B0A02040204020203" pitchFamily="34" charset="0"/>
                 <a:cs typeface="Times New Roman" panose="02020603050405020304" pitchFamily="18" charset="0"/>
               </a:rPr>
               <a:t>          DEBUG_WM(F("Connect to new AP [SUCCESS]"));</a:t>
@@ -10771,8 +9754,8 @@
           </a:p>
           <a:p>
             <a:r>
-              <a:rPr lang="en-US" dirty="0">
-                <a:latin typeface="Times New Roman" panose="02020603050405020304" pitchFamily="18" charset="0"/>
+              <a:rPr lang="en-US" sz="1600" dirty="0">
+                <a:latin typeface="Segoe UI Black" panose="020B0A02040204020203" pitchFamily="34" charset="0"/>
                 <a:cs typeface="Times New Roman" panose="02020603050405020304" pitchFamily="18" charset="0"/>
               </a:rPr>
               <a:t>          DEBUG_WM(F("Got IP Address:"));</a:t>
@@ -10780,30 +9763,23 @@
           </a:p>
           <a:p>
             <a:r>
-              <a:rPr lang="en-US" dirty="0">
-                <a:latin typeface="Times New Roman" panose="02020603050405020304" pitchFamily="18" charset="0"/>
+              <a:rPr lang="en-US" sz="1600" dirty="0">
+                <a:latin typeface="Segoe UI Black" panose="020B0A02040204020203" pitchFamily="34" charset="0"/>
                 <a:cs typeface="Times New Roman" panose="02020603050405020304" pitchFamily="18" charset="0"/>
               </a:rPr>
               <a:t>          DEBUG_WM(WiFi.localIP());</a:t>
             </a:r>
           </a:p>
           <a:p>
-            <a:r>
-              <a:rPr lang="en-US" dirty="0">
-                <a:latin typeface="Times New Roman" panose="02020603050405020304" pitchFamily="18" charset="0"/>
-                <a:cs typeface="Times New Roman" panose="02020603050405020304" pitchFamily="18" charset="0"/>
-              </a:rPr>
-              <a:t/>
-            </a:r>
             <a:br>
-              <a:rPr lang="en-US" dirty="0">
-                <a:latin typeface="Times New Roman" panose="02020603050405020304" pitchFamily="18" charset="0"/>
+              <a:rPr lang="en-US" sz="1600" dirty="0">
+                <a:latin typeface="Segoe UI Black" panose="020B0A02040204020203" pitchFamily="34" charset="0"/>
                 <a:cs typeface="Times New Roman" panose="02020603050405020304" pitchFamily="18" charset="0"/>
               </a:rPr>
             </a:br>
             <a:r>
-              <a:rPr lang="en-US" dirty="0">
-                <a:latin typeface="Times New Roman" panose="02020603050405020304" pitchFamily="18" charset="0"/>
+              <a:rPr lang="en-US" sz="1600" dirty="0">
+                <a:latin typeface="Segoe UI Black" panose="020B0A02040204020203" pitchFamily="34" charset="0"/>
                 <a:cs typeface="Times New Roman" panose="02020603050405020304" pitchFamily="18" charset="0"/>
               </a:rPr>
               <a:t>          if ( _savewificallback != NULL) {</a:t>
@@ -10811,8 +9787,8 @@
           </a:p>
           <a:p>
             <a:r>
-              <a:rPr lang="en-US" dirty="0">
-                <a:latin typeface="Times New Roman" panose="02020603050405020304" pitchFamily="18" charset="0"/>
+              <a:rPr lang="en-US" sz="1600" dirty="0">
+                <a:latin typeface="Segoe UI Black" panose="020B0A02040204020203" pitchFamily="34" charset="0"/>
                 <a:cs typeface="Times New Roman" panose="02020603050405020304" pitchFamily="18" charset="0"/>
               </a:rPr>
               <a:t>            _savewificallback();</a:t>
@@ -10820,8 +9796,8 @@
           </a:p>
           <a:p>
             <a:r>
-              <a:rPr lang="en-US" dirty="0">
-                <a:latin typeface="Times New Roman" panose="02020603050405020304" pitchFamily="18" charset="0"/>
+              <a:rPr lang="en-US" sz="1600" dirty="0">
+                <a:latin typeface="Segoe UI Black" panose="020B0A02040204020203" pitchFamily="34" charset="0"/>
                 <a:cs typeface="Times New Roman" panose="02020603050405020304" pitchFamily="18" charset="0"/>
               </a:rPr>
               <a:t>          }</a:t>
@@ -10829,8 +9805,8 @@
           </a:p>
           <a:p>
             <a:r>
-              <a:rPr lang="en-US" dirty="0">
-                <a:latin typeface="Times New Roman" panose="02020603050405020304" pitchFamily="18" charset="0"/>
+              <a:rPr lang="en-US" sz="1600" dirty="0">
+                <a:latin typeface="Segoe UI Black" panose="020B0A02040204020203" pitchFamily="34" charset="0"/>
                 <a:cs typeface="Times New Roman" panose="02020603050405020304" pitchFamily="18" charset="0"/>
               </a:rPr>
               <a:t>          shutdownConfigPortal();</a:t>
@@ -10838,8 +9814,8 @@
           </a:p>
           <a:p>
             <a:r>
-              <a:rPr lang="en-US" dirty="0">
-                <a:latin typeface="Times New Roman" panose="02020603050405020304" pitchFamily="18" charset="0"/>
+              <a:rPr lang="en-US" sz="1600" dirty="0">
+                <a:latin typeface="Segoe UI Black" panose="020B0A02040204020203" pitchFamily="34" charset="0"/>
                 <a:cs typeface="Times New Roman" panose="02020603050405020304" pitchFamily="18" charset="0"/>
               </a:rPr>
               <a:t>          return WL_CONNECTED; // CONNECT SUCCESS</a:t>
@@ -10847,8 +9823,8 @@
           </a:p>
           <a:p>
             <a:r>
-              <a:rPr lang="en-US" dirty="0">
-                <a:latin typeface="Times New Roman" panose="02020603050405020304" pitchFamily="18" charset="0"/>
+              <a:rPr lang="en-US" sz="1600" dirty="0">
+                <a:latin typeface="Segoe UI Black" panose="020B0A02040204020203" pitchFamily="34" charset="0"/>
                 <a:cs typeface="Times New Roman" panose="02020603050405020304" pitchFamily="18" charset="0"/>
               </a:rPr>
               <a:t>        }</a:t>
@@ -10866,13 +9842,6 @@
   <p:clrMapOvr>
     <a:masterClrMapping/>
   </p:clrMapOvr>
-  <p:timing>
-    <p:tnLst>
-      <p:par>
-        <p:cTn id="1" dur="indefinite" restart="never" nodeType="tmRoot"/>
-      </p:par>
-    </p:tnLst>
-  </p:timing>
 </p:sld>
 </file>
 
@@ -10932,13 +9901,16 @@
                     <a:lumOff val="60000"/>
                   </a:schemeClr>
                 </a:solidFill>
-                <a:latin typeface="Times New Roman" panose="02020603050405020304" pitchFamily="18" charset="0"/>
-                <a:cs typeface="Times New Roman" panose="02020603050405020304" pitchFamily="18" charset="0"/>
-              </a:rPr>
-              <a:t>PART 3</a:t>
-            </a:r>
-            <a:r>
-              <a:rPr lang="en-US" sz="6000" b="1" dirty="0" smtClean="0">
+                <a:latin typeface="Segoe UI Black" panose="020B0A02040204020203" pitchFamily="34" charset="0"/>
+                <a:cs typeface="Times New Roman" panose="02020603050405020304" pitchFamily="18" charset="0"/>
+              </a:rPr>
+              <a:t>PART 3:</a:t>
+            </a:r>
+          </a:p>
+          <a:p>
+            <a:pPr algn="ctr"/>
+            <a:r>
+              <a:rPr lang="en-US" sz="6000" b="1" dirty="0">
                 <a:ln w="22225">
                   <a:solidFill>
                     <a:schemeClr val="accent2"/>
@@ -10951,29 +9923,7 @@
                     <a:lumOff val="60000"/>
                   </a:schemeClr>
                 </a:solidFill>
-                <a:latin typeface="Times New Roman" panose="02020603050405020304" pitchFamily="18" charset="0"/>
-                <a:cs typeface="Times New Roman" panose="02020603050405020304" pitchFamily="18" charset="0"/>
-              </a:rPr>
-              <a:t>:</a:t>
-            </a:r>
-          </a:p>
-          <a:p>
-            <a:pPr algn="ctr"/>
-            <a:r>
-              <a:rPr lang="en-US" sz="6000" b="1" dirty="0" smtClean="0">
-                <a:ln w="22225">
-                  <a:solidFill>
-                    <a:schemeClr val="accent2"/>
-                  </a:solidFill>
-                  <a:prstDash val="solid"/>
-                </a:ln>
-                <a:solidFill>
-                  <a:schemeClr val="accent2">
-                    <a:lumMod val="40000"/>
-                    <a:lumOff val="60000"/>
-                  </a:schemeClr>
-                </a:solidFill>
-                <a:latin typeface="Times New Roman" panose="02020603050405020304" pitchFamily="18" charset="0"/>
+                <a:latin typeface="Segoe UI Black" panose="020B0A02040204020203" pitchFamily="34" charset="0"/>
                 <a:cs typeface="Times New Roman" panose="02020603050405020304" pitchFamily="18" charset="0"/>
               </a:rPr>
               <a:t>SET MQTT &amp; PRINT</a:t>
@@ -10991,13 +9941,6 @@
   <p:clrMapOvr>
     <a:masterClrMapping/>
   </p:clrMapOvr>
-  <p:timing>
-    <p:tnLst>
-      <p:par>
-        <p:cTn id="1" dur="indefinite" restart="never" nodeType="tmRoot"/>
-      </p:par>
-    </p:tnLst>
-  </p:timing>
 </p:sld>
 </file>
 
@@ -11030,8 +9973,8 @@
         </p:nvSpPr>
         <p:spPr>
           <a:xfrm>
-            <a:off x="1971675" y="571487"/>
-            <a:ext cx="4109010" cy="590931"/>
+            <a:off x="1971675" y="613037"/>
+            <a:ext cx="3762568" cy="507831"/>
           </a:xfrm>
           <a:prstGeom prst="rect">
             <a:avLst/>
@@ -11045,7 +9988,7 @@
           <a:lstStyle/>
           <a:p>
             <a:r>
-              <a:rPr lang="en-US" sz="3600" b="1" dirty="0">
+              <a:rPr lang="en-US" sz="3000" b="1" dirty="0">
                 <a:solidFill>
                   <a:srgbClr val="FF0000"/>
                 </a:solidFill>
@@ -11056,42 +9999,11 @@
                     </a:srgbClr>
                   </a:outerShdw>
                 </a:effectLst>
-                <a:latin typeface="Times New Roman" panose="02020603050405020304" pitchFamily="18" charset="0"/>
-                <a:cs typeface="Times New Roman" panose="02020603050405020304" pitchFamily="18" charset="0"/>
-              </a:rPr>
-              <a:t>3</a:t>
-            </a:r>
-            <a:r>
-              <a:rPr lang="en-US" sz="3600" b="1" dirty="0" smtClean="0">
-                <a:solidFill>
-                  <a:srgbClr val="FF0000"/>
-                </a:solidFill>
-                <a:effectLst>
-                  <a:outerShdw blurRad="38100" dist="38100" dir="2700000" algn="tl">
-                    <a:srgbClr val="000000">
-                      <a:alpha val="43137"/>
-                    </a:srgbClr>
-                  </a:outerShdw>
-                </a:effectLst>
-                <a:latin typeface="Times New Roman" panose="02020603050405020304" pitchFamily="18" charset="0"/>
-                <a:cs typeface="Times New Roman" panose="02020603050405020304" pitchFamily="18" charset="0"/>
-              </a:rPr>
-              <a:t>.1 Add info MQTT</a:t>
-            </a:r>
-            <a:endParaRPr lang="en-US" sz="3600" b="1" dirty="0">
-              <a:solidFill>
-                <a:srgbClr val="FF0000"/>
-              </a:solidFill>
-              <a:effectLst>
-                <a:outerShdw blurRad="38100" dist="38100" dir="2700000" algn="tl">
-                  <a:srgbClr val="000000">
-                    <a:alpha val="43137"/>
-                  </a:srgbClr>
-                </a:outerShdw>
-              </a:effectLst>
-              <a:latin typeface="Times New Roman" panose="02020603050405020304" pitchFamily="18" charset="0"/>
-              <a:cs typeface="Times New Roman" panose="02020603050405020304" pitchFamily="18" charset="0"/>
-            </a:endParaRPr>
+                <a:latin typeface="Segoe UI Black" panose="020B0A02040204020203" pitchFamily="34" charset="0"/>
+                <a:cs typeface="Times New Roman" panose="02020603050405020304" pitchFamily="18" charset="0"/>
+              </a:rPr>
+              <a:t>3.1 Add info MQTT</a:t>
+            </a:r>
           </a:p>
         </p:txBody>
       </p:sp>
@@ -11105,8 +10017,8 @@
         </p:nvSpPr>
         <p:spPr>
           <a:xfrm>
-            <a:off x="2451966" y="1162418"/>
-            <a:ext cx="2545890" cy="424732"/>
+            <a:off x="2451966" y="1120869"/>
+            <a:ext cx="3196709" cy="507831"/>
           </a:xfrm>
           <a:prstGeom prst="rect">
             <a:avLst/>
@@ -11138,7 +10050,7 @@
           </a:lstStyle>
           <a:p>
             <a:r>
-              <a:rPr lang="en-US" sz="2400" b="1" dirty="0" smtClean="0">
+              <a:rPr lang="en-US" sz="3000" b="1" dirty="0">
                 <a:solidFill>
                   <a:srgbClr val="1B8FAD"/>
                 </a:solidFill>
@@ -11149,7 +10061,7 @@
                     </a:srgbClr>
                   </a:outerShdw>
                 </a:effectLst>
-                <a:latin typeface="Times New Roman" panose="02020603050405020304" pitchFamily="18" charset="0"/>
+                <a:latin typeface="Segoe UI Black" panose="020B0A02040204020203" pitchFamily="34" charset="0"/>
                 <a:cs typeface="Times New Roman" panose="02020603050405020304" pitchFamily="18" charset="0"/>
               </a:rPr>
               <a:t>3.1.1 GIAO DIỆN</a:t>
@@ -11214,7 +10126,7 @@
         <p:spPr>
           <a:xfrm>
             <a:off x="1623331" y="1738858"/>
-            <a:ext cx="4594589" cy="1200329"/>
+            <a:ext cx="4594589" cy="923330"/>
           </a:xfrm>
           <a:prstGeom prst="rect">
             <a:avLst/>
@@ -11231,16 +10143,173 @@
               <a:buChar char="•"/>
             </a:pPr>
             <a:r>
-              <a:rPr lang="en-US" sz="2400" smtClean="0">
-                <a:latin typeface="Times New Roman" panose="02020603050405020304" pitchFamily="18" charset="0"/>
-                <a:cs typeface="Times New Roman" panose="02020603050405020304" pitchFamily="18" charset="0"/>
-              </a:rPr>
-              <a:t>Lưu ý conf wifi và MQTT trong access point trước khi xử lý các task khác như websever,...</a:t>
-            </a:r>
-            <a:endParaRPr lang="en-US" sz="2400" dirty="0">
-              <a:latin typeface="Times New Roman" panose="02020603050405020304" pitchFamily="18" charset="0"/>
-              <a:cs typeface="Times New Roman" panose="02020603050405020304" pitchFamily="18" charset="0"/>
-            </a:endParaRPr>
+              <a:rPr lang="en-US" dirty="0" err="1">
+                <a:latin typeface="Segoe UI Black" panose="020B0A02040204020203" pitchFamily="34" charset="0"/>
+                <a:cs typeface="Times New Roman" panose="02020603050405020304" pitchFamily="18" charset="0"/>
+              </a:rPr>
+              <a:t>Lưu</a:t>
+            </a:r>
+            <a:r>
+              <a:rPr lang="en-US" dirty="0">
+                <a:latin typeface="Segoe UI Black" panose="020B0A02040204020203" pitchFamily="34" charset="0"/>
+                <a:cs typeface="Times New Roman" panose="02020603050405020304" pitchFamily="18" charset="0"/>
+              </a:rPr>
+              <a:t> ý conf </a:t>
+            </a:r>
+            <a:r>
+              <a:rPr lang="en-US" dirty="0" err="1">
+                <a:latin typeface="Segoe UI Black" panose="020B0A02040204020203" pitchFamily="34" charset="0"/>
+                <a:cs typeface="Times New Roman" panose="02020603050405020304" pitchFamily="18" charset="0"/>
+              </a:rPr>
+              <a:t>wifi</a:t>
+            </a:r>
+            <a:r>
+              <a:rPr lang="en-US" dirty="0">
+                <a:latin typeface="Segoe UI Black" panose="020B0A02040204020203" pitchFamily="34" charset="0"/>
+                <a:cs typeface="Times New Roman" panose="02020603050405020304" pitchFamily="18" charset="0"/>
+              </a:rPr>
+              <a:t> </a:t>
+            </a:r>
+            <a:r>
+              <a:rPr lang="en-US" dirty="0" err="1">
+                <a:latin typeface="Segoe UI Black" panose="020B0A02040204020203" pitchFamily="34" charset="0"/>
+                <a:cs typeface="Times New Roman" panose="02020603050405020304" pitchFamily="18" charset="0"/>
+              </a:rPr>
+              <a:t>và</a:t>
+            </a:r>
+            <a:r>
+              <a:rPr lang="en-US" dirty="0">
+                <a:latin typeface="Segoe UI Black" panose="020B0A02040204020203" pitchFamily="34" charset="0"/>
+                <a:cs typeface="Times New Roman" panose="02020603050405020304" pitchFamily="18" charset="0"/>
+              </a:rPr>
+              <a:t> MQTT </a:t>
+            </a:r>
+            <a:r>
+              <a:rPr lang="en-US" dirty="0" err="1">
+                <a:latin typeface="Segoe UI Black" panose="020B0A02040204020203" pitchFamily="34" charset="0"/>
+                <a:cs typeface="Times New Roman" panose="02020603050405020304" pitchFamily="18" charset="0"/>
+              </a:rPr>
+              <a:t>trong</a:t>
+            </a:r>
+            <a:r>
+              <a:rPr lang="en-US" dirty="0">
+                <a:latin typeface="Segoe UI Black" panose="020B0A02040204020203" pitchFamily="34" charset="0"/>
+                <a:cs typeface="Times New Roman" panose="02020603050405020304" pitchFamily="18" charset="0"/>
+              </a:rPr>
+              <a:t> access point </a:t>
+            </a:r>
+            <a:r>
+              <a:rPr lang="en-US" dirty="0" err="1">
+                <a:latin typeface="Segoe UI Black" panose="020B0A02040204020203" pitchFamily="34" charset="0"/>
+                <a:cs typeface="Times New Roman" panose="02020603050405020304" pitchFamily="18" charset="0"/>
+              </a:rPr>
+              <a:t>trước</a:t>
+            </a:r>
+            <a:r>
+              <a:rPr lang="en-US" dirty="0">
+                <a:latin typeface="Segoe UI Black" panose="020B0A02040204020203" pitchFamily="34" charset="0"/>
+                <a:cs typeface="Times New Roman" panose="02020603050405020304" pitchFamily="18" charset="0"/>
+              </a:rPr>
+              <a:t> </a:t>
+            </a:r>
+            <a:r>
+              <a:rPr lang="en-US" dirty="0" err="1">
+                <a:latin typeface="Segoe UI Black" panose="020B0A02040204020203" pitchFamily="34" charset="0"/>
+                <a:cs typeface="Times New Roman" panose="02020603050405020304" pitchFamily="18" charset="0"/>
+              </a:rPr>
+              <a:t>khi</a:t>
+            </a:r>
+            <a:r>
+              <a:rPr lang="en-US" dirty="0">
+                <a:latin typeface="Segoe UI Black" panose="020B0A02040204020203" pitchFamily="34" charset="0"/>
+                <a:cs typeface="Times New Roman" panose="02020603050405020304" pitchFamily="18" charset="0"/>
+              </a:rPr>
+              <a:t> </a:t>
+            </a:r>
+            <a:r>
+              <a:rPr lang="en-US" dirty="0" err="1">
+                <a:latin typeface="Segoe UI Black" panose="020B0A02040204020203" pitchFamily="34" charset="0"/>
+                <a:cs typeface="Times New Roman" panose="02020603050405020304" pitchFamily="18" charset="0"/>
+              </a:rPr>
+              <a:t>xử</a:t>
+            </a:r>
+            <a:r>
+              <a:rPr lang="en-US" dirty="0">
+                <a:latin typeface="Segoe UI Black" panose="020B0A02040204020203" pitchFamily="34" charset="0"/>
+                <a:cs typeface="Times New Roman" panose="02020603050405020304" pitchFamily="18" charset="0"/>
+              </a:rPr>
+              <a:t> </a:t>
+            </a:r>
+            <a:r>
+              <a:rPr lang="en-US" dirty="0" err="1">
+                <a:latin typeface="Segoe UI Black" panose="020B0A02040204020203" pitchFamily="34" charset="0"/>
+                <a:cs typeface="Times New Roman" panose="02020603050405020304" pitchFamily="18" charset="0"/>
+              </a:rPr>
+              <a:t>lý</a:t>
+            </a:r>
+            <a:r>
+              <a:rPr lang="en-US" dirty="0">
+                <a:latin typeface="Segoe UI Black" panose="020B0A02040204020203" pitchFamily="34" charset="0"/>
+                <a:cs typeface="Times New Roman" panose="02020603050405020304" pitchFamily="18" charset="0"/>
+              </a:rPr>
+              <a:t> </a:t>
+            </a:r>
+            <a:r>
+              <a:rPr lang="en-US" dirty="0" err="1">
+                <a:latin typeface="Segoe UI Black" panose="020B0A02040204020203" pitchFamily="34" charset="0"/>
+                <a:cs typeface="Times New Roman" panose="02020603050405020304" pitchFamily="18" charset="0"/>
+              </a:rPr>
+              <a:t>các</a:t>
+            </a:r>
+            <a:r>
+              <a:rPr lang="en-US" dirty="0">
+                <a:latin typeface="Segoe UI Black" panose="020B0A02040204020203" pitchFamily="34" charset="0"/>
+                <a:cs typeface="Times New Roman" panose="02020603050405020304" pitchFamily="18" charset="0"/>
+              </a:rPr>
+              <a:t> task </a:t>
+            </a:r>
+            <a:r>
+              <a:rPr lang="en-US" dirty="0" err="1">
+                <a:latin typeface="Segoe UI Black" panose="020B0A02040204020203" pitchFamily="34" charset="0"/>
+                <a:cs typeface="Times New Roman" panose="02020603050405020304" pitchFamily="18" charset="0"/>
+              </a:rPr>
+              <a:t>khác</a:t>
+            </a:r>
+            <a:r>
+              <a:rPr lang="en-US" dirty="0">
+                <a:latin typeface="Segoe UI Black" panose="020B0A02040204020203" pitchFamily="34" charset="0"/>
+                <a:cs typeface="Times New Roman" panose="02020603050405020304" pitchFamily="18" charset="0"/>
+              </a:rPr>
+              <a:t> </a:t>
+            </a:r>
+            <a:r>
+              <a:rPr lang="en-US" dirty="0" err="1">
+                <a:latin typeface="Segoe UI Black" panose="020B0A02040204020203" pitchFamily="34" charset="0"/>
+                <a:cs typeface="Times New Roman" panose="02020603050405020304" pitchFamily="18" charset="0"/>
+              </a:rPr>
+              <a:t>như</a:t>
+            </a:r>
+            <a:r>
+              <a:rPr lang="en-US" dirty="0">
+                <a:latin typeface="Segoe UI Black" panose="020B0A02040204020203" pitchFamily="34" charset="0"/>
+                <a:cs typeface="Times New Roman" panose="02020603050405020304" pitchFamily="18" charset="0"/>
+              </a:rPr>
+              <a:t> </a:t>
+            </a:r>
+            <a:r>
+              <a:rPr lang="en-US" dirty="0" err="1">
+                <a:latin typeface="Segoe UI Black" panose="020B0A02040204020203" pitchFamily="34" charset="0"/>
+                <a:cs typeface="Times New Roman" panose="02020603050405020304" pitchFamily="18" charset="0"/>
+              </a:rPr>
+              <a:t>websever</a:t>
+            </a:r>
+            <a:r>
+              <a:rPr lang="en-US" dirty="0">
+                <a:latin typeface="Segoe UI Black" panose="020B0A02040204020203" pitchFamily="34" charset="0"/>
+                <a:cs typeface="Times New Roman" panose="02020603050405020304" pitchFamily="18" charset="0"/>
+              </a:rPr>
+              <a:t>,...</a:t>
+            </a:r>
           </a:p>
         </p:txBody>
       </p:sp>
@@ -11254,13 +10323,6 @@
   <p:clrMapOvr>
     <a:masterClrMapping/>
   </p:clrMapOvr>
-  <p:timing>
-    <p:tnLst>
-      <p:par>
-        <p:cTn id="1" dur="indefinite" restart="never" nodeType="tmRoot"/>
-      </p:par>
-    </p:tnLst>
-  </p:timing>
 </p:sld>
 </file>
 
@@ -11293,8 +10355,8 @@
         </p:nvSpPr>
         <p:spPr>
           <a:xfrm>
-            <a:off x="1971675" y="571487"/>
-            <a:ext cx="4109010" cy="590931"/>
+            <a:off x="1971675" y="613037"/>
+            <a:ext cx="3762568" cy="507831"/>
           </a:xfrm>
           <a:prstGeom prst="rect">
             <a:avLst/>
@@ -11308,7 +10370,7 @@
           <a:lstStyle/>
           <a:p>
             <a:r>
-              <a:rPr lang="en-US" sz="3600" b="1" dirty="0">
+              <a:rPr lang="en-US" sz="3000" b="1" dirty="0">
                 <a:solidFill>
                   <a:srgbClr val="FF0000"/>
                 </a:solidFill>
@@ -11319,42 +10381,11 @@
                     </a:srgbClr>
                   </a:outerShdw>
                 </a:effectLst>
-                <a:latin typeface="Times New Roman" panose="02020603050405020304" pitchFamily="18" charset="0"/>
-                <a:cs typeface="Times New Roman" panose="02020603050405020304" pitchFamily="18" charset="0"/>
-              </a:rPr>
-              <a:t>3</a:t>
-            </a:r>
-            <a:r>
-              <a:rPr lang="en-US" sz="3600" b="1" dirty="0" smtClean="0">
-                <a:solidFill>
-                  <a:srgbClr val="FF0000"/>
-                </a:solidFill>
-                <a:effectLst>
-                  <a:outerShdw blurRad="38100" dist="38100" dir="2700000" algn="tl">
-                    <a:srgbClr val="000000">
-                      <a:alpha val="43137"/>
-                    </a:srgbClr>
-                  </a:outerShdw>
-                </a:effectLst>
-                <a:latin typeface="Times New Roman" panose="02020603050405020304" pitchFamily="18" charset="0"/>
-                <a:cs typeface="Times New Roman" panose="02020603050405020304" pitchFamily="18" charset="0"/>
-              </a:rPr>
-              <a:t>.1 Add info MQTT</a:t>
-            </a:r>
-            <a:endParaRPr lang="en-US" sz="3600" b="1" dirty="0">
-              <a:solidFill>
-                <a:srgbClr val="FF0000"/>
-              </a:solidFill>
-              <a:effectLst>
-                <a:outerShdw blurRad="38100" dist="38100" dir="2700000" algn="tl">
-                  <a:srgbClr val="000000">
-                    <a:alpha val="43137"/>
-                  </a:srgbClr>
-                </a:outerShdw>
-              </a:effectLst>
-              <a:latin typeface="Times New Roman" panose="02020603050405020304" pitchFamily="18" charset="0"/>
-              <a:cs typeface="Times New Roman" panose="02020603050405020304" pitchFamily="18" charset="0"/>
-            </a:endParaRPr>
+                <a:latin typeface="Segoe UI Black" panose="020B0A02040204020203" pitchFamily="34" charset="0"/>
+                <a:cs typeface="Times New Roman" panose="02020603050405020304" pitchFamily="18" charset="0"/>
+              </a:rPr>
+              <a:t>3.1 Add info MQTT</a:t>
+            </a:r>
           </a:p>
         </p:txBody>
       </p:sp>
@@ -11368,8 +10399,8 @@
         </p:nvSpPr>
         <p:spPr>
           <a:xfrm>
-            <a:off x="2451966" y="1162418"/>
-            <a:ext cx="2297617" cy="424732"/>
+            <a:off x="2451966" y="1120869"/>
+            <a:ext cx="2925801" cy="507831"/>
           </a:xfrm>
           <a:prstGeom prst="rect">
             <a:avLst/>
@@ -11401,7 +10432,7 @@
           </a:lstStyle>
           <a:p>
             <a:r>
-              <a:rPr lang="en-US" sz="2400" b="1" dirty="0" smtClean="0">
+              <a:rPr lang="en-US" sz="3000" b="1" dirty="0">
                 <a:solidFill>
                   <a:srgbClr val="1B8FAD"/>
                 </a:solidFill>
@@ -11412,7 +10443,7 @@
                     </a:srgbClr>
                   </a:outerShdw>
                 </a:effectLst>
-                <a:latin typeface="Times New Roman" panose="02020603050405020304" pitchFamily="18" charset="0"/>
+                <a:latin typeface="Segoe UI Black" panose="020B0A02040204020203" pitchFamily="34" charset="0"/>
                 <a:cs typeface="Times New Roman" panose="02020603050405020304" pitchFamily="18" charset="0"/>
               </a:rPr>
               <a:t>3.1.2 DEFAULT</a:t>
@@ -11453,7 +10484,7 @@
         <p:spPr>
           <a:xfrm>
             <a:off x="1623331" y="1738858"/>
-            <a:ext cx="5761538" cy="2677656"/>
+            <a:ext cx="5761538" cy="2031325"/>
           </a:xfrm>
           <a:prstGeom prst="rect">
             <a:avLst/>
@@ -11470,8 +10501,8 @@
               <a:buChar char="•"/>
             </a:pPr>
             <a:r>
-              <a:rPr lang="en-US" sz="2400" dirty="0" smtClean="0">
-                <a:latin typeface="Times New Roman" panose="02020603050405020304" pitchFamily="18" charset="0"/>
+              <a:rPr lang="en-US" dirty="0">
+                <a:latin typeface="Segoe UI Black" panose="020B0A02040204020203" pitchFamily="34" charset="0"/>
                 <a:cs typeface="Times New Roman" panose="02020603050405020304" pitchFamily="18" charset="0"/>
               </a:rPr>
               <a:t>Các thông số mặc định cho MQTT</a:t>
@@ -11483,8 +10514,8 @@
               <a:buChar char="•"/>
             </a:pPr>
             <a:r>
-              <a:rPr lang="en-US" sz="2400" dirty="0" smtClean="0">
-                <a:latin typeface="Times New Roman" panose="02020603050405020304" pitchFamily="18" charset="0"/>
+              <a:rPr lang="en-US" dirty="0">
+                <a:latin typeface="Segoe UI Black" panose="020B0A02040204020203" pitchFamily="34" charset="0"/>
                 <a:cs typeface="Times New Roman" panose="02020603050405020304" pitchFamily="18" charset="0"/>
               </a:rPr>
               <a:t>Name sever</a:t>
@@ -11496,8 +10527,8 @@
               <a:buChar char="•"/>
             </a:pPr>
             <a:r>
-              <a:rPr lang="en-US" sz="2400" dirty="0" smtClean="0">
-                <a:latin typeface="Times New Roman" panose="02020603050405020304" pitchFamily="18" charset="0"/>
+              <a:rPr lang="en-US" dirty="0">
+                <a:latin typeface="Segoe UI Black" panose="020B0A02040204020203" pitchFamily="34" charset="0"/>
                 <a:cs typeface="Times New Roman" panose="02020603050405020304" pitchFamily="18" charset="0"/>
               </a:rPr>
               <a:t>Port mqtt</a:t>
@@ -11509,8 +10540,8 @@
               <a:buChar char="•"/>
             </a:pPr>
             <a:r>
-              <a:rPr lang="en-US" sz="2400" dirty="0" smtClean="0">
-                <a:latin typeface="Times New Roman" panose="02020603050405020304" pitchFamily="18" charset="0"/>
+              <a:rPr lang="en-US" dirty="0">
+                <a:latin typeface="Segoe UI Black" panose="020B0A02040204020203" pitchFamily="34" charset="0"/>
                 <a:cs typeface="Times New Roman" panose="02020603050405020304" pitchFamily="18" charset="0"/>
               </a:rPr>
               <a:t>Api</a:t>
@@ -11522,8 +10553,8 @@
               <a:buChar char="•"/>
             </a:pPr>
             <a:r>
-              <a:rPr lang="en-US" sz="2400" dirty="0" smtClean="0">
-                <a:latin typeface="Times New Roman" panose="02020603050405020304" pitchFamily="18" charset="0"/>
+              <a:rPr lang="en-US" dirty="0">
+                <a:latin typeface="Segoe UI Black" panose="020B0A02040204020203" pitchFamily="34" charset="0"/>
                 <a:cs typeface="Times New Roman" panose="02020603050405020304" pitchFamily="18" charset="0"/>
               </a:rPr>
               <a:t>Mqtt ip</a:t>
@@ -11535,8 +10566,8 @@
               <a:buChar char="•"/>
             </a:pPr>
             <a:r>
-              <a:rPr lang="en-US" sz="2400" dirty="0" smtClean="0">
-                <a:latin typeface="Times New Roman" panose="02020603050405020304" pitchFamily="18" charset="0"/>
+              <a:rPr lang="en-US" dirty="0">
+                <a:latin typeface="Segoe UI Black" panose="020B0A02040204020203" pitchFamily="34" charset="0"/>
                 <a:cs typeface="Times New Roman" panose="02020603050405020304" pitchFamily="18" charset="0"/>
               </a:rPr>
               <a:t>Mqtt getway</a:t>
@@ -11548,16 +10579,12 @@
               <a:buChar char="•"/>
             </a:pPr>
             <a:r>
-              <a:rPr lang="en-US" sz="2400" dirty="0" smtClean="0">
-                <a:latin typeface="Times New Roman" panose="02020603050405020304" pitchFamily="18" charset="0"/>
+              <a:rPr lang="en-US" dirty="0">
+                <a:latin typeface="Segoe UI Black" panose="020B0A02040204020203" pitchFamily="34" charset="0"/>
                 <a:cs typeface="Times New Roman" panose="02020603050405020304" pitchFamily="18" charset="0"/>
               </a:rPr>
               <a:t>Mqtt subnet</a:t>
             </a:r>
-            <a:endParaRPr lang="en-US" sz="2400" dirty="0">
-              <a:latin typeface="Times New Roman" panose="02020603050405020304" pitchFamily="18" charset="0"/>
-              <a:cs typeface="Times New Roman" panose="02020603050405020304" pitchFamily="18" charset="0"/>
-            </a:endParaRPr>
           </a:p>
         </p:txBody>
       </p:sp>
@@ -11571,13 +10598,6 @@
   <p:clrMapOvr>
     <a:masterClrMapping/>
   </p:clrMapOvr>
-  <p:timing>
-    <p:tnLst>
-      <p:par>
-        <p:cTn id="1" dur="indefinite" restart="never" nodeType="tmRoot"/>
-      </p:par>
-    </p:tnLst>
-  </p:timing>
 </p:sld>
 </file>
 
@@ -11616,7 +10636,10 @@
         <p:txBody>
           <a:bodyPr wrap="none">
             <a:prstTxWarp prst="textWave1">
-              <a:avLst/>
+              <a:avLst>
+                <a:gd name="adj1" fmla="val 0"/>
+                <a:gd name="adj2" fmla="val 0"/>
+              </a:avLst>
             </a:prstTxWarp>
             <a:spAutoFit/>
           </a:bodyPr>
@@ -11624,61 +10647,34 @@
           <a:p>
             <a:pPr algn="ctr"/>
             <a:r>
-              <a:rPr lang="en-US" sz="6000" b="1" dirty="0">
-                <a:ln w="22225">
-                  <a:solidFill>
-                    <a:schemeClr val="accent2"/>
-                  </a:solidFill>
-                  <a:prstDash val="solid"/>
-                </a:ln>
-                <a:solidFill>
-                  <a:schemeClr val="accent2">
-                    <a:lumMod val="40000"/>
-                    <a:lumOff val="60000"/>
-                  </a:schemeClr>
-                </a:solidFill>
-                <a:latin typeface="Times New Roman" panose="02020603050405020304" pitchFamily="18" charset="0"/>
-                <a:cs typeface="Times New Roman" panose="02020603050405020304" pitchFamily="18" charset="0"/>
-              </a:rPr>
-              <a:t>PART 1</a:t>
-            </a:r>
-            <a:r>
-              <a:rPr lang="en-US" sz="6000" b="1" dirty="0" smtClean="0">
-                <a:ln w="22225">
-                  <a:solidFill>
-                    <a:schemeClr val="accent2"/>
-                  </a:solidFill>
-                  <a:prstDash val="solid"/>
-                </a:ln>
-                <a:solidFill>
-                  <a:schemeClr val="accent2">
-                    <a:lumMod val="40000"/>
-                    <a:lumOff val="60000"/>
-                  </a:schemeClr>
-                </a:solidFill>
-                <a:latin typeface="Times New Roman" panose="02020603050405020304" pitchFamily="18" charset="0"/>
-                <a:cs typeface="Times New Roman" panose="02020603050405020304" pitchFamily="18" charset="0"/>
-              </a:rPr>
-              <a:t>:</a:t>
+              <a:rPr lang="en-US" sz="6000" dirty="0">
+                <a:ln w="0"/>
+                <a:effectLst>
+                  <a:outerShdw blurRad="38100" dist="19050" dir="2700000" algn="tl" rotWithShape="0">
+                    <a:schemeClr val="dk1">
+                      <a:alpha val="40000"/>
+                    </a:schemeClr>
+                  </a:outerShdw>
+                </a:effectLst>
+                <a:latin typeface="Segoe UI Black" panose="020B0A02040204020203" pitchFamily="34" charset="0"/>
+                <a:cs typeface="Times New Roman" panose="02020603050405020304" pitchFamily="18" charset="0"/>
+              </a:rPr>
+              <a:t>PART 1:</a:t>
             </a:r>
           </a:p>
           <a:p>
             <a:pPr algn="ctr"/>
             <a:r>
-              <a:rPr lang="en-US" sz="6000" b="1" dirty="0" smtClean="0">
-                <a:ln w="22225">
-                  <a:solidFill>
-                    <a:schemeClr val="accent2"/>
-                  </a:solidFill>
-                  <a:prstDash val="solid"/>
-                </a:ln>
-                <a:solidFill>
-                  <a:schemeClr val="accent2">
-                    <a:lumMod val="40000"/>
-                    <a:lumOff val="60000"/>
-                  </a:schemeClr>
-                </a:solidFill>
-                <a:latin typeface="Times New Roman" panose="02020603050405020304" pitchFamily="18" charset="0"/>
+              <a:rPr lang="en-US" sz="6000" dirty="0">
+                <a:ln w="0"/>
+                <a:effectLst>
+                  <a:outerShdw blurRad="38100" dist="19050" dir="2700000" algn="tl" rotWithShape="0">
+                    <a:schemeClr val="dk1">
+                      <a:alpha val="40000"/>
+                    </a:schemeClr>
+                  </a:outerShdw>
+                </a:effectLst>
+                <a:latin typeface="Segoe UI Black" panose="020B0A02040204020203" pitchFamily="34" charset="0"/>
                 <a:cs typeface="Times New Roman" panose="02020603050405020304" pitchFamily="18" charset="0"/>
               </a:rPr>
               <a:t>Websever lib &amp; log in wifi</a:t>
@@ -11696,13 +10692,6 @@
   <p:clrMapOvr>
     <a:masterClrMapping/>
   </p:clrMapOvr>
-  <p:timing>
-    <p:tnLst>
-      <p:par>
-        <p:cTn id="1" dur="indefinite" restart="never" nodeType="tmRoot"/>
-      </p:par>
-    </p:tnLst>
-  </p:timing>
 </p:sld>
 </file>
 
@@ -11735,8 +10724,8 @@
         </p:nvSpPr>
         <p:spPr>
           <a:xfrm>
-            <a:off x="1971675" y="571487"/>
-            <a:ext cx="4109010" cy="590931"/>
+            <a:off x="1971675" y="613037"/>
+            <a:ext cx="3762568" cy="507831"/>
           </a:xfrm>
           <a:prstGeom prst="rect">
             <a:avLst/>
@@ -11750,7 +10739,7 @@
           <a:lstStyle/>
           <a:p>
             <a:r>
-              <a:rPr lang="en-US" sz="3600" b="1" dirty="0">
+              <a:rPr lang="en-US" sz="3000" b="1" dirty="0">
                 <a:solidFill>
                   <a:srgbClr val="FF0000"/>
                 </a:solidFill>
@@ -11761,42 +10750,11 @@
                     </a:srgbClr>
                   </a:outerShdw>
                 </a:effectLst>
-                <a:latin typeface="Times New Roman" panose="02020603050405020304" pitchFamily="18" charset="0"/>
-                <a:cs typeface="Times New Roman" panose="02020603050405020304" pitchFamily="18" charset="0"/>
-              </a:rPr>
-              <a:t>3</a:t>
-            </a:r>
-            <a:r>
-              <a:rPr lang="en-US" sz="3600" b="1" dirty="0" smtClean="0">
-                <a:solidFill>
-                  <a:srgbClr val="FF0000"/>
-                </a:solidFill>
-                <a:effectLst>
-                  <a:outerShdw blurRad="38100" dist="38100" dir="2700000" algn="tl">
-                    <a:srgbClr val="000000">
-                      <a:alpha val="43137"/>
-                    </a:srgbClr>
-                  </a:outerShdw>
-                </a:effectLst>
-                <a:latin typeface="Times New Roman" panose="02020603050405020304" pitchFamily="18" charset="0"/>
-                <a:cs typeface="Times New Roman" panose="02020603050405020304" pitchFamily="18" charset="0"/>
-              </a:rPr>
-              <a:t>.1 Add info MQTT</a:t>
-            </a:r>
-            <a:endParaRPr lang="en-US" sz="3600" b="1" dirty="0">
-              <a:solidFill>
-                <a:srgbClr val="FF0000"/>
-              </a:solidFill>
-              <a:effectLst>
-                <a:outerShdw blurRad="38100" dist="38100" dir="2700000" algn="tl">
-                  <a:srgbClr val="000000">
-                    <a:alpha val="43137"/>
-                  </a:srgbClr>
-                </a:outerShdw>
-              </a:effectLst>
-              <a:latin typeface="Times New Roman" panose="02020603050405020304" pitchFamily="18" charset="0"/>
-              <a:cs typeface="Times New Roman" panose="02020603050405020304" pitchFamily="18" charset="0"/>
-            </a:endParaRPr>
+                <a:latin typeface="Segoe UI Black" panose="020B0A02040204020203" pitchFamily="34" charset="0"/>
+                <a:cs typeface="Times New Roman" panose="02020603050405020304" pitchFamily="18" charset="0"/>
+              </a:rPr>
+              <a:t>3.1 Add info MQTT</a:t>
+            </a:r>
           </a:p>
         </p:txBody>
       </p:sp>
@@ -11810,8 +10768,8 @@
         </p:nvSpPr>
         <p:spPr>
           <a:xfrm>
-            <a:off x="2451966" y="1162418"/>
-            <a:ext cx="2511265" cy="424732"/>
+            <a:off x="2451966" y="1120869"/>
+            <a:ext cx="3004349" cy="507831"/>
           </a:xfrm>
           <a:prstGeom prst="rect">
             <a:avLst/>
@@ -11843,7 +10801,7 @@
           </a:lstStyle>
           <a:p>
             <a:r>
-              <a:rPr lang="en-US" sz="2400" b="1" dirty="0" smtClean="0">
+              <a:rPr lang="en-US" sz="3000" b="1" dirty="0">
                 <a:solidFill>
                   <a:srgbClr val="1B8FAD"/>
                 </a:solidFill>
@@ -11854,7 +10812,7 @@
                     </a:srgbClr>
                   </a:outerShdw>
                 </a:effectLst>
-                <a:latin typeface="Times New Roman" panose="02020603050405020304" pitchFamily="18" charset="0"/>
+                <a:latin typeface="Segoe UI Black" panose="020B0A02040204020203" pitchFamily="34" charset="0"/>
                 <a:cs typeface="Times New Roman" panose="02020603050405020304" pitchFamily="18" charset="0"/>
               </a:rPr>
               <a:t>3.1.3 CALL FILE</a:t>
@@ -11888,8 +10846,8 @@
               <a:buChar char="•"/>
             </a:pPr>
             <a:r>
-              <a:rPr lang="en-US" sz="2400" dirty="0" smtClean="0">
-                <a:latin typeface="Times New Roman" panose="02020603050405020304" pitchFamily="18" charset="0"/>
+              <a:rPr lang="en-US" sz="2400" dirty="0">
+                <a:latin typeface="Segoe UI Black" panose="020B0A02040204020203" pitchFamily="34" charset="0"/>
                 <a:cs typeface="Times New Roman" panose="02020603050405020304" pitchFamily="18" charset="0"/>
               </a:rPr>
               <a:t>Gọi file lưu trữ</a:t>
@@ -11901,8 +10859,8 @@
               <a:buChar char="•"/>
             </a:pPr>
             <a:r>
-              <a:rPr lang="en-US" sz="2400" dirty="0" smtClean="0">
-                <a:latin typeface="Times New Roman" panose="02020603050405020304" pitchFamily="18" charset="0"/>
+              <a:rPr lang="en-US" sz="2400" dirty="0">
+                <a:latin typeface="Segoe UI Black" panose="020B0A02040204020203" pitchFamily="34" charset="0"/>
                 <a:cs typeface="Times New Roman" panose="02020603050405020304" pitchFamily="18" charset="0"/>
               </a:rPr>
               <a:t>Open file</a:t>
@@ -11914,8 +10872,8 @@
               <a:buChar char="•"/>
             </a:pPr>
             <a:r>
-              <a:rPr lang="en-US" sz="2400" dirty="0" smtClean="0">
-                <a:latin typeface="Times New Roman" panose="02020603050405020304" pitchFamily="18" charset="0"/>
+              <a:rPr lang="en-US" sz="2400" dirty="0">
+                <a:latin typeface="Segoe UI Black" panose="020B0A02040204020203" pitchFamily="34" charset="0"/>
                 <a:cs typeface="Times New Roman" panose="02020603050405020304" pitchFamily="18" charset="0"/>
               </a:rPr>
               <a:t>Đọc file</a:t>
@@ -11927,8 +10885,8 @@
               <a:buChar char="•"/>
             </a:pPr>
             <a:r>
-              <a:rPr lang="en-US" sz="2400" dirty="0" smtClean="0">
-                <a:latin typeface="Times New Roman" panose="02020603050405020304" pitchFamily="18" charset="0"/>
+              <a:rPr lang="en-US" sz="2400" dirty="0">
+                <a:latin typeface="Segoe UI Black" panose="020B0A02040204020203" pitchFamily="34" charset="0"/>
                 <a:cs typeface="Times New Roman" panose="02020603050405020304" pitchFamily="18" charset="0"/>
               </a:rPr>
               <a:t>Get size</a:t>
@@ -11940,16 +10898,12 @@
               <a:buChar char="•"/>
             </a:pPr>
             <a:r>
-              <a:rPr lang="en-US" sz="2400" dirty="0" smtClean="0">
-                <a:latin typeface="Times New Roman" panose="02020603050405020304" pitchFamily="18" charset="0"/>
+              <a:rPr lang="en-US" sz="2400" dirty="0">
+                <a:latin typeface="Segoe UI Black" panose="020B0A02040204020203" pitchFamily="34" charset="0"/>
                 <a:cs typeface="Times New Roman" panose="02020603050405020304" pitchFamily="18" charset="0"/>
               </a:rPr>
               <a:t>Get data file</a:t>
             </a:r>
-            <a:endParaRPr lang="en-US" sz="2400" dirty="0">
-              <a:latin typeface="Times New Roman" panose="02020603050405020304" pitchFamily="18" charset="0"/>
-              <a:cs typeface="Times New Roman" panose="02020603050405020304" pitchFamily="18" charset="0"/>
-            </a:endParaRPr>
           </a:p>
         </p:txBody>
       </p:sp>
@@ -11987,13 +10941,6 @@
   <p:clrMapOvr>
     <a:masterClrMapping/>
   </p:clrMapOvr>
-  <p:timing>
-    <p:tnLst>
-      <p:par>
-        <p:cTn id="1" dur="indefinite" restart="never" nodeType="tmRoot"/>
-      </p:par>
-    </p:tnLst>
-  </p:timing>
 </p:sld>
 </file>
 
@@ -12026,8 +10973,8 @@
         </p:nvSpPr>
         <p:spPr>
           <a:xfrm>
-            <a:off x="1971675" y="571487"/>
-            <a:ext cx="4109010" cy="590931"/>
+            <a:off x="1971675" y="613037"/>
+            <a:ext cx="3762568" cy="507831"/>
           </a:xfrm>
           <a:prstGeom prst="rect">
             <a:avLst/>
@@ -12041,7 +10988,7 @@
           <a:lstStyle/>
           <a:p>
             <a:r>
-              <a:rPr lang="en-US" sz="3600" b="1" dirty="0">
+              <a:rPr lang="en-US" sz="3000" b="1" dirty="0">
                 <a:solidFill>
                   <a:srgbClr val="FF0000"/>
                 </a:solidFill>
@@ -12052,42 +10999,11 @@
                     </a:srgbClr>
                   </a:outerShdw>
                 </a:effectLst>
-                <a:latin typeface="Times New Roman" panose="02020603050405020304" pitchFamily="18" charset="0"/>
-                <a:cs typeface="Times New Roman" panose="02020603050405020304" pitchFamily="18" charset="0"/>
-              </a:rPr>
-              <a:t>3</a:t>
-            </a:r>
-            <a:r>
-              <a:rPr lang="en-US" sz="3600" b="1" dirty="0" smtClean="0">
-                <a:solidFill>
-                  <a:srgbClr val="FF0000"/>
-                </a:solidFill>
-                <a:effectLst>
-                  <a:outerShdw blurRad="38100" dist="38100" dir="2700000" algn="tl">
-                    <a:srgbClr val="000000">
-                      <a:alpha val="43137"/>
-                    </a:srgbClr>
-                  </a:outerShdw>
-                </a:effectLst>
-                <a:latin typeface="Times New Roman" panose="02020603050405020304" pitchFamily="18" charset="0"/>
-                <a:cs typeface="Times New Roman" panose="02020603050405020304" pitchFamily="18" charset="0"/>
-              </a:rPr>
-              <a:t>.1 Add info MQTT</a:t>
-            </a:r>
-            <a:endParaRPr lang="en-US" sz="3600" b="1" dirty="0">
-              <a:solidFill>
-                <a:srgbClr val="FF0000"/>
-              </a:solidFill>
-              <a:effectLst>
-                <a:outerShdw blurRad="38100" dist="38100" dir="2700000" algn="tl">
-                  <a:srgbClr val="000000">
-                    <a:alpha val="43137"/>
-                  </a:srgbClr>
-                </a:outerShdw>
-              </a:effectLst>
-              <a:latin typeface="Times New Roman" panose="02020603050405020304" pitchFamily="18" charset="0"/>
-              <a:cs typeface="Times New Roman" panose="02020603050405020304" pitchFamily="18" charset="0"/>
-            </a:endParaRPr>
+                <a:latin typeface="Segoe UI Black" panose="020B0A02040204020203" pitchFamily="34" charset="0"/>
+                <a:cs typeface="Times New Roman" panose="02020603050405020304" pitchFamily="18" charset="0"/>
+              </a:rPr>
+              <a:t>3.1 Add info MQTT</a:t>
+            </a:r>
           </a:p>
         </p:txBody>
       </p:sp>
@@ -12101,8 +11017,8 @@
         </p:nvSpPr>
         <p:spPr>
           <a:xfrm>
-            <a:off x="2451966" y="1162418"/>
-            <a:ext cx="2425729" cy="424732"/>
+            <a:off x="2451966" y="1120869"/>
+            <a:ext cx="3151825" cy="507831"/>
           </a:xfrm>
           <a:prstGeom prst="rect">
             <a:avLst/>
@@ -12134,7 +11050,7 @@
           </a:lstStyle>
           <a:p>
             <a:r>
-              <a:rPr lang="en-US" sz="2400" b="1" dirty="0" smtClean="0">
+              <a:rPr lang="en-US" sz="3000" b="1" dirty="0">
                 <a:solidFill>
                   <a:srgbClr val="1B8FAD"/>
                 </a:solidFill>
@@ -12145,7 +11061,7 @@
                     </a:srgbClr>
                   </a:outerShdw>
                 </a:effectLst>
-                <a:latin typeface="Times New Roman" panose="02020603050405020304" pitchFamily="18" charset="0"/>
+                <a:latin typeface="Segoe UI Black" panose="020B0A02040204020203" pitchFamily="34" charset="0"/>
                 <a:cs typeface="Times New Roman" panose="02020603050405020304" pitchFamily="18" charset="0"/>
               </a:rPr>
               <a:t>3.1.4 GET DATA</a:t>
@@ -12162,7 +11078,7 @@
         <p:spPr>
           <a:xfrm>
             <a:off x="1623331" y="1738858"/>
-            <a:ext cx="5186772" cy="1200329"/>
+            <a:ext cx="5186772" cy="1077218"/>
           </a:xfrm>
           <a:prstGeom prst="rect">
             <a:avLst/>
@@ -12179,8 +11095,8 @@
               <a:buChar char="•"/>
             </a:pPr>
             <a:r>
-              <a:rPr lang="en-US" sz="2400" dirty="0" smtClean="0">
-                <a:latin typeface="Times New Roman" panose="02020603050405020304" pitchFamily="18" charset="0"/>
+              <a:rPr lang="en-US" sz="2000" dirty="0">
+                <a:latin typeface="Segoe UI Black" panose="020B0A02040204020203" pitchFamily="34" charset="0"/>
                 <a:cs typeface="Times New Roman" panose="02020603050405020304" pitchFamily="18" charset="0"/>
               </a:rPr>
               <a:t>Gán data từ file vào biến trong chương trình để xử lý</a:t>
@@ -12188,16 +11104,12 @@
           </a:p>
           <a:p>
             <a:r>
-              <a:rPr lang="en-US" sz="2400" dirty="0" smtClean="0">
-                <a:latin typeface="Times New Roman" panose="02020603050405020304" pitchFamily="18" charset="0"/>
+              <a:rPr lang="en-US" sz="2400" dirty="0">
+                <a:latin typeface="Segoe UI Black" panose="020B0A02040204020203" pitchFamily="34" charset="0"/>
                 <a:cs typeface="Times New Roman" panose="02020603050405020304" pitchFamily="18" charset="0"/>
               </a:rPr>
               <a:t> </a:t>
             </a:r>
-            <a:endParaRPr lang="en-US" sz="2400" dirty="0">
-              <a:latin typeface="Times New Roman" panose="02020603050405020304" pitchFamily="18" charset="0"/>
-              <a:cs typeface="Times New Roman" panose="02020603050405020304" pitchFamily="18" charset="0"/>
-            </a:endParaRPr>
           </a:p>
         </p:txBody>
       </p:sp>
@@ -12235,13 +11147,6 @@
   <p:clrMapOvr>
     <a:masterClrMapping/>
   </p:clrMapOvr>
-  <p:timing>
-    <p:tnLst>
-      <p:par>
-        <p:cTn id="1" dur="indefinite" restart="never" nodeType="tmRoot"/>
-      </p:par>
-    </p:tnLst>
-  </p:timing>
 </p:sld>
 </file>
 
@@ -12274,8 +11179,8 @@
         </p:nvSpPr>
         <p:spPr>
           <a:xfrm>
-            <a:off x="1971675" y="571487"/>
-            <a:ext cx="4109010" cy="590931"/>
+            <a:off x="1971675" y="613037"/>
+            <a:ext cx="3762568" cy="507831"/>
           </a:xfrm>
           <a:prstGeom prst="rect">
             <a:avLst/>
@@ -12289,7 +11194,7 @@
           <a:lstStyle/>
           <a:p>
             <a:r>
-              <a:rPr lang="en-US" sz="3600" b="1" dirty="0">
+              <a:rPr lang="en-US" sz="3000" b="1" dirty="0">
                 <a:solidFill>
                   <a:srgbClr val="FF0000"/>
                 </a:solidFill>
@@ -12300,42 +11205,11 @@
                     </a:srgbClr>
                   </a:outerShdw>
                 </a:effectLst>
-                <a:latin typeface="Times New Roman" panose="02020603050405020304" pitchFamily="18" charset="0"/>
-                <a:cs typeface="Times New Roman" panose="02020603050405020304" pitchFamily="18" charset="0"/>
-              </a:rPr>
-              <a:t>3</a:t>
-            </a:r>
-            <a:r>
-              <a:rPr lang="en-US" sz="3600" b="1" dirty="0" smtClean="0">
-                <a:solidFill>
-                  <a:srgbClr val="FF0000"/>
-                </a:solidFill>
-                <a:effectLst>
-                  <a:outerShdw blurRad="38100" dist="38100" dir="2700000" algn="tl">
-                    <a:srgbClr val="000000">
-                      <a:alpha val="43137"/>
-                    </a:srgbClr>
-                  </a:outerShdw>
-                </a:effectLst>
-                <a:latin typeface="Times New Roman" panose="02020603050405020304" pitchFamily="18" charset="0"/>
-                <a:cs typeface="Times New Roman" panose="02020603050405020304" pitchFamily="18" charset="0"/>
-              </a:rPr>
-              <a:t>.1 Add info MQTT</a:t>
-            </a:r>
-            <a:endParaRPr lang="en-US" sz="3600" b="1" dirty="0">
-              <a:solidFill>
-                <a:srgbClr val="FF0000"/>
-              </a:solidFill>
-              <a:effectLst>
-                <a:outerShdw blurRad="38100" dist="38100" dir="2700000" algn="tl">
-                  <a:srgbClr val="000000">
-                    <a:alpha val="43137"/>
-                  </a:srgbClr>
-                </a:outerShdw>
-              </a:effectLst>
-              <a:latin typeface="Times New Roman" panose="02020603050405020304" pitchFamily="18" charset="0"/>
-              <a:cs typeface="Times New Roman" panose="02020603050405020304" pitchFamily="18" charset="0"/>
-            </a:endParaRPr>
+                <a:latin typeface="Segoe UI Black" panose="020B0A02040204020203" pitchFamily="34" charset="0"/>
+                <a:cs typeface="Times New Roman" panose="02020603050405020304" pitchFamily="18" charset="0"/>
+              </a:rPr>
+              <a:t>3.1 Add info MQTT</a:t>
+            </a:r>
           </a:p>
         </p:txBody>
       </p:sp>
@@ -12349,8 +11223,8 @@
         </p:nvSpPr>
         <p:spPr>
           <a:xfrm>
-            <a:off x="2451966" y="1162418"/>
-            <a:ext cx="2838854" cy="424732"/>
+            <a:off x="2451966" y="1120869"/>
+            <a:ext cx="3589444" cy="507831"/>
           </a:xfrm>
           <a:prstGeom prst="rect">
             <a:avLst/>
@@ -12382,7 +11256,7 @@
           </a:lstStyle>
           <a:p>
             <a:r>
-              <a:rPr lang="en-US" sz="2400" b="1" dirty="0" smtClean="0">
+              <a:rPr lang="en-US" sz="3000" b="1" dirty="0">
                 <a:solidFill>
                   <a:srgbClr val="1B8FAD"/>
                 </a:solidFill>
@@ -12393,7 +11267,7 @@
                     </a:srgbClr>
                   </a:outerShdw>
                 </a:effectLst>
-                <a:latin typeface="Times New Roman" panose="02020603050405020304" pitchFamily="18" charset="0"/>
+                <a:latin typeface="Segoe UI Black" panose="020B0A02040204020203" pitchFamily="34" charset="0"/>
                 <a:cs typeface="Times New Roman" panose="02020603050405020304" pitchFamily="18" charset="0"/>
               </a:rPr>
               <a:t>3.1.5 PARAMETER</a:t>
@@ -12410,7 +11284,7 @@
         <p:spPr>
           <a:xfrm>
             <a:off x="1623331" y="1738858"/>
-            <a:ext cx="5186772" cy="2308324"/>
+            <a:ext cx="5186772" cy="1938992"/>
           </a:xfrm>
           <a:prstGeom prst="rect">
             <a:avLst/>
@@ -12427,8 +11301,8 @@
               <a:buChar char="•"/>
             </a:pPr>
             <a:r>
-              <a:rPr lang="en-US" sz="2400" dirty="0" smtClean="0">
-                <a:latin typeface="Times New Roman" panose="02020603050405020304" pitchFamily="18" charset="0"/>
+              <a:rPr lang="en-US" sz="2000" dirty="0">
+                <a:latin typeface="Segoe UI Black" panose="020B0A02040204020203" pitchFamily="34" charset="0"/>
                 <a:cs typeface="Times New Roman" panose="02020603050405020304" pitchFamily="18" charset="0"/>
               </a:rPr>
               <a:t>Đặt các giá trị/ biến giá trị để lưu trữ các thông số</a:t>
@@ -12440,8 +11314,8 @@
               <a:buChar char="•"/>
             </a:pPr>
             <a:r>
-              <a:rPr lang="en-US" sz="2400" dirty="0" smtClean="0">
-                <a:latin typeface="Times New Roman" panose="02020603050405020304" pitchFamily="18" charset="0"/>
+              <a:rPr lang="en-US" sz="2000" dirty="0">
+                <a:latin typeface="Segoe UI Black" panose="020B0A02040204020203" pitchFamily="34" charset="0"/>
                 <a:cs typeface="Times New Roman" panose="02020603050405020304" pitchFamily="18" charset="0"/>
               </a:rPr>
               <a:t>Thêm các tham số đấy vào bộ lưu trữ</a:t>
@@ -12453,8 +11327,8 @@
               <a:buChar char="•"/>
             </a:pPr>
             <a:r>
-              <a:rPr lang="en-US" sz="2400" dirty="0" smtClean="0">
-                <a:latin typeface="Times New Roman" panose="02020603050405020304" pitchFamily="18" charset="0"/>
+              <a:rPr lang="en-US" sz="2000" dirty="0">
+                <a:latin typeface="Segoe UI Black" panose="020B0A02040204020203" pitchFamily="34" charset="0"/>
                 <a:cs typeface="Times New Roman" panose="02020603050405020304" pitchFamily="18" charset="0"/>
               </a:rPr>
               <a:t>Chuyển các thông số từ kiểu dữ liệu string sang IPAdress</a:t>
@@ -12462,16 +11336,12 @@
           </a:p>
           <a:p>
             <a:r>
-              <a:rPr lang="en-US" sz="2400" dirty="0" smtClean="0">
-                <a:latin typeface="Times New Roman" panose="02020603050405020304" pitchFamily="18" charset="0"/>
+              <a:rPr lang="en-US" sz="2000" dirty="0">
+                <a:latin typeface="Segoe UI Black" panose="020B0A02040204020203" pitchFamily="34" charset="0"/>
                 <a:cs typeface="Times New Roman" panose="02020603050405020304" pitchFamily="18" charset="0"/>
               </a:rPr>
               <a:t> </a:t>
             </a:r>
-            <a:endParaRPr lang="en-US" sz="2400" dirty="0">
-              <a:latin typeface="Times New Roman" panose="02020603050405020304" pitchFamily="18" charset="0"/>
-              <a:cs typeface="Times New Roman" panose="02020603050405020304" pitchFamily="18" charset="0"/>
-            </a:endParaRPr>
           </a:p>
         </p:txBody>
       </p:sp>
@@ -12509,13 +11379,6 @@
   <p:clrMapOvr>
     <a:masterClrMapping/>
   </p:clrMapOvr>
-  <p:timing>
-    <p:tnLst>
-      <p:par>
-        <p:cTn id="1" dur="indefinite" restart="never" nodeType="tmRoot"/>
-      </p:par>
-    </p:tnLst>
-  </p:timing>
 </p:sld>
 </file>
 
@@ -12548,8 +11411,8 @@
         </p:nvSpPr>
         <p:spPr>
           <a:xfrm>
-            <a:off x="1971675" y="571487"/>
-            <a:ext cx="4109010" cy="590931"/>
+            <a:off x="1971675" y="613037"/>
+            <a:ext cx="3762568" cy="507831"/>
           </a:xfrm>
           <a:prstGeom prst="rect">
             <a:avLst/>
@@ -12563,7 +11426,7 @@
           <a:lstStyle/>
           <a:p>
             <a:r>
-              <a:rPr lang="en-US" sz="3600" b="1" dirty="0">
+              <a:rPr lang="en-US" sz="3000" b="1" dirty="0">
                 <a:solidFill>
                   <a:srgbClr val="FF0000"/>
                 </a:solidFill>
@@ -12574,42 +11437,11 @@
                     </a:srgbClr>
                   </a:outerShdw>
                 </a:effectLst>
-                <a:latin typeface="Times New Roman" panose="02020603050405020304" pitchFamily="18" charset="0"/>
-                <a:cs typeface="Times New Roman" panose="02020603050405020304" pitchFamily="18" charset="0"/>
-              </a:rPr>
-              <a:t>3</a:t>
-            </a:r>
-            <a:r>
-              <a:rPr lang="en-US" sz="3600" b="1" dirty="0" smtClean="0">
-                <a:solidFill>
-                  <a:srgbClr val="FF0000"/>
-                </a:solidFill>
-                <a:effectLst>
-                  <a:outerShdw blurRad="38100" dist="38100" dir="2700000" algn="tl">
-                    <a:srgbClr val="000000">
-                      <a:alpha val="43137"/>
-                    </a:srgbClr>
-                  </a:outerShdw>
-                </a:effectLst>
-                <a:latin typeface="Times New Roman" panose="02020603050405020304" pitchFamily="18" charset="0"/>
-                <a:cs typeface="Times New Roman" panose="02020603050405020304" pitchFamily="18" charset="0"/>
-              </a:rPr>
-              <a:t>.1 Add info MQTT</a:t>
-            </a:r>
-            <a:endParaRPr lang="en-US" sz="3600" b="1" dirty="0">
-              <a:solidFill>
-                <a:srgbClr val="FF0000"/>
-              </a:solidFill>
-              <a:effectLst>
-                <a:outerShdw blurRad="38100" dist="38100" dir="2700000" algn="tl">
-                  <a:srgbClr val="000000">
-                    <a:alpha val="43137"/>
-                  </a:srgbClr>
-                </a:outerShdw>
-              </a:effectLst>
-              <a:latin typeface="Times New Roman" panose="02020603050405020304" pitchFamily="18" charset="0"/>
-              <a:cs typeface="Times New Roman" panose="02020603050405020304" pitchFamily="18" charset="0"/>
-            </a:endParaRPr>
+                <a:latin typeface="Segoe UI Black" panose="020B0A02040204020203" pitchFamily="34" charset="0"/>
+                <a:cs typeface="Times New Roman" panose="02020603050405020304" pitchFamily="18" charset="0"/>
+              </a:rPr>
+              <a:t>3.1 Add info MQTT</a:t>
+            </a:r>
           </a:p>
         </p:txBody>
       </p:sp>
@@ -12623,8 +11455,8 @@
         </p:nvSpPr>
         <p:spPr>
           <a:xfrm>
-            <a:off x="2451966" y="1162418"/>
-            <a:ext cx="4034310" cy="424732"/>
+            <a:off x="2451966" y="1120869"/>
+            <a:ext cx="5093061" cy="507831"/>
           </a:xfrm>
           <a:prstGeom prst="rect">
             <a:avLst/>
@@ -12656,7 +11488,7 @@
           </a:lstStyle>
           <a:p>
             <a:r>
-              <a:rPr lang="en-US" sz="2400" b="1" dirty="0" smtClean="0">
+              <a:rPr lang="en-US" sz="3000" b="1" dirty="0">
                 <a:solidFill>
                   <a:srgbClr val="1B8FAD"/>
                 </a:solidFill>
@@ -12667,7 +11499,7 @@
                     </a:srgbClr>
                   </a:outerShdw>
                 </a:effectLst>
-                <a:latin typeface="Times New Roman" panose="02020603050405020304" pitchFamily="18" charset="0"/>
+                <a:latin typeface="Segoe UI Black" panose="020B0A02040204020203" pitchFamily="34" charset="0"/>
                 <a:cs typeface="Times New Roman" panose="02020603050405020304" pitchFamily="18" charset="0"/>
               </a:rPr>
               <a:t>3.1.6 GET UPDATE &amp; SAVE</a:t>
@@ -12684,7 +11516,7 @@
         <p:spPr>
           <a:xfrm>
             <a:off x="1623331" y="1738858"/>
-            <a:ext cx="5186772" cy="1200329"/>
+            <a:ext cx="5186772" cy="1077218"/>
           </a:xfrm>
           <a:prstGeom prst="rect">
             <a:avLst/>
@@ -12701,8 +11533,8 @@
               <a:buChar char="•"/>
             </a:pPr>
             <a:r>
-              <a:rPr lang="en-US" sz="2400" dirty="0" smtClean="0">
-                <a:latin typeface="Times New Roman" panose="02020603050405020304" pitchFamily="18" charset="0"/>
+              <a:rPr lang="en-US" sz="2000" dirty="0">
+                <a:latin typeface="Segoe UI Black" panose="020B0A02040204020203" pitchFamily="34" charset="0"/>
                 <a:cs typeface="Times New Roman" panose="02020603050405020304" pitchFamily="18" charset="0"/>
               </a:rPr>
               <a:t>Get data update</a:t>
@@ -12714,8 +11546,8 @@
               <a:buChar char="•"/>
             </a:pPr>
             <a:r>
-              <a:rPr lang="en-US" sz="2400" dirty="0" smtClean="0">
-                <a:latin typeface="Times New Roman" panose="02020603050405020304" pitchFamily="18" charset="0"/>
+              <a:rPr lang="en-US" sz="2000" dirty="0">
+                <a:latin typeface="Segoe UI Black" panose="020B0A02040204020203" pitchFamily="34" charset="0"/>
                 <a:cs typeface="Times New Roman" panose="02020603050405020304" pitchFamily="18" charset="0"/>
               </a:rPr>
               <a:t>Thay đổi data đến file (wite file)</a:t>
@@ -12723,16 +11555,12 @@
           </a:p>
           <a:p>
             <a:r>
-              <a:rPr lang="en-US" sz="2400" dirty="0" smtClean="0">
-                <a:latin typeface="Times New Roman" panose="02020603050405020304" pitchFamily="18" charset="0"/>
+              <a:rPr lang="en-US" sz="2400" dirty="0">
+                <a:latin typeface="Segoe UI Black" panose="020B0A02040204020203" pitchFamily="34" charset="0"/>
                 <a:cs typeface="Times New Roman" panose="02020603050405020304" pitchFamily="18" charset="0"/>
               </a:rPr>
               <a:t> </a:t>
             </a:r>
-            <a:endParaRPr lang="en-US" sz="2400" dirty="0">
-              <a:latin typeface="Times New Roman" panose="02020603050405020304" pitchFamily="18" charset="0"/>
-              <a:cs typeface="Times New Roman" panose="02020603050405020304" pitchFamily="18" charset="0"/>
-            </a:endParaRPr>
           </a:p>
         </p:txBody>
       </p:sp>
@@ -12770,13 +11598,6 @@
   <p:clrMapOvr>
     <a:masterClrMapping/>
   </p:clrMapOvr>
-  <p:timing>
-    <p:tnLst>
-      <p:par>
-        <p:cTn id="1" dur="indefinite" restart="never" nodeType="tmRoot"/>
-      </p:par>
-    </p:tnLst>
-  </p:timing>
 </p:sld>
 </file>
 
@@ -12809,8 +11630,8 @@
         </p:nvSpPr>
         <p:spPr>
           <a:xfrm>
-            <a:off x="1971675" y="571487"/>
-            <a:ext cx="4109010" cy="590931"/>
+            <a:off x="1971675" y="613037"/>
+            <a:ext cx="3762568" cy="507831"/>
           </a:xfrm>
           <a:prstGeom prst="rect">
             <a:avLst/>
@@ -12824,7 +11645,7 @@
           <a:lstStyle/>
           <a:p>
             <a:r>
-              <a:rPr lang="en-US" sz="3600" b="1" dirty="0">
+              <a:rPr lang="en-US" sz="3000" b="1" dirty="0">
                 <a:solidFill>
                   <a:srgbClr val="FF0000"/>
                 </a:solidFill>
@@ -12835,42 +11656,11 @@
                     </a:srgbClr>
                   </a:outerShdw>
                 </a:effectLst>
-                <a:latin typeface="Times New Roman" panose="02020603050405020304" pitchFamily="18" charset="0"/>
-                <a:cs typeface="Times New Roman" panose="02020603050405020304" pitchFamily="18" charset="0"/>
-              </a:rPr>
-              <a:t>3</a:t>
-            </a:r>
-            <a:r>
-              <a:rPr lang="en-US" sz="3600" b="1" dirty="0" smtClean="0">
-                <a:solidFill>
-                  <a:srgbClr val="FF0000"/>
-                </a:solidFill>
-                <a:effectLst>
-                  <a:outerShdw blurRad="38100" dist="38100" dir="2700000" algn="tl">
-                    <a:srgbClr val="000000">
-                      <a:alpha val="43137"/>
-                    </a:srgbClr>
-                  </a:outerShdw>
-                </a:effectLst>
-                <a:latin typeface="Times New Roman" panose="02020603050405020304" pitchFamily="18" charset="0"/>
-                <a:cs typeface="Times New Roman" panose="02020603050405020304" pitchFamily="18" charset="0"/>
-              </a:rPr>
-              <a:t>.1 Add info MQTT</a:t>
-            </a:r>
-            <a:endParaRPr lang="en-US" sz="3600" b="1" dirty="0">
-              <a:solidFill>
-                <a:srgbClr val="FF0000"/>
-              </a:solidFill>
-              <a:effectLst>
-                <a:outerShdw blurRad="38100" dist="38100" dir="2700000" algn="tl">
-                  <a:srgbClr val="000000">
-                    <a:alpha val="43137"/>
-                  </a:srgbClr>
-                </a:outerShdw>
-              </a:effectLst>
-              <a:latin typeface="Times New Roman" panose="02020603050405020304" pitchFamily="18" charset="0"/>
-              <a:cs typeface="Times New Roman" panose="02020603050405020304" pitchFamily="18" charset="0"/>
-            </a:endParaRPr>
+                <a:latin typeface="Segoe UI Black" panose="020B0A02040204020203" pitchFamily="34" charset="0"/>
+                <a:cs typeface="Times New Roman" panose="02020603050405020304" pitchFamily="18" charset="0"/>
+              </a:rPr>
+              <a:t>3.1 Add info MQTT</a:t>
+            </a:r>
           </a:p>
         </p:txBody>
       </p:sp>
@@ -12884,8 +11674,8 @@
         </p:nvSpPr>
         <p:spPr>
           <a:xfrm>
-            <a:off x="2451966" y="1162418"/>
-            <a:ext cx="2792752" cy="424732"/>
+            <a:off x="2451966" y="1120869"/>
+            <a:ext cx="3340979" cy="507831"/>
           </a:xfrm>
           <a:prstGeom prst="rect">
             <a:avLst/>
@@ -12917,7 +11707,7 @@
           </a:lstStyle>
           <a:p>
             <a:r>
-              <a:rPr lang="en-US" sz="2400" b="1" dirty="0" smtClean="0">
+              <a:rPr lang="en-US" sz="3000" b="1" dirty="0">
                 <a:solidFill>
                   <a:srgbClr val="1B8FAD"/>
                 </a:solidFill>
@@ -12928,7 +11718,7 @@
                     </a:srgbClr>
                   </a:outerShdw>
                 </a:effectLst>
-                <a:latin typeface="Times New Roman" panose="02020603050405020304" pitchFamily="18" charset="0"/>
+                <a:latin typeface="Segoe UI Black" panose="020B0A02040204020203" pitchFamily="34" charset="0"/>
                 <a:cs typeface="Times New Roman" panose="02020603050405020304" pitchFamily="18" charset="0"/>
               </a:rPr>
               <a:t>3.1.7 CLOSE FILE </a:t>
@@ -12945,7 +11735,7 @@
         <p:spPr>
           <a:xfrm>
             <a:off x="1623331" y="1738858"/>
-            <a:ext cx="5186772" cy="830997"/>
+            <a:ext cx="5186772" cy="707886"/>
           </a:xfrm>
           <a:prstGeom prst="rect">
             <a:avLst/>
@@ -12962,8 +11752,8 @@
               <a:buChar char="•"/>
             </a:pPr>
             <a:r>
-              <a:rPr lang="en-US" sz="2400" dirty="0" smtClean="0">
-                <a:latin typeface="Times New Roman" panose="02020603050405020304" pitchFamily="18" charset="0"/>
+              <a:rPr lang="en-US" sz="2000" dirty="0">
+                <a:latin typeface="Segoe UI Black" panose="020B0A02040204020203" pitchFamily="34" charset="0"/>
                 <a:cs typeface="Times New Roman" panose="02020603050405020304" pitchFamily="18" charset="0"/>
               </a:rPr>
               <a:t>Close file</a:t>
@@ -12975,16 +11765,12 @@
               <a:buChar char="•"/>
             </a:pPr>
             <a:r>
-              <a:rPr lang="en-US" sz="2400" dirty="0" smtClean="0">
-                <a:latin typeface="Times New Roman" panose="02020603050405020304" pitchFamily="18" charset="0"/>
+              <a:rPr lang="en-US" sz="2000" dirty="0">
+                <a:latin typeface="Segoe UI Black" panose="020B0A02040204020203" pitchFamily="34" charset="0"/>
                 <a:cs typeface="Times New Roman" panose="02020603050405020304" pitchFamily="18" charset="0"/>
               </a:rPr>
               <a:t>Print to serial</a:t>
             </a:r>
-            <a:endParaRPr lang="en-US" sz="2400" dirty="0">
-              <a:latin typeface="Times New Roman" panose="02020603050405020304" pitchFamily="18" charset="0"/>
-              <a:cs typeface="Times New Roman" panose="02020603050405020304" pitchFamily="18" charset="0"/>
-            </a:endParaRPr>
           </a:p>
         </p:txBody>
       </p:sp>
@@ -13022,13 +11808,6 @@
   <p:clrMapOvr>
     <a:masterClrMapping/>
   </p:clrMapOvr>
-  <p:timing>
-    <p:tnLst>
-      <p:par>
-        <p:cTn id="1" dur="indefinite" restart="never" nodeType="tmRoot"/>
-      </p:par>
-    </p:tnLst>
-  </p:timing>
 </p:sld>
 </file>
 
@@ -13065,7 +11844,7 @@
           <a:lstStyle/>
           <a:p>
             <a:endParaRPr lang="en-US" dirty="0">
-              <a:latin typeface="Times New Roman" panose="02020603050405020304" pitchFamily="18" charset="0"/>
+              <a:latin typeface="Segoe UI Black" panose="020B0A02040204020203" pitchFamily="34" charset="0"/>
               <a:cs typeface="Times New Roman" panose="02020603050405020304" pitchFamily="18" charset="0"/>
             </a:endParaRPr>
           </a:p>
@@ -13087,7 +11866,7 @@
           <a:lstStyle/>
           <a:p>
             <a:r>
-              <a:rPr lang="en-US" smtClean="0"/>
+              <a:rPr lang="en-US"/>
               <a:t>www.indruino.com</a:t>
             </a:r>
             <a:endParaRPr lang="en-US" dirty="0"/>
@@ -13103,7 +11882,7 @@
         <p:spPr>
           <a:xfrm>
             <a:off x="3960898" y="3046484"/>
-            <a:ext cx="3609474" cy="707886"/>
+            <a:ext cx="3609474" cy="1015663"/>
           </a:xfrm>
           <a:prstGeom prst="rect">
             <a:avLst/>
@@ -13129,11 +11908,11 @@
           <a:lstStyle/>
           <a:p>
             <a:r>
-              <a:rPr lang="en-US" sz="2000" dirty="0" smtClean="0">
+              <a:rPr lang="en-US" sz="2000" dirty="0">
                 <a:solidFill>
                   <a:schemeClr val="bg1"/>
                 </a:solidFill>
-                <a:latin typeface="Times New Roman" panose="02020603050405020304" pitchFamily="18" charset="0"/>
+                <a:latin typeface="Segoe UI Black" panose="020B0A02040204020203" pitchFamily="34" charset="0"/>
                 <a:cs typeface="Times New Roman" panose="02020603050405020304" pitchFamily="18" charset="0"/>
               </a:rPr>
               <a:t>Diễn giả: Nguyễn Hoàng Phúc</a:t>
@@ -13141,22 +11920,15 @@
           </a:p>
           <a:p>
             <a:r>
-              <a:rPr lang="en-US" sz="2000" dirty="0" smtClean="0">
+              <a:rPr lang="en-US" sz="2000" dirty="0">
                 <a:solidFill>
                   <a:schemeClr val="bg1"/>
                 </a:solidFill>
-                <a:latin typeface="Times New Roman" panose="02020603050405020304" pitchFamily="18" charset="0"/>
+                <a:latin typeface="Segoe UI Black" panose="020B0A02040204020203" pitchFamily="34" charset="0"/>
                 <a:cs typeface="Times New Roman" panose="02020603050405020304" pitchFamily="18" charset="0"/>
               </a:rPr>
               <a:t>Bộ phận: IoT Indruino</a:t>
             </a:r>
-            <a:endParaRPr lang="en-US" sz="2000" dirty="0">
-              <a:solidFill>
-                <a:schemeClr val="bg1"/>
-              </a:solidFill>
-              <a:latin typeface="Times New Roman" panose="02020603050405020304" pitchFamily="18" charset="0"/>
-              <a:cs typeface="Times New Roman" panose="02020603050405020304" pitchFamily="18" charset="0"/>
-            </a:endParaRPr>
           </a:p>
         </p:txBody>
       </p:sp>
@@ -13170,13 +11942,6 @@
   <p:clrMapOvr>
     <a:masterClrMapping/>
   </p:clrMapOvr>
-  <p:timing>
-    <p:tnLst>
-      <p:par>
-        <p:cTn id="1" dur="indefinite" restart="never" nodeType="tmRoot"/>
-      </p:par>
-    </p:tnLst>
-  </p:timing>
 </p:sld>
 </file>
 
@@ -13209,8 +11974,8 @@
         </p:nvSpPr>
         <p:spPr>
           <a:xfrm>
-            <a:off x="1971675" y="571487"/>
-            <a:ext cx="5925981" cy="590931"/>
+            <a:off x="1971675" y="613037"/>
+            <a:ext cx="4971233" cy="507831"/>
           </a:xfrm>
           <a:prstGeom prst="rect">
             <a:avLst/>
@@ -13224,7 +11989,7 @@
           <a:lstStyle/>
           <a:p>
             <a:r>
-              <a:rPr lang="en-US" sz="3600" b="1" dirty="0" smtClean="0">
+              <a:rPr lang="en-US" sz="3000" b="1" dirty="0">
                 <a:solidFill>
                   <a:srgbClr val="FF0000"/>
                 </a:solidFill>
@@ -13235,25 +12000,11 @@
                     </a:srgbClr>
                   </a:outerShdw>
                 </a:effectLst>
-                <a:latin typeface="Times New Roman" panose="02020603050405020304" pitchFamily="18" charset="0"/>
+                <a:latin typeface="Segoe UI Black" panose="020B0A02040204020203" pitchFamily="34" charset="0"/>
                 <a:cs typeface="Times New Roman" panose="02020603050405020304" pitchFamily="18" charset="0"/>
               </a:rPr>
               <a:t>1.1 GIAO DIỆN THAO TÁC</a:t>
             </a:r>
-            <a:endParaRPr lang="en-US" sz="3600" b="1" dirty="0">
-              <a:solidFill>
-                <a:srgbClr val="FF0000"/>
-              </a:solidFill>
-              <a:effectLst>
-                <a:outerShdw blurRad="38100" dist="38100" dir="2700000" algn="tl">
-                  <a:srgbClr val="000000">
-                    <a:alpha val="43137"/>
-                  </a:srgbClr>
-                </a:outerShdw>
-              </a:effectLst>
-              <a:latin typeface="Times New Roman" panose="02020603050405020304" pitchFamily="18" charset="0"/>
-              <a:cs typeface="Times New Roman" panose="02020603050405020304" pitchFamily="18" charset="0"/>
-            </a:endParaRPr>
           </a:p>
         </p:txBody>
       </p:sp>
@@ -13287,8 +12038,8 @@
               <a:buChar char="•"/>
             </a:pPr>
             <a:r>
-              <a:rPr lang="en-US" sz="2400" dirty="0" smtClean="0">
-                <a:latin typeface="Times New Roman" panose="02020603050405020304" pitchFamily="18" charset="0"/>
+              <a:rPr lang="en-US" sz="2000" dirty="0">
+                <a:latin typeface="Segoe UI Black" panose="020B0A02040204020203" pitchFamily="34" charset="0"/>
                 <a:cs typeface="Times New Roman" panose="02020603050405020304" pitchFamily="18" charset="0"/>
               </a:rPr>
               <a:t>Configure Wifi, Đăng nhập vào mạng</a:t>
@@ -13300,8 +12051,8 @@
                 <a:spcPts val="1000"/>
               </a:spcBef>
             </a:pPr>
-            <a:endParaRPr lang="en-US" sz="2400" dirty="0" smtClean="0">
-              <a:latin typeface="Times New Roman" panose="02020603050405020304" pitchFamily="18" charset="0"/>
+            <a:endParaRPr lang="en-US" sz="2000" dirty="0">
+              <a:latin typeface="Segoe UI Black" panose="020B0A02040204020203" pitchFamily="34" charset="0"/>
               <a:cs typeface="Times New Roman" panose="02020603050405020304" pitchFamily="18" charset="0"/>
             </a:endParaRPr>
           </a:p>
@@ -13314,8 +12065,8 @@
               <a:buChar char="•"/>
             </a:pPr>
             <a:r>
-              <a:rPr lang="en-US" sz="2400" dirty="0" smtClean="0">
-                <a:latin typeface="Times New Roman" panose="02020603050405020304" pitchFamily="18" charset="0"/>
+              <a:rPr lang="en-US" sz="2000" dirty="0">
+                <a:latin typeface="Segoe UI Black" panose="020B0A02040204020203" pitchFamily="34" charset="0"/>
                 <a:cs typeface="Times New Roman" panose="02020603050405020304" pitchFamily="18" charset="0"/>
               </a:rPr>
               <a:t>Info, thông tin mạng và thông tin phần cứng</a:t>
@@ -13327,8 +12078,8 @@
                 <a:spcPts val="1000"/>
               </a:spcBef>
             </a:pPr>
-            <a:endParaRPr lang="en-US" sz="2400" dirty="0" smtClean="0">
-              <a:latin typeface="Times New Roman" panose="02020603050405020304" pitchFamily="18" charset="0"/>
+            <a:endParaRPr lang="en-US" sz="2000" dirty="0">
+              <a:latin typeface="Segoe UI Black" panose="020B0A02040204020203" pitchFamily="34" charset="0"/>
               <a:cs typeface="Times New Roman" panose="02020603050405020304" pitchFamily="18" charset="0"/>
             </a:endParaRPr>
           </a:p>
@@ -13341,16 +12092,12 @@
               <a:buChar char="•"/>
             </a:pPr>
             <a:r>
-              <a:rPr lang="en-US" sz="2400" dirty="0" smtClean="0">
-                <a:latin typeface="Times New Roman" panose="02020603050405020304" pitchFamily="18" charset="0"/>
+              <a:rPr lang="en-US" sz="2000" dirty="0">
+                <a:latin typeface="Segoe UI Black" panose="020B0A02040204020203" pitchFamily="34" charset="0"/>
                 <a:cs typeface="Times New Roman" panose="02020603050405020304" pitchFamily="18" charset="0"/>
               </a:rPr>
               <a:t>Exit, ngắt kết nối</a:t>
             </a:r>
-            <a:endParaRPr lang="en-US" sz="2400" dirty="0">
-              <a:latin typeface="Times New Roman" panose="02020603050405020304" pitchFamily="18" charset="0"/>
-              <a:cs typeface="Times New Roman" panose="02020603050405020304" pitchFamily="18" charset="0"/>
-            </a:endParaRPr>
           </a:p>
         </p:txBody>
       </p:sp>
@@ -13388,13 +12135,6 @@
   <p:clrMapOvr>
     <a:masterClrMapping/>
   </p:clrMapOvr>
-  <p:timing>
-    <p:tnLst>
-      <p:par>
-        <p:cTn id="1" dur="indefinite" restart="never" nodeType="tmRoot"/>
-      </p:par>
-    </p:tnLst>
-  </p:timing>
 </p:sld>
 </file>
 
@@ -13427,8 +12167,8 @@
         </p:nvSpPr>
         <p:spPr>
           <a:xfrm>
-            <a:off x="1971675" y="571487"/>
-            <a:ext cx="4711546" cy="590931"/>
+            <a:off x="1971675" y="613037"/>
+            <a:ext cx="3913251" cy="507831"/>
           </a:xfrm>
           <a:prstGeom prst="rect">
             <a:avLst/>
@@ -13442,7 +12182,7 @@
           <a:lstStyle/>
           <a:p>
             <a:r>
-              <a:rPr lang="en-US" sz="3600" b="1" dirty="0" smtClean="0">
+              <a:rPr lang="en-US" sz="3000" b="1" dirty="0">
                 <a:solidFill>
                   <a:srgbClr val="FF0000"/>
                 </a:solidFill>
@@ -13453,25 +12193,11 @@
                     </a:srgbClr>
                   </a:outerShdw>
                 </a:effectLst>
-                <a:latin typeface="Times New Roman" panose="02020603050405020304" pitchFamily="18" charset="0"/>
+                <a:latin typeface="Segoe UI Black" panose="020B0A02040204020203" pitchFamily="34" charset="0"/>
                 <a:cs typeface="Times New Roman" panose="02020603050405020304" pitchFamily="18" charset="0"/>
               </a:rPr>
               <a:t>1.2 EXAMPLE BASIC</a:t>
             </a:r>
-            <a:endParaRPr lang="en-US" sz="3600" b="1" dirty="0">
-              <a:solidFill>
-                <a:srgbClr val="FF0000"/>
-              </a:solidFill>
-              <a:effectLst>
-                <a:outerShdw blurRad="38100" dist="38100" dir="2700000" algn="tl">
-                  <a:srgbClr val="000000">
-                    <a:alpha val="43137"/>
-                  </a:srgbClr>
-                </a:outerShdw>
-              </a:effectLst>
-              <a:latin typeface="Times New Roman" panose="02020603050405020304" pitchFamily="18" charset="0"/>
-              <a:cs typeface="Times New Roman" panose="02020603050405020304" pitchFamily="18" charset="0"/>
-            </a:endParaRPr>
           </a:p>
         </p:txBody>
       </p:sp>
@@ -13493,7 +12219,7 @@
         </p:spPr>
         <p:txBody>
           <a:bodyPr>
-            <a:normAutofit/>
+            <a:normAutofit lnSpcReduction="10000"/>
           </a:bodyPr>
           <a:lstStyle/>
           <a:p>
@@ -13507,22 +12233,11 @@
             </a:pPr>
             <a:r>
               <a:rPr lang="en-US" dirty="0">
-                <a:latin typeface="Times New Roman" panose="02020603050405020304" pitchFamily="18" charset="0"/>
-                <a:cs typeface="Times New Roman" panose="02020603050405020304" pitchFamily="18" charset="0"/>
-              </a:rPr>
-              <a:t>#include &lt;WiFiManager.h&gt; // https://</a:t>
-            </a:r>
-            <a:r>
-              <a:rPr lang="en-US" dirty="0" smtClean="0">
-                <a:latin typeface="Times New Roman" panose="02020603050405020304" pitchFamily="18" charset="0"/>
-                <a:cs typeface="Times New Roman" panose="02020603050405020304" pitchFamily="18" charset="0"/>
-              </a:rPr>
-              <a:t>github.com/tzapu/WiFiManager</a:t>
-            </a:r>
-            <a:endParaRPr lang="en-US" dirty="0">
-              <a:latin typeface="Times New Roman" panose="02020603050405020304" pitchFamily="18" charset="0"/>
-              <a:cs typeface="Times New Roman" panose="02020603050405020304" pitchFamily="18" charset="0"/>
-            </a:endParaRPr>
+                <a:latin typeface="Segoe UI Black" panose="020B0A02040204020203" pitchFamily="34" charset="0"/>
+                <a:cs typeface="Times New Roman" panose="02020603050405020304" pitchFamily="18" charset="0"/>
+              </a:rPr>
+              <a:t>#include &lt;WiFiManager.h&gt; // https://github.com/tzapu/WiFiManager</a:t>
+            </a:r>
           </a:p>
           <a:p>
             <a:pPr>
@@ -13535,7 +12250,7 @@
             </a:pPr>
             <a:r>
               <a:rPr lang="en-US" dirty="0">
-                <a:latin typeface="Times New Roman" panose="02020603050405020304" pitchFamily="18" charset="0"/>
+                <a:latin typeface="Segoe UI Black" panose="020B0A02040204020203" pitchFamily="34" charset="0"/>
                 <a:cs typeface="Times New Roman" panose="02020603050405020304" pitchFamily="18" charset="0"/>
               </a:rPr>
               <a:t>void setup() {</a:t>
@@ -13552,7 +12267,7 @@
             </a:pPr>
             <a:r>
               <a:rPr lang="en-US" dirty="0">
-                <a:latin typeface="Times New Roman" panose="02020603050405020304" pitchFamily="18" charset="0"/>
+                <a:latin typeface="Segoe UI Black" panose="020B0A02040204020203" pitchFamily="34" charset="0"/>
                 <a:cs typeface="Times New Roman" panose="02020603050405020304" pitchFamily="18" charset="0"/>
               </a:rPr>
               <a:t>    WiFi.mode(WIFI_STA); // explicitly set mode, esp defaults to STA+AP</a:t>
@@ -13569,7 +12284,7 @@
             </a:pPr>
             <a:r>
               <a:rPr lang="en-US" dirty="0">
-                <a:latin typeface="Times New Roman" panose="02020603050405020304" pitchFamily="18" charset="0"/>
+                <a:latin typeface="Segoe UI Black" panose="020B0A02040204020203" pitchFamily="34" charset="0"/>
                 <a:cs typeface="Times New Roman" panose="02020603050405020304" pitchFamily="18" charset="0"/>
               </a:rPr>
               <a:t>    // put your setup code here, to run once:</a:t>
@@ -13586,7 +12301,7 @@
             </a:pPr>
             <a:r>
               <a:rPr lang="en-US" dirty="0">
-                <a:latin typeface="Times New Roman" panose="02020603050405020304" pitchFamily="18" charset="0"/>
+                <a:latin typeface="Segoe UI Black" panose="020B0A02040204020203" pitchFamily="34" charset="0"/>
                 <a:cs typeface="Times New Roman" panose="02020603050405020304" pitchFamily="18" charset="0"/>
               </a:rPr>
               <a:t>    Serial.begin(115200);</a:t>
@@ -13602,18 +12317,11 @@
               </a:spcBef>
             </a:pPr>
             <a:r>
-              <a:rPr lang="en-US" dirty="0" smtClean="0">
-                <a:latin typeface="Times New Roman" panose="02020603050405020304" pitchFamily="18" charset="0"/>
-                <a:cs typeface="Times New Roman" panose="02020603050405020304" pitchFamily="18" charset="0"/>
-              </a:rPr>
-              <a:t>WiFiManager </a:t>
-            </a:r>
-            <a:r>
               <a:rPr lang="en-US" dirty="0">
-                <a:latin typeface="Times New Roman" panose="02020603050405020304" pitchFamily="18" charset="0"/>
-                <a:cs typeface="Times New Roman" panose="02020603050405020304" pitchFamily="18" charset="0"/>
-              </a:rPr>
-              <a:t>wm;</a:t>
+                <a:latin typeface="Segoe UI Black" panose="020B0A02040204020203" pitchFamily="34" charset="0"/>
+                <a:cs typeface="Times New Roman" panose="02020603050405020304" pitchFamily="18" charset="0"/>
+              </a:rPr>
+              <a:t>WiFiManager wm;</a:t>
             </a:r>
           </a:p>
           <a:p>
@@ -13627,7 +12335,7 @@
             </a:pPr>
             <a:r>
               <a:rPr lang="en-US" dirty="0">
-                <a:latin typeface="Times New Roman" panose="02020603050405020304" pitchFamily="18" charset="0"/>
+                <a:latin typeface="Segoe UI Black" panose="020B0A02040204020203" pitchFamily="34" charset="0"/>
                 <a:cs typeface="Times New Roman" panose="02020603050405020304" pitchFamily="18" charset="0"/>
               </a:rPr>
               <a:t>    //reset settings - wipe credentials for testing</a:t>
@@ -13644,7 +12352,7 @@
             </a:pPr>
             <a:r>
               <a:rPr lang="en-US" dirty="0">
-                <a:latin typeface="Times New Roman" panose="02020603050405020304" pitchFamily="18" charset="0"/>
+                <a:latin typeface="Segoe UI Black" panose="020B0A02040204020203" pitchFamily="34" charset="0"/>
                 <a:cs typeface="Times New Roman" panose="02020603050405020304" pitchFamily="18" charset="0"/>
               </a:rPr>
               <a:t>    wm.resetSettings();</a:t>
@@ -13661,7 +12369,7 @@
             </a:pPr>
             <a:r>
               <a:rPr lang="en-US" dirty="0">
-                <a:latin typeface="Times New Roman" panose="02020603050405020304" pitchFamily="18" charset="0"/>
+                <a:latin typeface="Segoe UI Black" panose="020B0A02040204020203" pitchFamily="34" charset="0"/>
                 <a:cs typeface="Times New Roman" panose="02020603050405020304" pitchFamily="18" charset="0"/>
               </a:rPr>
               <a:t>    bool res;</a:t>
@@ -13678,7 +12386,7 @@
             </a:pPr>
             <a:r>
               <a:rPr lang="en-US" dirty="0">
-                <a:latin typeface="Times New Roman" panose="02020603050405020304" pitchFamily="18" charset="0"/>
+                <a:latin typeface="Segoe UI Black" panose="020B0A02040204020203" pitchFamily="34" charset="0"/>
                 <a:cs typeface="Times New Roman" panose="02020603050405020304" pitchFamily="18" charset="0"/>
               </a:rPr>
               <a:t>    // res = wm.autoConnect(); // auto generated AP name from chipid</a:t>
@@ -13695,15 +12403,11 @@
             </a:pPr>
             <a:r>
               <a:rPr lang="en-US" dirty="0">
-                <a:latin typeface="Times New Roman" panose="02020603050405020304" pitchFamily="18" charset="0"/>
+                <a:latin typeface="Segoe UI Black" panose="020B0A02040204020203" pitchFamily="34" charset="0"/>
                 <a:cs typeface="Times New Roman" panose="02020603050405020304" pitchFamily="18" charset="0"/>
               </a:rPr>
               <a:t>    // res = wm.autoConnect("AutoConnectAP"); </a:t>
             </a:r>
-            <a:endParaRPr lang="en-US" dirty="0" smtClean="0">
-              <a:latin typeface="Times New Roman" panose="02020603050405020304" pitchFamily="18" charset="0"/>
-              <a:cs typeface="Times New Roman" panose="02020603050405020304" pitchFamily="18" charset="0"/>
-            </a:endParaRPr>
           </a:p>
           <a:p>
             <a:pPr>
@@ -13715,18 +12419,11 @@
               </a:spcBef>
             </a:pPr>
             <a:r>
-              <a:rPr lang="en-US" dirty="0" smtClean="0">
-                <a:latin typeface="Times New Roman" panose="02020603050405020304" pitchFamily="18" charset="0"/>
-                <a:cs typeface="Times New Roman" panose="02020603050405020304" pitchFamily="18" charset="0"/>
-              </a:rPr>
-              <a:t>// </a:t>
-            </a:r>
-            <a:r>
               <a:rPr lang="en-US" dirty="0">
-                <a:latin typeface="Times New Roman" panose="02020603050405020304" pitchFamily="18" charset="0"/>
-                <a:cs typeface="Times New Roman" panose="02020603050405020304" pitchFamily="18" charset="0"/>
-              </a:rPr>
-              <a:t>anonymous ap</a:t>
+                <a:latin typeface="Segoe UI Black" panose="020B0A02040204020203" pitchFamily="34" charset="0"/>
+                <a:cs typeface="Times New Roman" panose="02020603050405020304" pitchFamily="18" charset="0"/>
+              </a:rPr>
+              <a:t>// anonymous ap</a:t>
             </a:r>
           </a:p>
           <a:p>
@@ -13740,22 +12437,11 @@
             </a:pPr>
             <a:r>
               <a:rPr lang="en-US" dirty="0">
-                <a:latin typeface="Times New Roman" panose="02020603050405020304" pitchFamily="18" charset="0"/>
-                <a:cs typeface="Times New Roman" panose="02020603050405020304" pitchFamily="18" charset="0"/>
-              </a:rPr>
-              <a:t>    res = wm.autoConnect("AutoConnectAP","password"); // password protected </a:t>
-            </a:r>
-            <a:r>
-              <a:rPr lang="en-US" dirty="0" smtClean="0">
-                <a:latin typeface="Times New Roman" panose="02020603050405020304" pitchFamily="18" charset="0"/>
-                <a:cs typeface="Times New Roman" panose="02020603050405020304" pitchFamily="18" charset="0"/>
-              </a:rPr>
-              <a:t>ap</a:t>
-            </a:r>
-            <a:endParaRPr lang="en-US" dirty="0">
-              <a:latin typeface="Times New Roman" panose="02020603050405020304" pitchFamily="18" charset="0"/>
-              <a:cs typeface="Times New Roman" panose="02020603050405020304" pitchFamily="18" charset="0"/>
-            </a:endParaRPr>
+                <a:latin typeface="Segoe UI Black" panose="020B0A02040204020203" pitchFamily="34" charset="0"/>
+                <a:cs typeface="Times New Roman" panose="02020603050405020304" pitchFamily="18" charset="0"/>
+              </a:rPr>
+              <a:t>    res = wm.autoConnect("AutoConnectAP","password"); // password protected ap</a:t>
+            </a:r>
           </a:p>
         </p:txBody>
       </p:sp>
@@ -13768,7 +12454,7 @@
         <p:spPr>
           <a:xfrm>
             <a:off x="6683221" y="1847904"/>
-            <a:ext cx="5508779" cy="3693319"/>
+            <a:ext cx="5508779" cy="4247317"/>
           </a:xfrm>
           <a:prstGeom prst="rect">
             <a:avLst/>
@@ -13782,7 +12468,7 @@
           <a:p>
             <a:r>
               <a:rPr lang="en-US" dirty="0">
-                <a:latin typeface="Times New Roman" panose="02020603050405020304" pitchFamily="18" charset="0"/>
+                <a:latin typeface="Segoe UI Black" panose="020B0A02040204020203" pitchFamily="34" charset="0"/>
                 <a:cs typeface="Times New Roman" panose="02020603050405020304" pitchFamily="18" charset="0"/>
               </a:rPr>
               <a:t> if(!res) {</a:t>
@@ -13791,7 +12477,7 @@
           <a:p>
             <a:r>
               <a:rPr lang="en-US" dirty="0">
-                <a:latin typeface="Times New Roman" panose="02020603050405020304" pitchFamily="18" charset="0"/>
+                <a:latin typeface="Segoe UI Black" panose="020B0A02040204020203" pitchFamily="34" charset="0"/>
                 <a:cs typeface="Times New Roman" panose="02020603050405020304" pitchFamily="18" charset="0"/>
               </a:rPr>
               <a:t>        Serial.println("Failed to connect");</a:t>
@@ -13800,7 +12486,7 @@
           <a:p>
             <a:r>
               <a:rPr lang="en-US" dirty="0">
-                <a:latin typeface="Times New Roman" panose="02020603050405020304" pitchFamily="18" charset="0"/>
+                <a:latin typeface="Segoe UI Black" panose="020B0A02040204020203" pitchFamily="34" charset="0"/>
                 <a:cs typeface="Times New Roman" panose="02020603050405020304" pitchFamily="18" charset="0"/>
               </a:rPr>
               <a:t>        // ESP.restart();</a:t>
@@ -13809,7 +12495,7 @@
           <a:p>
             <a:r>
               <a:rPr lang="en-US" dirty="0">
-                <a:latin typeface="Times New Roman" panose="02020603050405020304" pitchFamily="18" charset="0"/>
+                <a:latin typeface="Segoe UI Black" panose="020B0A02040204020203" pitchFamily="34" charset="0"/>
                 <a:cs typeface="Times New Roman" panose="02020603050405020304" pitchFamily="18" charset="0"/>
               </a:rPr>
               <a:t>    } </a:t>
@@ -13818,7 +12504,7 @@
           <a:p>
             <a:r>
               <a:rPr lang="en-US" dirty="0">
-                <a:latin typeface="Times New Roman" panose="02020603050405020304" pitchFamily="18" charset="0"/>
+                <a:latin typeface="Segoe UI Black" panose="020B0A02040204020203" pitchFamily="34" charset="0"/>
                 <a:cs typeface="Times New Roman" panose="02020603050405020304" pitchFamily="18" charset="0"/>
               </a:rPr>
               <a:t>    else {</a:t>
@@ -13827,7 +12513,7 @@
           <a:p>
             <a:r>
               <a:rPr lang="en-US" dirty="0">
-                <a:latin typeface="Times New Roman" panose="02020603050405020304" pitchFamily="18" charset="0"/>
+                <a:latin typeface="Segoe UI Black" panose="020B0A02040204020203" pitchFamily="34" charset="0"/>
                 <a:cs typeface="Times New Roman" panose="02020603050405020304" pitchFamily="18" charset="0"/>
               </a:rPr>
               <a:t>        //if you get here you have connected to the WiFi    </a:t>
@@ -13836,7 +12522,7 @@
           <a:p>
             <a:r>
               <a:rPr lang="en-US" dirty="0">
-                <a:latin typeface="Times New Roman" panose="02020603050405020304" pitchFamily="18" charset="0"/>
+                <a:latin typeface="Segoe UI Black" panose="020B0A02040204020203" pitchFamily="34" charset="0"/>
                 <a:cs typeface="Times New Roman" panose="02020603050405020304" pitchFamily="18" charset="0"/>
               </a:rPr>
               <a:t>        Serial.println("connected...yeey :)");</a:t>
@@ -13845,7 +12531,7 @@
           <a:p>
             <a:r>
               <a:rPr lang="en-US" dirty="0">
-                <a:latin typeface="Times New Roman" panose="02020603050405020304" pitchFamily="18" charset="0"/>
+                <a:latin typeface="Segoe UI Black" panose="020B0A02040204020203" pitchFamily="34" charset="0"/>
                 <a:cs typeface="Times New Roman" panose="02020603050405020304" pitchFamily="18" charset="0"/>
               </a:rPr>
               <a:t>    }</a:t>
@@ -13853,14 +12539,14 @@
           </a:p>
           <a:p>
             <a:endParaRPr lang="en-US" dirty="0">
-              <a:latin typeface="Times New Roman" panose="02020603050405020304" pitchFamily="18" charset="0"/>
+              <a:latin typeface="Segoe UI Black" panose="020B0A02040204020203" pitchFamily="34" charset="0"/>
               <a:cs typeface="Times New Roman" panose="02020603050405020304" pitchFamily="18" charset="0"/>
             </a:endParaRPr>
           </a:p>
           <a:p>
             <a:r>
               <a:rPr lang="en-US" dirty="0">
-                <a:latin typeface="Times New Roman" panose="02020603050405020304" pitchFamily="18" charset="0"/>
+                <a:latin typeface="Segoe UI Black" panose="020B0A02040204020203" pitchFamily="34" charset="0"/>
                 <a:cs typeface="Times New Roman" panose="02020603050405020304" pitchFamily="18" charset="0"/>
               </a:rPr>
               <a:t>}</a:t>
@@ -13869,7 +12555,7 @@
           <a:p>
             <a:r>
               <a:rPr lang="en-US" dirty="0">
-                <a:latin typeface="Times New Roman" panose="02020603050405020304" pitchFamily="18" charset="0"/>
+                <a:latin typeface="Segoe UI Black" panose="020B0A02040204020203" pitchFamily="34" charset="0"/>
                 <a:cs typeface="Times New Roman" panose="02020603050405020304" pitchFamily="18" charset="0"/>
               </a:rPr>
               <a:t>void loop() {</a:t>
@@ -13878,7 +12564,7 @@
           <a:p>
             <a:r>
               <a:rPr lang="en-US" dirty="0">
-                <a:latin typeface="Times New Roman" panose="02020603050405020304" pitchFamily="18" charset="0"/>
+                <a:latin typeface="Segoe UI Black" panose="020B0A02040204020203" pitchFamily="34" charset="0"/>
                 <a:cs typeface="Times New Roman" panose="02020603050405020304" pitchFamily="18" charset="0"/>
               </a:rPr>
               <a:t>    // put your main code here, to run repeatedly:</a:t>
@@ -13887,7 +12573,7 @@
           <a:p>
             <a:r>
               <a:rPr lang="en-US" dirty="0">
-                <a:latin typeface="Times New Roman" panose="02020603050405020304" pitchFamily="18" charset="0"/>
+                <a:latin typeface="Segoe UI Black" panose="020B0A02040204020203" pitchFamily="34" charset="0"/>
                 <a:cs typeface="Times New Roman" panose="02020603050405020304" pitchFamily="18" charset="0"/>
               </a:rPr>
               <a:t>}</a:t>
@@ -13905,13 +12591,6 @@
   <p:clrMapOvr>
     <a:masterClrMapping/>
   </p:clrMapOvr>
-  <p:timing>
-    <p:tnLst>
-      <p:par>
-        <p:cTn id="1" dur="indefinite" restart="never" nodeType="tmRoot"/>
-      </p:par>
-    </p:tnLst>
-  </p:timing>
 </p:sld>
 </file>
 
@@ -13944,8 +12623,8 @@
         </p:nvSpPr>
         <p:spPr>
           <a:xfrm>
-            <a:off x="1971675" y="571487"/>
-            <a:ext cx="4711546" cy="590931"/>
+            <a:off x="1971675" y="613037"/>
+            <a:ext cx="3913251" cy="507831"/>
           </a:xfrm>
           <a:prstGeom prst="rect">
             <a:avLst/>
@@ -13959,7 +12638,7 @@
           <a:lstStyle/>
           <a:p>
             <a:r>
-              <a:rPr lang="en-US" sz="3600" b="1" dirty="0" smtClean="0">
+              <a:rPr lang="en-US" sz="3000" b="1" dirty="0">
                 <a:solidFill>
                   <a:srgbClr val="FF0000"/>
                 </a:solidFill>
@@ -13970,25 +12649,11 @@
                     </a:srgbClr>
                   </a:outerShdw>
                 </a:effectLst>
-                <a:latin typeface="Times New Roman" panose="02020603050405020304" pitchFamily="18" charset="0"/>
+                <a:latin typeface="Segoe UI Black" panose="020B0A02040204020203" pitchFamily="34" charset="0"/>
                 <a:cs typeface="Times New Roman" panose="02020603050405020304" pitchFamily="18" charset="0"/>
               </a:rPr>
               <a:t>1.2 EXAMPLE BASIC</a:t>
             </a:r>
-            <a:endParaRPr lang="en-US" sz="3600" b="1" dirty="0">
-              <a:solidFill>
-                <a:srgbClr val="FF0000"/>
-              </a:solidFill>
-              <a:effectLst>
-                <a:outerShdw blurRad="38100" dist="38100" dir="2700000" algn="tl">
-                  <a:srgbClr val="000000">
-                    <a:alpha val="43137"/>
-                  </a:srgbClr>
-                </a:outerShdw>
-              </a:effectLst>
-              <a:latin typeface="Times New Roman" panose="02020603050405020304" pitchFamily="18" charset="0"/>
-              <a:cs typeface="Times New Roman" panose="02020603050405020304" pitchFamily="18" charset="0"/>
-            </a:endParaRPr>
           </a:p>
         </p:txBody>
       </p:sp>
@@ -14001,7 +12666,7 @@
         <p:spPr>
           <a:xfrm>
             <a:off x="1971675" y="1923581"/>
-            <a:ext cx="9389052" cy="2308324"/>
+            <a:ext cx="9389052" cy="1938992"/>
           </a:xfrm>
           <a:prstGeom prst="rect">
             <a:avLst/>
@@ -14018,18 +12683,11 @@
               <a:buChar char="•"/>
             </a:pPr>
             <a:r>
-              <a:rPr lang="en-US" sz="2400" dirty="0">
-                <a:latin typeface="Times New Roman" panose="02020603050405020304" pitchFamily="18" charset="0"/>
-                <a:cs typeface="Times New Roman" panose="02020603050405020304" pitchFamily="18" charset="0"/>
-              </a:rPr>
-              <a:t>WiFi.mode</a:t>
-            </a:r>
-            <a:r>
-              <a:rPr lang="en-US" sz="2400" dirty="0" smtClean="0">
-                <a:latin typeface="Times New Roman" panose="02020603050405020304" pitchFamily="18" charset="0"/>
-                <a:cs typeface="Times New Roman" panose="02020603050405020304" pitchFamily="18" charset="0"/>
-              </a:rPr>
-              <a:t>: là lệnh set up các chế độ của wifi cụ thể là ESP32</a:t>
+              <a:rPr lang="en-US" sz="2000" dirty="0">
+                <a:latin typeface="Segoe UI Black" panose="020B0A02040204020203" pitchFamily="34" charset="0"/>
+                <a:cs typeface="Times New Roman" panose="02020603050405020304" pitchFamily="18" charset="0"/>
+              </a:rPr>
+              <a:t>WiFi.mode: là lệnh set up các chế độ của wifi cụ thể là ESP32</a:t>
             </a:r>
           </a:p>
           <a:p>
@@ -14037,8 +12695,8 @@
               <a:buFont typeface="Arial" panose="020B0604020202020204" pitchFamily="34" charset="0"/>
               <a:buChar char="•"/>
             </a:pPr>
-            <a:endParaRPr lang="en-US" sz="2400" dirty="0">
-              <a:latin typeface="Times New Roman" panose="02020603050405020304" pitchFamily="18" charset="0"/>
+            <a:endParaRPr lang="en-US" sz="2000" dirty="0">
+              <a:latin typeface="Segoe UI Black" panose="020B0A02040204020203" pitchFamily="34" charset="0"/>
               <a:cs typeface="Times New Roman" panose="02020603050405020304" pitchFamily="18" charset="0"/>
             </a:endParaRPr>
           </a:p>
@@ -14048,33 +12706,26 @@
               <a:buChar char="•"/>
             </a:pPr>
             <a:r>
-              <a:rPr lang="en-US" sz="2400" dirty="0" smtClean="0">
-                <a:latin typeface="Times New Roman" panose="02020603050405020304" pitchFamily="18" charset="0"/>
+              <a:rPr lang="en-US" sz="2000" dirty="0">
+                <a:latin typeface="Segoe UI Black" panose="020B0A02040204020203" pitchFamily="34" charset="0"/>
                 <a:cs typeface="Times New Roman" panose="02020603050405020304" pitchFamily="18" charset="0"/>
               </a:rPr>
               <a:t>WIFI_STA: là chế độ mặc định của esp vừa là trạm vừa là điểm truy cập access point</a:t>
             </a:r>
           </a:p>
           <a:p>
-            <a:endParaRPr lang="en-US" sz="2400" dirty="0" smtClean="0">
-              <a:latin typeface="Times New Roman" panose="02020603050405020304" pitchFamily="18" charset="0"/>
+            <a:endParaRPr lang="en-US" sz="2000" dirty="0">
+              <a:latin typeface="Segoe UI Black" panose="020B0A02040204020203" pitchFamily="34" charset="0"/>
               <a:cs typeface="Times New Roman" panose="02020603050405020304" pitchFamily="18" charset="0"/>
             </a:endParaRPr>
           </a:p>
           <a:p>
             <a:r>
-              <a:rPr lang="en-US" sz="2400" dirty="0" smtClean="0">
-                <a:latin typeface="Times New Roman" panose="02020603050405020304" pitchFamily="18" charset="0"/>
-                <a:cs typeface="Times New Roman" panose="02020603050405020304" pitchFamily="18" charset="0"/>
-              </a:rPr>
-              <a:t>WiFi.mode(WIFI_STA</a:t>
-            </a:r>
-            <a:r>
-              <a:rPr lang="en-US" sz="2400" dirty="0">
-                <a:latin typeface="Times New Roman" panose="02020603050405020304" pitchFamily="18" charset="0"/>
-                <a:cs typeface="Times New Roman" panose="02020603050405020304" pitchFamily="18" charset="0"/>
-              </a:rPr>
-              <a:t>); // explicitly set mode, esp defaults to STA+AP</a:t>
+              <a:rPr lang="en-US" sz="2000" dirty="0">
+                <a:latin typeface="Segoe UI Black" panose="020B0A02040204020203" pitchFamily="34" charset="0"/>
+                <a:cs typeface="Times New Roman" panose="02020603050405020304" pitchFamily="18" charset="0"/>
+              </a:rPr>
+              <a:t>WiFi.mode(WIFI_STA); // explicitly set mode, esp defaults to STA+AP</a:t>
             </a:r>
           </a:p>
         </p:txBody>
@@ -14089,13 +12740,6 @@
   <p:clrMapOvr>
     <a:masterClrMapping/>
   </p:clrMapOvr>
-  <p:timing>
-    <p:tnLst>
-      <p:par>
-        <p:cTn id="1" dur="indefinite" restart="never" nodeType="tmRoot"/>
-      </p:par>
-    </p:tnLst>
-  </p:timing>
 </p:sld>
 </file>
 
@@ -14128,8 +12772,8 @@
         </p:nvSpPr>
         <p:spPr>
           <a:xfrm>
-            <a:off x="1971675" y="571487"/>
-            <a:ext cx="4711546" cy="590931"/>
+            <a:off x="1971675" y="613037"/>
+            <a:ext cx="3913251" cy="507831"/>
           </a:xfrm>
           <a:prstGeom prst="rect">
             <a:avLst/>
@@ -14143,7 +12787,7 @@
           <a:lstStyle/>
           <a:p>
             <a:r>
-              <a:rPr lang="en-US" sz="3600" b="1" dirty="0" smtClean="0">
+              <a:rPr lang="en-US" sz="3000" b="1" dirty="0">
                 <a:solidFill>
                   <a:srgbClr val="FF0000"/>
                 </a:solidFill>
@@ -14154,25 +12798,11 @@
                     </a:srgbClr>
                   </a:outerShdw>
                 </a:effectLst>
-                <a:latin typeface="Times New Roman" panose="02020603050405020304" pitchFamily="18" charset="0"/>
+                <a:latin typeface="Segoe UI Black" panose="020B0A02040204020203" pitchFamily="34" charset="0"/>
                 <a:cs typeface="Times New Roman" panose="02020603050405020304" pitchFamily="18" charset="0"/>
               </a:rPr>
               <a:t>1.2 EXAMPLE BASIC</a:t>
             </a:r>
-            <a:endParaRPr lang="en-US" sz="3600" b="1" dirty="0">
-              <a:solidFill>
-                <a:srgbClr val="FF0000"/>
-              </a:solidFill>
-              <a:effectLst>
-                <a:outerShdw blurRad="38100" dist="38100" dir="2700000" algn="tl">
-                  <a:srgbClr val="000000">
-                    <a:alpha val="43137"/>
-                  </a:srgbClr>
-                </a:outerShdw>
-              </a:effectLst>
-              <a:latin typeface="Times New Roman" panose="02020603050405020304" pitchFamily="18" charset="0"/>
-              <a:cs typeface="Times New Roman" panose="02020603050405020304" pitchFamily="18" charset="0"/>
-            </a:endParaRPr>
           </a:p>
         </p:txBody>
       </p:sp>
@@ -14185,7 +12815,7 @@
         <p:spPr>
           <a:xfrm>
             <a:off x="1971675" y="1923581"/>
-            <a:ext cx="9389052" cy="3748719"/>
+            <a:ext cx="9389052" cy="3513719"/>
           </a:xfrm>
           <a:prstGeom prst="rect">
             <a:avLst/>
@@ -14208,18 +12838,11 @@
               <a:buChar char="•"/>
             </a:pPr>
             <a:r>
-              <a:rPr lang="en-US" sz="2400" dirty="0">
-                <a:latin typeface="Times New Roman" panose="02020603050405020304" pitchFamily="18" charset="0"/>
-                <a:cs typeface="Times New Roman" panose="02020603050405020304" pitchFamily="18" charset="0"/>
-              </a:rPr>
-              <a:t>WiFiManager wm</a:t>
-            </a:r>
-            <a:r>
-              <a:rPr lang="en-US" sz="2400" dirty="0" smtClean="0">
-                <a:latin typeface="Times New Roman" panose="02020603050405020304" pitchFamily="18" charset="0"/>
-                <a:cs typeface="Times New Roman" panose="02020603050405020304" pitchFamily="18" charset="0"/>
-              </a:rPr>
-              <a:t>;</a:t>
+              <a:rPr lang="en-US" sz="2000" dirty="0">
+                <a:latin typeface="Segoe UI Black" panose="020B0A02040204020203" pitchFamily="34" charset="0"/>
+                <a:cs typeface="Times New Roman" panose="02020603050405020304" pitchFamily="18" charset="0"/>
+              </a:rPr>
+              <a:t>WiFiManager wm;</a:t>
             </a:r>
           </a:p>
           <a:p>
@@ -14232,8 +12855,8 @@
               </a:spcBef>
             </a:pPr>
             <a:r>
-              <a:rPr lang="en-US" sz="2400" i="1" dirty="0" smtClean="0">
-                <a:latin typeface="Times New Roman" panose="02020603050405020304" pitchFamily="18" charset="0"/>
+              <a:rPr lang="en-US" sz="2000" i="1" dirty="0">
+                <a:latin typeface="Segoe UI Black" panose="020B0A02040204020203" pitchFamily="34" charset="0"/>
                 <a:cs typeface="Times New Roman" panose="02020603050405020304" pitchFamily="18" charset="0"/>
               </a:rPr>
               <a:t>Gọi tắt tên của WiFiManager với tên là wm</a:t>
@@ -14248,8 +12871,8 @@
                 <a:spcPts val="0"/>
               </a:spcBef>
             </a:pPr>
-            <a:endParaRPr lang="en-US" sz="2400" i="1" dirty="0" smtClean="0">
-              <a:latin typeface="Times New Roman" panose="02020603050405020304" pitchFamily="18" charset="0"/>
+            <a:endParaRPr lang="en-US" sz="2000" i="1" dirty="0">
+              <a:latin typeface="Segoe UI Black" panose="020B0A02040204020203" pitchFamily="34" charset="0"/>
               <a:cs typeface="Times New Roman" panose="02020603050405020304" pitchFamily="18" charset="0"/>
             </a:endParaRPr>
           </a:p>
@@ -14262,18 +12885,11 @@
               <a:buChar char="•"/>
             </a:pPr>
             <a:r>
-              <a:rPr lang="en-US" sz="2400" dirty="0">
-                <a:latin typeface="Times New Roman" panose="02020603050405020304" pitchFamily="18" charset="0"/>
-                <a:cs typeface="Times New Roman" panose="02020603050405020304" pitchFamily="18" charset="0"/>
-              </a:rPr>
-              <a:t>wm.resetSettings</a:t>
-            </a:r>
-            <a:r>
-              <a:rPr lang="en-US" sz="2400" dirty="0" smtClean="0">
-                <a:latin typeface="Times New Roman" panose="02020603050405020304" pitchFamily="18" charset="0"/>
-                <a:cs typeface="Times New Roman" panose="02020603050405020304" pitchFamily="18" charset="0"/>
-              </a:rPr>
-              <a:t>();</a:t>
+              <a:rPr lang="en-US" sz="2000" dirty="0">
+                <a:latin typeface="Segoe UI Black" panose="020B0A02040204020203" pitchFamily="34" charset="0"/>
+                <a:cs typeface="Times New Roman" panose="02020603050405020304" pitchFamily="18" charset="0"/>
+              </a:rPr>
+              <a:t>wm.resetSettings();</a:t>
             </a:r>
           </a:p>
           <a:p>
@@ -14283,8 +12899,8 @@
               </a:lnSpc>
             </a:pPr>
             <a:r>
-              <a:rPr lang="en-US" sz="2400" i="1" dirty="0" smtClean="0">
-                <a:latin typeface="Times New Roman" panose="02020603050405020304" pitchFamily="18" charset="0"/>
+              <a:rPr lang="en-US" sz="2000" i="1" dirty="0">
+                <a:latin typeface="Segoe UI Black" panose="020B0A02040204020203" pitchFamily="34" charset="0"/>
                 <a:cs typeface="Times New Roman" panose="02020603050405020304" pitchFamily="18" charset="0"/>
               </a:rPr>
               <a:t>Trong khi test ta sử dụng reset để mở AP để setting sau mỗi lần khởi động</a:t>
@@ -14297,16 +12913,12 @@
               </a:lnSpc>
             </a:pPr>
             <a:r>
-              <a:rPr lang="en-US" sz="2400" i="1" dirty="0" smtClean="0">
-                <a:latin typeface="Times New Roman" panose="02020603050405020304" pitchFamily="18" charset="0"/>
+              <a:rPr lang="en-US" sz="2000" i="1" dirty="0">
+                <a:latin typeface="Segoe UI Black" panose="020B0A02040204020203" pitchFamily="34" charset="0"/>
                 <a:cs typeface="Times New Roman" panose="02020603050405020304" pitchFamily="18" charset="0"/>
               </a:rPr>
               <a:t>Tắt reset nếu đã hoàn thành công việc test sau khi set up wifi sẽ tắt AP để luôn luôn truy cập vào một điểm cố định đã được lưu vào bộ nhớ lưu trữ dữ liệu wifi</a:t>
             </a:r>
-            <a:endParaRPr lang="en-US" sz="2400" i="1" dirty="0">
-              <a:latin typeface="Times New Roman" panose="02020603050405020304" pitchFamily="18" charset="0"/>
-              <a:cs typeface="Times New Roman" panose="02020603050405020304" pitchFamily="18" charset="0"/>
-            </a:endParaRPr>
           </a:p>
           <a:p>
             <a:pPr>
@@ -14318,7 +12930,7 @@
               </a:spcBef>
             </a:pPr>
             <a:endParaRPr lang="en-US" sz="2400" dirty="0">
-              <a:latin typeface="Times New Roman" panose="02020603050405020304" pitchFamily="18" charset="0"/>
+              <a:latin typeface="Segoe UI Black" panose="020B0A02040204020203" pitchFamily="34" charset="0"/>
               <a:cs typeface="Times New Roman" panose="02020603050405020304" pitchFamily="18" charset="0"/>
             </a:endParaRPr>
           </a:p>
@@ -14334,13 +12946,6 @@
   <p:clrMapOvr>
     <a:masterClrMapping/>
   </p:clrMapOvr>
-  <p:timing>
-    <p:tnLst>
-      <p:par>
-        <p:cTn id="1" dur="indefinite" restart="never" nodeType="tmRoot"/>
-      </p:par>
-    </p:tnLst>
-  </p:timing>
 </p:sld>
 </file>
 
@@ -14373,8 +12978,8 @@
         </p:nvSpPr>
         <p:spPr>
           <a:xfrm>
-            <a:off x="1971675" y="571487"/>
-            <a:ext cx="4711546" cy="590931"/>
+            <a:off x="1971675" y="613037"/>
+            <a:ext cx="3913251" cy="507831"/>
           </a:xfrm>
           <a:prstGeom prst="rect">
             <a:avLst/>
@@ -14388,7 +12993,7 @@
           <a:lstStyle/>
           <a:p>
             <a:r>
-              <a:rPr lang="en-US" sz="3600" b="1" dirty="0" smtClean="0">
+              <a:rPr lang="en-US" sz="3000" b="1" dirty="0">
                 <a:solidFill>
                   <a:srgbClr val="FF0000"/>
                 </a:solidFill>
@@ -14399,25 +13004,11 @@
                     </a:srgbClr>
                   </a:outerShdw>
                 </a:effectLst>
-                <a:latin typeface="Times New Roman" panose="02020603050405020304" pitchFamily="18" charset="0"/>
+                <a:latin typeface="Segoe UI Black" panose="020B0A02040204020203" pitchFamily="34" charset="0"/>
                 <a:cs typeface="Times New Roman" panose="02020603050405020304" pitchFamily="18" charset="0"/>
               </a:rPr>
               <a:t>1.2 EXAMPLE BASIC</a:t>
             </a:r>
-            <a:endParaRPr lang="en-US" sz="3600" b="1" dirty="0">
-              <a:solidFill>
-                <a:srgbClr val="FF0000"/>
-              </a:solidFill>
-              <a:effectLst>
-                <a:outerShdw blurRad="38100" dist="38100" dir="2700000" algn="tl">
-                  <a:srgbClr val="000000">
-                    <a:alpha val="43137"/>
-                  </a:srgbClr>
-                </a:outerShdw>
-              </a:effectLst>
-              <a:latin typeface="Times New Roman" panose="02020603050405020304" pitchFamily="18" charset="0"/>
-              <a:cs typeface="Times New Roman" panose="02020603050405020304" pitchFamily="18" charset="0"/>
-            </a:endParaRPr>
           </a:p>
         </p:txBody>
       </p:sp>
@@ -14430,7 +13021,7 @@
         <p:spPr>
           <a:xfrm>
             <a:off x="1971675" y="1923581"/>
-            <a:ext cx="9389052" cy="3748719"/>
+            <a:ext cx="9389052" cy="3513719"/>
           </a:xfrm>
           <a:prstGeom prst="rect">
             <a:avLst/>
@@ -14453,18 +13044,11 @@
               <a:buChar char="•"/>
             </a:pPr>
             <a:r>
-              <a:rPr lang="en-US" sz="2400" dirty="0">
-                <a:latin typeface="Times New Roman" panose="02020603050405020304" pitchFamily="18" charset="0"/>
-                <a:cs typeface="Times New Roman" panose="02020603050405020304" pitchFamily="18" charset="0"/>
-              </a:rPr>
-              <a:t>WiFiManager wm</a:t>
-            </a:r>
-            <a:r>
-              <a:rPr lang="en-US" sz="2400" dirty="0" smtClean="0">
-                <a:latin typeface="Times New Roman" panose="02020603050405020304" pitchFamily="18" charset="0"/>
-                <a:cs typeface="Times New Roman" panose="02020603050405020304" pitchFamily="18" charset="0"/>
-              </a:rPr>
-              <a:t>;</a:t>
+              <a:rPr lang="en-US" sz="2000" dirty="0">
+                <a:latin typeface="Segoe UI Black" panose="020B0A02040204020203" pitchFamily="34" charset="0"/>
+                <a:cs typeface="Times New Roman" panose="02020603050405020304" pitchFamily="18" charset="0"/>
+              </a:rPr>
+              <a:t>WiFiManager wm;</a:t>
             </a:r>
           </a:p>
           <a:p>
@@ -14477,8 +13061,8 @@
               </a:spcBef>
             </a:pPr>
             <a:r>
-              <a:rPr lang="en-US" sz="2400" i="1" dirty="0" smtClean="0">
-                <a:latin typeface="Times New Roman" panose="02020603050405020304" pitchFamily="18" charset="0"/>
+              <a:rPr lang="en-US" sz="2000" i="1" dirty="0">
+                <a:latin typeface="Segoe UI Black" panose="020B0A02040204020203" pitchFamily="34" charset="0"/>
                 <a:cs typeface="Times New Roman" panose="02020603050405020304" pitchFamily="18" charset="0"/>
               </a:rPr>
               <a:t>Gọi tắt tên của WiFiManager với tên là wm</a:t>
@@ -14493,8 +13077,8 @@
                 <a:spcPts val="0"/>
               </a:spcBef>
             </a:pPr>
-            <a:endParaRPr lang="en-US" sz="2400" i="1" dirty="0" smtClean="0">
-              <a:latin typeface="Times New Roman" panose="02020603050405020304" pitchFamily="18" charset="0"/>
+            <a:endParaRPr lang="en-US" sz="2000" i="1" dirty="0">
+              <a:latin typeface="Segoe UI Black" panose="020B0A02040204020203" pitchFamily="34" charset="0"/>
               <a:cs typeface="Times New Roman" panose="02020603050405020304" pitchFamily="18" charset="0"/>
             </a:endParaRPr>
           </a:p>
@@ -14507,18 +13091,11 @@
               <a:buChar char="•"/>
             </a:pPr>
             <a:r>
-              <a:rPr lang="en-US" sz="2400" dirty="0">
-                <a:latin typeface="Times New Roman" panose="02020603050405020304" pitchFamily="18" charset="0"/>
-                <a:cs typeface="Times New Roman" panose="02020603050405020304" pitchFamily="18" charset="0"/>
-              </a:rPr>
-              <a:t>wm.resetSettings</a:t>
-            </a:r>
-            <a:r>
-              <a:rPr lang="en-US" sz="2400" dirty="0" smtClean="0">
-                <a:latin typeface="Times New Roman" panose="02020603050405020304" pitchFamily="18" charset="0"/>
-                <a:cs typeface="Times New Roman" panose="02020603050405020304" pitchFamily="18" charset="0"/>
-              </a:rPr>
-              <a:t>();</a:t>
+              <a:rPr lang="en-US" sz="2000" dirty="0">
+                <a:latin typeface="Segoe UI Black" panose="020B0A02040204020203" pitchFamily="34" charset="0"/>
+                <a:cs typeface="Times New Roman" panose="02020603050405020304" pitchFamily="18" charset="0"/>
+              </a:rPr>
+              <a:t>wm.resetSettings();</a:t>
             </a:r>
           </a:p>
           <a:p>
@@ -14528,8 +13105,8 @@
               </a:lnSpc>
             </a:pPr>
             <a:r>
-              <a:rPr lang="en-US" sz="2400" i="1" dirty="0" smtClean="0">
-                <a:latin typeface="Times New Roman" panose="02020603050405020304" pitchFamily="18" charset="0"/>
+              <a:rPr lang="en-US" sz="2000" i="1" dirty="0">
+                <a:latin typeface="Segoe UI Black" panose="020B0A02040204020203" pitchFamily="34" charset="0"/>
                 <a:cs typeface="Times New Roman" panose="02020603050405020304" pitchFamily="18" charset="0"/>
               </a:rPr>
               <a:t>Trong khi test ta sử dụng reset để mở AP để setting sau mỗi lần khởi động</a:t>
@@ -14542,16 +13119,12 @@
               </a:lnSpc>
             </a:pPr>
             <a:r>
-              <a:rPr lang="en-US" sz="2400" i="1" dirty="0" smtClean="0">
-                <a:latin typeface="Times New Roman" panose="02020603050405020304" pitchFamily="18" charset="0"/>
+              <a:rPr lang="en-US" sz="2000" i="1" dirty="0">
+                <a:latin typeface="Segoe UI Black" panose="020B0A02040204020203" pitchFamily="34" charset="0"/>
                 <a:cs typeface="Times New Roman" panose="02020603050405020304" pitchFamily="18" charset="0"/>
               </a:rPr>
               <a:t>Tắt reset nếu đã hoàn thành công việc test sau khi set up wifi sẽ tắt AP để luôn luôn truy cập vào một điểm cố định đã được lưu vào bộ nhớ lưu trữ dữ liệu wifi</a:t>
             </a:r>
-            <a:endParaRPr lang="en-US" sz="2400" i="1" dirty="0">
-              <a:latin typeface="Times New Roman" panose="02020603050405020304" pitchFamily="18" charset="0"/>
-              <a:cs typeface="Times New Roman" panose="02020603050405020304" pitchFamily="18" charset="0"/>
-            </a:endParaRPr>
           </a:p>
           <a:p>
             <a:pPr>
@@ -14563,7 +13136,7 @@
               </a:spcBef>
             </a:pPr>
             <a:endParaRPr lang="en-US" sz="2400" dirty="0">
-              <a:latin typeface="Times New Roman" panose="02020603050405020304" pitchFamily="18" charset="0"/>
+              <a:latin typeface="Segoe UI Black" panose="020B0A02040204020203" pitchFamily="34" charset="0"/>
               <a:cs typeface="Times New Roman" panose="02020603050405020304" pitchFamily="18" charset="0"/>
             </a:endParaRPr>
           </a:p>
@@ -14579,13 +13152,6 @@
   <p:clrMapOvr>
     <a:masterClrMapping/>
   </p:clrMapOvr>
-  <p:timing>
-    <p:tnLst>
-      <p:par>
-        <p:cTn id="1" dur="indefinite" restart="never" nodeType="tmRoot"/>
-      </p:par>
-    </p:tnLst>
-  </p:timing>
 </p:sld>
 </file>
 
@@ -14618,8 +13184,8 @@
         </p:nvSpPr>
         <p:spPr>
           <a:xfrm>
-            <a:off x="1971675" y="571487"/>
-            <a:ext cx="4711546" cy="590931"/>
+            <a:off x="1971675" y="613037"/>
+            <a:ext cx="3913251" cy="507831"/>
           </a:xfrm>
           <a:prstGeom prst="rect">
             <a:avLst/>
@@ -14633,7 +13199,7 @@
           <a:lstStyle/>
           <a:p>
             <a:r>
-              <a:rPr lang="en-US" sz="3600" b="1" dirty="0" smtClean="0">
+              <a:rPr lang="en-US" sz="3000" b="1" dirty="0">
                 <a:solidFill>
                   <a:srgbClr val="FF0000"/>
                 </a:solidFill>
@@ -14644,25 +13210,11 @@
                     </a:srgbClr>
                   </a:outerShdw>
                 </a:effectLst>
-                <a:latin typeface="Times New Roman" panose="02020603050405020304" pitchFamily="18" charset="0"/>
+                <a:latin typeface="Segoe UI Black" panose="020B0A02040204020203" pitchFamily="34" charset="0"/>
                 <a:cs typeface="Times New Roman" panose="02020603050405020304" pitchFamily="18" charset="0"/>
               </a:rPr>
               <a:t>1.2 EXAMPLE BASIC</a:t>
             </a:r>
-            <a:endParaRPr lang="en-US" sz="3600" b="1" dirty="0">
-              <a:solidFill>
-                <a:srgbClr val="FF0000"/>
-              </a:solidFill>
-              <a:effectLst>
-                <a:outerShdw blurRad="38100" dist="38100" dir="2700000" algn="tl">
-                  <a:srgbClr val="000000">
-                    <a:alpha val="43137"/>
-                  </a:srgbClr>
-                </a:outerShdw>
-              </a:effectLst>
-              <a:latin typeface="Times New Roman" panose="02020603050405020304" pitchFamily="18" charset="0"/>
-              <a:cs typeface="Times New Roman" panose="02020603050405020304" pitchFamily="18" charset="0"/>
-            </a:endParaRPr>
           </a:p>
         </p:txBody>
       </p:sp>
@@ -14675,7 +13227,7 @@
         <p:spPr>
           <a:xfrm>
             <a:off x="1971674" y="1840563"/>
-            <a:ext cx="9398289" cy="3342453"/>
+            <a:ext cx="9398289" cy="2774221"/>
           </a:xfrm>
           <a:prstGeom prst="rect">
             <a:avLst/>
@@ -14698,16 +13250,12 @@
               <a:buChar char="•"/>
             </a:pPr>
             <a:r>
-              <a:rPr lang="en-US" sz="2400" dirty="0">
-                <a:latin typeface="Times New Roman" panose="02020603050405020304" pitchFamily="18" charset="0"/>
+              <a:rPr lang="en-US" sz="2000" dirty="0">
+                <a:latin typeface="Segoe UI Black" panose="020B0A02040204020203" pitchFamily="34" charset="0"/>
                 <a:cs typeface="Times New Roman" panose="02020603050405020304" pitchFamily="18" charset="0"/>
               </a:rPr>
               <a:t>res = wm.autoConnect(); </a:t>
             </a:r>
-            <a:endParaRPr lang="en-US" sz="2400" dirty="0" smtClean="0">
-              <a:latin typeface="Times New Roman" panose="02020603050405020304" pitchFamily="18" charset="0"/>
-              <a:cs typeface="Times New Roman" panose="02020603050405020304" pitchFamily="18" charset="0"/>
-            </a:endParaRPr>
           </a:p>
           <a:p>
             <a:pPr marL="342900" indent="-342900">
@@ -14721,18 +13269,11 @@
               <a:buChar char="•"/>
             </a:pPr>
             <a:r>
-              <a:rPr lang="en-US" sz="2400" dirty="0" smtClean="0">
-                <a:latin typeface="Times New Roman" panose="02020603050405020304" pitchFamily="18" charset="0"/>
-                <a:cs typeface="Times New Roman" panose="02020603050405020304" pitchFamily="18" charset="0"/>
-              </a:rPr>
-              <a:t>res </a:t>
-            </a:r>
-            <a:r>
-              <a:rPr lang="en-US" sz="2400" dirty="0">
-                <a:latin typeface="Times New Roman" panose="02020603050405020304" pitchFamily="18" charset="0"/>
-                <a:cs typeface="Times New Roman" panose="02020603050405020304" pitchFamily="18" charset="0"/>
-              </a:rPr>
-              <a:t>= wm.autoConnect("AutoConnectAP"); </a:t>
+              <a:rPr lang="en-US" sz="2000" dirty="0">
+                <a:latin typeface="Segoe UI Black" panose="020B0A02040204020203" pitchFamily="34" charset="0"/>
+                <a:cs typeface="Times New Roman" panose="02020603050405020304" pitchFamily="18" charset="0"/>
+              </a:rPr>
+              <a:t>res = wm.autoConnect("AutoConnectAP"); </a:t>
             </a:r>
           </a:p>
           <a:p>
@@ -14747,23 +13288,12 @@
               <a:buChar char="•"/>
             </a:pPr>
             <a:r>
-              <a:rPr lang="en-US" sz="2400" dirty="0" smtClean="0">
-                <a:latin typeface="Times New Roman" panose="02020603050405020304" pitchFamily="18" charset="0"/>
-                <a:cs typeface="Times New Roman" panose="02020603050405020304" pitchFamily="18" charset="0"/>
-              </a:rPr>
-              <a:t>res </a:t>
-            </a:r>
-            <a:r>
-              <a:rPr lang="en-US" sz="2400" dirty="0">
-                <a:latin typeface="Times New Roman" panose="02020603050405020304" pitchFamily="18" charset="0"/>
-                <a:cs typeface="Times New Roman" panose="02020603050405020304" pitchFamily="18" charset="0"/>
-              </a:rPr>
-              <a:t>= wm.autoConnect("AutoConnectAP","password"); </a:t>
-            </a:r>
-            <a:endParaRPr lang="en-US" sz="2400" dirty="0" smtClean="0">
-              <a:latin typeface="Times New Roman" panose="02020603050405020304" pitchFamily="18" charset="0"/>
-              <a:cs typeface="Times New Roman" panose="02020603050405020304" pitchFamily="18" charset="0"/>
-            </a:endParaRPr>
+              <a:rPr lang="en-US" sz="2000" dirty="0">
+                <a:latin typeface="Segoe UI Black" panose="020B0A02040204020203" pitchFamily="34" charset="0"/>
+                <a:cs typeface="Times New Roman" panose="02020603050405020304" pitchFamily="18" charset="0"/>
+              </a:rPr>
+              <a:t>res = wm.autoConnect("AutoConnectAP","password"); </a:t>
+            </a:r>
           </a:p>
           <a:p>
             <a:pPr>
@@ -14774,8 +13304,8 @@
                 <a:spcPts val="0"/>
               </a:spcBef>
             </a:pPr>
-            <a:endParaRPr lang="en-US" sz="2400" i="1" dirty="0" smtClean="0">
-              <a:latin typeface="Times New Roman" panose="02020603050405020304" pitchFamily="18" charset="0"/>
+            <a:endParaRPr lang="en-US" sz="2000" i="1" dirty="0">
+              <a:latin typeface="Segoe UI Black" panose="020B0A02040204020203" pitchFamily="34" charset="0"/>
               <a:cs typeface="Times New Roman" panose="02020603050405020304" pitchFamily="18" charset="0"/>
             </a:endParaRPr>
           </a:p>
@@ -14789,8 +13319,8 @@
               </a:spcBef>
             </a:pPr>
             <a:r>
-              <a:rPr lang="en-US" sz="2400" i="1" dirty="0" smtClean="0">
-                <a:latin typeface="Times New Roman" panose="02020603050405020304" pitchFamily="18" charset="0"/>
+              <a:rPr lang="en-US" sz="2000" i="1" dirty="0">
+                <a:latin typeface="Segoe UI Black" panose="020B0A02040204020203" pitchFamily="34" charset="0"/>
                 <a:cs typeface="Times New Roman" panose="02020603050405020304" pitchFamily="18" charset="0"/>
               </a:rPr>
               <a:t>	Các lệnh trên có chức năng tương tự nhau do được set up với các kiểu template để người dụng tiện với thông tin có sẵn nào.</a:t>
@@ -14806,8 +13336,8 @@
               </a:spcBef>
             </a:pPr>
             <a:r>
-              <a:rPr lang="en-US" sz="2400" i="1" dirty="0" smtClean="0">
-                <a:latin typeface="Times New Roman" panose="02020603050405020304" pitchFamily="18" charset="0"/>
+              <a:rPr lang="en-US" sz="2000" i="1" dirty="0">
+                <a:latin typeface="Segoe UI Black" panose="020B0A02040204020203" pitchFamily="34" charset="0"/>
                 <a:cs typeface="Times New Roman" panose="02020603050405020304" pitchFamily="18" charset="0"/>
               </a:rPr>
               <a:t>	Lệnh trên được sử dụng để kết nối các mạng wifi đã có sẵn hoặc lưu trước đó</a:t>
@@ -14825,13 +13355,6 @@
   <p:clrMapOvr>
     <a:masterClrMapping/>
   </p:clrMapOvr>
-  <p:timing>
-    <p:tnLst>
-      <p:par>
-        <p:cTn id="1" dur="indefinite" restart="never" nodeType="tmRoot"/>
-      </p:par>
-    </p:tnLst>
-  </p:timing>
 </p:sld>
 </file>
 
